--- a/Predicting Wine Quality Using Machine Learning.pptx
+++ b/Predicting Wine Quality Using Machine Learning.pptx
@@ -5,32 +5,33 @@
     <p:sldMasterId id="2147483648" r:id="rId1"/>
   </p:sldMasterIdLst>
   <p:notesMasterIdLst>
-    <p:notesMasterId r:id="rId15"/>
+    <p:notesMasterId r:id="rId16"/>
   </p:notesMasterIdLst>
   <p:sldIdLst>
     <p:sldId id="256" r:id="rId2"/>
     <p:sldId id="257" r:id="rId3"/>
     <p:sldId id="258" r:id="rId4"/>
     <p:sldId id="259" r:id="rId5"/>
-    <p:sldId id="260" r:id="rId6"/>
-    <p:sldId id="261" r:id="rId7"/>
-    <p:sldId id="262" r:id="rId8"/>
-    <p:sldId id="263" r:id="rId9"/>
-    <p:sldId id="264" r:id="rId10"/>
-    <p:sldId id="265" r:id="rId11"/>
-    <p:sldId id="266" r:id="rId12"/>
-    <p:sldId id="267" r:id="rId13"/>
-    <p:sldId id="268" r:id="rId14"/>
+    <p:sldId id="269" r:id="rId6"/>
+    <p:sldId id="260" r:id="rId7"/>
+    <p:sldId id="261" r:id="rId8"/>
+    <p:sldId id="262" r:id="rId9"/>
+    <p:sldId id="263" r:id="rId10"/>
+    <p:sldId id="264" r:id="rId11"/>
+    <p:sldId id="265" r:id="rId12"/>
+    <p:sldId id="266" r:id="rId13"/>
+    <p:sldId id="267" r:id="rId14"/>
+    <p:sldId id="268" r:id="rId15"/>
   </p:sldIdLst>
   <p:sldSz cx="12192000" cy="6858000"/>
   <p:notesSz cx="6858000" cy="9144000"/>
   <p:embeddedFontLst>
     <p:embeddedFont>
       <p:font typeface="Garamond" panose="02020404030301010803" pitchFamily="18" charset="0"/>
-      <p:regular r:id="rId16"/>
-      <p:bold r:id="rId17"/>
-      <p:italic r:id="rId18"/>
-      <p:boldItalic r:id="rId19"/>
+      <p:regular r:id="rId17"/>
+      <p:bold r:id="rId18"/>
+      <p:italic r:id="rId19"/>
+      <p:boldItalic r:id="rId20"/>
     </p:embeddedFont>
   </p:embeddedFontLst>
   <p:defaultTextStyle>
@@ -263,8 +264,11 @@
     </a:lvl9pPr>
   </p:defaultTextStyle>
   <p:extLst>
+    <p:ext uri="{EFAFB233-063F-42B5-8137-9DF3F51BA10A}">
+      <p15:sldGuideLst xmlns:p15="http://schemas.microsoft.com/office/powerpoint/2012/main"/>
+    </p:ext>
     <p:ext uri="GoogleSlidesCustomDataVersion2">
-      <go:slidesCustomData xmlns:go="http://customooxmlschemas.google.com/" xmlns:ahyp="http://schemas.microsoft.com/office/drawing/2018/hyperlinkcolor" xmlns:p15="http://schemas.microsoft.com/office/powerpoint/2012/main" xmlns:p14="http://schemas.microsoft.com/office/powerpoint/2010/main" xmlns:com="http://schemas.openxmlformats.org/drawingml/2006/compatibility" xmlns:pvml="urn:schemas-microsoft-com:office:powerpoint" xmlns:v="urn:schemas-microsoft-com:vml" xmlns:o="urn:schemas-microsoft-com:office:office" xmlns:dgm="http://schemas.openxmlformats.org/drawingml/2006/diagram" xmlns:c="http://schemas.openxmlformats.org/drawingml/2006/chart" xmlns:mv="urn:schemas-microsoft-com:mac:vml" xmlns:mc="http://schemas.openxmlformats.org/markup-compatibility/2006" xmlns="" r:id="rId22" roundtripDataSignature="AMtx7mjaozLItv9YLxJZuLosdxnWY/HTUQ=="/>
+      <go:slidesCustomData xmlns="" xmlns:mc="http://schemas.openxmlformats.org/markup-compatibility/2006" xmlns:mv="urn:schemas-microsoft-com:mac:vml" xmlns:c="http://schemas.openxmlformats.org/drawingml/2006/chart" xmlns:dgm="http://schemas.openxmlformats.org/drawingml/2006/diagram" xmlns:o="urn:schemas-microsoft-com:office:office" xmlns:v="urn:schemas-microsoft-com:vml" xmlns:pvml="urn:schemas-microsoft-com:office:powerpoint" xmlns:com="http://schemas.openxmlformats.org/drawingml/2006/compatibility" xmlns:p14="http://schemas.microsoft.com/office/powerpoint/2010/main" xmlns:p15="http://schemas.microsoft.com/office/powerpoint/2012/main" xmlns:ahyp="http://schemas.microsoft.com/office/drawing/2018/hyperlinkcolor" xmlns:go="http://customooxmlschemas.google.com/" r:id="rId22" roundtripDataSignature="AMtx7mjaozLItv9YLxJZuLosdxnWY/HTUQ=="/>
     </p:ext>
   </p:extLst>
 </p:presentation>
@@ -1572,6 +1576,179 @@
   <p:cSld>
     <p:spTree>
       <p:nvGrpSpPr>
+        <p:cNvPr id="1" name="Shape 215"/>
+        <p:cNvGrpSpPr/>
+        <p:nvPr/>
+      </p:nvGrpSpPr>
+      <p:grpSpPr>
+        <a:xfrm>
+          <a:off x="0" y="0"/>
+          <a:ext cx="0" cy="0"/>
+          <a:chOff x="0" y="0"/>
+          <a:chExt cx="0" cy="0"/>
+        </a:xfrm>
+      </p:grpSpPr>
+      <p:sp>
+        <p:nvSpPr>
+          <p:cNvPr id="216" name="Google Shape;216;p8:notes"/>
+          <p:cNvSpPr>
+            <a:spLocks noGrp="1" noRot="1" noChangeAspect="1"/>
+          </p:cNvSpPr>
+          <p:nvPr>
+            <p:ph type="sldImg" idx="2"/>
+          </p:nvPr>
+        </p:nvSpPr>
+        <p:spPr>
+          <a:xfrm>
+            <a:off x="685800" y="1143000"/>
+            <a:ext cx="5486400" cy="3086100"/>
+          </a:xfrm>
+          <a:custGeom>
+            <a:avLst/>
+            <a:gdLst/>
+            <a:ahLst/>
+            <a:cxnLst/>
+            <a:rect l="l" t="t" r="r" b="b"/>
+            <a:pathLst>
+              <a:path w="120000" h="120000" extrusionOk="0">
+                <a:moveTo>
+                  <a:pt x="0" y="0"/>
+                </a:moveTo>
+                <a:lnTo>
+                  <a:pt x="120000" y="0"/>
+                </a:lnTo>
+                <a:lnTo>
+                  <a:pt x="120000" y="120000"/>
+                </a:lnTo>
+                <a:lnTo>
+                  <a:pt x="0" y="120000"/>
+                </a:lnTo>
+                <a:close/>
+              </a:path>
+            </a:pathLst>
+          </a:custGeom>
+          <a:noFill/>
+          <a:ln w="12700" cap="flat" cmpd="sng">
+            <a:solidFill>
+              <a:srgbClr val="000000"/>
+            </a:solidFill>
+            <a:prstDash val="solid"/>
+            <a:round/>
+            <a:headEnd type="none" w="sm" len="sm"/>
+            <a:tailEnd type="none" w="sm" len="sm"/>
+          </a:ln>
+        </p:spPr>
+      </p:sp>
+      <p:sp>
+        <p:nvSpPr>
+          <p:cNvPr id="217" name="Google Shape;217;p8:notes"/>
+          <p:cNvSpPr txBox="1">
+            <a:spLocks noGrp="1"/>
+          </p:cNvSpPr>
+          <p:nvPr>
+            <p:ph type="body" idx="1"/>
+          </p:nvPr>
+        </p:nvSpPr>
+        <p:spPr>
+          <a:xfrm>
+            <a:off x="685800" y="4400550"/>
+            <a:ext cx="5486400" cy="3600450"/>
+          </a:xfrm>
+          <a:prstGeom prst="rect">
+            <a:avLst/>
+          </a:prstGeom>
+          <a:noFill/>
+          <a:ln>
+            <a:noFill/>
+          </a:ln>
+        </p:spPr>
+        <p:txBody>
+          <a:bodyPr spcFirstLastPara="1" wrap="square" lIns="91425" tIns="45700" rIns="91425" bIns="45700" anchor="t" anchorCtr="0">
+            <a:noAutofit/>
+          </a:bodyPr>
+          <a:lstStyle/>
+          <a:p>
+            <a:pPr marL="0" lvl="0" indent="0" algn="l" rtl="0">
+              <a:spcBef>
+                <a:spcPts val="0"/>
+              </a:spcBef>
+              <a:spcAft>
+                <a:spcPts val="0"/>
+              </a:spcAft>
+              <a:buNone/>
+            </a:pPr>
+            <a:r>
+              <a:rPr lang="en-US" dirty="0">
+                <a:latin typeface="Times New Roman"/>
+                <a:ea typeface="Times New Roman"/>
+                <a:cs typeface="Times New Roman"/>
+                <a:sym typeface="Times New Roman"/>
+              </a:rPr>
+              <a:t>I tested three regression models to see how they would predict continuous wine quality scores. I started with Linear Regression, believing the relationship was linear and straightforward. The tree-based Random Forest can find out how various features interact with each other. Another similar model, called XGBoost, performs very well on data organized in tables. I examined the models by checking RMSE, MAE, and R-squared to measure their performance.</a:t>
+            </a:r>
+            <a:endParaRPr dirty="0"/>
+          </a:p>
+        </p:txBody>
+      </p:sp>
+      <p:sp>
+        <p:nvSpPr>
+          <p:cNvPr id="218" name="Google Shape;218;p8:notes"/>
+          <p:cNvSpPr txBox="1">
+            <a:spLocks noGrp="1"/>
+          </p:cNvSpPr>
+          <p:nvPr>
+            <p:ph type="sldNum" idx="12"/>
+          </p:nvPr>
+        </p:nvSpPr>
+        <p:spPr>
+          <a:xfrm>
+            <a:off x="3884613" y="8685213"/>
+            <a:ext cx="2971800" cy="458787"/>
+          </a:xfrm>
+          <a:prstGeom prst="rect">
+            <a:avLst/>
+          </a:prstGeom>
+          <a:noFill/>
+          <a:ln>
+            <a:noFill/>
+          </a:ln>
+        </p:spPr>
+        <p:txBody>
+          <a:bodyPr spcFirstLastPara="1" wrap="square" lIns="91425" tIns="45700" rIns="91425" bIns="45700" anchor="b" anchorCtr="0">
+            <a:noAutofit/>
+          </a:bodyPr>
+          <a:lstStyle/>
+          <a:p>
+            <a:pPr marL="0" lvl="0" indent="0" algn="r" rtl="0">
+              <a:spcBef>
+                <a:spcPts val="0"/>
+              </a:spcBef>
+              <a:spcAft>
+                <a:spcPts val="0"/>
+              </a:spcAft>
+              <a:buNone/>
+            </a:pPr>
+            <a:fld id="{00000000-1234-1234-1234-123412341234}" type="slidenum">
+              <a:rPr lang="en-US"/>
+              <a:t>10</a:t>
+            </a:fld>
+            <a:endParaRPr/>
+          </a:p>
+        </p:txBody>
+      </p:sp>
+    </p:spTree>
+  </p:cSld>
+  <p:clrMapOvr>
+    <a:masterClrMapping/>
+  </p:clrMapOvr>
+</p:notes>
+</file>
+
+<file path=ppt/notesSlides/notesSlide11.xml><?xml version="1.0" encoding="utf-8"?>
+<p:notes xmlns:a="http://schemas.openxmlformats.org/drawingml/2006/main" xmlns:r="http://schemas.openxmlformats.org/officeDocument/2006/relationships" xmlns:p="http://schemas.openxmlformats.org/presentationml/2006/main" showMasterSp="0" showMasterPhAnim="0">
+  <p:cSld>
+    <p:spTree>
+      <p:nvGrpSpPr>
         <p:cNvPr id="1" name="Shape 224"/>
         <p:cNvGrpSpPr/>
         <p:nvPr/>
@@ -1674,7 +1851,7 @@
               <a:buNone/>
             </a:pPr>
             <a:r>
-              <a:rPr lang="en-US">
+              <a:rPr lang="en-US" dirty="0">
                 <a:latin typeface="Times New Roman"/>
                 <a:ea typeface="Times New Roman"/>
                 <a:cs typeface="Times New Roman"/>
@@ -1682,7 +1859,7 @@
               </a:rPr>
               <a:t>I chose to use Logistic Regression, Random Forest, and XGBoost to classify wines as good or bad. However, it has a basic design. Logistic regression struggles with imbalanced groups, hence resulting in poor recall. Overall, Random Forest achieved both high accuracy and a good level of both precision and recall. In the following place, XGBoost helped by identifying a larger collection of excellent wines. It was found that the performance of ensemble models outperformed others on complex data used for classification.</a:t>
             </a:r>
-            <a:endParaRPr/>
+            <a:endParaRPr dirty="0"/>
           </a:p>
         </p:txBody>
       </p:sp>
@@ -1726,7 +1903,7 @@
             </a:pPr>
             <a:fld id="{00000000-1234-1234-1234-123412341234}" type="slidenum">
               <a:rPr lang="en-US"/>
-              <a:t>10</a:t>
+              <a:t>11</a:t>
             </a:fld>
             <a:endParaRPr/>
           </a:p>
@@ -1740,7 +1917,7 @@
 </p:notes>
 </file>
 
-<file path=ppt/notesSlides/notesSlide11.xml><?xml version="1.0" encoding="utf-8"?>
+<file path=ppt/notesSlides/notesSlide12.xml><?xml version="1.0" encoding="utf-8"?>
 <p:notes xmlns:a="http://schemas.openxmlformats.org/drawingml/2006/main" xmlns:r="http://schemas.openxmlformats.org/officeDocument/2006/relationships" xmlns:p="http://schemas.openxmlformats.org/presentationml/2006/main" showMasterSp="0" showMasterPhAnim="0">
   <p:cSld>
     <p:spTree>
@@ -1847,7 +2024,7 @@
               <a:buNone/>
             </a:pPr>
             <a:r>
-              <a:rPr lang="en-US">
+              <a:rPr lang="en-US" dirty="0">
                 <a:latin typeface="Times New Roman"/>
                 <a:ea typeface="Times New Roman"/>
                 <a:cs typeface="Times New Roman"/>
@@ -1855,7 +2032,7 @@
               </a:rPr>
               <a:t>Random Forest was the best-performing model in both regression and classification. For regression, the errors in predictions were among the lowest, and the model accounted for half of the changes in quality. Classification showed the most excellent accuracy and F1-score, proving that the precision and recall were evenly good. According to experts, tree-based models give insights into why a prediction is made by highlighting its top features. It is important to balance the accuracy, ease of understanding, and computational demands of the model when making a decision.</a:t>
             </a:r>
-            <a:endParaRPr/>
+            <a:endParaRPr dirty="0"/>
           </a:p>
         </p:txBody>
       </p:sp>
@@ -1899,7 +2076,7 @@
             </a:pPr>
             <a:fld id="{00000000-1234-1234-1234-123412341234}" type="slidenum">
               <a:rPr lang="en-US"/>
-              <a:t>11</a:t>
+              <a:t>12</a:t>
             </a:fld>
             <a:endParaRPr/>
           </a:p>
@@ -1913,7 +2090,7 @@
 </p:notes>
 </file>
 
-<file path=ppt/notesSlides/notesSlide12.xml><?xml version="1.0" encoding="utf-8"?>
+<file path=ppt/notesSlides/notesSlide13.xml><?xml version="1.0" encoding="utf-8"?>
 <p:notes xmlns:a="http://schemas.openxmlformats.org/drawingml/2006/main" xmlns:r="http://schemas.openxmlformats.org/officeDocument/2006/relationships" xmlns:p="http://schemas.openxmlformats.org/presentationml/2006/main" showMasterSp="0" showMasterPhAnim="0">
   <p:cSld>
     <p:spTree>
@@ -2020,7 +2197,7 @@
               <a:buNone/>
             </a:pPr>
             <a:r>
-              <a:rPr lang="en-US">
+              <a:rPr lang="en-US" dirty="0">
                 <a:latin typeface="Times New Roman"/>
                 <a:ea typeface="Times New Roman"/>
                 <a:cs typeface="Times New Roman"/>
@@ -2028,7 +2205,7 @@
               </a:rPr>
               <a:t>The analysis of features found that the alcohol level in wine has the most significant impact on its quality, closely followed by free sulfur dioxide and volatile acidity. The results are consistent with what is understood about chemistry and winemaking. SHAP analysis also showed how the values of each feature can affect the predictions by highlighting fine relationships. It considers how features interact, giving us a real idea of what affects wine quality.</a:t>
             </a:r>
-            <a:endParaRPr/>
+            <a:endParaRPr dirty="0"/>
           </a:p>
         </p:txBody>
       </p:sp>
@@ -2072,7 +2249,7 @@
             </a:pPr>
             <a:fld id="{00000000-1234-1234-1234-123412341234}" type="slidenum">
               <a:rPr lang="en-US"/>
-              <a:t>12</a:t>
+              <a:t>13</a:t>
             </a:fld>
             <a:endParaRPr/>
           </a:p>
@@ -2086,7 +2263,7 @@
 </p:notes>
 </file>
 
-<file path=ppt/notesSlides/notesSlide13.xml><?xml version="1.0" encoding="utf-8"?>
+<file path=ppt/notesSlides/notesSlide14.xml><?xml version="1.0" encoding="utf-8"?>
 <p:notes xmlns:a="http://schemas.openxmlformats.org/drawingml/2006/main" xmlns:r="http://schemas.openxmlformats.org/officeDocument/2006/relationships" xmlns:p="http://schemas.openxmlformats.org/presentationml/2006/main" showMasterSp="0" showMasterPhAnim="0">
   <p:cSld>
     <p:spTree>
@@ -2245,7 +2422,7 @@
             </a:pPr>
             <a:fld id="{00000000-1234-1234-1234-123412341234}" type="slidenum">
               <a:rPr lang="en-US"/>
-              <a:t>13</a:t>
+              <a:t>14</a:t>
             </a:fld>
             <a:endParaRPr/>
           </a:p>
@@ -2783,6 +2960,208 @@
   <p:cSld>
     <p:spTree>
       <p:nvGrpSpPr>
+        <p:cNvPr id="1" name="Shape 171">
+          <a:extLst>
+            <a:ext uri="{FF2B5EF4-FFF2-40B4-BE49-F238E27FC236}">
+              <a16:creationId xmlns:a16="http://schemas.microsoft.com/office/drawing/2014/main" id="{E63CA52E-6199-6949-E397-03089BC4DD35}"/>
+            </a:ext>
+          </a:extLst>
+        </p:cNvPr>
+        <p:cNvGrpSpPr/>
+        <p:nvPr/>
+      </p:nvGrpSpPr>
+      <p:grpSpPr>
+        <a:xfrm>
+          <a:off x="0" y="0"/>
+          <a:ext cx="0" cy="0"/>
+          <a:chOff x="0" y="0"/>
+          <a:chExt cx="0" cy="0"/>
+        </a:xfrm>
+      </p:grpSpPr>
+      <p:sp>
+        <p:nvSpPr>
+          <p:cNvPr id="172" name="Google Shape;172;g36755b881c3_0_233:notes">
+            <a:extLst>
+              <a:ext uri="{FF2B5EF4-FFF2-40B4-BE49-F238E27FC236}">
+                <a16:creationId xmlns:a16="http://schemas.microsoft.com/office/drawing/2014/main" id="{DAB75A1C-39EA-0E01-645E-3AC4A842C4B2}"/>
+              </a:ext>
+            </a:extLst>
+          </p:cNvPr>
+          <p:cNvSpPr>
+            <a:spLocks noGrp="1" noRot="1" noChangeAspect="1"/>
+          </p:cNvSpPr>
+          <p:nvPr>
+            <p:ph type="sldImg" idx="2"/>
+          </p:nvPr>
+        </p:nvSpPr>
+        <p:spPr>
+          <a:xfrm>
+            <a:off x="685800" y="1143000"/>
+            <a:ext cx="5486400" cy="3086100"/>
+          </a:xfrm>
+          <a:custGeom>
+            <a:avLst/>
+            <a:gdLst/>
+            <a:ahLst/>
+            <a:cxnLst/>
+            <a:rect l="l" t="t" r="r" b="b"/>
+            <a:pathLst>
+              <a:path w="120000" h="120000" extrusionOk="0">
+                <a:moveTo>
+                  <a:pt x="0" y="0"/>
+                </a:moveTo>
+                <a:lnTo>
+                  <a:pt x="120000" y="0"/>
+                </a:lnTo>
+                <a:lnTo>
+                  <a:pt x="120000" y="120000"/>
+                </a:lnTo>
+                <a:lnTo>
+                  <a:pt x="0" y="120000"/>
+                </a:lnTo>
+                <a:close/>
+              </a:path>
+            </a:pathLst>
+          </a:custGeom>
+          <a:noFill/>
+          <a:ln w="12700" cap="flat" cmpd="sng">
+            <a:solidFill>
+              <a:srgbClr val="000000"/>
+            </a:solidFill>
+            <a:prstDash val="solid"/>
+            <a:round/>
+            <a:headEnd type="none" w="sm" len="sm"/>
+            <a:tailEnd type="none" w="sm" len="sm"/>
+          </a:ln>
+        </p:spPr>
+      </p:sp>
+      <p:sp>
+        <p:nvSpPr>
+          <p:cNvPr id="173" name="Google Shape;173;g36755b881c3_0_233:notes">
+            <a:extLst>
+              <a:ext uri="{FF2B5EF4-FFF2-40B4-BE49-F238E27FC236}">
+                <a16:creationId xmlns:a16="http://schemas.microsoft.com/office/drawing/2014/main" id="{00270947-DF49-9ACB-9EF7-E9218EF33D63}"/>
+              </a:ext>
+            </a:extLst>
+          </p:cNvPr>
+          <p:cNvSpPr txBox="1">
+            <a:spLocks noGrp="1"/>
+          </p:cNvSpPr>
+          <p:nvPr>
+            <p:ph type="body" idx="1"/>
+          </p:nvPr>
+        </p:nvSpPr>
+        <p:spPr>
+          <a:xfrm>
+            <a:off x="685800" y="4400550"/>
+            <a:ext cx="5486400" cy="3600600"/>
+          </a:xfrm>
+          <a:prstGeom prst="rect">
+            <a:avLst/>
+          </a:prstGeom>
+          <a:noFill/>
+          <a:ln>
+            <a:noFill/>
+          </a:ln>
+        </p:spPr>
+        <p:txBody>
+          <a:bodyPr spcFirstLastPara="1" wrap="square" lIns="91425" tIns="45700" rIns="91425" bIns="45700" anchor="t" anchorCtr="0">
+            <a:noAutofit/>
+          </a:bodyPr>
+          <a:lstStyle/>
+          <a:p>
+            <a:pPr marL="0" lvl="0" indent="0" algn="l" rtl="0">
+              <a:spcBef>
+                <a:spcPts val="0"/>
+              </a:spcBef>
+              <a:spcAft>
+                <a:spcPts val="0"/>
+              </a:spcAft>
+              <a:buNone/>
+            </a:pPr>
+            <a:r>
+              <a:rPr lang="en-US">
+                <a:latin typeface="Times New Roman"/>
+                <a:ea typeface="Times New Roman"/>
+                <a:cs typeface="Times New Roman"/>
+                <a:sym typeface="Times New Roman"/>
+              </a:rPr>
+              <a:t>Today, I will describe our project on how machine learning is used to predict how well white wine will be evaluated. Predicting wine quality benefits both those who make it and those who drink or sell it. Our model was trained on data with nearly 5,000 samples, including quality scores and 11 chemical measurements. We wanted to see whether we could estimate the quality of wine as a value or identify it as either good or bad using data analysis methods called regression and classification.</a:t>
+            </a:r>
+            <a:endParaRPr/>
+          </a:p>
+        </p:txBody>
+      </p:sp>
+      <p:sp>
+        <p:nvSpPr>
+          <p:cNvPr id="174" name="Google Shape;174;g36755b881c3_0_233:notes">
+            <a:extLst>
+              <a:ext uri="{FF2B5EF4-FFF2-40B4-BE49-F238E27FC236}">
+                <a16:creationId xmlns:a16="http://schemas.microsoft.com/office/drawing/2014/main" id="{A02D8A66-E1D6-24C6-8DD9-7CCC058856E0}"/>
+              </a:ext>
+            </a:extLst>
+          </p:cNvPr>
+          <p:cNvSpPr txBox="1">
+            <a:spLocks noGrp="1"/>
+          </p:cNvSpPr>
+          <p:nvPr>
+            <p:ph type="sldNum" idx="12"/>
+          </p:nvPr>
+        </p:nvSpPr>
+        <p:spPr>
+          <a:xfrm>
+            <a:off x="3884613" y="8685213"/>
+            <a:ext cx="2971800" cy="458700"/>
+          </a:xfrm>
+          <a:prstGeom prst="rect">
+            <a:avLst/>
+          </a:prstGeom>
+          <a:noFill/>
+          <a:ln>
+            <a:noFill/>
+          </a:ln>
+        </p:spPr>
+        <p:txBody>
+          <a:bodyPr spcFirstLastPara="1" wrap="square" lIns="91425" tIns="45700" rIns="91425" bIns="45700" anchor="b" anchorCtr="0">
+            <a:noAutofit/>
+          </a:bodyPr>
+          <a:lstStyle/>
+          <a:p>
+            <a:pPr marL="0" lvl="0" indent="0" algn="r" rtl="0">
+              <a:spcBef>
+                <a:spcPts val="0"/>
+              </a:spcBef>
+              <a:spcAft>
+                <a:spcPts val="0"/>
+              </a:spcAft>
+              <a:buNone/>
+            </a:pPr>
+            <a:fld id="{00000000-1234-1234-1234-123412341234}" type="slidenum">
+              <a:rPr lang="en-US"/>
+              <a:t>5</a:t>
+            </a:fld>
+            <a:endParaRPr/>
+          </a:p>
+        </p:txBody>
+      </p:sp>
+    </p:spTree>
+    <p:extLst>
+      <p:ext uri="{BB962C8B-B14F-4D97-AF65-F5344CB8AC3E}">
+        <p14:creationId xmlns:p14="http://schemas.microsoft.com/office/powerpoint/2010/main" val="928766371"/>
+      </p:ext>
+    </p:extLst>
+  </p:cSld>
+  <p:clrMapOvr>
+    <a:masterClrMapping/>
+  </p:clrMapOvr>
+</p:notes>
+</file>
+
+<file path=ppt/notesSlides/notesSlide6.xml><?xml version="1.0" encoding="utf-8"?>
+<p:notes xmlns:a="http://schemas.openxmlformats.org/drawingml/2006/main" xmlns:r="http://schemas.openxmlformats.org/officeDocument/2006/relationships" xmlns:p="http://schemas.openxmlformats.org/presentationml/2006/main" showMasterSp="0" showMasterPhAnim="0">
+  <p:cSld>
+    <p:spTree>
+      <p:nvGrpSpPr>
         <p:cNvPr id="1" name="Shape 178"/>
         <p:cNvGrpSpPr/>
         <p:nvPr/>
@@ -2937,7 +3316,7 @@
             </a:pPr>
             <a:fld id="{00000000-1234-1234-1234-123412341234}" type="slidenum">
               <a:rPr lang="en-US"/>
-              <a:t>5</a:t>
+              <a:t>6</a:t>
             </a:fld>
             <a:endParaRPr/>
           </a:p>
@@ -2951,7 +3330,7 @@
 </p:notes>
 </file>
 
-<file path=ppt/notesSlides/notesSlide6.xml><?xml version="1.0" encoding="utf-8"?>
+<file path=ppt/notesSlides/notesSlide7.xml><?xml version="1.0" encoding="utf-8"?>
 <p:notes xmlns:a="http://schemas.openxmlformats.org/drawingml/2006/main" xmlns:r="http://schemas.openxmlformats.org/officeDocument/2006/relationships" xmlns:p="http://schemas.openxmlformats.org/presentationml/2006/main" showMasterSp="0" showMasterPhAnim="0">
   <p:cSld>
     <p:spTree>
@@ -3110,7 +3489,7 @@
             </a:pPr>
             <a:fld id="{00000000-1234-1234-1234-123412341234}" type="slidenum">
               <a:rPr lang="en-US"/>
-              <a:t>6</a:t>
+              <a:t>7</a:t>
             </a:fld>
             <a:endParaRPr/>
           </a:p>
@@ -3124,7 +3503,7 @@
 </p:notes>
 </file>
 
-<file path=ppt/notesSlides/notesSlide7.xml><?xml version="1.0" encoding="utf-8"?>
+<file path=ppt/notesSlides/notesSlide8.xml><?xml version="1.0" encoding="utf-8"?>
 <p:notes xmlns:a="http://schemas.openxmlformats.org/drawingml/2006/main" xmlns:r="http://schemas.openxmlformats.org/officeDocument/2006/relationships" xmlns:p="http://schemas.openxmlformats.org/presentationml/2006/main" showMasterSp="0" showMasterPhAnim="0">
   <p:cSld>
     <p:spTree>
@@ -3283,7 +3662,7 @@
             </a:pPr>
             <a:fld id="{00000000-1234-1234-1234-123412341234}" type="slidenum">
               <a:rPr lang="en-US"/>
-              <a:t>7</a:t>
+              <a:t>8</a:t>
             </a:fld>
             <a:endParaRPr/>
           </a:p>
@@ -3297,7 +3676,7 @@
 </p:notes>
 </file>
 
-<file path=ppt/notesSlides/notesSlide8.xml><?xml version="1.0" encoding="utf-8"?>
+<file path=ppt/notesSlides/notesSlide9.xml><?xml version="1.0" encoding="utf-8"?>
 <p:notes xmlns:a="http://schemas.openxmlformats.org/drawingml/2006/main" xmlns:r="http://schemas.openxmlformats.org/officeDocument/2006/relationships" xmlns:p="http://schemas.openxmlformats.org/presentationml/2006/main" showMasterSp="0" showMasterPhAnim="0">
   <p:cSld>
     <p:spTree>
@@ -3392,179 +3771,6 @@
             </a:pathLst>
           </a:custGeom>
         </p:spPr>
-      </p:sp>
-    </p:spTree>
-  </p:cSld>
-  <p:clrMapOvr>
-    <a:masterClrMapping/>
-  </p:clrMapOvr>
-</p:notes>
-</file>
-
-<file path=ppt/notesSlides/notesSlide9.xml><?xml version="1.0" encoding="utf-8"?>
-<p:notes xmlns:a="http://schemas.openxmlformats.org/drawingml/2006/main" xmlns:r="http://schemas.openxmlformats.org/officeDocument/2006/relationships" xmlns:p="http://schemas.openxmlformats.org/presentationml/2006/main" showMasterSp="0" showMasterPhAnim="0">
-  <p:cSld>
-    <p:spTree>
-      <p:nvGrpSpPr>
-        <p:cNvPr id="1" name="Shape 215"/>
-        <p:cNvGrpSpPr/>
-        <p:nvPr/>
-      </p:nvGrpSpPr>
-      <p:grpSpPr>
-        <a:xfrm>
-          <a:off x="0" y="0"/>
-          <a:ext cx="0" cy="0"/>
-          <a:chOff x="0" y="0"/>
-          <a:chExt cx="0" cy="0"/>
-        </a:xfrm>
-      </p:grpSpPr>
-      <p:sp>
-        <p:nvSpPr>
-          <p:cNvPr id="216" name="Google Shape;216;p8:notes"/>
-          <p:cNvSpPr>
-            <a:spLocks noGrp="1" noRot="1" noChangeAspect="1"/>
-          </p:cNvSpPr>
-          <p:nvPr>
-            <p:ph type="sldImg" idx="2"/>
-          </p:nvPr>
-        </p:nvSpPr>
-        <p:spPr>
-          <a:xfrm>
-            <a:off x="685800" y="1143000"/>
-            <a:ext cx="5486400" cy="3086100"/>
-          </a:xfrm>
-          <a:custGeom>
-            <a:avLst/>
-            <a:gdLst/>
-            <a:ahLst/>
-            <a:cxnLst/>
-            <a:rect l="l" t="t" r="r" b="b"/>
-            <a:pathLst>
-              <a:path w="120000" h="120000" extrusionOk="0">
-                <a:moveTo>
-                  <a:pt x="0" y="0"/>
-                </a:moveTo>
-                <a:lnTo>
-                  <a:pt x="120000" y="0"/>
-                </a:lnTo>
-                <a:lnTo>
-                  <a:pt x="120000" y="120000"/>
-                </a:lnTo>
-                <a:lnTo>
-                  <a:pt x="0" y="120000"/>
-                </a:lnTo>
-                <a:close/>
-              </a:path>
-            </a:pathLst>
-          </a:custGeom>
-          <a:noFill/>
-          <a:ln w="12700" cap="flat" cmpd="sng">
-            <a:solidFill>
-              <a:srgbClr val="000000"/>
-            </a:solidFill>
-            <a:prstDash val="solid"/>
-            <a:round/>
-            <a:headEnd type="none" w="sm" len="sm"/>
-            <a:tailEnd type="none" w="sm" len="sm"/>
-          </a:ln>
-        </p:spPr>
-      </p:sp>
-      <p:sp>
-        <p:nvSpPr>
-          <p:cNvPr id="217" name="Google Shape;217;p8:notes"/>
-          <p:cNvSpPr txBox="1">
-            <a:spLocks noGrp="1"/>
-          </p:cNvSpPr>
-          <p:nvPr>
-            <p:ph type="body" idx="1"/>
-          </p:nvPr>
-        </p:nvSpPr>
-        <p:spPr>
-          <a:xfrm>
-            <a:off x="685800" y="4400550"/>
-            <a:ext cx="5486400" cy="3600450"/>
-          </a:xfrm>
-          <a:prstGeom prst="rect">
-            <a:avLst/>
-          </a:prstGeom>
-          <a:noFill/>
-          <a:ln>
-            <a:noFill/>
-          </a:ln>
-        </p:spPr>
-        <p:txBody>
-          <a:bodyPr spcFirstLastPara="1" wrap="square" lIns="91425" tIns="45700" rIns="91425" bIns="45700" anchor="t" anchorCtr="0">
-            <a:noAutofit/>
-          </a:bodyPr>
-          <a:lstStyle/>
-          <a:p>
-            <a:pPr marL="0" lvl="0" indent="0" algn="l" rtl="0">
-              <a:spcBef>
-                <a:spcPts val="0"/>
-              </a:spcBef>
-              <a:spcAft>
-                <a:spcPts val="0"/>
-              </a:spcAft>
-              <a:buNone/>
-            </a:pPr>
-            <a:r>
-              <a:rPr lang="en-US">
-                <a:latin typeface="Times New Roman"/>
-                <a:ea typeface="Times New Roman"/>
-                <a:cs typeface="Times New Roman"/>
-                <a:sym typeface="Times New Roman"/>
-              </a:rPr>
-              <a:t>I tested three regression models to see how they would predict continuous wine quality scores. I started with Linear Regression, believing the relationship was linear and straightforward. The tree-based Random Forest can find out how various features interact with each other. Another similar model, called XGBoost, performs very well on data organized in tables. I examined the models by checking RMSE, MAE, and R-squared to measure their performance.</a:t>
-            </a:r>
-            <a:endParaRPr/>
-          </a:p>
-        </p:txBody>
-      </p:sp>
-      <p:sp>
-        <p:nvSpPr>
-          <p:cNvPr id="218" name="Google Shape;218;p8:notes"/>
-          <p:cNvSpPr txBox="1">
-            <a:spLocks noGrp="1"/>
-          </p:cNvSpPr>
-          <p:nvPr>
-            <p:ph type="sldNum" idx="12"/>
-          </p:nvPr>
-        </p:nvSpPr>
-        <p:spPr>
-          <a:xfrm>
-            <a:off x="3884613" y="8685213"/>
-            <a:ext cx="2971800" cy="458787"/>
-          </a:xfrm>
-          <a:prstGeom prst="rect">
-            <a:avLst/>
-          </a:prstGeom>
-          <a:noFill/>
-          <a:ln>
-            <a:noFill/>
-          </a:ln>
-        </p:spPr>
-        <p:txBody>
-          <a:bodyPr spcFirstLastPara="1" wrap="square" lIns="91425" tIns="45700" rIns="91425" bIns="45700" anchor="b" anchorCtr="0">
-            <a:noAutofit/>
-          </a:bodyPr>
-          <a:lstStyle/>
-          <a:p>
-            <a:pPr marL="0" lvl="0" indent="0" algn="r" rtl="0">
-              <a:spcBef>
-                <a:spcPts val="0"/>
-              </a:spcBef>
-              <a:spcAft>
-                <a:spcPts val="0"/>
-              </a:spcAft>
-              <a:buNone/>
-            </a:pPr>
-            <a:fld id="{00000000-1234-1234-1234-123412341234}" type="slidenum">
-              <a:rPr lang="en-US"/>
-              <a:t>9</a:t>
-            </a:fld>
-            <a:endParaRPr/>
-          </a:p>
-        </p:txBody>
       </p:sp>
     </p:spTree>
   </p:cSld>
@@ -11041,7 +11247,7 @@
             </a:lvl9pPr>
           </a:lstStyle>
           <a:p>
-            <a:endParaRPr/>
+            <a:endParaRPr dirty="0"/>
           </a:p>
         </p:txBody>
       </p:sp>
@@ -11174,7 +11380,7 @@
             </a:lvl9pPr>
           </a:lstStyle>
           <a:p>
-            <a:endParaRPr/>
+            <a:endParaRPr dirty="0"/>
           </a:p>
         </p:txBody>
       </p:sp>
@@ -14198,7 +14404,7 @@
         <p:nvCxnSpPr>
           <p:cNvPr id="63" name="Google Shape;63;p18"/>
           <p:cNvCxnSpPr/>
-          <p:nvPr/>
+          <p:nvPr userDrawn="1"/>
         </p:nvCxnSpPr>
         <p:spPr>
           <a:xfrm>
@@ -14761,7 +14967,7 @@
         <p:nvCxnSpPr>
           <p:cNvPr id="69" name="Google Shape;69;p19"/>
           <p:cNvCxnSpPr/>
-          <p:nvPr/>
+          <p:nvPr userDrawn="1"/>
         </p:nvCxnSpPr>
         <p:spPr>
           <a:xfrm>
@@ -18759,10 +18965,10 @@
               <a:buNone/>
             </a:pPr>
             <a:r>
-              <a:rPr lang="en-US" b="1"/>
+              <a:rPr lang="en-US" b="1" dirty="0"/>
               <a:t>Name : Hemlatha Kaur Saran</a:t>
             </a:r>
-            <a:endParaRPr/>
+            <a:endParaRPr dirty="0"/>
           </a:p>
           <a:p>
             <a:pPr marL="0" lvl="0" indent="0" algn="l" rtl="0">
@@ -18776,10 +18982,14 @@
               <a:buNone/>
             </a:pPr>
             <a:r>
-              <a:rPr lang="en-US" b="1"/>
-              <a:t>George David Asirvatharaj</a:t>
+              <a:rPr lang="en-US" b="1" dirty="0"/>
+              <a:t>George David </a:t>
             </a:r>
-            <a:endParaRPr b="1"/>
+            <a:r>
+              <a:rPr lang="en-US" b="1" dirty="0" err="1"/>
+              <a:t>Asirvatharaj</a:t>
+            </a:r>
+            <a:endParaRPr b="1" dirty="0"/>
           </a:p>
           <a:p>
             <a:pPr marL="0" lvl="0" indent="0" algn="l" rtl="0">
@@ -18793,10 +19003,10 @@
               <a:buNone/>
             </a:pPr>
             <a:r>
-              <a:rPr lang="en-US" b="1"/>
+              <a:rPr lang="en-US" b="1" dirty="0"/>
               <a:t>Raminder Singh</a:t>
             </a:r>
-            <a:endParaRPr/>
+            <a:endParaRPr dirty="0"/>
           </a:p>
         </p:txBody>
       </p:sp>
@@ -18809,6 +19019,276 @@
 </file>
 
 <file path=ppt/slides/slide10.xml><?xml version="1.0" encoding="utf-8"?>
+<p:sld xmlns:a="http://schemas.openxmlformats.org/drawingml/2006/main" xmlns:r="http://schemas.openxmlformats.org/officeDocument/2006/relationships" xmlns:p="http://schemas.openxmlformats.org/presentationml/2006/main">
+  <p:cSld>
+    <p:spTree>
+      <p:nvGrpSpPr>
+        <p:cNvPr id="1" name="Shape 219"/>
+        <p:cNvGrpSpPr/>
+        <p:nvPr/>
+      </p:nvGrpSpPr>
+      <p:grpSpPr>
+        <a:xfrm>
+          <a:off x="0" y="0"/>
+          <a:ext cx="0" cy="0"/>
+          <a:chOff x="0" y="0"/>
+          <a:chExt cx="0" cy="0"/>
+        </a:xfrm>
+      </p:grpSpPr>
+      <p:sp>
+        <p:nvSpPr>
+          <p:cNvPr id="220" name="Google Shape;220;p8"/>
+          <p:cNvSpPr txBox="1">
+            <a:spLocks noGrp="1"/>
+          </p:cNvSpPr>
+          <p:nvPr>
+            <p:ph type="title"/>
+          </p:nvPr>
+        </p:nvSpPr>
+        <p:spPr>
+          <a:xfrm>
+            <a:off x="1295402" y="982132"/>
+            <a:ext cx="9601196" cy="1303867"/>
+          </a:xfrm>
+          <a:prstGeom prst="rect">
+            <a:avLst/>
+          </a:prstGeom>
+          <a:noFill/>
+          <a:ln>
+            <a:noFill/>
+          </a:ln>
+        </p:spPr>
+        <p:txBody>
+          <a:bodyPr spcFirstLastPara="1" wrap="square" lIns="91425" tIns="45700" rIns="91425" bIns="45700" anchor="ctr" anchorCtr="0">
+            <a:normAutofit/>
+          </a:bodyPr>
+          <a:lstStyle/>
+          <a:p>
+            <a:pPr marL="0" lvl="0" indent="0" algn="ctr" rtl="0">
+              <a:spcBef>
+                <a:spcPts val="0"/>
+              </a:spcBef>
+              <a:spcAft>
+                <a:spcPts val="0"/>
+              </a:spcAft>
+              <a:buClr>
+                <a:srgbClr val="262626"/>
+              </a:buClr>
+              <a:buSzPts val="3600"/>
+              <a:buFont typeface="Times New Roman"/>
+              <a:buNone/>
+            </a:pPr>
+            <a:r>
+              <a:rPr lang="en-US" sz="3600" b="1">
+                <a:latin typeface="Times New Roman"/>
+                <a:ea typeface="Times New Roman"/>
+                <a:cs typeface="Times New Roman"/>
+                <a:sym typeface="Times New Roman"/>
+              </a:rPr>
+              <a:t>Model Selection – Regression</a:t>
+            </a:r>
+            <a:endParaRPr/>
+          </a:p>
+        </p:txBody>
+      </p:sp>
+      <p:sp>
+        <p:nvSpPr>
+          <p:cNvPr id="221" name="Google Shape;221;p8"/>
+          <p:cNvSpPr txBox="1">
+            <a:spLocks noGrp="1"/>
+          </p:cNvSpPr>
+          <p:nvPr>
+            <p:ph type="body" idx="1"/>
+          </p:nvPr>
+        </p:nvSpPr>
+        <p:spPr>
+          <a:xfrm>
+            <a:off x="1298448" y="2560320"/>
+            <a:ext cx="4718304" cy="3310128"/>
+          </a:xfrm>
+          <a:prstGeom prst="rect">
+            <a:avLst/>
+          </a:prstGeom>
+          <a:noFill/>
+          <a:ln>
+            <a:noFill/>
+          </a:ln>
+        </p:spPr>
+        <p:txBody>
+          <a:bodyPr spcFirstLastPara="1" wrap="square" lIns="91425" tIns="45700" rIns="91425" bIns="45700" anchor="t" anchorCtr="0">
+            <a:normAutofit fontScale="85000" lnSpcReduction="10000"/>
+          </a:bodyPr>
+          <a:lstStyle/>
+          <a:p>
+            <a:pPr marL="285750" lvl="0" indent="-285750" algn="l" rtl="0">
+              <a:spcBef>
+                <a:spcPts val="0"/>
+              </a:spcBef>
+              <a:spcAft>
+                <a:spcPts val="0"/>
+              </a:spcAft>
+              <a:buSzPct val="115000"/>
+              <a:buChar char="•"/>
+            </a:pPr>
+            <a:r>
+              <a:rPr lang="en-US">
+                <a:latin typeface="Times New Roman"/>
+                <a:ea typeface="Times New Roman"/>
+                <a:cs typeface="Times New Roman"/>
+                <a:sym typeface="Times New Roman"/>
+              </a:rPr>
+              <a:t>Models Tested – Linear Regression, Random Forest, and XGBoost.</a:t>
+            </a:r>
+            <a:endParaRPr/>
+          </a:p>
+          <a:p>
+            <a:pPr marL="285750" lvl="0" indent="-285750" algn="l" rtl="0">
+              <a:spcBef>
+                <a:spcPts val="1008"/>
+              </a:spcBef>
+              <a:spcAft>
+                <a:spcPts val="0"/>
+              </a:spcAft>
+              <a:buSzPct val="115000"/>
+              <a:buChar char="•"/>
+            </a:pPr>
+            <a:r>
+              <a:rPr lang="en-US">
+                <a:latin typeface="Times New Roman"/>
+                <a:ea typeface="Times New Roman"/>
+                <a:cs typeface="Times New Roman"/>
+                <a:sym typeface="Times New Roman"/>
+              </a:rPr>
+              <a:t>Linear Regression – Baseline with simple assumptions, limited complexity.</a:t>
+            </a:r>
+            <a:endParaRPr/>
+          </a:p>
+          <a:p>
+            <a:pPr marL="285750" lvl="0" indent="-285750" algn="l" rtl="0">
+              <a:spcBef>
+                <a:spcPts val="1008"/>
+              </a:spcBef>
+              <a:spcAft>
+                <a:spcPts val="0"/>
+              </a:spcAft>
+              <a:buSzPct val="115000"/>
+              <a:buChar char="•"/>
+            </a:pPr>
+            <a:r>
+              <a:rPr lang="en-US">
+                <a:latin typeface="Times New Roman"/>
+                <a:ea typeface="Times New Roman"/>
+                <a:cs typeface="Times New Roman"/>
+                <a:sym typeface="Times New Roman"/>
+              </a:rPr>
+              <a:t>Random Forest – Handles nonlinearities and feature interactions well.</a:t>
+            </a:r>
+            <a:endParaRPr/>
+          </a:p>
+          <a:p>
+            <a:pPr marL="285750" lvl="0" indent="-285750" algn="l" rtl="0">
+              <a:spcBef>
+                <a:spcPts val="1008"/>
+              </a:spcBef>
+              <a:spcAft>
+                <a:spcPts val="0"/>
+              </a:spcAft>
+              <a:buSzPct val="115000"/>
+              <a:buChar char="•"/>
+            </a:pPr>
+            <a:r>
+              <a:rPr lang="en-US">
+                <a:latin typeface="Times New Roman"/>
+                <a:ea typeface="Times New Roman"/>
+                <a:cs typeface="Times New Roman"/>
+                <a:sym typeface="Times New Roman"/>
+              </a:rPr>
+              <a:t>XGBoost – Powerful gradient boosting, strong performance on structured data.</a:t>
+            </a:r>
+            <a:endParaRPr/>
+          </a:p>
+          <a:p>
+            <a:pPr marL="285750" lvl="0" indent="-136779" algn="l" rtl="0">
+              <a:spcBef>
+                <a:spcPts val="1008"/>
+              </a:spcBef>
+              <a:spcAft>
+                <a:spcPts val="0"/>
+              </a:spcAft>
+              <a:buSzPct val="115000"/>
+              <a:buNone/>
+            </a:pPr>
+            <a:endParaRPr/>
+          </a:p>
+        </p:txBody>
+      </p:sp>
+      <p:pic>
+        <p:nvPicPr>
+          <p:cNvPr id="222" name="Google Shape;222;p8"/>
+          <p:cNvPicPr preferRelativeResize="0">
+            <a:picLocks noGrp="1"/>
+          </p:cNvPicPr>
+          <p:nvPr>
+            <p:ph type="body" idx="2"/>
+          </p:nvPr>
+        </p:nvPicPr>
+        <p:blipFill rotWithShape="1">
+          <a:blip r:embed="rId3">
+            <a:alphaModFix/>
+          </a:blip>
+          <a:srcRect/>
+          <a:stretch/>
+        </p:blipFill>
+        <p:spPr>
+          <a:xfrm>
+            <a:off x="6273635" y="2514455"/>
+            <a:ext cx="4718050" cy="1472473"/>
+          </a:xfrm>
+          <a:prstGeom prst="rect">
+            <a:avLst/>
+          </a:prstGeom>
+          <a:noFill/>
+          <a:ln>
+            <a:noFill/>
+          </a:ln>
+        </p:spPr>
+      </p:pic>
+      <p:pic>
+        <p:nvPicPr>
+          <p:cNvPr id="223" name="Google Shape;223;p8"/>
+          <p:cNvPicPr preferRelativeResize="0"/>
+          <p:nvPr/>
+        </p:nvPicPr>
+        <p:blipFill rotWithShape="1">
+          <a:blip r:embed="rId4">
+            <a:alphaModFix/>
+          </a:blip>
+          <a:srcRect/>
+          <a:stretch/>
+        </p:blipFill>
+        <p:spPr>
+          <a:xfrm>
+            <a:off x="6371773" y="4113784"/>
+            <a:ext cx="4521779" cy="1973943"/>
+          </a:xfrm>
+          <a:prstGeom prst="rect">
+            <a:avLst/>
+          </a:prstGeom>
+          <a:noFill/>
+          <a:ln>
+            <a:noFill/>
+          </a:ln>
+        </p:spPr>
+      </p:pic>
+    </p:spTree>
+  </p:cSld>
+  <p:clrMapOvr>
+    <a:masterClrMapping/>
+  </p:clrMapOvr>
+</p:sld>
+</file>
+
+<file path=ppt/slides/slide11.xml><?xml version="1.0" encoding="utf-8"?>
 <p:sld xmlns:a="http://schemas.openxmlformats.org/drawingml/2006/main" xmlns:r="http://schemas.openxmlformats.org/officeDocument/2006/relationships" xmlns:p="http://schemas.openxmlformats.org/presentationml/2006/main">
   <p:cSld>
     <p:spTree>
@@ -19031,8 +19511,8 @@
         </p:blipFill>
         <p:spPr>
           <a:xfrm>
-            <a:off x="6181725" y="3486677"/>
-            <a:ext cx="4718050" cy="1457858"/>
+            <a:off x="6016752" y="2689845"/>
+            <a:ext cx="5117646" cy="1882157"/>
           </a:xfrm>
           <a:prstGeom prst="rect">
             <a:avLst/>
@@ -19051,7 +19531,7 @@
 </p:sld>
 </file>
 
-<file path=ppt/slides/slide11.xml><?xml version="1.0" encoding="utf-8"?>
+<file path=ppt/slides/slide12.xml><?xml version="1.0" encoding="utf-8"?>
 <p:sld xmlns:a="http://schemas.openxmlformats.org/drawingml/2006/main" xmlns:r="http://schemas.openxmlformats.org/officeDocument/2006/relationships" xmlns:p="http://schemas.openxmlformats.org/presentationml/2006/main">
   <p:cSld>
     <p:spTree>
@@ -19164,7 +19644,7 @@
               <a:buChar char="•"/>
             </a:pPr>
             <a:r>
-              <a:rPr lang="en-US">
+              <a:rPr lang="en-US" dirty="0">
                 <a:latin typeface="Times New Roman"/>
                 <a:ea typeface="Times New Roman"/>
                 <a:cs typeface="Times New Roman"/>
@@ -19172,7 +19652,7 @@
               </a:rPr>
               <a:t>Regression Results – Random Forest had the lowest RMSE and highest R².</a:t>
             </a:r>
-            <a:endParaRPr/>
+            <a:endParaRPr dirty="0"/>
           </a:p>
           <a:p>
             <a:pPr marL="285750" lvl="0" indent="-285750" algn="l" rtl="0">
@@ -19186,7 +19666,7 @@
               <a:buChar char="•"/>
             </a:pPr>
             <a:r>
-              <a:rPr lang="en-US">
+              <a:rPr lang="en-US" dirty="0">
                 <a:latin typeface="Times New Roman"/>
                 <a:ea typeface="Times New Roman"/>
                 <a:cs typeface="Times New Roman"/>
@@ -19194,7 +19674,7 @@
               </a:rPr>
               <a:t>Classification Results – Random Forest achieved the highest accuracy and F1 score.</a:t>
             </a:r>
-            <a:endParaRPr/>
+            <a:endParaRPr dirty="0"/>
           </a:p>
           <a:p>
             <a:pPr marL="285750" lvl="0" indent="-285750" algn="l" rtl="0">
@@ -19208,7 +19688,7 @@
               <a:buChar char="•"/>
             </a:pPr>
             <a:r>
-              <a:rPr lang="en-US">
+              <a:rPr lang="en-US" dirty="0">
                 <a:latin typeface="Times New Roman"/>
                 <a:ea typeface="Times New Roman"/>
                 <a:cs typeface="Times New Roman"/>
@@ -19216,7 +19696,7 @@
               </a:rPr>
               <a:t>Interpretability – Tree-based models offer feature-importance insights.</a:t>
             </a:r>
-            <a:endParaRPr/>
+            <a:endParaRPr dirty="0"/>
           </a:p>
           <a:p>
             <a:pPr marL="285750" lvl="0" indent="-285750" algn="l" rtl="0">
@@ -19230,7 +19710,7 @@
               <a:buChar char="•"/>
             </a:pPr>
             <a:r>
-              <a:rPr lang="en-US">
+              <a:rPr lang="en-US" dirty="0">
                 <a:latin typeface="Times New Roman"/>
                 <a:ea typeface="Times New Roman"/>
                 <a:cs typeface="Times New Roman"/>
@@ -19238,7 +19718,7 @@
               </a:rPr>
               <a:t>Model Trade-offs – Balancing accuracy, recall, and complexity is key.</a:t>
             </a:r>
-            <a:endParaRPr/>
+            <a:endParaRPr dirty="0"/>
           </a:p>
           <a:p>
             <a:pPr marL="285750" lvl="0" indent="-110490" algn="l" rtl="0">
@@ -19251,7 +19731,7 @@
               <a:buSzPts val="2760"/>
               <a:buNone/>
             </a:pPr>
-            <a:endParaRPr/>
+            <a:endParaRPr dirty="0"/>
           </a:p>
         </p:txBody>
       </p:sp>
@@ -19263,7 +19743,7 @@
 </p:sld>
 </file>
 
-<file path=ppt/slides/slide12.xml><?xml version="1.0" encoding="utf-8"?>
+<file path=ppt/slides/slide13.xml><?xml version="1.0" encoding="utf-8"?>
 <p:sld xmlns:a="http://schemas.openxmlformats.org/drawingml/2006/main" xmlns:r="http://schemas.openxmlformats.org/officeDocument/2006/relationships" xmlns:p="http://schemas.openxmlformats.org/presentationml/2006/main">
   <p:cSld>
     <p:spTree>
@@ -19506,7 +19986,7 @@
 </p:sld>
 </file>
 
-<file path=ppt/slides/slide13.xml><?xml version="1.0" encoding="utf-8"?>
+<file path=ppt/slides/slide14.xml><?xml version="1.0" encoding="utf-8"?>
 <p:sld xmlns:a="http://schemas.openxmlformats.org/drawingml/2006/main" xmlns:r="http://schemas.openxmlformats.org/officeDocument/2006/relationships" xmlns:p="http://schemas.openxmlformats.org/presentationml/2006/main">
   <p:cSld>
     <p:bg>
@@ -20105,7 +20585,7 @@
                 <a:cs typeface="Times New Roman"/>
                 <a:sym typeface="Times New Roman"/>
               </a:rPr>
-              <a:t>Dataset Overview</a:t>
+              <a:t>Dataset Overview (UCI)</a:t>
             </a:r>
             <a:endParaRPr dirty="0">
               <a:latin typeface="Times New Roman"/>
@@ -20311,7 +20791,7 @@
         </p:spPr>
         <p:txBody>
           <a:bodyPr spcFirstLastPara="1" wrap="square" lIns="91425" tIns="45700" rIns="91425" bIns="45700" anchor="t" anchorCtr="0">
-            <a:normAutofit fontScale="92500" lnSpcReduction="10000"/>
+            <a:normAutofit lnSpcReduction="10000"/>
           </a:bodyPr>
           <a:lstStyle/>
           <a:p>
@@ -20326,7 +20806,7 @@
               <a:buChar char="●"/>
             </a:pPr>
             <a:r>
-              <a:rPr lang="en-US" sz="1400" dirty="0">
+              <a:rPr lang="en-US" sz="1600" dirty="0">
                 <a:latin typeface="Times New Roman"/>
                 <a:ea typeface="Times New Roman"/>
                 <a:cs typeface="Times New Roman"/>
@@ -20335,7 +20815,7 @@
               <a:t>George David </a:t>
             </a:r>
             <a:r>
-              <a:rPr lang="en-US" sz="1400" dirty="0" err="1">
+              <a:rPr lang="en-US" sz="1600" dirty="0" err="1">
                 <a:latin typeface="Times New Roman"/>
                 <a:ea typeface="Times New Roman"/>
                 <a:cs typeface="Times New Roman"/>
@@ -20343,7 +20823,7 @@
               </a:rPr>
               <a:t>Asirvatharaj</a:t>
             </a:r>
-            <a:endParaRPr sz="1400" dirty="0">
+            <a:endParaRPr sz="1600" dirty="0">
               <a:latin typeface="Times New Roman"/>
               <a:ea typeface="Times New Roman"/>
               <a:cs typeface="Times New Roman"/>
@@ -20359,353 +20839,6 @@
                 <a:spcPts val="0"/>
               </a:spcAft>
               <a:buSzPts val="2070"/>
-              <a:buFont typeface="Times New Roman"/>
-              <a:buChar char="○"/>
-            </a:pPr>
-            <a:r>
-              <a:rPr lang="en-US" sz="1400" dirty="0">
-                <a:latin typeface="Times New Roman"/>
-                <a:ea typeface="Times New Roman"/>
-                <a:cs typeface="Times New Roman"/>
-                <a:sym typeface="Times New Roman"/>
-              </a:rPr>
-              <a:t>Dataset selection, Data cleaning and preparation</a:t>
-            </a:r>
-            <a:endParaRPr sz="1400" dirty="0">
-              <a:latin typeface="Times New Roman"/>
-              <a:ea typeface="Times New Roman"/>
-              <a:cs typeface="Times New Roman"/>
-              <a:sym typeface="Times New Roman"/>
-            </a:endParaRPr>
-          </a:p>
-          <a:p>
-            <a:pPr marL="742950" lvl="1" indent="-285750" algn="l" rtl="0">
-              <a:spcBef>
-                <a:spcPts val="1080"/>
-              </a:spcBef>
-              <a:spcAft>
-                <a:spcPts val="0"/>
-              </a:spcAft>
-              <a:buSzPts val="2070"/>
-              <a:buFont typeface="Times New Roman"/>
-              <a:buChar char="○"/>
-            </a:pPr>
-            <a:r>
-              <a:rPr lang="en-US" sz="1400" dirty="0">
-                <a:latin typeface="Times New Roman"/>
-                <a:ea typeface="Times New Roman"/>
-                <a:cs typeface="Times New Roman"/>
-                <a:sym typeface="Times New Roman"/>
-              </a:rPr>
-              <a:t>Performing Exploratory Data </a:t>
-            </a:r>
-            <a:r>
-              <a:rPr lang="en-US" sz="1400" dirty="0" err="1">
-                <a:latin typeface="Times New Roman"/>
-                <a:ea typeface="Times New Roman"/>
-                <a:cs typeface="Times New Roman"/>
-                <a:sym typeface="Times New Roman"/>
-              </a:rPr>
-              <a:t>Aanalysis</a:t>
-            </a:r>
-            <a:r>
-              <a:rPr lang="en-US" sz="1400" dirty="0">
-                <a:latin typeface="Times New Roman"/>
-                <a:ea typeface="Times New Roman"/>
-                <a:cs typeface="Times New Roman"/>
-                <a:sym typeface="Times New Roman"/>
-              </a:rPr>
-              <a:t> (EDA)</a:t>
-            </a:r>
-            <a:endParaRPr sz="1400" dirty="0">
-              <a:latin typeface="Times New Roman"/>
-              <a:ea typeface="Times New Roman"/>
-              <a:cs typeface="Times New Roman"/>
-              <a:sym typeface="Times New Roman"/>
-            </a:endParaRPr>
-          </a:p>
-          <a:p>
-            <a:pPr marL="742950" lvl="1" indent="-285750" algn="l" rtl="0">
-              <a:spcBef>
-                <a:spcPts val="1080"/>
-              </a:spcBef>
-              <a:spcAft>
-                <a:spcPts val="0"/>
-              </a:spcAft>
-              <a:buSzPts val="2070"/>
-              <a:buFont typeface="Times New Roman"/>
-              <a:buChar char="○"/>
-            </a:pPr>
-            <a:r>
-              <a:rPr lang="en-US" sz="1400" dirty="0">
-                <a:latin typeface="Times New Roman"/>
-                <a:ea typeface="Times New Roman"/>
-                <a:cs typeface="Times New Roman"/>
-                <a:sym typeface="Times New Roman"/>
-              </a:rPr>
-              <a:t>Summary Statistics and Distribution Plots</a:t>
-            </a:r>
-            <a:endParaRPr sz="1400" dirty="0">
-              <a:latin typeface="Times New Roman"/>
-              <a:ea typeface="Times New Roman"/>
-              <a:cs typeface="Times New Roman"/>
-              <a:sym typeface="Times New Roman"/>
-            </a:endParaRPr>
-          </a:p>
-          <a:p>
-            <a:pPr marL="285750" lvl="0" indent="-285750" algn="l" rtl="0">
-              <a:spcBef>
-                <a:spcPts val="1080"/>
-              </a:spcBef>
-              <a:spcAft>
-                <a:spcPts val="0"/>
-              </a:spcAft>
-              <a:buSzPts val="2760"/>
-              <a:buChar char="●"/>
-            </a:pPr>
-            <a:r>
-              <a:rPr lang="en-US" sz="1400" dirty="0">
-                <a:latin typeface="Times New Roman"/>
-                <a:ea typeface="Times New Roman"/>
-                <a:cs typeface="Times New Roman"/>
-                <a:sym typeface="Times New Roman"/>
-              </a:rPr>
-              <a:t>Hemlatha Kaur Saran</a:t>
-            </a:r>
-            <a:endParaRPr sz="1400" dirty="0">
-              <a:latin typeface="Times New Roman"/>
-              <a:ea typeface="Times New Roman"/>
-              <a:cs typeface="Times New Roman"/>
-              <a:sym typeface="Times New Roman"/>
-            </a:endParaRPr>
-          </a:p>
-          <a:p>
-            <a:pPr marL="742950" lvl="1" indent="-285750" algn="l" rtl="0">
-              <a:spcBef>
-                <a:spcPts val="1080"/>
-              </a:spcBef>
-              <a:spcAft>
-                <a:spcPts val="0"/>
-              </a:spcAft>
-              <a:buSzPts val="2070"/>
-              <a:buFont typeface="Times New Roman"/>
-              <a:buChar char="○"/>
-            </a:pPr>
-            <a:r>
-              <a:rPr lang="en-US" sz="1400" dirty="0">
-                <a:latin typeface="Times New Roman"/>
-                <a:ea typeface="Times New Roman"/>
-                <a:cs typeface="Times New Roman"/>
-                <a:sym typeface="Times New Roman"/>
-              </a:rPr>
-              <a:t>Correlation Matrix, Box Plots (Feature vs Quality relationship)</a:t>
-            </a:r>
-            <a:endParaRPr sz="1400" dirty="0">
-              <a:latin typeface="Times New Roman"/>
-              <a:ea typeface="Times New Roman"/>
-              <a:cs typeface="Times New Roman"/>
-              <a:sym typeface="Times New Roman"/>
-            </a:endParaRPr>
-          </a:p>
-          <a:p>
-            <a:pPr marL="742950" lvl="1" indent="-285750" algn="l" rtl="0">
-              <a:spcBef>
-                <a:spcPts val="1080"/>
-              </a:spcBef>
-              <a:spcAft>
-                <a:spcPts val="0"/>
-              </a:spcAft>
-              <a:buSzPts val="2070"/>
-              <a:buFont typeface="Times New Roman"/>
-              <a:buChar char="○"/>
-            </a:pPr>
-            <a:r>
-              <a:rPr lang="en-US" sz="1400" dirty="0">
-                <a:latin typeface="Times New Roman"/>
-                <a:ea typeface="Times New Roman"/>
-                <a:cs typeface="Times New Roman"/>
-                <a:sym typeface="Times New Roman"/>
-              </a:rPr>
-              <a:t>Regression Models</a:t>
-            </a:r>
-            <a:endParaRPr sz="1400" dirty="0">
-              <a:latin typeface="Times New Roman"/>
-              <a:ea typeface="Times New Roman"/>
-              <a:cs typeface="Times New Roman"/>
-              <a:sym typeface="Times New Roman"/>
-            </a:endParaRPr>
-          </a:p>
-          <a:p>
-            <a:pPr marL="1200150" lvl="2" indent="-285750" algn="l" rtl="0">
-              <a:spcBef>
-                <a:spcPts val="1080"/>
-              </a:spcBef>
-              <a:spcAft>
-                <a:spcPts val="0"/>
-              </a:spcAft>
-              <a:buSzPts val="2070"/>
-              <a:buFont typeface="Times New Roman"/>
-              <a:buChar char="■"/>
-            </a:pPr>
-            <a:r>
-              <a:rPr lang="en-US" sz="1400" dirty="0">
-                <a:latin typeface="Times New Roman"/>
-                <a:ea typeface="Times New Roman"/>
-                <a:cs typeface="Times New Roman"/>
-                <a:sym typeface="Times New Roman"/>
-              </a:rPr>
-              <a:t>Linear Regression, Random Forest Regressor, XGBoost</a:t>
-            </a:r>
-            <a:endParaRPr sz="1400" dirty="0">
-              <a:latin typeface="Times New Roman"/>
-              <a:ea typeface="Times New Roman"/>
-              <a:cs typeface="Times New Roman"/>
-              <a:sym typeface="Times New Roman"/>
-            </a:endParaRPr>
-          </a:p>
-          <a:p>
-            <a:pPr marL="285750" lvl="0" indent="-285750" algn="l" rtl="0">
-              <a:spcBef>
-                <a:spcPts val="1080"/>
-              </a:spcBef>
-              <a:spcAft>
-                <a:spcPts val="0"/>
-              </a:spcAft>
-              <a:buSzPts val="2760"/>
-              <a:buChar char="●"/>
-            </a:pPr>
-            <a:r>
-              <a:rPr lang="en-US" sz="1400" dirty="0">
-                <a:latin typeface="Times New Roman"/>
-                <a:ea typeface="Times New Roman"/>
-                <a:cs typeface="Times New Roman"/>
-                <a:sym typeface="Times New Roman"/>
-              </a:rPr>
-              <a:t>Raminder Singh</a:t>
-            </a:r>
-            <a:endParaRPr sz="1400" dirty="0">
-              <a:latin typeface="Times New Roman"/>
-              <a:ea typeface="Times New Roman"/>
-              <a:cs typeface="Times New Roman"/>
-              <a:sym typeface="Times New Roman"/>
-            </a:endParaRPr>
-          </a:p>
-          <a:p>
-            <a:pPr marL="742950" lvl="1" indent="-285750" algn="l" rtl="0">
-              <a:spcBef>
-                <a:spcPts val="1080"/>
-              </a:spcBef>
-              <a:spcAft>
-                <a:spcPts val="0"/>
-              </a:spcAft>
-              <a:buSzPts val="2070"/>
-              <a:buFont typeface="Times New Roman"/>
-              <a:buChar char="○"/>
-            </a:pPr>
-            <a:r>
-              <a:rPr lang="en-US" sz="1400" dirty="0">
-                <a:latin typeface="Times New Roman"/>
-                <a:ea typeface="Times New Roman"/>
-                <a:cs typeface="Times New Roman"/>
-                <a:sym typeface="Times New Roman"/>
-              </a:rPr>
-              <a:t>Classification Model performance - accuracy , precision,  recall , F1-score</a:t>
-            </a:r>
-            <a:endParaRPr sz="1400" dirty="0">
-              <a:latin typeface="Times New Roman"/>
-              <a:ea typeface="Times New Roman"/>
-              <a:cs typeface="Times New Roman"/>
-              <a:sym typeface="Times New Roman"/>
-            </a:endParaRPr>
-          </a:p>
-          <a:p>
-            <a:pPr marL="742950" lvl="1" indent="-285750" algn="l" rtl="0">
-              <a:spcBef>
-                <a:spcPts val="1080"/>
-              </a:spcBef>
-              <a:spcAft>
-                <a:spcPts val="0"/>
-              </a:spcAft>
-              <a:buSzPts val="2070"/>
-              <a:buFont typeface="Times New Roman"/>
-              <a:buChar char="○"/>
-            </a:pPr>
-            <a:r>
-              <a:rPr lang="en-US" sz="1400" dirty="0">
-                <a:latin typeface="Times New Roman"/>
-                <a:ea typeface="Times New Roman"/>
-                <a:cs typeface="Times New Roman"/>
-                <a:sym typeface="Times New Roman"/>
-              </a:rPr>
-              <a:t>Confusion matrix</a:t>
-            </a:r>
-            <a:endParaRPr sz="1400" dirty="0">
-              <a:latin typeface="Times New Roman"/>
-              <a:ea typeface="Times New Roman"/>
-              <a:cs typeface="Times New Roman"/>
-              <a:sym typeface="Times New Roman"/>
-            </a:endParaRPr>
-          </a:p>
-          <a:p>
-            <a:pPr marL="742950" lvl="1" indent="-285750" algn="l" rtl="0">
-              <a:spcBef>
-                <a:spcPts val="1080"/>
-              </a:spcBef>
-              <a:spcAft>
-                <a:spcPts val="0"/>
-              </a:spcAft>
-              <a:buSzPts val="2070"/>
-              <a:buFont typeface="Times New Roman"/>
-              <a:buChar char="○"/>
-            </a:pPr>
-            <a:r>
-              <a:rPr lang="en-US" sz="1400" dirty="0">
-                <a:latin typeface="Times New Roman"/>
-                <a:ea typeface="Times New Roman"/>
-                <a:cs typeface="Times New Roman"/>
-                <a:sym typeface="Times New Roman"/>
-              </a:rPr>
-              <a:t>Feature importance  from Random Forest and </a:t>
-            </a:r>
-            <a:r>
-              <a:rPr lang="en-US" sz="1400" dirty="0" err="1">
-                <a:latin typeface="Times New Roman"/>
-                <a:ea typeface="Times New Roman"/>
-                <a:cs typeface="Times New Roman"/>
-                <a:sym typeface="Times New Roman"/>
-              </a:rPr>
-              <a:t>Shap</a:t>
-            </a:r>
-            <a:r>
-              <a:rPr lang="en-US" sz="1400" dirty="0">
-                <a:latin typeface="Times New Roman"/>
-                <a:ea typeface="Times New Roman"/>
-                <a:cs typeface="Times New Roman"/>
-                <a:sym typeface="Times New Roman"/>
-              </a:rPr>
-              <a:t> summary plot</a:t>
-            </a:r>
-          </a:p>
-          <a:p>
-            <a:pPr marL="285750" indent="-285750">
-              <a:spcBef>
-                <a:spcPts val="1080"/>
-              </a:spcBef>
-              <a:buFont typeface="Times New Roman"/>
-              <a:buChar char="○"/>
-            </a:pPr>
-            <a:endParaRPr lang="en-US" sz="1600" dirty="0">
-              <a:latin typeface="Times New Roman"/>
-              <a:ea typeface="Times New Roman"/>
-              <a:cs typeface="Times New Roman"/>
-              <a:sym typeface="Times New Roman"/>
-            </a:endParaRPr>
-          </a:p>
-          <a:p>
-            <a:pPr marL="285750" indent="-285750">
-              <a:spcBef>
-                <a:spcPts val="1080"/>
-              </a:spcBef>
               <a:buFont typeface="Times New Roman"/>
               <a:buChar char="○"/>
             </a:pPr>
@@ -20716,44 +20849,344 @@
                 <a:cs typeface="Times New Roman"/>
                 <a:sym typeface="Times New Roman"/>
               </a:rPr>
-              <a:t>GitHub </a:t>
+              <a:t>Dataset selection, Data cleaning and preparation</a:t>
             </a:r>
+            <a:endParaRPr sz="1600" dirty="0">
+              <a:latin typeface="Times New Roman"/>
+              <a:ea typeface="Times New Roman"/>
+              <a:cs typeface="Times New Roman"/>
+              <a:sym typeface="Times New Roman"/>
+            </a:endParaRPr>
+          </a:p>
+          <a:p>
+            <a:pPr marL="742950" lvl="1" indent="-285750" algn="l" rtl="0">
+              <a:spcBef>
+                <a:spcPts val="1080"/>
+              </a:spcBef>
+              <a:spcAft>
+                <a:spcPts val="0"/>
+              </a:spcAft>
+              <a:buSzPts val="2070"/>
+              <a:buFont typeface="Times New Roman"/>
+              <a:buChar char="○"/>
+            </a:pPr>
             <a:r>
               <a:rPr lang="en-US" sz="1600" dirty="0">
-                <a:solidFill>
-                  <a:schemeClr val="tx1"/>
-                </a:solidFill>
                 <a:latin typeface="Times New Roman"/>
                 <a:ea typeface="Times New Roman"/>
                 <a:cs typeface="Times New Roman"/>
                 <a:sym typeface="Times New Roman"/>
               </a:rPr>
-              <a:t>Repo: </a:t>
+              <a:t>Performing Exploratory Data </a:t>
             </a:r>
             <a:r>
-              <a:rPr lang="en-US" sz="2000" u="sng" dirty="0">
-                <a:solidFill>
-                  <a:schemeClr val="tx1"/>
-                </a:solidFill>
-                <a:hlinkClick r:id="rId4">
-                  <a:extLst>
-                    <a:ext uri="{A12FA001-AC4F-418D-AE19-62706E023703}">
-                      <ahyp:hlinkClr xmlns:ahyp="http://schemas.microsoft.com/office/drawing/2018/hyperlinkcolor" val="tx"/>
-                    </a:ext>
-                  </a:extLst>
-                </a:hlinkClick>
+              <a:rPr lang="en-US" sz="1600" dirty="0" err="1">
+                <a:latin typeface="Times New Roman"/>
+                <a:ea typeface="Times New Roman"/>
+                <a:cs typeface="Times New Roman"/>
+                <a:sym typeface="Times New Roman"/>
               </a:rPr>
-              <a:t>https://github.com/usd-ms-aai/aai-500-project-g4</a:t>
+              <a:t>Aanalysis</a:t>
             </a:r>
-            <a:endParaRPr lang="en-US" sz="1600" dirty="0">
-              <a:solidFill>
-                <a:schemeClr val="tx1"/>
-              </a:solidFill>
+            <a:r>
+              <a:rPr lang="en-US" sz="1600" dirty="0">
+                <a:latin typeface="Times New Roman"/>
+                <a:ea typeface="Times New Roman"/>
+                <a:cs typeface="Times New Roman"/>
+                <a:sym typeface="Times New Roman"/>
+              </a:rPr>
+              <a:t> (EDA)</a:t>
+            </a:r>
+            <a:endParaRPr sz="1600" dirty="0">
               <a:latin typeface="Times New Roman"/>
               <a:ea typeface="Times New Roman"/>
               <a:cs typeface="Times New Roman"/>
               <a:sym typeface="Times New Roman"/>
             </a:endParaRPr>
+          </a:p>
+          <a:p>
+            <a:pPr marL="742950" lvl="1" indent="-285750" algn="l" rtl="0">
+              <a:spcBef>
+                <a:spcPts val="1080"/>
+              </a:spcBef>
+              <a:spcAft>
+                <a:spcPts val="0"/>
+              </a:spcAft>
+              <a:buSzPts val="2070"/>
+              <a:buFont typeface="Times New Roman"/>
+              <a:buChar char="○"/>
+            </a:pPr>
+            <a:r>
+              <a:rPr lang="en-US" sz="1600" dirty="0">
+                <a:latin typeface="Times New Roman"/>
+                <a:ea typeface="Times New Roman"/>
+                <a:cs typeface="Times New Roman"/>
+                <a:sym typeface="Times New Roman"/>
+              </a:rPr>
+              <a:t>Summary Statistics and Distribution Plots</a:t>
+            </a:r>
+            <a:endParaRPr sz="1600" dirty="0">
+              <a:latin typeface="Times New Roman"/>
+              <a:ea typeface="Times New Roman"/>
+              <a:cs typeface="Times New Roman"/>
+              <a:sym typeface="Times New Roman"/>
+            </a:endParaRPr>
+          </a:p>
+          <a:p>
+            <a:pPr marL="285750" lvl="0" indent="-285750" algn="l" rtl="0">
+              <a:spcBef>
+                <a:spcPts val="1080"/>
+              </a:spcBef>
+              <a:spcAft>
+                <a:spcPts val="0"/>
+              </a:spcAft>
+              <a:buSzPts val="2760"/>
+              <a:buChar char="●"/>
+            </a:pPr>
+            <a:r>
+              <a:rPr lang="en-US" sz="1600" dirty="0">
+                <a:latin typeface="Times New Roman"/>
+                <a:ea typeface="Times New Roman"/>
+                <a:cs typeface="Times New Roman"/>
+                <a:sym typeface="Times New Roman"/>
+              </a:rPr>
+              <a:t>Hemlatha Kaur Saran</a:t>
+            </a:r>
+            <a:endParaRPr sz="1600" dirty="0">
+              <a:latin typeface="Times New Roman"/>
+              <a:ea typeface="Times New Roman"/>
+              <a:cs typeface="Times New Roman"/>
+              <a:sym typeface="Times New Roman"/>
+            </a:endParaRPr>
+          </a:p>
+          <a:p>
+            <a:pPr marL="742950" lvl="1" indent="-285750" algn="l" rtl="0">
+              <a:spcBef>
+                <a:spcPts val="1080"/>
+              </a:spcBef>
+              <a:spcAft>
+                <a:spcPts val="0"/>
+              </a:spcAft>
+              <a:buSzPts val="2070"/>
+              <a:buFont typeface="Times New Roman"/>
+              <a:buChar char="○"/>
+            </a:pPr>
+            <a:r>
+              <a:rPr lang="en-US" sz="1600" dirty="0">
+                <a:latin typeface="Times New Roman"/>
+                <a:ea typeface="Times New Roman"/>
+                <a:cs typeface="Times New Roman"/>
+                <a:sym typeface="Times New Roman"/>
+              </a:rPr>
+              <a:t>Correlation Matrix</a:t>
+            </a:r>
+          </a:p>
+          <a:p>
+            <a:pPr marL="742950" lvl="1" indent="-285750" algn="l" rtl="0">
+              <a:spcBef>
+                <a:spcPts val="1080"/>
+              </a:spcBef>
+              <a:spcAft>
+                <a:spcPts val="0"/>
+              </a:spcAft>
+              <a:buSzPts val="2070"/>
+              <a:buFont typeface="Times New Roman"/>
+              <a:buChar char="○"/>
+            </a:pPr>
+            <a:r>
+              <a:rPr lang="en-US" sz="1600" dirty="0">
+                <a:latin typeface="Times New Roman"/>
+                <a:ea typeface="Times New Roman"/>
+                <a:cs typeface="Times New Roman"/>
+                <a:sym typeface="Times New Roman"/>
+              </a:rPr>
+              <a:t>Box Plots (Feature vs Quality relationship)</a:t>
+            </a:r>
+            <a:endParaRPr sz="1600" dirty="0">
+              <a:latin typeface="Times New Roman"/>
+              <a:ea typeface="Times New Roman"/>
+              <a:cs typeface="Times New Roman"/>
+              <a:sym typeface="Times New Roman"/>
+            </a:endParaRPr>
+          </a:p>
+          <a:p>
+            <a:pPr marL="742950" lvl="1" indent="-285750" algn="l" rtl="0">
+              <a:spcBef>
+                <a:spcPts val="1080"/>
+              </a:spcBef>
+              <a:spcAft>
+                <a:spcPts val="0"/>
+              </a:spcAft>
+              <a:buSzPts val="2070"/>
+              <a:buFont typeface="Times New Roman"/>
+              <a:buChar char="○"/>
+            </a:pPr>
+            <a:r>
+              <a:rPr lang="en-US" sz="1600" dirty="0">
+                <a:latin typeface="Times New Roman"/>
+                <a:ea typeface="Times New Roman"/>
+                <a:cs typeface="Times New Roman"/>
+                <a:sym typeface="Times New Roman"/>
+              </a:rPr>
+              <a:t>Regression Models</a:t>
+            </a:r>
+            <a:endParaRPr sz="1600" dirty="0">
+              <a:latin typeface="Times New Roman"/>
+              <a:ea typeface="Times New Roman"/>
+              <a:cs typeface="Times New Roman"/>
+              <a:sym typeface="Times New Roman"/>
+            </a:endParaRPr>
+          </a:p>
+          <a:p>
+            <a:pPr marL="1200150" lvl="2" indent="-285750" algn="l" rtl="0">
+              <a:spcBef>
+                <a:spcPts val="1080"/>
+              </a:spcBef>
+              <a:spcAft>
+                <a:spcPts val="0"/>
+              </a:spcAft>
+              <a:buSzPts val="2070"/>
+              <a:buFont typeface="Times New Roman"/>
+              <a:buChar char="■"/>
+            </a:pPr>
+            <a:r>
+              <a:rPr lang="en-US" sz="1600" dirty="0">
+                <a:latin typeface="Times New Roman"/>
+                <a:ea typeface="Times New Roman"/>
+                <a:cs typeface="Times New Roman"/>
+                <a:sym typeface="Times New Roman"/>
+              </a:rPr>
+              <a:t>Linear Regression, Random Forest Regressor, XGBoost</a:t>
+            </a:r>
+            <a:endParaRPr sz="1600" dirty="0">
+              <a:latin typeface="Times New Roman"/>
+              <a:ea typeface="Times New Roman"/>
+              <a:cs typeface="Times New Roman"/>
+              <a:sym typeface="Times New Roman"/>
+            </a:endParaRPr>
+          </a:p>
+          <a:p>
+            <a:pPr marL="285750" lvl="0" indent="-285750" algn="l" rtl="0">
+              <a:spcBef>
+                <a:spcPts val="1080"/>
+              </a:spcBef>
+              <a:spcAft>
+                <a:spcPts val="0"/>
+              </a:spcAft>
+              <a:buSzPts val="2760"/>
+              <a:buChar char="●"/>
+            </a:pPr>
+            <a:r>
+              <a:rPr lang="en-US" sz="1600" dirty="0">
+                <a:latin typeface="Times New Roman"/>
+                <a:ea typeface="Times New Roman"/>
+                <a:cs typeface="Times New Roman"/>
+                <a:sym typeface="Times New Roman"/>
+              </a:rPr>
+              <a:t>Raminder Singh</a:t>
+            </a:r>
+            <a:endParaRPr sz="1600" dirty="0">
+              <a:latin typeface="Times New Roman"/>
+              <a:ea typeface="Times New Roman"/>
+              <a:cs typeface="Times New Roman"/>
+              <a:sym typeface="Times New Roman"/>
+            </a:endParaRPr>
+          </a:p>
+          <a:p>
+            <a:pPr marL="742950" lvl="1" indent="-285750" algn="l" rtl="0">
+              <a:spcBef>
+                <a:spcPts val="1080"/>
+              </a:spcBef>
+              <a:spcAft>
+                <a:spcPts val="0"/>
+              </a:spcAft>
+              <a:buSzPts val="2070"/>
+              <a:buFont typeface="Times New Roman"/>
+              <a:buChar char="○"/>
+            </a:pPr>
+            <a:r>
+              <a:rPr lang="en-US" sz="1600" dirty="0">
+                <a:latin typeface="Times New Roman"/>
+                <a:ea typeface="Times New Roman"/>
+                <a:cs typeface="Times New Roman"/>
+                <a:sym typeface="Times New Roman"/>
+              </a:rPr>
+              <a:t>Classification Model performance - accuracy , precision,  recall , F1-score</a:t>
+            </a:r>
+            <a:endParaRPr sz="1600" dirty="0">
+              <a:latin typeface="Times New Roman"/>
+              <a:ea typeface="Times New Roman"/>
+              <a:cs typeface="Times New Roman"/>
+              <a:sym typeface="Times New Roman"/>
+            </a:endParaRPr>
+          </a:p>
+          <a:p>
+            <a:pPr marL="742950" lvl="1" indent="-285750" algn="l" rtl="0">
+              <a:spcBef>
+                <a:spcPts val="1080"/>
+              </a:spcBef>
+              <a:spcAft>
+                <a:spcPts val="0"/>
+              </a:spcAft>
+              <a:buSzPts val="2070"/>
+              <a:buFont typeface="Times New Roman"/>
+              <a:buChar char="○"/>
+            </a:pPr>
+            <a:r>
+              <a:rPr lang="en-US" sz="1600" dirty="0">
+                <a:latin typeface="Times New Roman"/>
+                <a:ea typeface="Times New Roman"/>
+                <a:cs typeface="Times New Roman"/>
+                <a:sym typeface="Times New Roman"/>
+              </a:rPr>
+              <a:t>Confusion matrix</a:t>
+            </a:r>
+            <a:endParaRPr sz="1600" dirty="0">
+              <a:latin typeface="Times New Roman"/>
+              <a:ea typeface="Times New Roman"/>
+              <a:cs typeface="Times New Roman"/>
+              <a:sym typeface="Times New Roman"/>
+            </a:endParaRPr>
+          </a:p>
+          <a:p>
+            <a:pPr marL="742950" lvl="1" indent="-285750" algn="l" rtl="0">
+              <a:spcBef>
+                <a:spcPts val="1080"/>
+              </a:spcBef>
+              <a:spcAft>
+                <a:spcPts val="0"/>
+              </a:spcAft>
+              <a:buSzPts val="2070"/>
+              <a:buFont typeface="Times New Roman"/>
+              <a:buChar char="○"/>
+            </a:pPr>
+            <a:r>
+              <a:rPr lang="en-US" sz="1600" dirty="0">
+                <a:latin typeface="Times New Roman"/>
+                <a:ea typeface="Times New Roman"/>
+                <a:cs typeface="Times New Roman"/>
+                <a:sym typeface="Times New Roman"/>
+              </a:rPr>
+              <a:t>Feature importance  from Random Forest and </a:t>
+            </a:r>
+            <a:r>
+              <a:rPr lang="en-US" sz="1600" dirty="0" err="1">
+                <a:latin typeface="Times New Roman"/>
+                <a:ea typeface="Times New Roman"/>
+                <a:cs typeface="Times New Roman"/>
+                <a:sym typeface="Times New Roman"/>
+              </a:rPr>
+              <a:t>Shap</a:t>
+            </a:r>
+            <a:r>
+              <a:rPr lang="en-US" sz="1600" dirty="0">
+                <a:latin typeface="Times New Roman"/>
+                <a:ea typeface="Times New Roman"/>
+                <a:cs typeface="Times New Roman"/>
+                <a:sym typeface="Times New Roman"/>
+              </a:rPr>
+              <a:t> summary plot</a:t>
+            </a:r>
           </a:p>
         </p:txBody>
       </p:sp>
@@ -21281,6 +21714,7463 @@
   <p:cSld>
     <p:spTree>
       <p:nvGrpSpPr>
+        <p:cNvPr id="1" name="Shape 175">
+          <a:extLst>
+            <a:ext uri="{FF2B5EF4-FFF2-40B4-BE49-F238E27FC236}">
+              <a16:creationId xmlns:a16="http://schemas.microsoft.com/office/drawing/2014/main" id="{4B7FBFA4-B156-41AA-40E6-941C7FB347D2}"/>
+            </a:ext>
+          </a:extLst>
+        </p:cNvPr>
+        <p:cNvGrpSpPr/>
+        <p:nvPr/>
+      </p:nvGrpSpPr>
+      <p:grpSpPr>
+        <a:xfrm>
+          <a:off x="0" y="0"/>
+          <a:ext cx="0" cy="0"/>
+          <a:chOff x="0" y="0"/>
+          <a:chExt cx="0" cy="0"/>
+        </a:xfrm>
+      </p:grpSpPr>
+      <p:sp>
+        <p:nvSpPr>
+          <p:cNvPr id="176" name="Google Shape;176;g36755b881c3_0_233">
+            <a:extLst>
+              <a:ext uri="{FF2B5EF4-FFF2-40B4-BE49-F238E27FC236}">
+                <a16:creationId xmlns:a16="http://schemas.microsoft.com/office/drawing/2014/main" id="{05B4ADF5-C3A4-C02C-0990-E73888D9E291}"/>
+              </a:ext>
+            </a:extLst>
+          </p:cNvPr>
+          <p:cNvSpPr txBox="1">
+            <a:spLocks noGrp="1"/>
+          </p:cNvSpPr>
+          <p:nvPr>
+            <p:ph type="title"/>
+          </p:nvPr>
+        </p:nvSpPr>
+        <p:spPr>
+          <a:xfrm>
+            <a:off x="1314475" y="619678"/>
+            <a:ext cx="9285600" cy="843600"/>
+          </a:xfrm>
+          <a:prstGeom prst="rect">
+            <a:avLst/>
+          </a:prstGeom>
+          <a:solidFill>
+            <a:schemeClr val="lt1"/>
+          </a:solidFill>
+          <a:ln>
+            <a:noFill/>
+          </a:ln>
+        </p:spPr>
+        <p:txBody>
+          <a:bodyPr spcFirstLastPara="1" wrap="square" lIns="91425" tIns="45700" rIns="91425" bIns="45700" anchor="ctr" anchorCtr="0">
+            <a:normAutofit/>
+          </a:bodyPr>
+          <a:lstStyle/>
+          <a:p>
+            <a:pPr marL="0" lvl="0" indent="0" algn="ctr" rtl="0">
+              <a:spcBef>
+                <a:spcPts val="0"/>
+              </a:spcBef>
+              <a:spcAft>
+                <a:spcPts val="0"/>
+              </a:spcAft>
+              <a:buClr>
+                <a:srgbClr val="262626"/>
+              </a:buClr>
+              <a:buSzPts val="3600"/>
+              <a:buFont typeface="Times New Roman"/>
+              <a:buNone/>
+            </a:pPr>
+            <a:r>
+              <a:rPr lang="en-US" sz="3600" b="1" dirty="0">
+                <a:latin typeface="Times New Roman"/>
+                <a:ea typeface="Times New Roman"/>
+                <a:cs typeface="Times New Roman"/>
+                <a:sym typeface="Times New Roman"/>
+              </a:rPr>
+              <a:t>Summary Statistics</a:t>
+            </a:r>
+            <a:endParaRPr dirty="0"/>
+          </a:p>
+        </p:txBody>
+      </p:sp>
+      <p:graphicFrame>
+        <p:nvGraphicFramePr>
+          <p:cNvPr id="5" name="Table 4">
+            <a:extLst>
+              <a:ext uri="{FF2B5EF4-FFF2-40B4-BE49-F238E27FC236}">
+                <a16:creationId xmlns:a16="http://schemas.microsoft.com/office/drawing/2014/main" id="{F32648A9-4A92-AE7A-7B8A-EEAAD85C3AE5}"/>
+              </a:ext>
+            </a:extLst>
+          </p:cNvPr>
+          <p:cNvGraphicFramePr>
+            <a:graphicFrameLocks noGrp="1"/>
+          </p:cNvGraphicFramePr>
+          <p:nvPr>
+            <p:extLst>
+              <p:ext uri="{D42A27DB-BD31-4B8C-83A1-F6EECF244321}">
+                <p14:modId xmlns:p14="http://schemas.microsoft.com/office/powerpoint/2010/main" val="4262173113"/>
+              </p:ext>
+            </p:extLst>
+          </p:nvPr>
+        </p:nvGraphicFramePr>
+        <p:xfrm>
+          <a:off x="958203" y="1347340"/>
+          <a:ext cx="10275593" cy="4890982"/>
+        </p:xfrm>
+        <a:graphic>
+          <a:graphicData uri="http://schemas.openxmlformats.org/drawingml/2006/table">
+            <a:tbl>
+              <a:tblPr bandRow="1"/>
+              <a:tblGrid>
+                <a:gridCol w="1779497">
+                  <a:extLst>
+                    <a:ext uri="{9D8B030D-6E8A-4147-A177-3AD203B41FA5}">
+                      <a16:colId xmlns:a16="http://schemas.microsoft.com/office/drawing/2014/main" val="3441070715"/>
+                    </a:ext>
+                  </a:extLst>
+                </a:gridCol>
+                <a:gridCol w="787758">
+                  <a:extLst>
+                    <a:ext uri="{9D8B030D-6E8A-4147-A177-3AD203B41FA5}">
+                      <a16:colId xmlns:a16="http://schemas.microsoft.com/office/drawing/2014/main" val="3503908750"/>
+                    </a:ext>
+                  </a:extLst>
+                </a:gridCol>
+                <a:gridCol w="1284723">
+                  <a:extLst>
+                    <a:ext uri="{9D8B030D-6E8A-4147-A177-3AD203B41FA5}">
+                      <a16:colId xmlns:a16="http://schemas.microsoft.com/office/drawing/2014/main" val="1239996404"/>
+                    </a:ext>
+                  </a:extLst>
+                </a:gridCol>
+                <a:gridCol w="1284723">
+                  <a:extLst>
+                    <a:ext uri="{9D8B030D-6E8A-4147-A177-3AD203B41FA5}">
+                      <a16:colId xmlns:a16="http://schemas.microsoft.com/office/drawing/2014/main" val="3300341811"/>
+                    </a:ext>
+                  </a:extLst>
+                </a:gridCol>
+                <a:gridCol w="1284723">
+                  <a:extLst>
+                    <a:ext uri="{9D8B030D-6E8A-4147-A177-3AD203B41FA5}">
+                      <a16:colId xmlns:a16="http://schemas.microsoft.com/office/drawing/2014/main" val="1493705604"/>
+                    </a:ext>
+                  </a:extLst>
+                </a:gridCol>
+                <a:gridCol w="1284723">
+                  <a:extLst>
+                    <a:ext uri="{9D8B030D-6E8A-4147-A177-3AD203B41FA5}">
+                      <a16:colId xmlns:a16="http://schemas.microsoft.com/office/drawing/2014/main" val="1947675346"/>
+                    </a:ext>
+                  </a:extLst>
+                </a:gridCol>
+                <a:gridCol w="1284723">
+                  <a:extLst>
+                    <a:ext uri="{9D8B030D-6E8A-4147-A177-3AD203B41FA5}">
+                      <a16:colId xmlns:a16="http://schemas.microsoft.com/office/drawing/2014/main" val="3286183804"/>
+                    </a:ext>
+                  </a:extLst>
+                </a:gridCol>
+                <a:gridCol w="1284723">
+                  <a:extLst>
+                    <a:ext uri="{9D8B030D-6E8A-4147-A177-3AD203B41FA5}">
+                      <a16:colId xmlns:a16="http://schemas.microsoft.com/office/drawing/2014/main" val="729610811"/>
+                    </a:ext>
+                  </a:extLst>
+                </a:gridCol>
+              </a:tblGrid>
+              <a:tr h="197861">
+                <a:tc>
+                  <a:txBody>
+                    <a:bodyPr/>
+                    <a:lstStyle/>
+                    <a:p>
+                      <a:pPr>
+                        <a:lnSpc>
+                          <a:spcPct val="200000"/>
+                        </a:lnSpc>
+                        <a:spcAft>
+                          <a:spcPts val="800"/>
+                        </a:spcAft>
+                        <a:buNone/>
+                      </a:pPr>
+                      <a:r>
+                        <a:rPr lang="en-US" sz="1400" b="1">
+                          <a:effectLst/>
+                          <a:latin typeface="Times New Roman" panose="02020603050405020304" pitchFamily="18" charset="0"/>
+                          <a:ea typeface="Times New Roman" panose="02020603050405020304" pitchFamily="18" charset="0"/>
+                        </a:rPr>
+                        <a:t>Feature</a:t>
+                      </a:r>
+                      <a:endParaRPr lang="en-US" sz="1400">
+                        <a:effectLst/>
+                        <a:latin typeface="Calibri" panose="020F0502020204030204" pitchFamily="34" charset="0"/>
+                        <a:ea typeface="Calibri" panose="020F0502020204030204" pitchFamily="34" charset="0"/>
+                      </a:endParaRPr>
+                    </a:p>
+                  </a:txBody>
+                  <a:tcPr marL="21789" marR="21789" marT="0" marB="0">
+                    <a:lnL w="12700" cap="flat" cmpd="sng" algn="ctr">
+                      <a:solidFill>
+                        <a:srgbClr val="000000"/>
+                      </a:solidFill>
+                      <a:prstDash val="solid"/>
+                      <a:round/>
+                      <a:headEnd type="none" w="med" len="med"/>
+                      <a:tailEnd type="none" w="med" len="med"/>
+                    </a:lnL>
+                    <a:lnR w="12700" cap="flat" cmpd="sng" algn="ctr">
+                      <a:solidFill>
+                        <a:srgbClr val="000000"/>
+                      </a:solidFill>
+                      <a:prstDash val="solid"/>
+                      <a:round/>
+                      <a:headEnd type="none" w="med" len="med"/>
+                      <a:tailEnd type="none" w="med" len="med"/>
+                    </a:lnR>
+                    <a:lnT w="12700" cap="flat" cmpd="sng" algn="ctr">
+                      <a:solidFill>
+                        <a:srgbClr val="000000"/>
+                      </a:solidFill>
+                      <a:prstDash val="solid"/>
+                      <a:round/>
+                      <a:headEnd type="none" w="med" len="med"/>
+                      <a:tailEnd type="none" w="med" len="med"/>
+                    </a:lnT>
+                    <a:lnB w="12700" cap="flat" cmpd="sng" algn="ctr">
+                      <a:solidFill>
+                        <a:srgbClr val="000000"/>
+                      </a:solidFill>
+                      <a:prstDash val="solid"/>
+                      <a:round/>
+                      <a:headEnd type="none" w="med" len="med"/>
+                      <a:tailEnd type="none" w="med" len="med"/>
+                    </a:lnB>
+                    <a:noFill/>
+                  </a:tcPr>
+                </a:tc>
+                <a:tc>
+                  <a:txBody>
+                    <a:bodyPr/>
+                    <a:lstStyle/>
+                    <a:p>
+                      <a:pPr>
+                        <a:lnSpc>
+                          <a:spcPct val="200000"/>
+                        </a:lnSpc>
+                        <a:spcAft>
+                          <a:spcPts val="800"/>
+                        </a:spcAft>
+                        <a:buNone/>
+                      </a:pPr>
+                      <a:r>
+                        <a:rPr lang="en-US" sz="1400" b="1">
+                          <a:effectLst/>
+                          <a:latin typeface="Times New Roman" panose="02020603050405020304" pitchFamily="18" charset="0"/>
+                          <a:ea typeface="Times New Roman" panose="02020603050405020304" pitchFamily="18" charset="0"/>
+                        </a:rPr>
+                        <a:t>Mean</a:t>
+                      </a:r>
+                      <a:endParaRPr lang="en-US" sz="1400">
+                        <a:effectLst/>
+                        <a:latin typeface="Calibri" panose="020F0502020204030204" pitchFamily="34" charset="0"/>
+                        <a:ea typeface="Calibri" panose="020F0502020204030204" pitchFamily="34" charset="0"/>
+                      </a:endParaRPr>
+                    </a:p>
+                  </a:txBody>
+                  <a:tcPr marL="21789" marR="21789" marT="0" marB="0">
+                    <a:lnL w="12700" cap="flat" cmpd="sng" algn="ctr">
+                      <a:solidFill>
+                        <a:srgbClr val="000000"/>
+                      </a:solidFill>
+                      <a:prstDash val="solid"/>
+                      <a:round/>
+                      <a:headEnd type="none" w="med" len="med"/>
+                      <a:tailEnd type="none" w="med" len="med"/>
+                    </a:lnL>
+                    <a:lnR w="12700" cap="flat" cmpd="sng" algn="ctr">
+                      <a:solidFill>
+                        <a:srgbClr val="000000"/>
+                      </a:solidFill>
+                      <a:prstDash val="solid"/>
+                      <a:round/>
+                      <a:headEnd type="none" w="med" len="med"/>
+                      <a:tailEnd type="none" w="med" len="med"/>
+                    </a:lnR>
+                    <a:lnT w="12700" cap="flat" cmpd="sng" algn="ctr">
+                      <a:solidFill>
+                        <a:srgbClr val="000000"/>
+                      </a:solidFill>
+                      <a:prstDash val="solid"/>
+                      <a:round/>
+                      <a:headEnd type="none" w="med" len="med"/>
+                      <a:tailEnd type="none" w="med" len="med"/>
+                    </a:lnT>
+                    <a:lnB w="12700" cap="flat" cmpd="sng" algn="ctr">
+                      <a:solidFill>
+                        <a:srgbClr val="000000"/>
+                      </a:solidFill>
+                      <a:prstDash val="solid"/>
+                      <a:round/>
+                      <a:headEnd type="none" w="med" len="med"/>
+                      <a:tailEnd type="none" w="med" len="med"/>
+                    </a:lnB>
+                    <a:noFill/>
+                  </a:tcPr>
+                </a:tc>
+                <a:tc>
+                  <a:txBody>
+                    <a:bodyPr/>
+                    <a:lstStyle/>
+                    <a:p>
+                      <a:pPr>
+                        <a:lnSpc>
+                          <a:spcPct val="200000"/>
+                        </a:lnSpc>
+                        <a:spcAft>
+                          <a:spcPts val="800"/>
+                        </a:spcAft>
+                        <a:buNone/>
+                      </a:pPr>
+                      <a:r>
+                        <a:rPr lang="en-US" sz="1400" b="1" dirty="0">
+                          <a:effectLst/>
+                          <a:latin typeface="Times New Roman" panose="02020603050405020304" pitchFamily="18" charset="0"/>
+                          <a:ea typeface="Times New Roman" panose="02020603050405020304" pitchFamily="18" charset="0"/>
+                        </a:rPr>
+                        <a:t>Std Dev</a:t>
+                      </a:r>
+                      <a:endParaRPr lang="en-US" sz="1400" dirty="0">
+                        <a:effectLst/>
+                        <a:latin typeface="Calibri" panose="020F0502020204030204" pitchFamily="34" charset="0"/>
+                        <a:ea typeface="Calibri" panose="020F0502020204030204" pitchFamily="34" charset="0"/>
+                      </a:endParaRPr>
+                    </a:p>
+                  </a:txBody>
+                  <a:tcPr marL="21789" marR="21789" marT="0" marB="0">
+                    <a:lnL w="12700" cap="flat" cmpd="sng" algn="ctr">
+                      <a:solidFill>
+                        <a:srgbClr val="000000"/>
+                      </a:solidFill>
+                      <a:prstDash val="solid"/>
+                      <a:round/>
+                      <a:headEnd type="none" w="med" len="med"/>
+                      <a:tailEnd type="none" w="med" len="med"/>
+                    </a:lnL>
+                    <a:lnR w="12700" cap="flat" cmpd="sng" algn="ctr">
+                      <a:solidFill>
+                        <a:srgbClr val="000000"/>
+                      </a:solidFill>
+                      <a:prstDash val="solid"/>
+                      <a:round/>
+                      <a:headEnd type="none" w="med" len="med"/>
+                      <a:tailEnd type="none" w="med" len="med"/>
+                    </a:lnR>
+                    <a:lnT w="12700" cap="flat" cmpd="sng" algn="ctr">
+                      <a:solidFill>
+                        <a:srgbClr val="000000"/>
+                      </a:solidFill>
+                      <a:prstDash val="solid"/>
+                      <a:round/>
+                      <a:headEnd type="none" w="med" len="med"/>
+                      <a:tailEnd type="none" w="med" len="med"/>
+                    </a:lnT>
+                    <a:lnB w="12700" cap="flat" cmpd="sng" algn="ctr">
+                      <a:solidFill>
+                        <a:srgbClr val="000000"/>
+                      </a:solidFill>
+                      <a:prstDash val="solid"/>
+                      <a:round/>
+                      <a:headEnd type="none" w="med" len="med"/>
+                      <a:tailEnd type="none" w="med" len="med"/>
+                    </a:lnB>
+                    <a:noFill/>
+                  </a:tcPr>
+                </a:tc>
+                <a:tc>
+                  <a:txBody>
+                    <a:bodyPr/>
+                    <a:lstStyle/>
+                    <a:p>
+                      <a:pPr>
+                        <a:lnSpc>
+                          <a:spcPct val="200000"/>
+                        </a:lnSpc>
+                        <a:spcAft>
+                          <a:spcPts val="800"/>
+                        </a:spcAft>
+                        <a:buNone/>
+                      </a:pPr>
+                      <a:r>
+                        <a:rPr lang="en-US" sz="1400" b="1">
+                          <a:effectLst/>
+                          <a:latin typeface="Times New Roman" panose="02020603050405020304" pitchFamily="18" charset="0"/>
+                          <a:ea typeface="Times New Roman" panose="02020603050405020304" pitchFamily="18" charset="0"/>
+                        </a:rPr>
+                        <a:t>Min</a:t>
+                      </a:r>
+                      <a:endParaRPr lang="en-US" sz="1400">
+                        <a:effectLst/>
+                        <a:latin typeface="Calibri" panose="020F0502020204030204" pitchFamily="34" charset="0"/>
+                        <a:ea typeface="Calibri" panose="020F0502020204030204" pitchFamily="34" charset="0"/>
+                      </a:endParaRPr>
+                    </a:p>
+                  </a:txBody>
+                  <a:tcPr marL="21789" marR="21789" marT="0" marB="0">
+                    <a:lnL w="12700" cap="flat" cmpd="sng" algn="ctr">
+                      <a:solidFill>
+                        <a:srgbClr val="000000"/>
+                      </a:solidFill>
+                      <a:prstDash val="solid"/>
+                      <a:round/>
+                      <a:headEnd type="none" w="med" len="med"/>
+                      <a:tailEnd type="none" w="med" len="med"/>
+                    </a:lnL>
+                    <a:lnR w="12700" cap="flat" cmpd="sng" algn="ctr">
+                      <a:solidFill>
+                        <a:srgbClr val="000000"/>
+                      </a:solidFill>
+                      <a:prstDash val="solid"/>
+                      <a:round/>
+                      <a:headEnd type="none" w="med" len="med"/>
+                      <a:tailEnd type="none" w="med" len="med"/>
+                    </a:lnR>
+                    <a:lnT w="12700" cap="flat" cmpd="sng" algn="ctr">
+                      <a:solidFill>
+                        <a:srgbClr val="000000"/>
+                      </a:solidFill>
+                      <a:prstDash val="solid"/>
+                      <a:round/>
+                      <a:headEnd type="none" w="med" len="med"/>
+                      <a:tailEnd type="none" w="med" len="med"/>
+                    </a:lnT>
+                    <a:lnB w="12700" cap="flat" cmpd="sng" algn="ctr">
+                      <a:solidFill>
+                        <a:srgbClr val="000000"/>
+                      </a:solidFill>
+                      <a:prstDash val="solid"/>
+                      <a:round/>
+                      <a:headEnd type="none" w="med" len="med"/>
+                      <a:tailEnd type="none" w="med" len="med"/>
+                    </a:lnB>
+                    <a:noFill/>
+                  </a:tcPr>
+                </a:tc>
+                <a:tc>
+                  <a:txBody>
+                    <a:bodyPr/>
+                    <a:lstStyle/>
+                    <a:p>
+                      <a:pPr>
+                        <a:lnSpc>
+                          <a:spcPct val="200000"/>
+                        </a:lnSpc>
+                        <a:spcAft>
+                          <a:spcPts val="800"/>
+                        </a:spcAft>
+                        <a:buNone/>
+                      </a:pPr>
+                      <a:r>
+                        <a:rPr lang="en-US" sz="1400" b="1">
+                          <a:effectLst/>
+                          <a:latin typeface="Times New Roman" panose="02020603050405020304" pitchFamily="18" charset="0"/>
+                          <a:ea typeface="Times New Roman" panose="02020603050405020304" pitchFamily="18" charset="0"/>
+                        </a:rPr>
+                        <a:t>25%</a:t>
+                      </a:r>
+                      <a:endParaRPr lang="en-US" sz="1400">
+                        <a:effectLst/>
+                        <a:latin typeface="Calibri" panose="020F0502020204030204" pitchFamily="34" charset="0"/>
+                        <a:ea typeface="Calibri" panose="020F0502020204030204" pitchFamily="34" charset="0"/>
+                      </a:endParaRPr>
+                    </a:p>
+                  </a:txBody>
+                  <a:tcPr marL="21789" marR="21789" marT="0" marB="0">
+                    <a:lnL w="12700" cap="flat" cmpd="sng" algn="ctr">
+                      <a:solidFill>
+                        <a:srgbClr val="000000"/>
+                      </a:solidFill>
+                      <a:prstDash val="solid"/>
+                      <a:round/>
+                      <a:headEnd type="none" w="med" len="med"/>
+                      <a:tailEnd type="none" w="med" len="med"/>
+                    </a:lnL>
+                    <a:lnR w="12700" cap="flat" cmpd="sng" algn="ctr">
+                      <a:solidFill>
+                        <a:srgbClr val="000000"/>
+                      </a:solidFill>
+                      <a:prstDash val="solid"/>
+                      <a:round/>
+                      <a:headEnd type="none" w="med" len="med"/>
+                      <a:tailEnd type="none" w="med" len="med"/>
+                    </a:lnR>
+                    <a:lnT w="12700" cap="flat" cmpd="sng" algn="ctr">
+                      <a:solidFill>
+                        <a:srgbClr val="000000"/>
+                      </a:solidFill>
+                      <a:prstDash val="solid"/>
+                      <a:round/>
+                      <a:headEnd type="none" w="med" len="med"/>
+                      <a:tailEnd type="none" w="med" len="med"/>
+                    </a:lnT>
+                    <a:lnB w="12700" cap="flat" cmpd="sng" algn="ctr">
+                      <a:solidFill>
+                        <a:srgbClr val="000000"/>
+                      </a:solidFill>
+                      <a:prstDash val="solid"/>
+                      <a:round/>
+                      <a:headEnd type="none" w="med" len="med"/>
+                      <a:tailEnd type="none" w="med" len="med"/>
+                    </a:lnB>
+                    <a:noFill/>
+                  </a:tcPr>
+                </a:tc>
+                <a:tc>
+                  <a:txBody>
+                    <a:bodyPr/>
+                    <a:lstStyle/>
+                    <a:p>
+                      <a:pPr>
+                        <a:lnSpc>
+                          <a:spcPct val="200000"/>
+                        </a:lnSpc>
+                        <a:spcAft>
+                          <a:spcPts val="800"/>
+                        </a:spcAft>
+                        <a:buNone/>
+                      </a:pPr>
+                      <a:r>
+                        <a:rPr lang="en-US" sz="1400" b="1">
+                          <a:effectLst/>
+                          <a:latin typeface="Times New Roman" panose="02020603050405020304" pitchFamily="18" charset="0"/>
+                          <a:ea typeface="Times New Roman" panose="02020603050405020304" pitchFamily="18" charset="0"/>
+                        </a:rPr>
+                        <a:t>50%</a:t>
+                      </a:r>
+                      <a:endParaRPr lang="en-US" sz="1400">
+                        <a:effectLst/>
+                        <a:latin typeface="Calibri" panose="020F0502020204030204" pitchFamily="34" charset="0"/>
+                        <a:ea typeface="Calibri" panose="020F0502020204030204" pitchFamily="34" charset="0"/>
+                      </a:endParaRPr>
+                    </a:p>
+                  </a:txBody>
+                  <a:tcPr marL="21789" marR="21789" marT="0" marB="0">
+                    <a:lnL w="12700" cap="flat" cmpd="sng" algn="ctr">
+                      <a:solidFill>
+                        <a:srgbClr val="000000"/>
+                      </a:solidFill>
+                      <a:prstDash val="solid"/>
+                      <a:round/>
+                      <a:headEnd type="none" w="med" len="med"/>
+                      <a:tailEnd type="none" w="med" len="med"/>
+                    </a:lnL>
+                    <a:lnR w="12700" cap="flat" cmpd="sng" algn="ctr">
+                      <a:solidFill>
+                        <a:srgbClr val="000000"/>
+                      </a:solidFill>
+                      <a:prstDash val="solid"/>
+                      <a:round/>
+                      <a:headEnd type="none" w="med" len="med"/>
+                      <a:tailEnd type="none" w="med" len="med"/>
+                    </a:lnR>
+                    <a:lnT w="12700" cap="flat" cmpd="sng" algn="ctr">
+                      <a:solidFill>
+                        <a:srgbClr val="000000"/>
+                      </a:solidFill>
+                      <a:prstDash val="solid"/>
+                      <a:round/>
+                      <a:headEnd type="none" w="med" len="med"/>
+                      <a:tailEnd type="none" w="med" len="med"/>
+                    </a:lnT>
+                    <a:lnB w="12700" cap="flat" cmpd="sng" algn="ctr">
+                      <a:solidFill>
+                        <a:srgbClr val="000000"/>
+                      </a:solidFill>
+                      <a:prstDash val="solid"/>
+                      <a:round/>
+                      <a:headEnd type="none" w="med" len="med"/>
+                      <a:tailEnd type="none" w="med" len="med"/>
+                    </a:lnB>
+                    <a:noFill/>
+                  </a:tcPr>
+                </a:tc>
+                <a:tc>
+                  <a:txBody>
+                    <a:bodyPr/>
+                    <a:lstStyle/>
+                    <a:p>
+                      <a:pPr>
+                        <a:lnSpc>
+                          <a:spcPct val="200000"/>
+                        </a:lnSpc>
+                        <a:spcAft>
+                          <a:spcPts val="800"/>
+                        </a:spcAft>
+                        <a:buNone/>
+                      </a:pPr>
+                      <a:r>
+                        <a:rPr lang="en-US" sz="1400" b="1">
+                          <a:effectLst/>
+                          <a:latin typeface="Times New Roman" panose="02020603050405020304" pitchFamily="18" charset="0"/>
+                          <a:ea typeface="Times New Roman" panose="02020603050405020304" pitchFamily="18" charset="0"/>
+                        </a:rPr>
+                        <a:t>75%</a:t>
+                      </a:r>
+                      <a:endParaRPr lang="en-US" sz="1400">
+                        <a:effectLst/>
+                        <a:latin typeface="Calibri" panose="020F0502020204030204" pitchFamily="34" charset="0"/>
+                        <a:ea typeface="Calibri" panose="020F0502020204030204" pitchFamily="34" charset="0"/>
+                      </a:endParaRPr>
+                    </a:p>
+                  </a:txBody>
+                  <a:tcPr marL="21789" marR="21789" marT="0" marB="0">
+                    <a:lnL w="12700" cap="flat" cmpd="sng" algn="ctr">
+                      <a:solidFill>
+                        <a:srgbClr val="000000"/>
+                      </a:solidFill>
+                      <a:prstDash val="solid"/>
+                      <a:round/>
+                      <a:headEnd type="none" w="med" len="med"/>
+                      <a:tailEnd type="none" w="med" len="med"/>
+                    </a:lnL>
+                    <a:lnR w="12700" cap="flat" cmpd="sng" algn="ctr">
+                      <a:solidFill>
+                        <a:srgbClr val="000000"/>
+                      </a:solidFill>
+                      <a:prstDash val="solid"/>
+                      <a:round/>
+                      <a:headEnd type="none" w="med" len="med"/>
+                      <a:tailEnd type="none" w="med" len="med"/>
+                    </a:lnR>
+                    <a:lnT w="12700" cap="flat" cmpd="sng" algn="ctr">
+                      <a:solidFill>
+                        <a:srgbClr val="000000"/>
+                      </a:solidFill>
+                      <a:prstDash val="solid"/>
+                      <a:round/>
+                      <a:headEnd type="none" w="med" len="med"/>
+                      <a:tailEnd type="none" w="med" len="med"/>
+                    </a:lnT>
+                    <a:lnB w="12700" cap="flat" cmpd="sng" algn="ctr">
+                      <a:solidFill>
+                        <a:srgbClr val="000000"/>
+                      </a:solidFill>
+                      <a:prstDash val="solid"/>
+                      <a:round/>
+                      <a:headEnd type="none" w="med" len="med"/>
+                      <a:tailEnd type="none" w="med" len="med"/>
+                    </a:lnB>
+                    <a:noFill/>
+                  </a:tcPr>
+                </a:tc>
+                <a:tc>
+                  <a:txBody>
+                    <a:bodyPr/>
+                    <a:lstStyle/>
+                    <a:p>
+                      <a:pPr>
+                        <a:lnSpc>
+                          <a:spcPct val="200000"/>
+                        </a:lnSpc>
+                        <a:spcAft>
+                          <a:spcPts val="800"/>
+                        </a:spcAft>
+                        <a:buNone/>
+                      </a:pPr>
+                      <a:r>
+                        <a:rPr lang="en-US" sz="1400" b="1">
+                          <a:effectLst/>
+                          <a:latin typeface="Times New Roman" panose="02020603050405020304" pitchFamily="18" charset="0"/>
+                          <a:ea typeface="Times New Roman" panose="02020603050405020304" pitchFamily="18" charset="0"/>
+                        </a:rPr>
+                        <a:t>Max</a:t>
+                      </a:r>
+                      <a:endParaRPr lang="en-US" sz="1400">
+                        <a:effectLst/>
+                        <a:latin typeface="Calibri" panose="020F0502020204030204" pitchFamily="34" charset="0"/>
+                        <a:ea typeface="Calibri" panose="020F0502020204030204" pitchFamily="34" charset="0"/>
+                      </a:endParaRPr>
+                    </a:p>
+                  </a:txBody>
+                  <a:tcPr marL="21789" marR="21789" marT="0" marB="0">
+                    <a:lnL w="12700" cap="flat" cmpd="sng" algn="ctr">
+                      <a:solidFill>
+                        <a:srgbClr val="000000"/>
+                      </a:solidFill>
+                      <a:prstDash val="solid"/>
+                      <a:round/>
+                      <a:headEnd type="none" w="med" len="med"/>
+                      <a:tailEnd type="none" w="med" len="med"/>
+                    </a:lnL>
+                    <a:lnR w="12700" cap="flat" cmpd="sng" algn="ctr">
+                      <a:solidFill>
+                        <a:srgbClr val="000000"/>
+                      </a:solidFill>
+                      <a:prstDash val="solid"/>
+                      <a:round/>
+                      <a:headEnd type="none" w="med" len="med"/>
+                      <a:tailEnd type="none" w="med" len="med"/>
+                    </a:lnR>
+                    <a:lnT w="12700" cap="flat" cmpd="sng" algn="ctr">
+                      <a:solidFill>
+                        <a:srgbClr val="000000"/>
+                      </a:solidFill>
+                      <a:prstDash val="solid"/>
+                      <a:round/>
+                      <a:headEnd type="none" w="med" len="med"/>
+                      <a:tailEnd type="none" w="med" len="med"/>
+                    </a:lnT>
+                    <a:lnB w="12700" cap="flat" cmpd="sng" algn="ctr">
+                      <a:solidFill>
+                        <a:srgbClr val="000000"/>
+                      </a:solidFill>
+                      <a:prstDash val="solid"/>
+                      <a:round/>
+                      <a:headEnd type="none" w="med" len="med"/>
+                      <a:tailEnd type="none" w="med" len="med"/>
+                    </a:lnB>
+                    <a:noFill/>
+                  </a:tcPr>
+                </a:tc>
+                <a:extLst>
+                  <a:ext uri="{0D108BD9-81ED-4DB2-BD59-A6C34878D82A}">
+                    <a16:rowId xmlns:a16="http://schemas.microsoft.com/office/drawing/2014/main" val="3214643861"/>
+                  </a:ext>
+                </a:extLst>
+              </a:tr>
+              <a:tr h="304387">
+                <a:tc>
+                  <a:txBody>
+                    <a:bodyPr/>
+                    <a:lstStyle/>
+                    <a:p>
+                      <a:pPr>
+                        <a:lnSpc>
+                          <a:spcPct val="200000"/>
+                        </a:lnSpc>
+                        <a:spcAft>
+                          <a:spcPts val="800"/>
+                        </a:spcAft>
+                        <a:buNone/>
+                      </a:pPr>
+                      <a:r>
+                        <a:rPr lang="en-US" sz="1400" dirty="0">
+                          <a:effectLst/>
+                          <a:latin typeface="Times New Roman" panose="02020603050405020304" pitchFamily="18" charset="0"/>
+                          <a:ea typeface="Times New Roman" panose="02020603050405020304" pitchFamily="18" charset="0"/>
+                        </a:rPr>
+                        <a:t>Fixed Acidity</a:t>
+                      </a:r>
+                      <a:endParaRPr lang="en-US" sz="1400" dirty="0">
+                        <a:effectLst/>
+                        <a:latin typeface="Calibri" panose="020F0502020204030204" pitchFamily="34" charset="0"/>
+                        <a:ea typeface="Calibri" panose="020F0502020204030204" pitchFamily="34" charset="0"/>
+                      </a:endParaRPr>
+                    </a:p>
+                  </a:txBody>
+                  <a:tcPr marL="21789" marR="21789" marT="0" marB="0">
+                    <a:lnL w="12700" cap="flat" cmpd="sng" algn="ctr">
+                      <a:solidFill>
+                        <a:srgbClr val="000000"/>
+                      </a:solidFill>
+                      <a:prstDash val="solid"/>
+                      <a:round/>
+                      <a:headEnd type="none" w="med" len="med"/>
+                      <a:tailEnd type="none" w="med" len="med"/>
+                    </a:lnL>
+                    <a:lnR w="12700" cap="flat" cmpd="sng" algn="ctr">
+                      <a:solidFill>
+                        <a:srgbClr val="000000"/>
+                      </a:solidFill>
+                      <a:prstDash val="solid"/>
+                      <a:round/>
+                      <a:headEnd type="none" w="med" len="med"/>
+                      <a:tailEnd type="none" w="med" len="med"/>
+                    </a:lnR>
+                    <a:lnT w="12700" cap="flat" cmpd="sng" algn="ctr">
+                      <a:solidFill>
+                        <a:srgbClr val="000000"/>
+                      </a:solidFill>
+                      <a:prstDash val="solid"/>
+                      <a:round/>
+                      <a:headEnd type="none" w="med" len="med"/>
+                      <a:tailEnd type="none" w="med" len="med"/>
+                    </a:lnT>
+                    <a:lnB w="12700" cap="flat" cmpd="sng" algn="ctr">
+                      <a:solidFill>
+                        <a:srgbClr val="000000"/>
+                      </a:solidFill>
+                      <a:prstDash val="solid"/>
+                      <a:round/>
+                      <a:headEnd type="none" w="med" len="med"/>
+                      <a:tailEnd type="none" w="med" len="med"/>
+                    </a:lnB>
+                    <a:noFill/>
+                  </a:tcPr>
+                </a:tc>
+                <a:tc>
+                  <a:txBody>
+                    <a:bodyPr/>
+                    <a:lstStyle/>
+                    <a:p>
+                      <a:pPr>
+                        <a:lnSpc>
+                          <a:spcPct val="200000"/>
+                        </a:lnSpc>
+                        <a:spcAft>
+                          <a:spcPts val="800"/>
+                        </a:spcAft>
+                        <a:buNone/>
+                      </a:pPr>
+                      <a:r>
+                        <a:rPr lang="en-US" sz="1400" dirty="0">
+                          <a:effectLst/>
+                          <a:latin typeface="Times New Roman" panose="02020603050405020304" pitchFamily="18" charset="0"/>
+                          <a:ea typeface="Times New Roman" panose="02020603050405020304" pitchFamily="18" charset="0"/>
+                        </a:rPr>
+                        <a:t>6.85</a:t>
+                      </a:r>
+                      <a:endParaRPr lang="en-US" sz="1400" dirty="0">
+                        <a:effectLst/>
+                        <a:latin typeface="Calibri" panose="020F0502020204030204" pitchFamily="34" charset="0"/>
+                        <a:ea typeface="Calibri" panose="020F0502020204030204" pitchFamily="34" charset="0"/>
+                      </a:endParaRPr>
+                    </a:p>
+                  </a:txBody>
+                  <a:tcPr marL="21789" marR="21789" marT="0" marB="0">
+                    <a:lnL w="12700" cap="flat" cmpd="sng" algn="ctr">
+                      <a:solidFill>
+                        <a:srgbClr val="000000"/>
+                      </a:solidFill>
+                      <a:prstDash val="solid"/>
+                      <a:round/>
+                      <a:headEnd type="none" w="med" len="med"/>
+                      <a:tailEnd type="none" w="med" len="med"/>
+                    </a:lnL>
+                    <a:lnR w="12700" cap="flat" cmpd="sng" algn="ctr">
+                      <a:solidFill>
+                        <a:srgbClr val="000000"/>
+                      </a:solidFill>
+                      <a:prstDash val="solid"/>
+                      <a:round/>
+                      <a:headEnd type="none" w="med" len="med"/>
+                      <a:tailEnd type="none" w="med" len="med"/>
+                    </a:lnR>
+                    <a:lnT w="12700" cap="flat" cmpd="sng" algn="ctr">
+                      <a:solidFill>
+                        <a:srgbClr val="000000"/>
+                      </a:solidFill>
+                      <a:prstDash val="solid"/>
+                      <a:round/>
+                      <a:headEnd type="none" w="med" len="med"/>
+                      <a:tailEnd type="none" w="med" len="med"/>
+                    </a:lnT>
+                    <a:lnB w="12700" cap="flat" cmpd="sng" algn="ctr">
+                      <a:solidFill>
+                        <a:srgbClr val="000000"/>
+                      </a:solidFill>
+                      <a:prstDash val="solid"/>
+                      <a:round/>
+                      <a:headEnd type="none" w="med" len="med"/>
+                      <a:tailEnd type="none" w="med" len="med"/>
+                    </a:lnB>
+                    <a:noFill/>
+                  </a:tcPr>
+                </a:tc>
+                <a:tc>
+                  <a:txBody>
+                    <a:bodyPr/>
+                    <a:lstStyle/>
+                    <a:p>
+                      <a:pPr>
+                        <a:lnSpc>
+                          <a:spcPct val="200000"/>
+                        </a:lnSpc>
+                        <a:spcAft>
+                          <a:spcPts val="800"/>
+                        </a:spcAft>
+                        <a:buNone/>
+                      </a:pPr>
+                      <a:r>
+                        <a:rPr lang="en-US" sz="1400" dirty="0">
+                          <a:effectLst/>
+                          <a:latin typeface="Times New Roman" panose="02020603050405020304" pitchFamily="18" charset="0"/>
+                          <a:ea typeface="Times New Roman" panose="02020603050405020304" pitchFamily="18" charset="0"/>
+                        </a:rPr>
+                        <a:t>0.84</a:t>
+                      </a:r>
+                      <a:endParaRPr lang="en-US" sz="1400" dirty="0">
+                        <a:effectLst/>
+                        <a:latin typeface="Calibri" panose="020F0502020204030204" pitchFamily="34" charset="0"/>
+                        <a:ea typeface="Calibri" panose="020F0502020204030204" pitchFamily="34" charset="0"/>
+                      </a:endParaRPr>
+                    </a:p>
+                  </a:txBody>
+                  <a:tcPr marL="21789" marR="21789" marT="0" marB="0">
+                    <a:lnL w="12700" cap="flat" cmpd="sng" algn="ctr">
+                      <a:solidFill>
+                        <a:srgbClr val="000000"/>
+                      </a:solidFill>
+                      <a:prstDash val="solid"/>
+                      <a:round/>
+                      <a:headEnd type="none" w="med" len="med"/>
+                      <a:tailEnd type="none" w="med" len="med"/>
+                    </a:lnL>
+                    <a:lnR w="12700" cap="flat" cmpd="sng" algn="ctr">
+                      <a:solidFill>
+                        <a:srgbClr val="000000"/>
+                      </a:solidFill>
+                      <a:prstDash val="solid"/>
+                      <a:round/>
+                      <a:headEnd type="none" w="med" len="med"/>
+                      <a:tailEnd type="none" w="med" len="med"/>
+                    </a:lnR>
+                    <a:lnT w="12700" cap="flat" cmpd="sng" algn="ctr">
+                      <a:solidFill>
+                        <a:srgbClr val="000000"/>
+                      </a:solidFill>
+                      <a:prstDash val="solid"/>
+                      <a:round/>
+                      <a:headEnd type="none" w="med" len="med"/>
+                      <a:tailEnd type="none" w="med" len="med"/>
+                    </a:lnT>
+                    <a:lnB w="12700" cap="flat" cmpd="sng" algn="ctr">
+                      <a:solidFill>
+                        <a:srgbClr val="000000"/>
+                      </a:solidFill>
+                      <a:prstDash val="solid"/>
+                      <a:round/>
+                      <a:headEnd type="none" w="med" len="med"/>
+                      <a:tailEnd type="none" w="med" len="med"/>
+                    </a:lnB>
+                    <a:noFill/>
+                  </a:tcPr>
+                </a:tc>
+                <a:tc>
+                  <a:txBody>
+                    <a:bodyPr/>
+                    <a:lstStyle/>
+                    <a:p>
+                      <a:pPr>
+                        <a:lnSpc>
+                          <a:spcPct val="200000"/>
+                        </a:lnSpc>
+                        <a:spcAft>
+                          <a:spcPts val="800"/>
+                        </a:spcAft>
+                        <a:buNone/>
+                      </a:pPr>
+                      <a:r>
+                        <a:rPr lang="en-US" sz="1400" dirty="0">
+                          <a:effectLst/>
+                          <a:latin typeface="Times New Roman" panose="02020603050405020304" pitchFamily="18" charset="0"/>
+                          <a:ea typeface="Times New Roman" panose="02020603050405020304" pitchFamily="18" charset="0"/>
+                        </a:rPr>
+                        <a:t>3.80</a:t>
+                      </a:r>
+                      <a:endParaRPr lang="en-US" sz="1400" dirty="0">
+                        <a:effectLst/>
+                        <a:latin typeface="Calibri" panose="020F0502020204030204" pitchFamily="34" charset="0"/>
+                        <a:ea typeface="Calibri" panose="020F0502020204030204" pitchFamily="34" charset="0"/>
+                      </a:endParaRPr>
+                    </a:p>
+                  </a:txBody>
+                  <a:tcPr marL="21789" marR="21789" marT="0" marB="0">
+                    <a:lnL w="12700" cap="flat" cmpd="sng" algn="ctr">
+                      <a:solidFill>
+                        <a:srgbClr val="000000"/>
+                      </a:solidFill>
+                      <a:prstDash val="solid"/>
+                      <a:round/>
+                      <a:headEnd type="none" w="med" len="med"/>
+                      <a:tailEnd type="none" w="med" len="med"/>
+                    </a:lnL>
+                    <a:lnR w="12700" cap="flat" cmpd="sng" algn="ctr">
+                      <a:solidFill>
+                        <a:srgbClr val="000000"/>
+                      </a:solidFill>
+                      <a:prstDash val="solid"/>
+                      <a:round/>
+                      <a:headEnd type="none" w="med" len="med"/>
+                      <a:tailEnd type="none" w="med" len="med"/>
+                    </a:lnR>
+                    <a:lnT w="12700" cap="flat" cmpd="sng" algn="ctr">
+                      <a:solidFill>
+                        <a:srgbClr val="000000"/>
+                      </a:solidFill>
+                      <a:prstDash val="solid"/>
+                      <a:round/>
+                      <a:headEnd type="none" w="med" len="med"/>
+                      <a:tailEnd type="none" w="med" len="med"/>
+                    </a:lnT>
+                    <a:lnB w="12700" cap="flat" cmpd="sng" algn="ctr">
+                      <a:solidFill>
+                        <a:srgbClr val="000000"/>
+                      </a:solidFill>
+                      <a:prstDash val="solid"/>
+                      <a:round/>
+                      <a:headEnd type="none" w="med" len="med"/>
+                      <a:tailEnd type="none" w="med" len="med"/>
+                    </a:lnB>
+                    <a:noFill/>
+                  </a:tcPr>
+                </a:tc>
+                <a:tc>
+                  <a:txBody>
+                    <a:bodyPr/>
+                    <a:lstStyle/>
+                    <a:p>
+                      <a:pPr>
+                        <a:lnSpc>
+                          <a:spcPct val="200000"/>
+                        </a:lnSpc>
+                        <a:spcAft>
+                          <a:spcPts val="800"/>
+                        </a:spcAft>
+                        <a:buNone/>
+                      </a:pPr>
+                      <a:r>
+                        <a:rPr lang="en-US" sz="1400" dirty="0">
+                          <a:effectLst/>
+                          <a:latin typeface="Times New Roman" panose="02020603050405020304" pitchFamily="18" charset="0"/>
+                          <a:ea typeface="Times New Roman" panose="02020603050405020304" pitchFamily="18" charset="0"/>
+                        </a:rPr>
+                        <a:t>6.30</a:t>
+                      </a:r>
+                      <a:endParaRPr lang="en-US" sz="1400" dirty="0">
+                        <a:effectLst/>
+                        <a:latin typeface="Calibri" panose="020F0502020204030204" pitchFamily="34" charset="0"/>
+                        <a:ea typeface="Calibri" panose="020F0502020204030204" pitchFamily="34" charset="0"/>
+                      </a:endParaRPr>
+                    </a:p>
+                  </a:txBody>
+                  <a:tcPr marL="21789" marR="21789" marT="0" marB="0">
+                    <a:lnL w="12700" cap="flat" cmpd="sng" algn="ctr">
+                      <a:solidFill>
+                        <a:srgbClr val="000000"/>
+                      </a:solidFill>
+                      <a:prstDash val="solid"/>
+                      <a:round/>
+                      <a:headEnd type="none" w="med" len="med"/>
+                      <a:tailEnd type="none" w="med" len="med"/>
+                    </a:lnL>
+                    <a:lnR w="12700" cap="flat" cmpd="sng" algn="ctr">
+                      <a:solidFill>
+                        <a:srgbClr val="000000"/>
+                      </a:solidFill>
+                      <a:prstDash val="solid"/>
+                      <a:round/>
+                      <a:headEnd type="none" w="med" len="med"/>
+                      <a:tailEnd type="none" w="med" len="med"/>
+                    </a:lnR>
+                    <a:lnT w="12700" cap="flat" cmpd="sng" algn="ctr">
+                      <a:solidFill>
+                        <a:srgbClr val="000000"/>
+                      </a:solidFill>
+                      <a:prstDash val="solid"/>
+                      <a:round/>
+                      <a:headEnd type="none" w="med" len="med"/>
+                      <a:tailEnd type="none" w="med" len="med"/>
+                    </a:lnT>
+                    <a:lnB w="12700" cap="flat" cmpd="sng" algn="ctr">
+                      <a:solidFill>
+                        <a:srgbClr val="000000"/>
+                      </a:solidFill>
+                      <a:prstDash val="solid"/>
+                      <a:round/>
+                      <a:headEnd type="none" w="med" len="med"/>
+                      <a:tailEnd type="none" w="med" len="med"/>
+                    </a:lnB>
+                    <a:noFill/>
+                  </a:tcPr>
+                </a:tc>
+                <a:tc>
+                  <a:txBody>
+                    <a:bodyPr/>
+                    <a:lstStyle/>
+                    <a:p>
+                      <a:pPr>
+                        <a:lnSpc>
+                          <a:spcPct val="200000"/>
+                        </a:lnSpc>
+                        <a:spcAft>
+                          <a:spcPts val="800"/>
+                        </a:spcAft>
+                        <a:buNone/>
+                      </a:pPr>
+                      <a:r>
+                        <a:rPr lang="en-US" sz="1400" dirty="0">
+                          <a:effectLst/>
+                          <a:latin typeface="Times New Roman" panose="02020603050405020304" pitchFamily="18" charset="0"/>
+                          <a:ea typeface="Times New Roman" panose="02020603050405020304" pitchFamily="18" charset="0"/>
+                        </a:rPr>
+                        <a:t>6.80</a:t>
+                      </a:r>
+                      <a:endParaRPr lang="en-US" sz="1400" dirty="0">
+                        <a:effectLst/>
+                        <a:latin typeface="Calibri" panose="020F0502020204030204" pitchFamily="34" charset="0"/>
+                        <a:ea typeface="Calibri" panose="020F0502020204030204" pitchFamily="34" charset="0"/>
+                      </a:endParaRPr>
+                    </a:p>
+                  </a:txBody>
+                  <a:tcPr marL="21789" marR="21789" marT="0" marB="0">
+                    <a:lnL w="12700" cap="flat" cmpd="sng" algn="ctr">
+                      <a:solidFill>
+                        <a:srgbClr val="000000"/>
+                      </a:solidFill>
+                      <a:prstDash val="solid"/>
+                      <a:round/>
+                      <a:headEnd type="none" w="med" len="med"/>
+                      <a:tailEnd type="none" w="med" len="med"/>
+                    </a:lnL>
+                    <a:lnR w="12700" cap="flat" cmpd="sng" algn="ctr">
+                      <a:solidFill>
+                        <a:srgbClr val="000000"/>
+                      </a:solidFill>
+                      <a:prstDash val="solid"/>
+                      <a:round/>
+                      <a:headEnd type="none" w="med" len="med"/>
+                      <a:tailEnd type="none" w="med" len="med"/>
+                    </a:lnR>
+                    <a:lnT w="12700" cap="flat" cmpd="sng" algn="ctr">
+                      <a:solidFill>
+                        <a:srgbClr val="000000"/>
+                      </a:solidFill>
+                      <a:prstDash val="solid"/>
+                      <a:round/>
+                      <a:headEnd type="none" w="med" len="med"/>
+                      <a:tailEnd type="none" w="med" len="med"/>
+                    </a:lnT>
+                    <a:lnB w="12700" cap="flat" cmpd="sng" algn="ctr">
+                      <a:solidFill>
+                        <a:srgbClr val="000000"/>
+                      </a:solidFill>
+                      <a:prstDash val="solid"/>
+                      <a:round/>
+                      <a:headEnd type="none" w="med" len="med"/>
+                      <a:tailEnd type="none" w="med" len="med"/>
+                    </a:lnB>
+                    <a:noFill/>
+                  </a:tcPr>
+                </a:tc>
+                <a:tc>
+                  <a:txBody>
+                    <a:bodyPr/>
+                    <a:lstStyle/>
+                    <a:p>
+                      <a:pPr>
+                        <a:lnSpc>
+                          <a:spcPct val="200000"/>
+                        </a:lnSpc>
+                        <a:spcAft>
+                          <a:spcPts val="800"/>
+                        </a:spcAft>
+                        <a:buNone/>
+                      </a:pPr>
+                      <a:r>
+                        <a:rPr lang="en-US" sz="1400" dirty="0">
+                          <a:effectLst/>
+                          <a:latin typeface="Times New Roman" panose="02020603050405020304" pitchFamily="18" charset="0"/>
+                          <a:ea typeface="Times New Roman" panose="02020603050405020304" pitchFamily="18" charset="0"/>
+                        </a:rPr>
+                        <a:t>7.30</a:t>
+                      </a:r>
+                      <a:endParaRPr lang="en-US" sz="1400" dirty="0">
+                        <a:effectLst/>
+                        <a:latin typeface="Calibri" panose="020F0502020204030204" pitchFamily="34" charset="0"/>
+                        <a:ea typeface="Calibri" panose="020F0502020204030204" pitchFamily="34" charset="0"/>
+                      </a:endParaRPr>
+                    </a:p>
+                  </a:txBody>
+                  <a:tcPr marL="21789" marR="21789" marT="0" marB="0">
+                    <a:lnL w="12700" cap="flat" cmpd="sng" algn="ctr">
+                      <a:solidFill>
+                        <a:srgbClr val="000000"/>
+                      </a:solidFill>
+                      <a:prstDash val="solid"/>
+                      <a:round/>
+                      <a:headEnd type="none" w="med" len="med"/>
+                      <a:tailEnd type="none" w="med" len="med"/>
+                    </a:lnL>
+                    <a:lnR w="12700" cap="flat" cmpd="sng" algn="ctr">
+                      <a:solidFill>
+                        <a:srgbClr val="000000"/>
+                      </a:solidFill>
+                      <a:prstDash val="solid"/>
+                      <a:round/>
+                      <a:headEnd type="none" w="med" len="med"/>
+                      <a:tailEnd type="none" w="med" len="med"/>
+                    </a:lnR>
+                    <a:lnT w="12700" cap="flat" cmpd="sng" algn="ctr">
+                      <a:solidFill>
+                        <a:srgbClr val="000000"/>
+                      </a:solidFill>
+                      <a:prstDash val="solid"/>
+                      <a:round/>
+                      <a:headEnd type="none" w="med" len="med"/>
+                      <a:tailEnd type="none" w="med" len="med"/>
+                    </a:lnT>
+                    <a:lnB w="12700" cap="flat" cmpd="sng" algn="ctr">
+                      <a:solidFill>
+                        <a:srgbClr val="000000"/>
+                      </a:solidFill>
+                      <a:prstDash val="solid"/>
+                      <a:round/>
+                      <a:headEnd type="none" w="med" len="med"/>
+                      <a:tailEnd type="none" w="med" len="med"/>
+                    </a:lnB>
+                    <a:noFill/>
+                  </a:tcPr>
+                </a:tc>
+                <a:tc>
+                  <a:txBody>
+                    <a:bodyPr/>
+                    <a:lstStyle/>
+                    <a:p>
+                      <a:pPr>
+                        <a:lnSpc>
+                          <a:spcPct val="200000"/>
+                        </a:lnSpc>
+                        <a:spcAft>
+                          <a:spcPts val="800"/>
+                        </a:spcAft>
+                        <a:buNone/>
+                      </a:pPr>
+                      <a:r>
+                        <a:rPr lang="en-US" sz="1400" dirty="0">
+                          <a:effectLst/>
+                          <a:latin typeface="Times New Roman" panose="02020603050405020304" pitchFamily="18" charset="0"/>
+                          <a:ea typeface="Times New Roman" panose="02020603050405020304" pitchFamily="18" charset="0"/>
+                        </a:rPr>
+                        <a:t>14.20</a:t>
+                      </a:r>
+                      <a:endParaRPr lang="en-US" sz="1400" dirty="0">
+                        <a:effectLst/>
+                        <a:latin typeface="Calibri" panose="020F0502020204030204" pitchFamily="34" charset="0"/>
+                        <a:ea typeface="Calibri" panose="020F0502020204030204" pitchFamily="34" charset="0"/>
+                      </a:endParaRPr>
+                    </a:p>
+                  </a:txBody>
+                  <a:tcPr marL="21789" marR="21789" marT="0" marB="0">
+                    <a:lnL w="12700" cap="flat" cmpd="sng" algn="ctr">
+                      <a:solidFill>
+                        <a:srgbClr val="000000"/>
+                      </a:solidFill>
+                      <a:prstDash val="solid"/>
+                      <a:round/>
+                      <a:headEnd type="none" w="med" len="med"/>
+                      <a:tailEnd type="none" w="med" len="med"/>
+                    </a:lnL>
+                    <a:lnR w="12700" cap="flat" cmpd="sng" algn="ctr">
+                      <a:solidFill>
+                        <a:srgbClr val="000000"/>
+                      </a:solidFill>
+                      <a:prstDash val="solid"/>
+                      <a:round/>
+                      <a:headEnd type="none" w="med" len="med"/>
+                      <a:tailEnd type="none" w="med" len="med"/>
+                    </a:lnR>
+                    <a:lnT w="12700" cap="flat" cmpd="sng" algn="ctr">
+                      <a:solidFill>
+                        <a:srgbClr val="000000"/>
+                      </a:solidFill>
+                      <a:prstDash val="solid"/>
+                      <a:round/>
+                      <a:headEnd type="none" w="med" len="med"/>
+                      <a:tailEnd type="none" w="med" len="med"/>
+                    </a:lnT>
+                    <a:lnB w="12700" cap="flat" cmpd="sng" algn="ctr">
+                      <a:solidFill>
+                        <a:srgbClr val="000000"/>
+                      </a:solidFill>
+                      <a:prstDash val="solid"/>
+                      <a:round/>
+                      <a:headEnd type="none" w="med" len="med"/>
+                      <a:tailEnd type="none" w="med" len="med"/>
+                    </a:lnB>
+                    <a:noFill/>
+                  </a:tcPr>
+                </a:tc>
+                <a:extLst>
+                  <a:ext uri="{0D108BD9-81ED-4DB2-BD59-A6C34878D82A}">
+                    <a16:rowId xmlns:a16="http://schemas.microsoft.com/office/drawing/2014/main" val="1883493525"/>
+                  </a:ext>
+                </a:extLst>
+              </a:tr>
+              <a:tr h="410914">
+                <a:tc>
+                  <a:txBody>
+                    <a:bodyPr/>
+                    <a:lstStyle/>
+                    <a:p>
+                      <a:pPr>
+                        <a:lnSpc>
+                          <a:spcPct val="200000"/>
+                        </a:lnSpc>
+                        <a:spcAft>
+                          <a:spcPts val="800"/>
+                        </a:spcAft>
+                        <a:buNone/>
+                      </a:pPr>
+                      <a:r>
+                        <a:rPr lang="en-US" sz="1400">
+                          <a:effectLst/>
+                          <a:latin typeface="Times New Roman" panose="02020603050405020304" pitchFamily="18" charset="0"/>
+                          <a:ea typeface="Times New Roman" panose="02020603050405020304" pitchFamily="18" charset="0"/>
+                        </a:rPr>
+                        <a:t>Volatile Acidity</a:t>
+                      </a:r>
+                      <a:endParaRPr lang="en-US" sz="1400">
+                        <a:effectLst/>
+                        <a:latin typeface="Calibri" panose="020F0502020204030204" pitchFamily="34" charset="0"/>
+                        <a:ea typeface="Calibri" panose="020F0502020204030204" pitchFamily="34" charset="0"/>
+                      </a:endParaRPr>
+                    </a:p>
+                  </a:txBody>
+                  <a:tcPr marL="21789" marR="21789" marT="0" marB="0">
+                    <a:lnL w="12700" cap="flat" cmpd="sng" algn="ctr">
+                      <a:solidFill>
+                        <a:srgbClr val="000000"/>
+                      </a:solidFill>
+                      <a:prstDash val="solid"/>
+                      <a:round/>
+                      <a:headEnd type="none" w="med" len="med"/>
+                      <a:tailEnd type="none" w="med" len="med"/>
+                    </a:lnL>
+                    <a:lnR w="12700" cap="flat" cmpd="sng" algn="ctr">
+                      <a:solidFill>
+                        <a:srgbClr val="000000"/>
+                      </a:solidFill>
+                      <a:prstDash val="solid"/>
+                      <a:round/>
+                      <a:headEnd type="none" w="med" len="med"/>
+                      <a:tailEnd type="none" w="med" len="med"/>
+                    </a:lnR>
+                    <a:lnT w="12700" cap="flat" cmpd="sng" algn="ctr">
+                      <a:solidFill>
+                        <a:srgbClr val="000000"/>
+                      </a:solidFill>
+                      <a:prstDash val="solid"/>
+                      <a:round/>
+                      <a:headEnd type="none" w="med" len="med"/>
+                      <a:tailEnd type="none" w="med" len="med"/>
+                    </a:lnT>
+                    <a:lnB w="12700" cap="flat" cmpd="sng" algn="ctr">
+                      <a:solidFill>
+                        <a:srgbClr val="000000"/>
+                      </a:solidFill>
+                      <a:prstDash val="solid"/>
+                      <a:round/>
+                      <a:headEnd type="none" w="med" len="med"/>
+                      <a:tailEnd type="none" w="med" len="med"/>
+                    </a:lnB>
+                    <a:noFill/>
+                  </a:tcPr>
+                </a:tc>
+                <a:tc>
+                  <a:txBody>
+                    <a:bodyPr/>
+                    <a:lstStyle/>
+                    <a:p>
+                      <a:pPr>
+                        <a:lnSpc>
+                          <a:spcPct val="200000"/>
+                        </a:lnSpc>
+                        <a:spcAft>
+                          <a:spcPts val="800"/>
+                        </a:spcAft>
+                        <a:buNone/>
+                      </a:pPr>
+                      <a:r>
+                        <a:rPr lang="en-US" sz="1400">
+                          <a:effectLst/>
+                          <a:latin typeface="Times New Roman" panose="02020603050405020304" pitchFamily="18" charset="0"/>
+                          <a:ea typeface="Times New Roman" panose="02020603050405020304" pitchFamily="18" charset="0"/>
+                        </a:rPr>
+                        <a:t>0.28</a:t>
+                      </a:r>
+                      <a:endParaRPr lang="en-US" sz="1400">
+                        <a:effectLst/>
+                        <a:latin typeface="Calibri" panose="020F0502020204030204" pitchFamily="34" charset="0"/>
+                        <a:ea typeface="Calibri" panose="020F0502020204030204" pitchFamily="34" charset="0"/>
+                      </a:endParaRPr>
+                    </a:p>
+                  </a:txBody>
+                  <a:tcPr marL="21789" marR="21789" marT="0" marB="0">
+                    <a:lnL w="12700" cap="flat" cmpd="sng" algn="ctr">
+                      <a:solidFill>
+                        <a:srgbClr val="000000"/>
+                      </a:solidFill>
+                      <a:prstDash val="solid"/>
+                      <a:round/>
+                      <a:headEnd type="none" w="med" len="med"/>
+                      <a:tailEnd type="none" w="med" len="med"/>
+                    </a:lnL>
+                    <a:lnR w="12700" cap="flat" cmpd="sng" algn="ctr">
+                      <a:solidFill>
+                        <a:srgbClr val="000000"/>
+                      </a:solidFill>
+                      <a:prstDash val="solid"/>
+                      <a:round/>
+                      <a:headEnd type="none" w="med" len="med"/>
+                      <a:tailEnd type="none" w="med" len="med"/>
+                    </a:lnR>
+                    <a:lnT w="12700" cap="flat" cmpd="sng" algn="ctr">
+                      <a:solidFill>
+                        <a:srgbClr val="000000"/>
+                      </a:solidFill>
+                      <a:prstDash val="solid"/>
+                      <a:round/>
+                      <a:headEnd type="none" w="med" len="med"/>
+                      <a:tailEnd type="none" w="med" len="med"/>
+                    </a:lnT>
+                    <a:lnB w="12700" cap="flat" cmpd="sng" algn="ctr">
+                      <a:solidFill>
+                        <a:srgbClr val="000000"/>
+                      </a:solidFill>
+                      <a:prstDash val="solid"/>
+                      <a:round/>
+                      <a:headEnd type="none" w="med" len="med"/>
+                      <a:tailEnd type="none" w="med" len="med"/>
+                    </a:lnB>
+                    <a:noFill/>
+                  </a:tcPr>
+                </a:tc>
+                <a:tc>
+                  <a:txBody>
+                    <a:bodyPr/>
+                    <a:lstStyle/>
+                    <a:p>
+                      <a:pPr>
+                        <a:lnSpc>
+                          <a:spcPct val="200000"/>
+                        </a:lnSpc>
+                        <a:spcAft>
+                          <a:spcPts val="800"/>
+                        </a:spcAft>
+                        <a:buNone/>
+                      </a:pPr>
+                      <a:r>
+                        <a:rPr lang="en-US" sz="1400">
+                          <a:effectLst/>
+                          <a:latin typeface="Times New Roman" panose="02020603050405020304" pitchFamily="18" charset="0"/>
+                          <a:ea typeface="Times New Roman" panose="02020603050405020304" pitchFamily="18" charset="0"/>
+                        </a:rPr>
+                        <a:t>0.10</a:t>
+                      </a:r>
+                      <a:endParaRPr lang="en-US" sz="1400">
+                        <a:effectLst/>
+                        <a:latin typeface="Calibri" panose="020F0502020204030204" pitchFamily="34" charset="0"/>
+                        <a:ea typeface="Calibri" panose="020F0502020204030204" pitchFamily="34" charset="0"/>
+                      </a:endParaRPr>
+                    </a:p>
+                  </a:txBody>
+                  <a:tcPr marL="21789" marR="21789" marT="0" marB="0">
+                    <a:lnL w="12700" cap="flat" cmpd="sng" algn="ctr">
+                      <a:solidFill>
+                        <a:srgbClr val="000000"/>
+                      </a:solidFill>
+                      <a:prstDash val="solid"/>
+                      <a:round/>
+                      <a:headEnd type="none" w="med" len="med"/>
+                      <a:tailEnd type="none" w="med" len="med"/>
+                    </a:lnL>
+                    <a:lnR w="12700" cap="flat" cmpd="sng" algn="ctr">
+                      <a:solidFill>
+                        <a:srgbClr val="000000"/>
+                      </a:solidFill>
+                      <a:prstDash val="solid"/>
+                      <a:round/>
+                      <a:headEnd type="none" w="med" len="med"/>
+                      <a:tailEnd type="none" w="med" len="med"/>
+                    </a:lnR>
+                    <a:lnT w="12700" cap="flat" cmpd="sng" algn="ctr">
+                      <a:solidFill>
+                        <a:srgbClr val="000000"/>
+                      </a:solidFill>
+                      <a:prstDash val="solid"/>
+                      <a:round/>
+                      <a:headEnd type="none" w="med" len="med"/>
+                      <a:tailEnd type="none" w="med" len="med"/>
+                    </a:lnT>
+                    <a:lnB w="12700" cap="flat" cmpd="sng" algn="ctr">
+                      <a:solidFill>
+                        <a:srgbClr val="000000"/>
+                      </a:solidFill>
+                      <a:prstDash val="solid"/>
+                      <a:round/>
+                      <a:headEnd type="none" w="med" len="med"/>
+                      <a:tailEnd type="none" w="med" len="med"/>
+                    </a:lnB>
+                    <a:noFill/>
+                  </a:tcPr>
+                </a:tc>
+                <a:tc>
+                  <a:txBody>
+                    <a:bodyPr/>
+                    <a:lstStyle/>
+                    <a:p>
+                      <a:pPr>
+                        <a:lnSpc>
+                          <a:spcPct val="200000"/>
+                        </a:lnSpc>
+                        <a:spcAft>
+                          <a:spcPts val="800"/>
+                        </a:spcAft>
+                        <a:buNone/>
+                      </a:pPr>
+                      <a:r>
+                        <a:rPr lang="en-US" sz="1400">
+                          <a:effectLst/>
+                          <a:latin typeface="Times New Roman" panose="02020603050405020304" pitchFamily="18" charset="0"/>
+                          <a:ea typeface="Times New Roman" panose="02020603050405020304" pitchFamily="18" charset="0"/>
+                        </a:rPr>
+                        <a:t>0.08</a:t>
+                      </a:r>
+                      <a:endParaRPr lang="en-US" sz="1400">
+                        <a:effectLst/>
+                        <a:latin typeface="Calibri" panose="020F0502020204030204" pitchFamily="34" charset="0"/>
+                        <a:ea typeface="Calibri" panose="020F0502020204030204" pitchFamily="34" charset="0"/>
+                      </a:endParaRPr>
+                    </a:p>
+                  </a:txBody>
+                  <a:tcPr marL="21789" marR="21789" marT="0" marB="0">
+                    <a:lnL w="12700" cap="flat" cmpd="sng" algn="ctr">
+                      <a:solidFill>
+                        <a:srgbClr val="000000"/>
+                      </a:solidFill>
+                      <a:prstDash val="solid"/>
+                      <a:round/>
+                      <a:headEnd type="none" w="med" len="med"/>
+                      <a:tailEnd type="none" w="med" len="med"/>
+                    </a:lnL>
+                    <a:lnR w="12700" cap="flat" cmpd="sng" algn="ctr">
+                      <a:solidFill>
+                        <a:srgbClr val="000000"/>
+                      </a:solidFill>
+                      <a:prstDash val="solid"/>
+                      <a:round/>
+                      <a:headEnd type="none" w="med" len="med"/>
+                      <a:tailEnd type="none" w="med" len="med"/>
+                    </a:lnR>
+                    <a:lnT w="12700" cap="flat" cmpd="sng" algn="ctr">
+                      <a:solidFill>
+                        <a:srgbClr val="000000"/>
+                      </a:solidFill>
+                      <a:prstDash val="solid"/>
+                      <a:round/>
+                      <a:headEnd type="none" w="med" len="med"/>
+                      <a:tailEnd type="none" w="med" len="med"/>
+                    </a:lnT>
+                    <a:lnB w="12700" cap="flat" cmpd="sng" algn="ctr">
+                      <a:solidFill>
+                        <a:srgbClr val="000000"/>
+                      </a:solidFill>
+                      <a:prstDash val="solid"/>
+                      <a:round/>
+                      <a:headEnd type="none" w="med" len="med"/>
+                      <a:tailEnd type="none" w="med" len="med"/>
+                    </a:lnB>
+                    <a:noFill/>
+                  </a:tcPr>
+                </a:tc>
+                <a:tc>
+                  <a:txBody>
+                    <a:bodyPr/>
+                    <a:lstStyle/>
+                    <a:p>
+                      <a:pPr>
+                        <a:lnSpc>
+                          <a:spcPct val="200000"/>
+                        </a:lnSpc>
+                        <a:spcAft>
+                          <a:spcPts val="800"/>
+                        </a:spcAft>
+                        <a:buNone/>
+                      </a:pPr>
+                      <a:r>
+                        <a:rPr lang="en-US" sz="1400">
+                          <a:effectLst/>
+                          <a:latin typeface="Times New Roman" panose="02020603050405020304" pitchFamily="18" charset="0"/>
+                          <a:ea typeface="Times New Roman" panose="02020603050405020304" pitchFamily="18" charset="0"/>
+                        </a:rPr>
+                        <a:t>0.21</a:t>
+                      </a:r>
+                      <a:endParaRPr lang="en-US" sz="1400">
+                        <a:effectLst/>
+                        <a:latin typeface="Calibri" panose="020F0502020204030204" pitchFamily="34" charset="0"/>
+                        <a:ea typeface="Calibri" panose="020F0502020204030204" pitchFamily="34" charset="0"/>
+                      </a:endParaRPr>
+                    </a:p>
+                  </a:txBody>
+                  <a:tcPr marL="21789" marR="21789" marT="0" marB="0">
+                    <a:lnL w="12700" cap="flat" cmpd="sng" algn="ctr">
+                      <a:solidFill>
+                        <a:srgbClr val="000000"/>
+                      </a:solidFill>
+                      <a:prstDash val="solid"/>
+                      <a:round/>
+                      <a:headEnd type="none" w="med" len="med"/>
+                      <a:tailEnd type="none" w="med" len="med"/>
+                    </a:lnL>
+                    <a:lnR w="12700" cap="flat" cmpd="sng" algn="ctr">
+                      <a:solidFill>
+                        <a:srgbClr val="000000"/>
+                      </a:solidFill>
+                      <a:prstDash val="solid"/>
+                      <a:round/>
+                      <a:headEnd type="none" w="med" len="med"/>
+                      <a:tailEnd type="none" w="med" len="med"/>
+                    </a:lnR>
+                    <a:lnT w="12700" cap="flat" cmpd="sng" algn="ctr">
+                      <a:solidFill>
+                        <a:srgbClr val="000000"/>
+                      </a:solidFill>
+                      <a:prstDash val="solid"/>
+                      <a:round/>
+                      <a:headEnd type="none" w="med" len="med"/>
+                      <a:tailEnd type="none" w="med" len="med"/>
+                    </a:lnT>
+                    <a:lnB w="12700" cap="flat" cmpd="sng" algn="ctr">
+                      <a:solidFill>
+                        <a:srgbClr val="000000"/>
+                      </a:solidFill>
+                      <a:prstDash val="solid"/>
+                      <a:round/>
+                      <a:headEnd type="none" w="med" len="med"/>
+                      <a:tailEnd type="none" w="med" len="med"/>
+                    </a:lnB>
+                    <a:noFill/>
+                  </a:tcPr>
+                </a:tc>
+                <a:tc>
+                  <a:txBody>
+                    <a:bodyPr/>
+                    <a:lstStyle/>
+                    <a:p>
+                      <a:pPr>
+                        <a:lnSpc>
+                          <a:spcPct val="200000"/>
+                        </a:lnSpc>
+                        <a:spcAft>
+                          <a:spcPts val="800"/>
+                        </a:spcAft>
+                        <a:buNone/>
+                      </a:pPr>
+                      <a:r>
+                        <a:rPr lang="en-US" sz="1400">
+                          <a:effectLst/>
+                          <a:latin typeface="Times New Roman" panose="02020603050405020304" pitchFamily="18" charset="0"/>
+                          <a:ea typeface="Times New Roman" panose="02020603050405020304" pitchFamily="18" charset="0"/>
+                        </a:rPr>
+                        <a:t>0.26</a:t>
+                      </a:r>
+                      <a:endParaRPr lang="en-US" sz="1400">
+                        <a:effectLst/>
+                        <a:latin typeface="Calibri" panose="020F0502020204030204" pitchFamily="34" charset="0"/>
+                        <a:ea typeface="Calibri" panose="020F0502020204030204" pitchFamily="34" charset="0"/>
+                      </a:endParaRPr>
+                    </a:p>
+                  </a:txBody>
+                  <a:tcPr marL="21789" marR="21789" marT="0" marB="0">
+                    <a:lnL w="12700" cap="flat" cmpd="sng" algn="ctr">
+                      <a:solidFill>
+                        <a:srgbClr val="000000"/>
+                      </a:solidFill>
+                      <a:prstDash val="solid"/>
+                      <a:round/>
+                      <a:headEnd type="none" w="med" len="med"/>
+                      <a:tailEnd type="none" w="med" len="med"/>
+                    </a:lnL>
+                    <a:lnR w="12700" cap="flat" cmpd="sng" algn="ctr">
+                      <a:solidFill>
+                        <a:srgbClr val="000000"/>
+                      </a:solidFill>
+                      <a:prstDash val="solid"/>
+                      <a:round/>
+                      <a:headEnd type="none" w="med" len="med"/>
+                      <a:tailEnd type="none" w="med" len="med"/>
+                    </a:lnR>
+                    <a:lnT w="12700" cap="flat" cmpd="sng" algn="ctr">
+                      <a:solidFill>
+                        <a:srgbClr val="000000"/>
+                      </a:solidFill>
+                      <a:prstDash val="solid"/>
+                      <a:round/>
+                      <a:headEnd type="none" w="med" len="med"/>
+                      <a:tailEnd type="none" w="med" len="med"/>
+                    </a:lnT>
+                    <a:lnB w="12700" cap="flat" cmpd="sng" algn="ctr">
+                      <a:solidFill>
+                        <a:srgbClr val="000000"/>
+                      </a:solidFill>
+                      <a:prstDash val="solid"/>
+                      <a:round/>
+                      <a:headEnd type="none" w="med" len="med"/>
+                      <a:tailEnd type="none" w="med" len="med"/>
+                    </a:lnB>
+                    <a:noFill/>
+                  </a:tcPr>
+                </a:tc>
+                <a:tc>
+                  <a:txBody>
+                    <a:bodyPr/>
+                    <a:lstStyle/>
+                    <a:p>
+                      <a:pPr>
+                        <a:lnSpc>
+                          <a:spcPct val="200000"/>
+                        </a:lnSpc>
+                        <a:spcAft>
+                          <a:spcPts val="800"/>
+                        </a:spcAft>
+                        <a:buNone/>
+                      </a:pPr>
+                      <a:r>
+                        <a:rPr lang="en-US" sz="1400">
+                          <a:effectLst/>
+                          <a:latin typeface="Times New Roman" panose="02020603050405020304" pitchFamily="18" charset="0"/>
+                          <a:ea typeface="Times New Roman" panose="02020603050405020304" pitchFamily="18" charset="0"/>
+                        </a:rPr>
+                        <a:t>0.32</a:t>
+                      </a:r>
+                      <a:endParaRPr lang="en-US" sz="1400">
+                        <a:effectLst/>
+                        <a:latin typeface="Calibri" panose="020F0502020204030204" pitchFamily="34" charset="0"/>
+                        <a:ea typeface="Calibri" panose="020F0502020204030204" pitchFamily="34" charset="0"/>
+                      </a:endParaRPr>
+                    </a:p>
+                  </a:txBody>
+                  <a:tcPr marL="21789" marR="21789" marT="0" marB="0">
+                    <a:lnL w="12700" cap="flat" cmpd="sng" algn="ctr">
+                      <a:solidFill>
+                        <a:srgbClr val="000000"/>
+                      </a:solidFill>
+                      <a:prstDash val="solid"/>
+                      <a:round/>
+                      <a:headEnd type="none" w="med" len="med"/>
+                      <a:tailEnd type="none" w="med" len="med"/>
+                    </a:lnL>
+                    <a:lnR w="12700" cap="flat" cmpd="sng" algn="ctr">
+                      <a:solidFill>
+                        <a:srgbClr val="000000"/>
+                      </a:solidFill>
+                      <a:prstDash val="solid"/>
+                      <a:round/>
+                      <a:headEnd type="none" w="med" len="med"/>
+                      <a:tailEnd type="none" w="med" len="med"/>
+                    </a:lnR>
+                    <a:lnT w="12700" cap="flat" cmpd="sng" algn="ctr">
+                      <a:solidFill>
+                        <a:srgbClr val="000000"/>
+                      </a:solidFill>
+                      <a:prstDash val="solid"/>
+                      <a:round/>
+                      <a:headEnd type="none" w="med" len="med"/>
+                      <a:tailEnd type="none" w="med" len="med"/>
+                    </a:lnT>
+                    <a:lnB w="12700" cap="flat" cmpd="sng" algn="ctr">
+                      <a:solidFill>
+                        <a:srgbClr val="000000"/>
+                      </a:solidFill>
+                      <a:prstDash val="solid"/>
+                      <a:round/>
+                      <a:headEnd type="none" w="med" len="med"/>
+                      <a:tailEnd type="none" w="med" len="med"/>
+                    </a:lnB>
+                    <a:noFill/>
+                  </a:tcPr>
+                </a:tc>
+                <a:tc>
+                  <a:txBody>
+                    <a:bodyPr/>
+                    <a:lstStyle/>
+                    <a:p>
+                      <a:pPr>
+                        <a:lnSpc>
+                          <a:spcPct val="200000"/>
+                        </a:lnSpc>
+                        <a:spcAft>
+                          <a:spcPts val="800"/>
+                        </a:spcAft>
+                        <a:buNone/>
+                      </a:pPr>
+                      <a:r>
+                        <a:rPr lang="en-US" sz="1400">
+                          <a:effectLst/>
+                          <a:latin typeface="Times New Roman" panose="02020603050405020304" pitchFamily="18" charset="0"/>
+                          <a:ea typeface="Times New Roman" panose="02020603050405020304" pitchFamily="18" charset="0"/>
+                        </a:rPr>
+                        <a:t>1.10</a:t>
+                      </a:r>
+                      <a:endParaRPr lang="en-US" sz="1400">
+                        <a:effectLst/>
+                        <a:latin typeface="Calibri" panose="020F0502020204030204" pitchFamily="34" charset="0"/>
+                        <a:ea typeface="Calibri" panose="020F0502020204030204" pitchFamily="34" charset="0"/>
+                      </a:endParaRPr>
+                    </a:p>
+                  </a:txBody>
+                  <a:tcPr marL="21789" marR="21789" marT="0" marB="0">
+                    <a:lnL w="12700" cap="flat" cmpd="sng" algn="ctr">
+                      <a:solidFill>
+                        <a:srgbClr val="000000"/>
+                      </a:solidFill>
+                      <a:prstDash val="solid"/>
+                      <a:round/>
+                      <a:headEnd type="none" w="med" len="med"/>
+                      <a:tailEnd type="none" w="med" len="med"/>
+                    </a:lnL>
+                    <a:lnR w="12700" cap="flat" cmpd="sng" algn="ctr">
+                      <a:solidFill>
+                        <a:srgbClr val="000000"/>
+                      </a:solidFill>
+                      <a:prstDash val="solid"/>
+                      <a:round/>
+                      <a:headEnd type="none" w="med" len="med"/>
+                      <a:tailEnd type="none" w="med" len="med"/>
+                    </a:lnR>
+                    <a:lnT w="12700" cap="flat" cmpd="sng" algn="ctr">
+                      <a:solidFill>
+                        <a:srgbClr val="000000"/>
+                      </a:solidFill>
+                      <a:prstDash val="solid"/>
+                      <a:round/>
+                      <a:headEnd type="none" w="med" len="med"/>
+                      <a:tailEnd type="none" w="med" len="med"/>
+                    </a:lnT>
+                    <a:lnB w="12700" cap="flat" cmpd="sng" algn="ctr">
+                      <a:solidFill>
+                        <a:srgbClr val="000000"/>
+                      </a:solidFill>
+                      <a:prstDash val="solid"/>
+                      <a:round/>
+                      <a:headEnd type="none" w="med" len="med"/>
+                      <a:tailEnd type="none" w="med" len="med"/>
+                    </a:lnB>
+                    <a:noFill/>
+                  </a:tcPr>
+                </a:tc>
+                <a:extLst>
+                  <a:ext uri="{0D108BD9-81ED-4DB2-BD59-A6C34878D82A}">
+                    <a16:rowId xmlns:a16="http://schemas.microsoft.com/office/drawing/2014/main" val="1681059322"/>
+                  </a:ext>
+                </a:extLst>
+              </a:tr>
+              <a:tr h="197861">
+                <a:tc>
+                  <a:txBody>
+                    <a:bodyPr/>
+                    <a:lstStyle/>
+                    <a:p>
+                      <a:pPr>
+                        <a:lnSpc>
+                          <a:spcPct val="200000"/>
+                        </a:lnSpc>
+                        <a:spcAft>
+                          <a:spcPts val="800"/>
+                        </a:spcAft>
+                        <a:buNone/>
+                      </a:pPr>
+                      <a:r>
+                        <a:rPr lang="en-US" sz="1400">
+                          <a:effectLst/>
+                          <a:latin typeface="Times New Roman" panose="02020603050405020304" pitchFamily="18" charset="0"/>
+                          <a:ea typeface="Times New Roman" panose="02020603050405020304" pitchFamily="18" charset="0"/>
+                        </a:rPr>
+                        <a:t>Citric Acid</a:t>
+                      </a:r>
+                      <a:endParaRPr lang="en-US" sz="1400">
+                        <a:effectLst/>
+                        <a:latin typeface="Calibri" panose="020F0502020204030204" pitchFamily="34" charset="0"/>
+                        <a:ea typeface="Calibri" panose="020F0502020204030204" pitchFamily="34" charset="0"/>
+                      </a:endParaRPr>
+                    </a:p>
+                  </a:txBody>
+                  <a:tcPr marL="21789" marR="21789" marT="0" marB="0">
+                    <a:lnL w="12700" cap="flat" cmpd="sng" algn="ctr">
+                      <a:solidFill>
+                        <a:srgbClr val="000000"/>
+                      </a:solidFill>
+                      <a:prstDash val="solid"/>
+                      <a:round/>
+                      <a:headEnd type="none" w="med" len="med"/>
+                      <a:tailEnd type="none" w="med" len="med"/>
+                    </a:lnL>
+                    <a:lnR w="12700" cap="flat" cmpd="sng" algn="ctr">
+                      <a:solidFill>
+                        <a:srgbClr val="000000"/>
+                      </a:solidFill>
+                      <a:prstDash val="solid"/>
+                      <a:round/>
+                      <a:headEnd type="none" w="med" len="med"/>
+                      <a:tailEnd type="none" w="med" len="med"/>
+                    </a:lnR>
+                    <a:lnT w="12700" cap="flat" cmpd="sng" algn="ctr">
+                      <a:solidFill>
+                        <a:srgbClr val="000000"/>
+                      </a:solidFill>
+                      <a:prstDash val="solid"/>
+                      <a:round/>
+                      <a:headEnd type="none" w="med" len="med"/>
+                      <a:tailEnd type="none" w="med" len="med"/>
+                    </a:lnT>
+                    <a:lnB w="12700" cap="flat" cmpd="sng" algn="ctr">
+                      <a:solidFill>
+                        <a:srgbClr val="000000"/>
+                      </a:solidFill>
+                      <a:prstDash val="solid"/>
+                      <a:round/>
+                      <a:headEnd type="none" w="med" len="med"/>
+                      <a:tailEnd type="none" w="med" len="med"/>
+                    </a:lnB>
+                    <a:noFill/>
+                  </a:tcPr>
+                </a:tc>
+                <a:tc>
+                  <a:txBody>
+                    <a:bodyPr/>
+                    <a:lstStyle/>
+                    <a:p>
+                      <a:pPr>
+                        <a:lnSpc>
+                          <a:spcPct val="200000"/>
+                        </a:lnSpc>
+                        <a:spcAft>
+                          <a:spcPts val="800"/>
+                        </a:spcAft>
+                        <a:buNone/>
+                      </a:pPr>
+                      <a:r>
+                        <a:rPr lang="en-US" sz="1400">
+                          <a:effectLst/>
+                          <a:latin typeface="Times New Roman" panose="02020603050405020304" pitchFamily="18" charset="0"/>
+                          <a:ea typeface="Times New Roman" panose="02020603050405020304" pitchFamily="18" charset="0"/>
+                        </a:rPr>
+                        <a:t>0.33</a:t>
+                      </a:r>
+                      <a:endParaRPr lang="en-US" sz="1400">
+                        <a:effectLst/>
+                        <a:latin typeface="Calibri" panose="020F0502020204030204" pitchFamily="34" charset="0"/>
+                        <a:ea typeface="Calibri" panose="020F0502020204030204" pitchFamily="34" charset="0"/>
+                      </a:endParaRPr>
+                    </a:p>
+                  </a:txBody>
+                  <a:tcPr marL="21789" marR="21789" marT="0" marB="0">
+                    <a:lnL w="12700" cap="flat" cmpd="sng" algn="ctr">
+                      <a:solidFill>
+                        <a:srgbClr val="000000"/>
+                      </a:solidFill>
+                      <a:prstDash val="solid"/>
+                      <a:round/>
+                      <a:headEnd type="none" w="med" len="med"/>
+                      <a:tailEnd type="none" w="med" len="med"/>
+                    </a:lnL>
+                    <a:lnR w="12700" cap="flat" cmpd="sng" algn="ctr">
+                      <a:solidFill>
+                        <a:srgbClr val="000000"/>
+                      </a:solidFill>
+                      <a:prstDash val="solid"/>
+                      <a:round/>
+                      <a:headEnd type="none" w="med" len="med"/>
+                      <a:tailEnd type="none" w="med" len="med"/>
+                    </a:lnR>
+                    <a:lnT w="12700" cap="flat" cmpd="sng" algn="ctr">
+                      <a:solidFill>
+                        <a:srgbClr val="000000"/>
+                      </a:solidFill>
+                      <a:prstDash val="solid"/>
+                      <a:round/>
+                      <a:headEnd type="none" w="med" len="med"/>
+                      <a:tailEnd type="none" w="med" len="med"/>
+                    </a:lnT>
+                    <a:lnB w="12700" cap="flat" cmpd="sng" algn="ctr">
+                      <a:solidFill>
+                        <a:srgbClr val="000000"/>
+                      </a:solidFill>
+                      <a:prstDash val="solid"/>
+                      <a:round/>
+                      <a:headEnd type="none" w="med" len="med"/>
+                      <a:tailEnd type="none" w="med" len="med"/>
+                    </a:lnB>
+                    <a:noFill/>
+                  </a:tcPr>
+                </a:tc>
+                <a:tc>
+                  <a:txBody>
+                    <a:bodyPr/>
+                    <a:lstStyle/>
+                    <a:p>
+                      <a:pPr>
+                        <a:lnSpc>
+                          <a:spcPct val="200000"/>
+                        </a:lnSpc>
+                        <a:spcAft>
+                          <a:spcPts val="800"/>
+                        </a:spcAft>
+                        <a:buNone/>
+                      </a:pPr>
+                      <a:r>
+                        <a:rPr lang="en-US" sz="1400">
+                          <a:effectLst/>
+                          <a:latin typeface="Times New Roman" panose="02020603050405020304" pitchFamily="18" charset="0"/>
+                          <a:ea typeface="Times New Roman" panose="02020603050405020304" pitchFamily="18" charset="0"/>
+                        </a:rPr>
+                        <a:t>0.12</a:t>
+                      </a:r>
+                      <a:endParaRPr lang="en-US" sz="1400">
+                        <a:effectLst/>
+                        <a:latin typeface="Calibri" panose="020F0502020204030204" pitchFamily="34" charset="0"/>
+                        <a:ea typeface="Calibri" panose="020F0502020204030204" pitchFamily="34" charset="0"/>
+                      </a:endParaRPr>
+                    </a:p>
+                  </a:txBody>
+                  <a:tcPr marL="21789" marR="21789" marT="0" marB="0">
+                    <a:lnL w="12700" cap="flat" cmpd="sng" algn="ctr">
+                      <a:solidFill>
+                        <a:srgbClr val="000000"/>
+                      </a:solidFill>
+                      <a:prstDash val="solid"/>
+                      <a:round/>
+                      <a:headEnd type="none" w="med" len="med"/>
+                      <a:tailEnd type="none" w="med" len="med"/>
+                    </a:lnL>
+                    <a:lnR w="12700" cap="flat" cmpd="sng" algn="ctr">
+                      <a:solidFill>
+                        <a:srgbClr val="000000"/>
+                      </a:solidFill>
+                      <a:prstDash val="solid"/>
+                      <a:round/>
+                      <a:headEnd type="none" w="med" len="med"/>
+                      <a:tailEnd type="none" w="med" len="med"/>
+                    </a:lnR>
+                    <a:lnT w="12700" cap="flat" cmpd="sng" algn="ctr">
+                      <a:solidFill>
+                        <a:srgbClr val="000000"/>
+                      </a:solidFill>
+                      <a:prstDash val="solid"/>
+                      <a:round/>
+                      <a:headEnd type="none" w="med" len="med"/>
+                      <a:tailEnd type="none" w="med" len="med"/>
+                    </a:lnT>
+                    <a:lnB w="12700" cap="flat" cmpd="sng" algn="ctr">
+                      <a:solidFill>
+                        <a:srgbClr val="000000"/>
+                      </a:solidFill>
+                      <a:prstDash val="solid"/>
+                      <a:round/>
+                      <a:headEnd type="none" w="med" len="med"/>
+                      <a:tailEnd type="none" w="med" len="med"/>
+                    </a:lnB>
+                    <a:noFill/>
+                  </a:tcPr>
+                </a:tc>
+                <a:tc>
+                  <a:txBody>
+                    <a:bodyPr/>
+                    <a:lstStyle/>
+                    <a:p>
+                      <a:pPr>
+                        <a:lnSpc>
+                          <a:spcPct val="200000"/>
+                        </a:lnSpc>
+                        <a:spcAft>
+                          <a:spcPts val="800"/>
+                        </a:spcAft>
+                        <a:buNone/>
+                      </a:pPr>
+                      <a:r>
+                        <a:rPr lang="en-US" sz="1400">
+                          <a:effectLst/>
+                          <a:latin typeface="Times New Roman" panose="02020603050405020304" pitchFamily="18" charset="0"/>
+                          <a:ea typeface="Times New Roman" panose="02020603050405020304" pitchFamily="18" charset="0"/>
+                        </a:rPr>
+                        <a:t>0.00</a:t>
+                      </a:r>
+                      <a:endParaRPr lang="en-US" sz="1400">
+                        <a:effectLst/>
+                        <a:latin typeface="Calibri" panose="020F0502020204030204" pitchFamily="34" charset="0"/>
+                        <a:ea typeface="Calibri" panose="020F0502020204030204" pitchFamily="34" charset="0"/>
+                      </a:endParaRPr>
+                    </a:p>
+                  </a:txBody>
+                  <a:tcPr marL="21789" marR="21789" marT="0" marB="0">
+                    <a:lnL w="12700" cap="flat" cmpd="sng" algn="ctr">
+                      <a:solidFill>
+                        <a:srgbClr val="000000"/>
+                      </a:solidFill>
+                      <a:prstDash val="solid"/>
+                      <a:round/>
+                      <a:headEnd type="none" w="med" len="med"/>
+                      <a:tailEnd type="none" w="med" len="med"/>
+                    </a:lnL>
+                    <a:lnR w="12700" cap="flat" cmpd="sng" algn="ctr">
+                      <a:solidFill>
+                        <a:srgbClr val="000000"/>
+                      </a:solidFill>
+                      <a:prstDash val="solid"/>
+                      <a:round/>
+                      <a:headEnd type="none" w="med" len="med"/>
+                      <a:tailEnd type="none" w="med" len="med"/>
+                    </a:lnR>
+                    <a:lnT w="12700" cap="flat" cmpd="sng" algn="ctr">
+                      <a:solidFill>
+                        <a:srgbClr val="000000"/>
+                      </a:solidFill>
+                      <a:prstDash val="solid"/>
+                      <a:round/>
+                      <a:headEnd type="none" w="med" len="med"/>
+                      <a:tailEnd type="none" w="med" len="med"/>
+                    </a:lnT>
+                    <a:lnB w="12700" cap="flat" cmpd="sng" algn="ctr">
+                      <a:solidFill>
+                        <a:srgbClr val="000000"/>
+                      </a:solidFill>
+                      <a:prstDash val="solid"/>
+                      <a:round/>
+                      <a:headEnd type="none" w="med" len="med"/>
+                      <a:tailEnd type="none" w="med" len="med"/>
+                    </a:lnB>
+                    <a:noFill/>
+                  </a:tcPr>
+                </a:tc>
+                <a:tc>
+                  <a:txBody>
+                    <a:bodyPr/>
+                    <a:lstStyle/>
+                    <a:p>
+                      <a:pPr>
+                        <a:lnSpc>
+                          <a:spcPct val="200000"/>
+                        </a:lnSpc>
+                        <a:spcAft>
+                          <a:spcPts val="800"/>
+                        </a:spcAft>
+                        <a:buNone/>
+                      </a:pPr>
+                      <a:r>
+                        <a:rPr lang="en-US" sz="1400">
+                          <a:effectLst/>
+                          <a:latin typeface="Times New Roman" panose="02020603050405020304" pitchFamily="18" charset="0"/>
+                          <a:ea typeface="Times New Roman" panose="02020603050405020304" pitchFamily="18" charset="0"/>
+                        </a:rPr>
+                        <a:t>0.27</a:t>
+                      </a:r>
+                      <a:endParaRPr lang="en-US" sz="1400">
+                        <a:effectLst/>
+                        <a:latin typeface="Calibri" panose="020F0502020204030204" pitchFamily="34" charset="0"/>
+                        <a:ea typeface="Calibri" panose="020F0502020204030204" pitchFamily="34" charset="0"/>
+                      </a:endParaRPr>
+                    </a:p>
+                  </a:txBody>
+                  <a:tcPr marL="21789" marR="21789" marT="0" marB="0">
+                    <a:lnL w="12700" cap="flat" cmpd="sng" algn="ctr">
+                      <a:solidFill>
+                        <a:srgbClr val="000000"/>
+                      </a:solidFill>
+                      <a:prstDash val="solid"/>
+                      <a:round/>
+                      <a:headEnd type="none" w="med" len="med"/>
+                      <a:tailEnd type="none" w="med" len="med"/>
+                    </a:lnL>
+                    <a:lnR w="12700" cap="flat" cmpd="sng" algn="ctr">
+                      <a:solidFill>
+                        <a:srgbClr val="000000"/>
+                      </a:solidFill>
+                      <a:prstDash val="solid"/>
+                      <a:round/>
+                      <a:headEnd type="none" w="med" len="med"/>
+                      <a:tailEnd type="none" w="med" len="med"/>
+                    </a:lnR>
+                    <a:lnT w="12700" cap="flat" cmpd="sng" algn="ctr">
+                      <a:solidFill>
+                        <a:srgbClr val="000000"/>
+                      </a:solidFill>
+                      <a:prstDash val="solid"/>
+                      <a:round/>
+                      <a:headEnd type="none" w="med" len="med"/>
+                      <a:tailEnd type="none" w="med" len="med"/>
+                    </a:lnT>
+                    <a:lnB w="12700" cap="flat" cmpd="sng" algn="ctr">
+                      <a:solidFill>
+                        <a:srgbClr val="000000"/>
+                      </a:solidFill>
+                      <a:prstDash val="solid"/>
+                      <a:round/>
+                      <a:headEnd type="none" w="med" len="med"/>
+                      <a:tailEnd type="none" w="med" len="med"/>
+                    </a:lnB>
+                    <a:noFill/>
+                  </a:tcPr>
+                </a:tc>
+                <a:tc>
+                  <a:txBody>
+                    <a:bodyPr/>
+                    <a:lstStyle/>
+                    <a:p>
+                      <a:pPr>
+                        <a:lnSpc>
+                          <a:spcPct val="200000"/>
+                        </a:lnSpc>
+                        <a:spcAft>
+                          <a:spcPts val="800"/>
+                        </a:spcAft>
+                        <a:buNone/>
+                      </a:pPr>
+                      <a:r>
+                        <a:rPr lang="en-US" sz="1400">
+                          <a:effectLst/>
+                          <a:latin typeface="Times New Roman" panose="02020603050405020304" pitchFamily="18" charset="0"/>
+                          <a:ea typeface="Times New Roman" panose="02020603050405020304" pitchFamily="18" charset="0"/>
+                        </a:rPr>
+                        <a:t>0.32</a:t>
+                      </a:r>
+                      <a:endParaRPr lang="en-US" sz="1400">
+                        <a:effectLst/>
+                        <a:latin typeface="Calibri" panose="020F0502020204030204" pitchFamily="34" charset="0"/>
+                        <a:ea typeface="Calibri" panose="020F0502020204030204" pitchFamily="34" charset="0"/>
+                      </a:endParaRPr>
+                    </a:p>
+                  </a:txBody>
+                  <a:tcPr marL="21789" marR="21789" marT="0" marB="0">
+                    <a:lnL w="12700" cap="flat" cmpd="sng" algn="ctr">
+                      <a:solidFill>
+                        <a:srgbClr val="000000"/>
+                      </a:solidFill>
+                      <a:prstDash val="solid"/>
+                      <a:round/>
+                      <a:headEnd type="none" w="med" len="med"/>
+                      <a:tailEnd type="none" w="med" len="med"/>
+                    </a:lnL>
+                    <a:lnR w="12700" cap="flat" cmpd="sng" algn="ctr">
+                      <a:solidFill>
+                        <a:srgbClr val="000000"/>
+                      </a:solidFill>
+                      <a:prstDash val="solid"/>
+                      <a:round/>
+                      <a:headEnd type="none" w="med" len="med"/>
+                      <a:tailEnd type="none" w="med" len="med"/>
+                    </a:lnR>
+                    <a:lnT w="12700" cap="flat" cmpd="sng" algn="ctr">
+                      <a:solidFill>
+                        <a:srgbClr val="000000"/>
+                      </a:solidFill>
+                      <a:prstDash val="solid"/>
+                      <a:round/>
+                      <a:headEnd type="none" w="med" len="med"/>
+                      <a:tailEnd type="none" w="med" len="med"/>
+                    </a:lnT>
+                    <a:lnB w="12700" cap="flat" cmpd="sng" algn="ctr">
+                      <a:solidFill>
+                        <a:srgbClr val="000000"/>
+                      </a:solidFill>
+                      <a:prstDash val="solid"/>
+                      <a:round/>
+                      <a:headEnd type="none" w="med" len="med"/>
+                      <a:tailEnd type="none" w="med" len="med"/>
+                    </a:lnB>
+                    <a:noFill/>
+                  </a:tcPr>
+                </a:tc>
+                <a:tc>
+                  <a:txBody>
+                    <a:bodyPr/>
+                    <a:lstStyle/>
+                    <a:p>
+                      <a:pPr>
+                        <a:lnSpc>
+                          <a:spcPct val="200000"/>
+                        </a:lnSpc>
+                        <a:spcAft>
+                          <a:spcPts val="800"/>
+                        </a:spcAft>
+                        <a:buNone/>
+                      </a:pPr>
+                      <a:r>
+                        <a:rPr lang="en-US" sz="1400">
+                          <a:effectLst/>
+                          <a:latin typeface="Times New Roman" panose="02020603050405020304" pitchFamily="18" charset="0"/>
+                          <a:ea typeface="Times New Roman" panose="02020603050405020304" pitchFamily="18" charset="0"/>
+                        </a:rPr>
+                        <a:t>0.39</a:t>
+                      </a:r>
+                      <a:endParaRPr lang="en-US" sz="1400">
+                        <a:effectLst/>
+                        <a:latin typeface="Calibri" panose="020F0502020204030204" pitchFamily="34" charset="0"/>
+                        <a:ea typeface="Calibri" panose="020F0502020204030204" pitchFamily="34" charset="0"/>
+                      </a:endParaRPr>
+                    </a:p>
+                  </a:txBody>
+                  <a:tcPr marL="21789" marR="21789" marT="0" marB="0">
+                    <a:lnL w="12700" cap="flat" cmpd="sng" algn="ctr">
+                      <a:solidFill>
+                        <a:srgbClr val="000000"/>
+                      </a:solidFill>
+                      <a:prstDash val="solid"/>
+                      <a:round/>
+                      <a:headEnd type="none" w="med" len="med"/>
+                      <a:tailEnd type="none" w="med" len="med"/>
+                    </a:lnL>
+                    <a:lnR w="12700" cap="flat" cmpd="sng" algn="ctr">
+                      <a:solidFill>
+                        <a:srgbClr val="000000"/>
+                      </a:solidFill>
+                      <a:prstDash val="solid"/>
+                      <a:round/>
+                      <a:headEnd type="none" w="med" len="med"/>
+                      <a:tailEnd type="none" w="med" len="med"/>
+                    </a:lnR>
+                    <a:lnT w="12700" cap="flat" cmpd="sng" algn="ctr">
+                      <a:solidFill>
+                        <a:srgbClr val="000000"/>
+                      </a:solidFill>
+                      <a:prstDash val="solid"/>
+                      <a:round/>
+                      <a:headEnd type="none" w="med" len="med"/>
+                      <a:tailEnd type="none" w="med" len="med"/>
+                    </a:lnT>
+                    <a:lnB w="12700" cap="flat" cmpd="sng" algn="ctr">
+                      <a:solidFill>
+                        <a:srgbClr val="000000"/>
+                      </a:solidFill>
+                      <a:prstDash val="solid"/>
+                      <a:round/>
+                      <a:headEnd type="none" w="med" len="med"/>
+                      <a:tailEnd type="none" w="med" len="med"/>
+                    </a:lnB>
+                    <a:noFill/>
+                  </a:tcPr>
+                </a:tc>
+                <a:tc>
+                  <a:txBody>
+                    <a:bodyPr/>
+                    <a:lstStyle/>
+                    <a:p>
+                      <a:pPr>
+                        <a:lnSpc>
+                          <a:spcPct val="200000"/>
+                        </a:lnSpc>
+                        <a:spcAft>
+                          <a:spcPts val="800"/>
+                        </a:spcAft>
+                        <a:buNone/>
+                      </a:pPr>
+                      <a:r>
+                        <a:rPr lang="en-US" sz="1400">
+                          <a:effectLst/>
+                          <a:latin typeface="Times New Roman" panose="02020603050405020304" pitchFamily="18" charset="0"/>
+                          <a:ea typeface="Times New Roman" panose="02020603050405020304" pitchFamily="18" charset="0"/>
+                        </a:rPr>
+                        <a:t>1.66</a:t>
+                      </a:r>
+                      <a:endParaRPr lang="en-US" sz="1400">
+                        <a:effectLst/>
+                        <a:latin typeface="Calibri" panose="020F0502020204030204" pitchFamily="34" charset="0"/>
+                        <a:ea typeface="Calibri" panose="020F0502020204030204" pitchFamily="34" charset="0"/>
+                      </a:endParaRPr>
+                    </a:p>
+                  </a:txBody>
+                  <a:tcPr marL="21789" marR="21789" marT="0" marB="0">
+                    <a:lnL w="12700" cap="flat" cmpd="sng" algn="ctr">
+                      <a:solidFill>
+                        <a:srgbClr val="000000"/>
+                      </a:solidFill>
+                      <a:prstDash val="solid"/>
+                      <a:round/>
+                      <a:headEnd type="none" w="med" len="med"/>
+                      <a:tailEnd type="none" w="med" len="med"/>
+                    </a:lnL>
+                    <a:lnR w="12700" cap="flat" cmpd="sng" algn="ctr">
+                      <a:solidFill>
+                        <a:srgbClr val="000000"/>
+                      </a:solidFill>
+                      <a:prstDash val="solid"/>
+                      <a:round/>
+                      <a:headEnd type="none" w="med" len="med"/>
+                      <a:tailEnd type="none" w="med" len="med"/>
+                    </a:lnR>
+                    <a:lnT w="12700" cap="flat" cmpd="sng" algn="ctr">
+                      <a:solidFill>
+                        <a:srgbClr val="000000"/>
+                      </a:solidFill>
+                      <a:prstDash val="solid"/>
+                      <a:round/>
+                      <a:headEnd type="none" w="med" len="med"/>
+                      <a:tailEnd type="none" w="med" len="med"/>
+                    </a:lnT>
+                    <a:lnB w="12700" cap="flat" cmpd="sng" algn="ctr">
+                      <a:solidFill>
+                        <a:srgbClr val="000000"/>
+                      </a:solidFill>
+                      <a:prstDash val="solid"/>
+                      <a:round/>
+                      <a:headEnd type="none" w="med" len="med"/>
+                      <a:tailEnd type="none" w="med" len="med"/>
+                    </a:lnB>
+                    <a:noFill/>
+                  </a:tcPr>
+                </a:tc>
+                <a:extLst>
+                  <a:ext uri="{0D108BD9-81ED-4DB2-BD59-A6C34878D82A}">
+                    <a16:rowId xmlns:a16="http://schemas.microsoft.com/office/drawing/2014/main" val="3276876497"/>
+                  </a:ext>
+                </a:extLst>
+              </a:tr>
+              <a:tr h="304387">
+                <a:tc>
+                  <a:txBody>
+                    <a:bodyPr/>
+                    <a:lstStyle/>
+                    <a:p>
+                      <a:pPr>
+                        <a:lnSpc>
+                          <a:spcPct val="200000"/>
+                        </a:lnSpc>
+                        <a:spcAft>
+                          <a:spcPts val="800"/>
+                        </a:spcAft>
+                        <a:buNone/>
+                      </a:pPr>
+                      <a:r>
+                        <a:rPr lang="en-US" sz="1400">
+                          <a:effectLst/>
+                          <a:latin typeface="Times New Roman" panose="02020603050405020304" pitchFamily="18" charset="0"/>
+                          <a:ea typeface="Times New Roman" panose="02020603050405020304" pitchFamily="18" charset="0"/>
+                        </a:rPr>
+                        <a:t>Residual Sugar</a:t>
+                      </a:r>
+                      <a:endParaRPr lang="en-US" sz="1400">
+                        <a:effectLst/>
+                        <a:latin typeface="Calibri" panose="020F0502020204030204" pitchFamily="34" charset="0"/>
+                        <a:ea typeface="Calibri" panose="020F0502020204030204" pitchFamily="34" charset="0"/>
+                      </a:endParaRPr>
+                    </a:p>
+                  </a:txBody>
+                  <a:tcPr marL="21789" marR="21789" marT="0" marB="0">
+                    <a:lnL w="12700" cap="flat" cmpd="sng" algn="ctr">
+                      <a:solidFill>
+                        <a:srgbClr val="000000"/>
+                      </a:solidFill>
+                      <a:prstDash val="solid"/>
+                      <a:round/>
+                      <a:headEnd type="none" w="med" len="med"/>
+                      <a:tailEnd type="none" w="med" len="med"/>
+                    </a:lnL>
+                    <a:lnR w="12700" cap="flat" cmpd="sng" algn="ctr">
+                      <a:solidFill>
+                        <a:srgbClr val="000000"/>
+                      </a:solidFill>
+                      <a:prstDash val="solid"/>
+                      <a:round/>
+                      <a:headEnd type="none" w="med" len="med"/>
+                      <a:tailEnd type="none" w="med" len="med"/>
+                    </a:lnR>
+                    <a:lnT w="12700" cap="flat" cmpd="sng" algn="ctr">
+                      <a:solidFill>
+                        <a:srgbClr val="000000"/>
+                      </a:solidFill>
+                      <a:prstDash val="solid"/>
+                      <a:round/>
+                      <a:headEnd type="none" w="med" len="med"/>
+                      <a:tailEnd type="none" w="med" len="med"/>
+                    </a:lnT>
+                    <a:lnB w="12700" cap="flat" cmpd="sng" algn="ctr">
+                      <a:solidFill>
+                        <a:srgbClr val="000000"/>
+                      </a:solidFill>
+                      <a:prstDash val="solid"/>
+                      <a:round/>
+                      <a:headEnd type="none" w="med" len="med"/>
+                      <a:tailEnd type="none" w="med" len="med"/>
+                    </a:lnB>
+                    <a:noFill/>
+                  </a:tcPr>
+                </a:tc>
+                <a:tc>
+                  <a:txBody>
+                    <a:bodyPr/>
+                    <a:lstStyle/>
+                    <a:p>
+                      <a:pPr>
+                        <a:lnSpc>
+                          <a:spcPct val="200000"/>
+                        </a:lnSpc>
+                        <a:spcAft>
+                          <a:spcPts val="800"/>
+                        </a:spcAft>
+                        <a:buNone/>
+                      </a:pPr>
+                      <a:r>
+                        <a:rPr lang="en-US" sz="1400">
+                          <a:effectLst/>
+                          <a:latin typeface="Times New Roman" panose="02020603050405020304" pitchFamily="18" charset="0"/>
+                          <a:ea typeface="Times New Roman" panose="02020603050405020304" pitchFamily="18" charset="0"/>
+                        </a:rPr>
+                        <a:t>6.39</a:t>
+                      </a:r>
+                      <a:endParaRPr lang="en-US" sz="1400">
+                        <a:effectLst/>
+                        <a:latin typeface="Calibri" panose="020F0502020204030204" pitchFamily="34" charset="0"/>
+                        <a:ea typeface="Calibri" panose="020F0502020204030204" pitchFamily="34" charset="0"/>
+                      </a:endParaRPr>
+                    </a:p>
+                  </a:txBody>
+                  <a:tcPr marL="21789" marR="21789" marT="0" marB="0">
+                    <a:lnL w="12700" cap="flat" cmpd="sng" algn="ctr">
+                      <a:solidFill>
+                        <a:srgbClr val="000000"/>
+                      </a:solidFill>
+                      <a:prstDash val="solid"/>
+                      <a:round/>
+                      <a:headEnd type="none" w="med" len="med"/>
+                      <a:tailEnd type="none" w="med" len="med"/>
+                    </a:lnL>
+                    <a:lnR w="12700" cap="flat" cmpd="sng" algn="ctr">
+                      <a:solidFill>
+                        <a:srgbClr val="000000"/>
+                      </a:solidFill>
+                      <a:prstDash val="solid"/>
+                      <a:round/>
+                      <a:headEnd type="none" w="med" len="med"/>
+                      <a:tailEnd type="none" w="med" len="med"/>
+                    </a:lnR>
+                    <a:lnT w="12700" cap="flat" cmpd="sng" algn="ctr">
+                      <a:solidFill>
+                        <a:srgbClr val="000000"/>
+                      </a:solidFill>
+                      <a:prstDash val="solid"/>
+                      <a:round/>
+                      <a:headEnd type="none" w="med" len="med"/>
+                      <a:tailEnd type="none" w="med" len="med"/>
+                    </a:lnT>
+                    <a:lnB w="12700" cap="flat" cmpd="sng" algn="ctr">
+                      <a:solidFill>
+                        <a:srgbClr val="000000"/>
+                      </a:solidFill>
+                      <a:prstDash val="solid"/>
+                      <a:round/>
+                      <a:headEnd type="none" w="med" len="med"/>
+                      <a:tailEnd type="none" w="med" len="med"/>
+                    </a:lnB>
+                    <a:noFill/>
+                  </a:tcPr>
+                </a:tc>
+                <a:tc>
+                  <a:txBody>
+                    <a:bodyPr/>
+                    <a:lstStyle/>
+                    <a:p>
+                      <a:pPr>
+                        <a:lnSpc>
+                          <a:spcPct val="200000"/>
+                        </a:lnSpc>
+                        <a:spcAft>
+                          <a:spcPts val="800"/>
+                        </a:spcAft>
+                        <a:buNone/>
+                      </a:pPr>
+                      <a:r>
+                        <a:rPr lang="en-US" sz="1400">
+                          <a:effectLst/>
+                          <a:latin typeface="Times New Roman" panose="02020603050405020304" pitchFamily="18" charset="0"/>
+                          <a:ea typeface="Times New Roman" panose="02020603050405020304" pitchFamily="18" charset="0"/>
+                        </a:rPr>
+                        <a:t>5.07</a:t>
+                      </a:r>
+                      <a:endParaRPr lang="en-US" sz="1400">
+                        <a:effectLst/>
+                        <a:latin typeface="Calibri" panose="020F0502020204030204" pitchFamily="34" charset="0"/>
+                        <a:ea typeface="Calibri" panose="020F0502020204030204" pitchFamily="34" charset="0"/>
+                      </a:endParaRPr>
+                    </a:p>
+                  </a:txBody>
+                  <a:tcPr marL="21789" marR="21789" marT="0" marB="0">
+                    <a:lnL w="12700" cap="flat" cmpd="sng" algn="ctr">
+                      <a:solidFill>
+                        <a:srgbClr val="000000"/>
+                      </a:solidFill>
+                      <a:prstDash val="solid"/>
+                      <a:round/>
+                      <a:headEnd type="none" w="med" len="med"/>
+                      <a:tailEnd type="none" w="med" len="med"/>
+                    </a:lnL>
+                    <a:lnR w="12700" cap="flat" cmpd="sng" algn="ctr">
+                      <a:solidFill>
+                        <a:srgbClr val="000000"/>
+                      </a:solidFill>
+                      <a:prstDash val="solid"/>
+                      <a:round/>
+                      <a:headEnd type="none" w="med" len="med"/>
+                      <a:tailEnd type="none" w="med" len="med"/>
+                    </a:lnR>
+                    <a:lnT w="12700" cap="flat" cmpd="sng" algn="ctr">
+                      <a:solidFill>
+                        <a:srgbClr val="000000"/>
+                      </a:solidFill>
+                      <a:prstDash val="solid"/>
+                      <a:round/>
+                      <a:headEnd type="none" w="med" len="med"/>
+                      <a:tailEnd type="none" w="med" len="med"/>
+                    </a:lnT>
+                    <a:lnB w="12700" cap="flat" cmpd="sng" algn="ctr">
+                      <a:solidFill>
+                        <a:srgbClr val="000000"/>
+                      </a:solidFill>
+                      <a:prstDash val="solid"/>
+                      <a:round/>
+                      <a:headEnd type="none" w="med" len="med"/>
+                      <a:tailEnd type="none" w="med" len="med"/>
+                    </a:lnB>
+                    <a:noFill/>
+                  </a:tcPr>
+                </a:tc>
+                <a:tc>
+                  <a:txBody>
+                    <a:bodyPr/>
+                    <a:lstStyle/>
+                    <a:p>
+                      <a:pPr>
+                        <a:lnSpc>
+                          <a:spcPct val="200000"/>
+                        </a:lnSpc>
+                        <a:spcAft>
+                          <a:spcPts val="800"/>
+                        </a:spcAft>
+                        <a:buNone/>
+                      </a:pPr>
+                      <a:r>
+                        <a:rPr lang="en-US" sz="1400">
+                          <a:effectLst/>
+                          <a:latin typeface="Times New Roman" panose="02020603050405020304" pitchFamily="18" charset="0"/>
+                          <a:ea typeface="Times New Roman" panose="02020603050405020304" pitchFamily="18" charset="0"/>
+                        </a:rPr>
+                        <a:t>0.60</a:t>
+                      </a:r>
+                      <a:endParaRPr lang="en-US" sz="1400">
+                        <a:effectLst/>
+                        <a:latin typeface="Calibri" panose="020F0502020204030204" pitchFamily="34" charset="0"/>
+                        <a:ea typeface="Calibri" panose="020F0502020204030204" pitchFamily="34" charset="0"/>
+                      </a:endParaRPr>
+                    </a:p>
+                  </a:txBody>
+                  <a:tcPr marL="21789" marR="21789" marT="0" marB="0">
+                    <a:lnL w="12700" cap="flat" cmpd="sng" algn="ctr">
+                      <a:solidFill>
+                        <a:srgbClr val="000000"/>
+                      </a:solidFill>
+                      <a:prstDash val="solid"/>
+                      <a:round/>
+                      <a:headEnd type="none" w="med" len="med"/>
+                      <a:tailEnd type="none" w="med" len="med"/>
+                    </a:lnL>
+                    <a:lnR w="12700" cap="flat" cmpd="sng" algn="ctr">
+                      <a:solidFill>
+                        <a:srgbClr val="000000"/>
+                      </a:solidFill>
+                      <a:prstDash val="solid"/>
+                      <a:round/>
+                      <a:headEnd type="none" w="med" len="med"/>
+                      <a:tailEnd type="none" w="med" len="med"/>
+                    </a:lnR>
+                    <a:lnT w="12700" cap="flat" cmpd="sng" algn="ctr">
+                      <a:solidFill>
+                        <a:srgbClr val="000000"/>
+                      </a:solidFill>
+                      <a:prstDash val="solid"/>
+                      <a:round/>
+                      <a:headEnd type="none" w="med" len="med"/>
+                      <a:tailEnd type="none" w="med" len="med"/>
+                    </a:lnT>
+                    <a:lnB w="12700" cap="flat" cmpd="sng" algn="ctr">
+                      <a:solidFill>
+                        <a:srgbClr val="000000"/>
+                      </a:solidFill>
+                      <a:prstDash val="solid"/>
+                      <a:round/>
+                      <a:headEnd type="none" w="med" len="med"/>
+                      <a:tailEnd type="none" w="med" len="med"/>
+                    </a:lnB>
+                    <a:noFill/>
+                  </a:tcPr>
+                </a:tc>
+                <a:tc>
+                  <a:txBody>
+                    <a:bodyPr/>
+                    <a:lstStyle/>
+                    <a:p>
+                      <a:pPr>
+                        <a:lnSpc>
+                          <a:spcPct val="200000"/>
+                        </a:lnSpc>
+                        <a:spcAft>
+                          <a:spcPts val="800"/>
+                        </a:spcAft>
+                        <a:buNone/>
+                      </a:pPr>
+                      <a:r>
+                        <a:rPr lang="en-US" sz="1400">
+                          <a:effectLst/>
+                          <a:latin typeface="Times New Roman" panose="02020603050405020304" pitchFamily="18" charset="0"/>
+                          <a:ea typeface="Times New Roman" panose="02020603050405020304" pitchFamily="18" charset="0"/>
+                        </a:rPr>
+                        <a:t>1.70</a:t>
+                      </a:r>
+                      <a:endParaRPr lang="en-US" sz="1400">
+                        <a:effectLst/>
+                        <a:latin typeface="Calibri" panose="020F0502020204030204" pitchFamily="34" charset="0"/>
+                        <a:ea typeface="Calibri" panose="020F0502020204030204" pitchFamily="34" charset="0"/>
+                      </a:endParaRPr>
+                    </a:p>
+                  </a:txBody>
+                  <a:tcPr marL="21789" marR="21789" marT="0" marB="0">
+                    <a:lnL w="12700" cap="flat" cmpd="sng" algn="ctr">
+                      <a:solidFill>
+                        <a:srgbClr val="000000"/>
+                      </a:solidFill>
+                      <a:prstDash val="solid"/>
+                      <a:round/>
+                      <a:headEnd type="none" w="med" len="med"/>
+                      <a:tailEnd type="none" w="med" len="med"/>
+                    </a:lnL>
+                    <a:lnR w="12700" cap="flat" cmpd="sng" algn="ctr">
+                      <a:solidFill>
+                        <a:srgbClr val="000000"/>
+                      </a:solidFill>
+                      <a:prstDash val="solid"/>
+                      <a:round/>
+                      <a:headEnd type="none" w="med" len="med"/>
+                      <a:tailEnd type="none" w="med" len="med"/>
+                    </a:lnR>
+                    <a:lnT w="12700" cap="flat" cmpd="sng" algn="ctr">
+                      <a:solidFill>
+                        <a:srgbClr val="000000"/>
+                      </a:solidFill>
+                      <a:prstDash val="solid"/>
+                      <a:round/>
+                      <a:headEnd type="none" w="med" len="med"/>
+                      <a:tailEnd type="none" w="med" len="med"/>
+                    </a:lnT>
+                    <a:lnB w="12700" cap="flat" cmpd="sng" algn="ctr">
+                      <a:solidFill>
+                        <a:srgbClr val="000000"/>
+                      </a:solidFill>
+                      <a:prstDash val="solid"/>
+                      <a:round/>
+                      <a:headEnd type="none" w="med" len="med"/>
+                      <a:tailEnd type="none" w="med" len="med"/>
+                    </a:lnB>
+                    <a:noFill/>
+                  </a:tcPr>
+                </a:tc>
+                <a:tc>
+                  <a:txBody>
+                    <a:bodyPr/>
+                    <a:lstStyle/>
+                    <a:p>
+                      <a:pPr>
+                        <a:lnSpc>
+                          <a:spcPct val="200000"/>
+                        </a:lnSpc>
+                        <a:spcAft>
+                          <a:spcPts val="800"/>
+                        </a:spcAft>
+                        <a:buNone/>
+                      </a:pPr>
+                      <a:r>
+                        <a:rPr lang="en-US" sz="1400">
+                          <a:effectLst/>
+                          <a:latin typeface="Times New Roman" panose="02020603050405020304" pitchFamily="18" charset="0"/>
+                          <a:ea typeface="Times New Roman" panose="02020603050405020304" pitchFamily="18" charset="0"/>
+                        </a:rPr>
+                        <a:t>5.20</a:t>
+                      </a:r>
+                      <a:endParaRPr lang="en-US" sz="1400">
+                        <a:effectLst/>
+                        <a:latin typeface="Calibri" panose="020F0502020204030204" pitchFamily="34" charset="0"/>
+                        <a:ea typeface="Calibri" panose="020F0502020204030204" pitchFamily="34" charset="0"/>
+                      </a:endParaRPr>
+                    </a:p>
+                  </a:txBody>
+                  <a:tcPr marL="21789" marR="21789" marT="0" marB="0">
+                    <a:lnL w="12700" cap="flat" cmpd="sng" algn="ctr">
+                      <a:solidFill>
+                        <a:srgbClr val="000000"/>
+                      </a:solidFill>
+                      <a:prstDash val="solid"/>
+                      <a:round/>
+                      <a:headEnd type="none" w="med" len="med"/>
+                      <a:tailEnd type="none" w="med" len="med"/>
+                    </a:lnL>
+                    <a:lnR w="12700" cap="flat" cmpd="sng" algn="ctr">
+                      <a:solidFill>
+                        <a:srgbClr val="000000"/>
+                      </a:solidFill>
+                      <a:prstDash val="solid"/>
+                      <a:round/>
+                      <a:headEnd type="none" w="med" len="med"/>
+                      <a:tailEnd type="none" w="med" len="med"/>
+                    </a:lnR>
+                    <a:lnT w="12700" cap="flat" cmpd="sng" algn="ctr">
+                      <a:solidFill>
+                        <a:srgbClr val="000000"/>
+                      </a:solidFill>
+                      <a:prstDash val="solid"/>
+                      <a:round/>
+                      <a:headEnd type="none" w="med" len="med"/>
+                      <a:tailEnd type="none" w="med" len="med"/>
+                    </a:lnT>
+                    <a:lnB w="12700" cap="flat" cmpd="sng" algn="ctr">
+                      <a:solidFill>
+                        <a:srgbClr val="000000"/>
+                      </a:solidFill>
+                      <a:prstDash val="solid"/>
+                      <a:round/>
+                      <a:headEnd type="none" w="med" len="med"/>
+                      <a:tailEnd type="none" w="med" len="med"/>
+                    </a:lnB>
+                    <a:noFill/>
+                  </a:tcPr>
+                </a:tc>
+                <a:tc>
+                  <a:txBody>
+                    <a:bodyPr/>
+                    <a:lstStyle/>
+                    <a:p>
+                      <a:pPr>
+                        <a:lnSpc>
+                          <a:spcPct val="200000"/>
+                        </a:lnSpc>
+                        <a:spcAft>
+                          <a:spcPts val="800"/>
+                        </a:spcAft>
+                        <a:buNone/>
+                      </a:pPr>
+                      <a:r>
+                        <a:rPr lang="en-US" sz="1400">
+                          <a:effectLst/>
+                          <a:latin typeface="Times New Roman" panose="02020603050405020304" pitchFamily="18" charset="0"/>
+                          <a:ea typeface="Times New Roman" panose="02020603050405020304" pitchFamily="18" charset="0"/>
+                        </a:rPr>
+                        <a:t>9.90</a:t>
+                      </a:r>
+                      <a:endParaRPr lang="en-US" sz="1400">
+                        <a:effectLst/>
+                        <a:latin typeface="Calibri" panose="020F0502020204030204" pitchFamily="34" charset="0"/>
+                        <a:ea typeface="Calibri" panose="020F0502020204030204" pitchFamily="34" charset="0"/>
+                      </a:endParaRPr>
+                    </a:p>
+                  </a:txBody>
+                  <a:tcPr marL="21789" marR="21789" marT="0" marB="0">
+                    <a:lnL w="12700" cap="flat" cmpd="sng" algn="ctr">
+                      <a:solidFill>
+                        <a:srgbClr val="000000"/>
+                      </a:solidFill>
+                      <a:prstDash val="solid"/>
+                      <a:round/>
+                      <a:headEnd type="none" w="med" len="med"/>
+                      <a:tailEnd type="none" w="med" len="med"/>
+                    </a:lnL>
+                    <a:lnR w="12700" cap="flat" cmpd="sng" algn="ctr">
+                      <a:solidFill>
+                        <a:srgbClr val="000000"/>
+                      </a:solidFill>
+                      <a:prstDash val="solid"/>
+                      <a:round/>
+                      <a:headEnd type="none" w="med" len="med"/>
+                      <a:tailEnd type="none" w="med" len="med"/>
+                    </a:lnR>
+                    <a:lnT w="12700" cap="flat" cmpd="sng" algn="ctr">
+                      <a:solidFill>
+                        <a:srgbClr val="000000"/>
+                      </a:solidFill>
+                      <a:prstDash val="solid"/>
+                      <a:round/>
+                      <a:headEnd type="none" w="med" len="med"/>
+                      <a:tailEnd type="none" w="med" len="med"/>
+                    </a:lnT>
+                    <a:lnB w="12700" cap="flat" cmpd="sng" algn="ctr">
+                      <a:solidFill>
+                        <a:srgbClr val="000000"/>
+                      </a:solidFill>
+                      <a:prstDash val="solid"/>
+                      <a:round/>
+                      <a:headEnd type="none" w="med" len="med"/>
+                      <a:tailEnd type="none" w="med" len="med"/>
+                    </a:lnB>
+                    <a:noFill/>
+                  </a:tcPr>
+                </a:tc>
+                <a:tc>
+                  <a:txBody>
+                    <a:bodyPr/>
+                    <a:lstStyle/>
+                    <a:p>
+                      <a:pPr>
+                        <a:lnSpc>
+                          <a:spcPct val="200000"/>
+                        </a:lnSpc>
+                        <a:spcAft>
+                          <a:spcPts val="800"/>
+                        </a:spcAft>
+                        <a:buNone/>
+                      </a:pPr>
+                      <a:r>
+                        <a:rPr lang="en-US" sz="1400">
+                          <a:effectLst/>
+                          <a:latin typeface="Times New Roman" panose="02020603050405020304" pitchFamily="18" charset="0"/>
+                          <a:ea typeface="Times New Roman" panose="02020603050405020304" pitchFamily="18" charset="0"/>
+                        </a:rPr>
+                        <a:t>65.80</a:t>
+                      </a:r>
+                      <a:endParaRPr lang="en-US" sz="1400">
+                        <a:effectLst/>
+                        <a:latin typeface="Calibri" panose="020F0502020204030204" pitchFamily="34" charset="0"/>
+                        <a:ea typeface="Calibri" panose="020F0502020204030204" pitchFamily="34" charset="0"/>
+                      </a:endParaRPr>
+                    </a:p>
+                  </a:txBody>
+                  <a:tcPr marL="21789" marR="21789" marT="0" marB="0">
+                    <a:lnL w="12700" cap="flat" cmpd="sng" algn="ctr">
+                      <a:solidFill>
+                        <a:srgbClr val="000000"/>
+                      </a:solidFill>
+                      <a:prstDash val="solid"/>
+                      <a:round/>
+                      <a:headEnd type="none" w="med" len="med"/>
+                      <a:tailEnd type="none" w="med" len="med"/>
+                    </a:lnL>
+                    <a:lnR w="12700" cap="flat" cmpd="sng" algn="ctr">
+                      <a:solidFill>
+                        <a:srgbClr val="000000"/>
+                      </a:solidFill>
+                      <a:prstDash val="solid"/>
+                      <a:round/>
+                      <a:headEnd type="none" w="med" len="med"/>
+                      <a:tailEnd type="none" w="med" len="med"/>
+                    </a:lnR>
+                    <a:lnT w="12700" cap="flat" cmpd="sng" algn="ctr">
+                      <a:solidFill>
+                        <a:srgbClr val="000000"/>
+                      </a:solidFill>
+                      <a:prstDash val="solid"/>
+                      <a:round/>
+                      <a:headEnd type="none" w="med" len="med"/>
+                      <a:tailEnd type="none" w="med" len="med"/>
+                    </a:lnT>
+                    <a:lnB w="12700" cap="flat" cmpd="sng" algn="ctr">
+                      <a:solidFill>
+                        <a:srgbClr val="000000"/>
+                      </a:solidFill>
+                      <a:prstDash val="solid"/>
+                      <a:round/>
+                      <a:headEnd type="none" w="med" len="med"/>
+                      <a:tailEnd type="none" w="med" len="med"/>
+                    </a:lnB>
+                    <a:noFill/>
+                  </a:tcPr>
+                </a:tc>
+                <a:extLst>
+                  <a:ext uri="{0D108BD9-81ED-4DB2-BD59-A6C34878D82A}">
+                    <a16:rowId xmlns:a16="http://schemas.microsoft.com/office/drawing/2014/main" val="3392723532"/>
+                  </a:ext>
+                </a:extLst>
+              </a:tr>
+              <a:tr h="197861">
+                <a:tc>
+                  <a:txBody>
+                    <a:bodyPr/>
+                    <a:lstStyle/>
+                    <a:p>
+                      <a:pPr>
+                        <a:lnSpc>
+                          <a:spcPct val="200000"/>
+                        </a:lnSpc>
+                        <a:spcAft>
+                          <a:spcPts val="800"/>
+                        </a:spcAft>
+                        <a:buNone/>
+                      </a:pPr>
+                      <a:r>
+                        <a:rPr lang="en-US" sz="1400">
+                          <a:effectLst/>
+                          <a:latin typeface="Times New Roman" panose="02020603050405020304" pitchFamily="18" charset="0"/>
+                          <a:ea typeface="Times New Roman" panose="02020603050405020304" pitchFamily="18" charset="0"/>
+                        </a:rPr>
+                        <a:t>Chlorides</a:t>
+                      </a:r>
+                      <a:endParaRPr lang="en-US" sz="1400">
+                        <a:effectLst/>
+                        <a:latin typeface="Calibri" panose="020F0502020204030204" pitchFamily="34" charset="0"/>
+                        <a:ea typeface="Calibri" panose="020F0502020204030204" pitchFamily="34" charset="0"/>
+                      </a:endParaRPr>
+                    </a:p>
+                  </a:txBody>
+                  <a:tcPr marL="21789" marR="21789" marT="0" marB="0">
+                    <a:lnL w="12700" cap="flat" cmpd="sng" algn="ctr">
+                      <a:solidFill>
+                        <a:srgbClr val="000000"/>
+                      </a:solidFill>
+                      <a:prstDash val="solid"/>
+                      <a:round/>
+                      <a:headEnd type="none" w="med" len="med"/>
+                      <a:tailEnd type="none" w="med" len="med"/>
+                    </a:lnL>
+                    <a:lnR w="12700" cap="flat" cmpd="sng" algn="ctr">
+                      <a:solidFill>
+                        <a:srgbClr val="000000"/>
+                      </a:solidFill>
+                      <a:prstDash val="solid"/>
+                      <a:round/>
+                      <a:headEnd type="none" w="med" len="med"/>
+                      <a:tailEnd type="none" w="med" len="med"/>
+                    </a:lnR>
+                    <a:lnT w="12700" cap="flat" cmpd="sng" algn="ctr">
+                      <a:solidFill>
+                        <a:srgbClr val="000000"/>
+                      </a:solidFill>
+                      <a:prstDash val="solid"/>
+                      <a:round/>
+                      <a:headEnd type="none" w="med" len="med"/>
+                      <a:tailEnd type="none" w="med" len="med"/>
+                    </a:lnT>
+                    <a:lnB w="12700" cap="flat" cmpd="sng" algn="ctr">
+                      <a:solidFill>
+                        <a:srgbClr val="000000"/>
+                      </a:solidFill>
+                      <a:prstDash val="solid"/>
+                      <a:round/>
+                      <a:headEnd type="none" w="med" len="med"/>
+                      <a:tailEnd type="none" w="med" len="med"/>
+                    </a:lnB>
+                    <a:noFill/>
+                  </a:tcPr>
+                </a:tc>
+                <a:tc>
+                  <a:txBody>
+                    <a:bodyPr/>
+                    <a:lstStyle/>
+                    <a:p>
+                      <a:pPr>
+                        <a:lnSpc>
+                          <a:spcPct val="200000"/>
+                        </a:lnSpc>
+                        <a:spcAft>
+                          <a:spcPts val="800"/>
+                        </a:spcAft>
+                        <a:buNone/>
+                      </a:pPr>
+                      <a:r>
+                        <a:rPr lang="en-US" sz="1400">
+                          <a:effectLst/>
+                          <a:latin typeface="Times New Roman" panose="02020603050405020304" pitchFamily="18" charset="0"/>
+                          <a:ea typeface="Times New Roman" panose="02020603050405020304" pitchFamily="18" charset="0"/>
+                        </a:rPr>
+                        <a:t>0.05</a:t>
+                      </a:r>
+                      <a:endParaRPr lang="en-US" sz="1400">
+                        <a:effectLst/>
+                        <a:latin typeface="Calibri" panose="020F0502020204030204" pitchFamily="34" charset="0"/>
+                        <a:ea typeface="Calibri" panose="020F0502020204030204" pitchFamily="34" charset="0"/>
+                      </a:endParaRPr>
+                    </a:p>
+                  </a:txBody>
+                  <a:tcPr marL="21789" marR="21789" marT="0" marB="0">
+                    <a:lnL w="12700" cap="flat" cmpd="sng" algn="ctr">
+                      <a:solidFill>
+                        <a:srgbClr val="000000"/>
+                      </a:solidFill>
+                      <a:prstDash val="solid"/>
+                      <a:round/>
+                      <a:headEnd type="none" w="med" len="med"/>
+                      <a:tailEnd type="none" w="med" len="med"/>
+                    </a:lnL>
+                    <a:lnR w="12700" cap="flat" cmpd="sng" algn="ctr">
+                      <a:solidFill>
+                        <a:srgbClr val="000000"/>
+                      </a:solidFill>
+                      <a:prstDash val="solid"/>
+                      <a:round/>
+                      <a:headEnd type="none" w="med" len="med"/>
+                      <a:tailEnd type="none" w="med" len="med"/>
+                    </a:lnR>
+                    <a:lnT w="12700" cap="flat" cmpd="sng" algn="ctr">
+                      <a:solidFill>
+                        <a:srgbClr val="000000"/>
+                      </a:solidFill>
+                      <a:prstDash val="solid"/>
+                      <a:round/>
+                      <a:headEnd type="none" w="med" len="med"/>
+                      <a:tailEnd type="none" w="med" len="med"/>
+                    </a:lnT>
+                    <a:lnB w="12700" cap="flat" cmpd="sng" algn="ctr">
+                      <a:solidFill>
+                        <a:srgbClr val="000000"/>
+                      </a:solidFill>
+                      <a:prstDash val="solid"/>
+                      <a:round/>
+                      <a:headEnd type="none" w="med" len="med"/>
+                      <a:tailEnd type="none" w="med" len="med"/>
+                    </a:lnB>
+                    <a:noFill/>
+                  </a:tcPr>
+                </a:tc>
+                <a:tc>
+                  <a:txBody>
+                    <a:bodyPr/>
+                    <a:lstStyle/>
+                    <a:p>
+                      <a:pPr>
+                        <a:lnSpc>
+                          <a:spcPct val="200000"/>
+                        </a:lnSpc>
+                        <a:spcAft>
+                          <a:spcPts val="800"/>
+                        </a:spcAft>
+                        <a:buNone/>
+                      </a:pPr>
+                      <a:r>
+                        <a:rPr lang="en-US" sz="1400">
+                          <a:effectLst/>
+                          <a:latin typeface="Times New Roman" panose="02020603050405020304" pitchFamily="18" charset="0"/>
+                          <a:ea typeface="Times New Roman" panose="02020603050405020304" pitchFamily="18" charset="0"/>
+                        </a:rPr>
+                        <a:t>0.02</a:t>
+                      </a:r>
+                      <a:endParaRPr lang="en-US" sz="1400">
+                        <a:effectLst/>
+                        <a:latin typeface="Calibri" panose="020F0502020204030204" pitchFamily="34" charset="0"/>
+                        <a:ea typeface="Calibri" panose="020F0502020204030204" pitchFamily="34" charset="0"/>
+                      </a:endParaRPr>
+                    </a:p>
+                  </a:txBody>
+                  <a:tcPr marL="21789" marR="21789" marT="0" marB="0">
+                    <a:lnL w="12700" cap="flat" cmpd="sng" algn="ctr">
+                      <a:solidFill>
+                        <a:srgbClr val="000000"/>
+                      </a:solidFill>
+                      <a:prstDash val="solid"/>
+                      <a:round/>
+                      <a:headEnd type="none" w="med" len="med"/>
+                      <a:tailEnd type="none" w="med" len="med"/>
+                    </a:lnL>
+                    <a:lnR w="12700" cap="flat" cmpd="sng" algn="ctr">
+                      <a:solidFill>
+                        <a:srgbClr val="000000"/>
+                      </a:solidFill>
+                      <a:prstDash val="solid"/>
+                      <a:round/>
+                      <a:headEnd type="none" w="med" len="med"/>
+                      <a:tailEnd type="none" w="med" len="med"/>
+                    </a:lnR>
+                    <a:lnT w="12700" cap="flat" cmpd="sng" algn="ctr">
+                      <a:solidFill>
+                        <a:srgbClr val="000000"/>
+                      </a:solidFill>
+                      <a:prstDash val="solid"/>
+                      <a:round/>
+                      <a:headEnd type="none" w="med" len="med"/>
+                      <a:tailEnd type="none" w="med" len="med"/>
+                    </a:lnT>
+                    <a:lnB w="12700" cap="flat" cmpd="sng" algn="ctr">
+                      <a:solidFill>
+                        <a:srgbClr val="000000"/>
+                      </a:solidFill>
+                      <a:prstDash val="solid"/>
+                      <a:round/>
+                      <a:headEnd type="none" w="med" len="med"/>
+                      <a:tailEnd type="none" w="med" len="med"/>
+                    </a:lnB>
+                    <a:noFill/>
+                  </a:tcPr>
+                </a:tc>
+                <a:tc>
+                  <a:txBody>
+                    <a:bodyPr/>
+                    <a:lstStyle/>
+                    <a:p>
+                      <a:pPr>
+                        <a:lnSpc>
+                          <a:spcPct val="200000"/>
+                        </a:lnSpc>
+                        <a:spcAft>
+                          <a:spcPts val="800"/>
+                        </a:spcAft>
+                        <a:buNone/>
+                      </a:pPr>
+                      <a:r>
+                        <a:rPr lang="en-US" sz="1400">
+                          <a:effectLst/>
+                          <a:latin typeface="Times New Roman" panose="02020603050405020304" pitchFamily="18" charset="0"/>
+                          <a:ea typeface="Times New Roman" panose="02020603050405020304" pitchFamily="18" charset="0"/>
+                        </a:rPr>
+                        <a:t>0.01</a:t>
+                      </a:r>
+                      <a:endParaRPr lang="en-US" sz="1400">
+                        <a:effectLst/>
+                        <a:latin typeface="Calibri" panose="020F0502020204030204" pitchFamily="34" charset="0"/>
+                        <a:ea typeface="Calibri" panose="020F0502020204030204" pitchFamily="34" charset="0"/>
+                      </a:endParaRPr>
+                    </a:p>
+                  </a:txBody>
+                  <a:tcPr marL="21789" marR="21789" marT="0" marB="0">
+                    <a:lnL w="12700" cap="flat" cmpd="sng" algn="ctr">
+                      <a:solidFill>
+                        <a:srgbClr val="000000"/>
+                      </a:solidFill>
+                      <a:prstDash val="solid"/>
+                      <a:round/>
+                      <a:headEnd type="none" w="med" len="med"/>
+                      <a:tailEnd type="none" w="med" len="med"/>
+                    </a:lnL>
+                    <a:lnR w="12700" cap="flat" cmpd="sng" algn="ctr">
+                      <a:solidFill>
+                        <a:srgbClr val="000000"/>
+                      </a:solidFill>
+                      <a:prstDash val="solid"/>
+                      <a:round/>
+                      <a:headEnd type="none" w="med" len="med"/>
+                      <a:tailEnd type="none" w="med" len="med"/>
+                    </a:lnR>
+                    <a:lnT w="12700" cap="flat" cmpd="sng" algn="ctr">
+                      <a:solidFill>
+                        <a:srgbClr val="000000"/>
+                      </a:solidFill>
+                      <a:prstDash val="solid"/>
+                      <a:round/>
+                      <a:headEnd type="none" w="med" len="med"/>
+                      <a:tailEnd type="none" w="med" len="med"/>
+                    </a:lnT>
+                    <a:lnB w="12700" cap="flat" cmpd="sng" algn="ctr">
+                      <a:solidFill>
+                        <a:srgbClr val="000000"/>
+                      </a:solidFill>
+                      <a:prstDash val="solid"/>
+                      <a:round/>
+                      <a:headEnd type="none" w="med" len="med"/>
+                      <a:tailEnd type="none" w="med" len="med"/>
+                    </a:lnB>
+                    <a:noFill/>
+                  </a:tcPr>
+                </a:tc>
+                <a:tc>
+                  <a:txBody>
+                    <a:bodyPr/>
+                    <a:lstStyle/>
+                    <a:p>
+                      <a:pPr>
+                        <a:lnSpc>
+                          <a:spcPct val="200000"/>
+                        </a:lnSpc>
+                        <a:spcAft>
+                          <a:spcPts val="800"/>
+                        </a:spcAft>
+                        <a:buNone/>
+                      </a:pPr>
+                      <a:r>
+                        <a:rPr lang="en-US" sz="1400">
+                          <a:effectLst/>
+                          <a:latin typeface="Times New Roman" panose="02020603050405020304" pitchFamily="18" charset="0"/>
+                          <a:ea typeface="Times New Roman" panose="02020603050405020304" pitchFamily="18" charset="0"/>
+                        </a:rPr>
+                        <a:t>0.04</a:t>
+                      </a:r>
+                      <a:endParaRPr lang="en-US" sz="1400">
+                        <a:effectLst/>
+                        <a:latin typeface="Calibri" panose="020F0502020204030204" pitchFamily="34" charset="0"/>
+                        <a:ea typeface="Calibri" panose="020F0502020204030204" pitchFamily="34" charset="0"/>
+                      </a:endParaRPr>
+                    </a:p>
+                  </a:txBody>
+                  <a:tcPr marL="21789" marR="21789" marT="0" marB="0">
+                    <a:lnL w="12700" cap="flat" cmpd="sng" algn="ctr">
+                      <a:solidFill>
+                        <a:srgbClr val="000000"/>
+                      </a:solidFill>
+                      <a:prstDash val="solid"/>
+                      <a:round/>
+                      <a:headEnd type="none" w="med" len="med"/>
+                      <a:tailEnd type="none" w="med" len="med"/>
+                    </a:lnL>
+                    <a:lnR w="12700" cap="flat" cmpd="sng" algn="ctr">
+                      <a:solidFill>
+                        <a:srgbClr val="000000"/>
+                      </a:solidFill>
+                      <a:prstDash val="solid"/>
+                      <a:round/>
+                      <a:headEnd type="none" w="med" len="med"/>
+                      <a:tailEnd type="none" w="med" len="med"/>
+                    </a:lnR>
+                    <a:lnT w="12700" cap="flat" cmpd="sng" algn="ctr">
+                      <a:solidFill>
+                        <a:srgbClr val="000000"/>
+                      </a:solidFill>
+                      <a:prstDash val="solid"/>
+                      <a:round/>
+                      <a:headEnd type="none" w="med" len="med"/>
+                      <a:tailEnd type="none" w="med" len="med"/>
+                    </a:lnT>
+                    <a:lnB w="12700" cap="flat" cmpd="sng" algn="ctr">
+                      <a:solidFill>
+                        <a:srgbClr val="000000"/>
+                      </a:solidFill>
+                      <a:prstDash val="solid"/>
+                      <a:round/>
+                      <a:headEnd type="none" w="med" len="med"/>
+                      <a:tailEnd type="none" w="med" len="med"/>
+                    </a:lnB>
+                    <a:noFill/>
+                  </a:tcPr>
+                </a:tc>
+                <a:tc>
+                  <a:txBody>
+                    <a:bodyPr/>
+                    <a:lstStyle/>
+                    <a:p>
+                      <a:pPr>
+                        <a:lnSpc>
+                          <a:spcPct val="200000"/>
+                        </a:lnSpc>
+                        <a:spcAft>
+                          <a:spcPts val="800"/>
+                        </a:spcAft>
+                        <a:buNone/>
+                      </a:pPr>
+                      <a:r>
+                        <a:rPr lang="en-US" sz="1400">
+                          <a:effectLst/>
+                          <a:latin typeface="Times New Roman" panose="02020603050405020304" pitchFamily="18" charset="0"/>
+                          <a:ea typeface="Times New Roman" panose="02020603050405020304" pitchFamily="18" charset="0"/>
+                        </a:rPr>
+                        <a:t>0.04</a:t>
+                      </a:r>
+                      <a:endParaRPr lang="en-US" sz="1400">
+                        <a:effectLst/>
+                        <a:latin typeface="Calibri" panose="020F0502020204030204" pitchFamily="34" charset="0"/>
+                        <a:ea typeface="Calibri" panose="020F0502020204030204" pitchFamily="34" charset="0"/>
+                      </a:endParaRPr>
+                    </a:p>
+                  </a:txBody>
+                  <a:tcPr marL="21789" marR="21789" marT="0" marB="0">
+                    <a:lnL w="12700" cap="flat" cmpd="sng" algn="ctr">
+                      <a:solidFill>
+                        <a:srgbClr val="000000"/>
+                      </a:solidFill>
+                      <a:prstDash val="solid"/>
+                      <a:round/>
+                      <a:headEnd type="none" w="med" len="med"/>
+                      <a:tailEnd type="none" w="med" len="med"/>
+                    </a:lnL>
+                    <a:lnR w="12700" cap="flat" cmpd="sng" algn="ctr">
+                      <a:solidFill>
+                        <a:srgbClr val="000000"/>
+                      </a:solidFill>
+                      <a:prstDash val="solid"/>
+                      <a:round/>
+                      <a:headEnd type="none" w="med" len="med"/>
+                      <a:tailEnd type="none" w="med" len="med"/>
+                    </a:lnR>
+                    <a:lnT w="12700" cap="flat" cmpd="sng" algn="ctr">
+                      <a:solidFill>
+                        <a:srgbClr val="000000"/>
+                      </a:solidFill>
+                      <a:prstDash val="solid"/>
+                      <a:round/>
+                      <a:headEnd type="none" w="med" len="med"/>
+                      <a:tailEnd type="none" w="med" len="med"/>
+                    </a:lnT>
+                    <a:lnB w="12700" cap="flat" cmpd="sng" algn="ctr">
+                      <a:solidFill>
+                        <a:srgbClr val="000000"/>
+                      </a:solidFill>
+                      <a:prstDash val="solid"/>
+                      <a:round/>
+                      <a:headEnd type="none" w="med" len="med"/>
+                      <a:tailEnd type="none" w="med" len="med"/>
+                    </a:lnB>
+                    <a:noFill/>
+                  </a:tcPr>
+                </a:tc>
+                <a:tc>
+                  <a:txBody>
+                    <a:bodyPr/>
+                    <a:lstStyle/>
+                    <a:p>
+                      <a:pPr>
+                        <a:lnSpc>
+                          <a:spcPct val="200000"/>
+                        </a:lnSpc>
+                        <a:spcAft>
+                          <a:spcPts val="800"/>
+                        </a:spcAft>
+                        <a:buNone/>
+                      </a:pPr>
+                      <a:r>
+                        <a:rPr lang="en-US" sz="1400">
+                          <a:effectLst/>
+                          <a:latin typeface="Times New Roman" panose="02020603050405020304" pitchFamily="18" charset="0"/>
+                          <a:ea typeface="Times New Roman" panose="02020603050405020304" pitchFamily="18" charset="0"/>
+                        </a:rPr>
+                        <a:t>0.05</a:t>
+                      </a:r>
+                      <a:endParaRPr lang="en-US" sz="1400">
+                        <a:effectLst/>
+                        <a:latin typeface="Calibri" panose="020F0502020204030204" pitchFamily="34" charset="0"/>
+                        <a:ea typeface="Calibri" panose="020F0502020204030204" pitchFamily="34" charset="0"/>
+                      </a:endParaRPr>
+                    </a:p>
+                  </a:txBody>
+                  <a:tcPr marL="21789" marR="21789" marT="0" marB="0">
+                    <a:lnL w="12700" cap="flat" cmpd="sng" algn="ctr">
+                      <a:solidFill>
+                        <a:srgbClr val="000000"/>
+                      </a:solidFill>
+                      <a:prstDash val="solid"/>
+                      <a:round/>
+                      <a:headEnd type="none" w="med" len="med"/>
+                      <a:tailEnd type="none" w="med" len="med"/>
+                    </a:lnL>
+                    <a:lnR w="12700" cap="flat" cmpd="sng" algn="ctr">
+                      <a:solidFill>
+                        <a:srgbClr val="000000"/>
+                      </a:solidFill>
+                      <a:prstDash val="solid"/>
+                      <a:round/>
+                      <a:headEnd type="none" w="med" len="med"/>
+                      <a:tailEnd type="none" w="med" len="med"/>
+                    </a:lnR>
+                    <a:lnT w="12700" cap="flat" cmpd="sng" algn="ctr">
+                      <a:solidFill>
+                        <a:srgbClr val="000000"/>
+                      </a:solidFill>
+                      <a:prstDash val="solid"/>
+                      <a:round/>
+                      <a:headEnd type="none" w="med" len="med"/>
+                      <a:tailEnd type="none" w="med" len="med"/>
+                    </a:lnT>
+                    <a:lnB w="12700" cap="flat" cmpd="sng" algn="ctr">
+                      <a:solidFill>
+                        <a:srgbClr val="000000"/>
+                      </a:solidFill>
+                      <a:prstDash val="solid"/>
+                      <a:round/>
+                      <a:headEnd type="none" w="med" len="med"/>
+                      <a:tailEnd type="none" w="med" len="med"/>
+                    </a:lnB>
+                    <a:noFill/>
+                  </a:tcPr>
+                </a:tc>
+                <a:tc>
+                  <a:txBody>
+                    <a:bodyPr/>
+                    <a:lstStyle/>
+                    <a:p>
+                      <a:pPr>
+                        <a:lnSpc>
+                          <a:spcPct val="200000"/>
+                        </a:lnSpc>
+                        <a:spcAft>
+                          <a:spcPts val="800"/>
+                        </a:spcAft>
+                        <a:buNone/>
+                      </a:pPr>
+                      <a:r>
+                        <a:rPr lang="en-US" sz="1400">
+                          <a:effectLst/>
+                          <a:latin typeface="Times New Roman" panose="02020603050405020304" pitchFamily="18" charset="0"/>
+                          <a:ea typeface="Times New Roman" panose="02020603050405020304" pitchFamily="18" charset="0"/>
+                        </a:rPr>
+                        <a:t>0.35</a:t>
+                      </a:r>
+                      <a:endParaRPr lang="en-US" sz="1400">
+                        <a:effectLst/>
+                        <a:latin typeface="Calibri" panose="020F0502020204030204" pitchFamily="34" charset="0"/>
+                        <a:ea typeface="Calibri" panose="020F0502020204030204" pitchFamily="34" charset="0"/>
+                      </a:endParaRPr>
+                    </a:p>
+                  </a:txBody>
+                  <a:tcPr marL="21789" marR="21789" marT="0" marB="0">
+                    <a:lnL w="12700" cap="flat" cmpd="sng" algn="ctr">
+                      <a:solidFill>
+                        <a:srgbClr val="000000"/>
+                      </a:solidFill>
+                      <a:prstDash val="solid"/>
+                      <a:round/>
+                      <a:headEnd type="none" w="med" len="med"/>
+                      <a:tailEnd type="none" w="med" len="med"/>
+                    </a:lnL>
+                    <a:lnR w="12700" cap="flat" cmpd="sng" algn="ctr">
+                      <a:solidFill>
+                        <a:srgbClr val="000000"/>
+                      </a:solidFill>
+                      <a:prstDash val="solid"/>
+                      <a:round/>
+                      <a:headEnd type="none" w="med" len="med"/>
+                      <a:tailEnd type="none" w="med" len="med"/>
+                    </a:lnR>
+                    <a:lnT w="12700" cap="flat" cmpd="sng" algn="ctr">
+                      <a:solidFill>
+                        <a:srgbClr val="000000"/>
+                      </a:solidFill>
+                      <a:prstDash val="solid"/>
+                      <a:round/>
+                      <a:headEnd type="none" w="med" len="med"/>
+                      <a:tailEnd type="none" w="med" len="med"/>
+                    </a:lnT>
+                    <a:lnB w="12700" cap="flat" cmpd="sng" algn="ctr">
+                      <a:solidFill>
+                        <a:srgbClr val="000000"/>
+                      </a:solidFill>
+                      <a:prstDash val="solid"/>
+                      <a:round/>
+                      <a:headEnd type="none" w="med" len="med"/>
+                      <a:tailEnd type="none" w="med" len="med"/>
+                    </a:lnB>
+                    <a:noFill/>
+                  </a:tcPr>
+                </a:tc>
+                <a:extLst>
+                  <a:ext uri="{0D108BD9-81ED-4DB2-BD59-A6C34878D82A}">
+                    <a16:rowId xmlns:a16="http://schemas.microsoft.com/office/drawing/2014/main" val="3506742123"/>
+                  </a:ext>
+                </a:extLst>
+              </a:tr>
+              <a:tr h="410914">
+                <a:tc>
+                  <a:txBody>
+                    <a:bodyPr/>
+                    <a:lstStyle/>
+                    <a:p>
+                      <a:pPr>
+                        <a:lnSpc>
+                          <a:spcPct val="200000"/>
+                        </a:lnSpc>
+                        <a:spcAft>
+                          <a:spcPts val="800"/>
+                        </a:spcAft>
+                        <a:buNone/>
+                      </a:pPr>
+                      <a:r>
+                        <a:rPr lang="en-US" sz="1400">
+                          <a:effectLst/>
+                          <a:latin typeface="Times New Roman" panose="02020603050405020304" pitchFamily="18" charset="0"/>
+                          <a:ea typeface="Times New Roman" panose="02020603050405020304" pitchFamily="18" charset="0"/>
+                        </a:rPr>
+                        <a:t>Free Sulfur Dioxide</a:t>
+                      </a:r>
+                      <a:endParaRPr lang="en-US" sz="1400">
+                        <a:effectLst/>
+                        <a:latin typeface="Calibri" panose="020F0502020204030204" pitchFamily="34" charset="0"/>
+                        <a:ea typeface="Calibri" panose="020F0502020204030204" pitchFamily="34" charset="0"/>
+                      </a:endParaRPr>
+                    </a:p>
+                  </a:txBody>
+                  <a:tcPr marL="21789" marR="21789" marT="0" marB="0">
+                    <a:lnL w="12700" cap="flat" cmpd="sng" algn="ctr">
+                      <a:solidFill>
+                        <a:srgbClr val="000000"/>
+                      </a:solidFill>
+                      <a:prstDash val="solid"/>
+                      <a:round/>
+                      <a:headEnd type="none" w="med" len="med"/>
+                      <a:tailEnd type="none" w="med" len="med"/>
+                    </a:lnL>
+                    <a:lnR w="12700" cap="flat" cmpd="sng" algn="ctr">
+                      <a:solidFill>
+                        <a:srgbClr val="000000"/>
+                      </a:solidFill>
+                      <a:prstDash val="solid"/>
+                      <a:round/>
+                      <a:headEnd type="none" w="med" len="med"/>
+                      <a:tailEnd type="none" w="med" len="med"/>
+                    </a:lnR>
+                    <a:lnT w="12700" cap="flat" cmpd="sng" algn="ctr">
+                      <a:solidFill>
+                        <a:srgbClr val="000000"/>
+                      </a:solidFill>
+                      <a:prstDash val="solid"/>
+                      <a:round/>
+                      <a:headEnd type="none" w="med" len="med"/>
+                      <a:tailEnd type="none" w="med" len="med"/>
+                    </a:lnT>
+                    <a:lnB w="12700" cap="flat" cmpd="sng" algn="ctr">
+                      <a:solidFill>
+                        <a:srgbClr val="000000"/>
+                      </a:solidFill>
+                      <a:prstDash val="solid"/>
+                      <a:round/>
+                      <a:headEnd type="none" w="med" len="med"/>
+                      <a:tailEnd type="none" w="med" len="med"/>
+                    </a:lnB>
+                    <a:noFill/>
+                  </a:tcPr>
+                </a:tc>
+                <a:tc>
+                  <a:txBody>
+                    <a:bodyPr/>
+                    <a:lstStyle/>
+                    <a:p>
+                      <a:pPr>
+                        <a:lnSpc>
+                          <a:spcPct val="200000"/>
+                        </a:lnSpc>
+                        <a:spcAft>
+                          <a:spcPts val="800"/>
+                        </a:spcAft>
+                        <a:buNone/>
+                      </a:pPr>
+                      <a:r>
+                        <a:rPr lang="en-US" sz="1400">
+                          <a:effectLst/>
+                          <a:latin typeface="Times New Roman" panose="02020603050405020304" pitchFamily="18" charset="0"/>
+                          <a:ea typeface="Times New Roman" panose="02020603050405020304" pitchFamily="18" charset="0"/>
+                        </a:rPr>
+                        <a:t>35.31</a:t>
+                      </a:r>
+                      <a:endParaRPr lang="en-US" sz="1400">
+                        <a:effectLst/>
+                        <a:latin typeface="Calibri" panose="020F0502020204030204" pitchFamily="34" charset="0"/>
+                        <a:ea typeface="Calibri" panose="020F0502020204030204" pitchFamily="34" charset="0"/>
+                      </a:endParaRPr>
+                    </a:p>
+                  </a:txBody>
+                  <a:tcPr marL="21789" marR="21789" marT="0" marB="0">
+                    <a:lnL w="12700" cap="flat" cmpd="sng" algn="ctr">
+                      <a:solidFill>
+                        <a:srgbClr val="000000"/>
+                      </a:solidFill>
+                      <a:prstDash val="solid"/>
+                      <a:round/>
+                      <a:headEnd type="none" w="med" len="med"/>
+                      <a:tailEnd type="none" w="med" len="med"/>
+                    </a:lnL>
+                    <a:lnR w="12700" cap="flat" cmpd="sng" algn="ctr">
+                      <a:solidFill>
+                        <a:srgbClr val="000000"/>
+                      </a:solidFill>
+                      <a:prstDash val="solid"/>
+                      <a:round/>
+                      <a:headEnd type="none" w="med" len="med"/>
+                      <a:tailEnd type="none" w="med" len="med"/>
+                    </a:lnR>
+                    <a:lnT w="12700" cap="flat" cmpd="sng" algn="ctr">
+                      <a:solidFill>
+                        <a:srgbClr val="000000"/>
+                      </a:solidFill>
+                      <a:prstDash val="solid"/>
+                      <a:round/>
+                      <a:headEnd type="none" w="med" len="med"/>
+                      <a:tailEnd type="none" w="med" len="med"/>
+                    </a:lnT>
+                    <a:lnB w="12700" cap="flat" cmpd="sng" algn="ctr">
+                      <a:solidFill>
+                        <a:srgbClr val="000000"/>
+                      </a:solidFill>
+                      <a:prstDash val="solid"/>
+                      <a:round/>
+                      <a:headEnd type="none" w="med" len="med"/>
+                      <a:tailEnd type="none" w="med" len="med"/>
+                    </a:lnB>
+                    <a:noFill/>
+                  </a:tcPr>
+                </a:tc>
+                <a:tc>
+                  <a:txBody>
+                    <a:bodyPr/>
+                    <a:lstStyle/>
+                    <a:p>
+                      <a:pPr>
+                        <a:lnSpc>
+                          <a:spcPct val="200000"/>
+                        </a:lnSpc>
+                        <a:spcAft>
+                          <a:spcPts val="800"/>
+                        </a:spcAft>
+                        <a:buNone/>
+                      </a:pPr>
+                      <a:r>
+                        <a:rPr lang="en-US" sz="1400">
+                          <a:effectLst/>
+                          <a:latin typeface="Times New Roman" panose="02020603050405020304" pitchFamily="18" charset="0"/>
+                          <a:ea typeface="Times New Roman" panose="02020603050405020304" pitchFamily="18" charset="0"/>
+                        </a:rPr>
+                        <a:t>17.01</a:t>
+                      </a:r>
+                      <a:endParaRPr lang="en-US" sz="1400">
+                        <a:effectLst/>
+                        <a:latin typeface="Calibri" panose="020F0502020204030204" pitchFamily="34" charset="0"/>
+                        <a:ea typeface="Calibri" panose="020F0502020204030204" pitchFamily="34" charset="0"/>
+                      </a:endParaRPr>
+                    </a:p>
+                  </a:txBody>
+                  <a:tcPr marL="21789" marR="21789" marT="0" marB="0">
+                    <a:lnL w="12700" cap="flat" cmpd="sng" algn="ctr">
+                      <a:solidFill>
+                        <a:srgbClr val="000000"/>
+                      </a:solidFill>
+                      <a:prstDash val="solid"/>
+                      <a:round/>
+                      <a:headEnd type="none" w="med" len="med"/>
+                      <a:tailEnd type="none" w="med" len="med"/>
+                    </a:lnL>
+                    <a:lnR w="12700" cap="flat" cmpd="sng" algn="ctr">
+                      <a:solidFill>
+                        <a:srgbClr val="000000"/>
+                      </a:solidFill>
+                      <a:prstDash val="solid"/>
+                      <a:round/>
+                      <a:headEnd type="none" w="med" len="med"/>
+                      <a:tailEnd type="none" w="med" len="med"/>
+                    </a:lnR>
+                    <a:lnT w="12700" cap="flat" cmpd="sng" algn="ctr">
+                      <a:solidFill>
+                        <a:srgbClr val="000000"/>
+                      </a:solidFill>
+                      <a:prstDash val="solid"/>
+                      <a:round/>
+                      <a:headEnd type="none" w="med" len="med"/>
+                      <a:tailEnd type="none" w="med" len="med"/>
+                    </a:lnT>
+                    <a:lnB w="12700" cap="flat" cmpd="sng" algn="ctr">
+                      <a:solidFill>
+                        <a:srgbClr val="000000"/>
+                      </a:solidFill>
+                      <a:prstDash val="solid"/>
+                      <a:round/>
+                      <a:headEnd type="none" w="med" len="med"/>
+                      <a:tailEnd type="none" w="med" len="med"/>
+                    </a:lnB>
+                    <a:noFill/>
+                  </a:tcPr>
+                </a:tc>
+                <a:tc>
+                  <a:txBody>
+                    <a:bodyPr/>
+                    <a:lstStyle/>
+                    <a:p>
+                      <a:pPr>
+                        <a:lnSpc>
+                          <a:spcPct val="200000"/>
+                        </a:lnSpc>
+                        <a:spcAft>
+                          <a:spcPts val="800"/>
+                        </a:spcAft>
+                        <a:buNone/>
+                      </a:pPr>
+                      <a:r>
+                        <a:rPr lang="en-US" sz="1400">
+                          <a:effectLst/>
+                          <a:latin typeface="Times New Roman" panose="02020603050405020304" pitchFamily="18" charset="0"/>
+                          <a:ea typeface="Times New Roman" panose="02020603050405020304" pitchFamily="18" charset="0"/>
+                        </a:rPr>
+                        <a:t>2.00</a:t>
+                      </a:r>
+                      <a:endParaRPr lang="en-US" sz="1400">
+                        <a:effectLst/>
+                        <a:latin typeface="Calibri" panose="020F0502020204030204" pitchFamily="34" charset="0"/>
+                        <a:ea typeface="Calibri" panose="020F0502020204030204" pitchFamily="34" charset="0"/>
+                      </a:endParaRPr>
+                    </a:p>
+                  </a:txBody>
+                  <a:tcPr marL="21789" marR="21789" marT="0" marB="0">
+                    <a:lnL w="12700" cap="flat" cmpd="sng" algn="ctr">
+                      <a:solidFill>
+                        <a:srgbClr val="000000"/>
+                      </a:solidFill>
+                      <a:prstDash val="solid"/>
+                      <a:round/>
+                      <a:headEnd type="none" w="med" len="med"/>
+                      <a:tailEnd type="none" w="med" len="med"/>
+                    </a:lnL>
+                    <a:lnR w="12700" cap="flat" cmpd="sng" algn="ctr">
+                      <a:solidFill>
+                        <a:srgbClr val="000000"/>
+                      </a:solidFill>
+                      <a:prstDash val="solid"/>
+                      <a:round/>
+                      <a:headEnd type="none" w="med" len="med"/>
+                      <a:tailEnd type="none" w="med" len="med"/>
+                    </a:lnR>
+                    <a:lnT w="12700" cap="flat" cmpd="sng" algn="ctr">
+                      <a:solidFill>
+                        <a:srgbClr val="000000"/>
+                      </a:solidFill>
+                      <a:prstDash val="solid"/>
+                      <a:round/>
+                      <a:headEnd type="none" w="med" len="med"/>
+                      <a:tailEnd type="none" w="med" len="med"/>
+                    </a:lnT>
+                    <a:lnB w="12700" cap="flat" cmpd="sng" algn="ctr">
+                      <a:solidFill>
+                        <a:srgbClr val="000000"/>
+                      </a:solidFill>
+                      <a:prstDash val="solid"/>
+                      <a:round/>
+                      <a:headEnd type="none" w="med" len="med"/>
+                      <a:tailEnd type="none" w="med" len="med"/>
+                    </a:lnB>
+                    <a:noFill/>
+                  </a:tcPr>
+                </a:tc>
+                <a:tc>
+                  <a:txBody>
+                    <a:bodyPr/>
+                    <a:lstStyle/>
+                    <a:p>
+                      <a:pPr>
+                        <a:lnSpc>
+                          <a:spcPct val="200000"/>
+                        </a:lnSpc>
+                        <a:spcAft>
+                          <a:spcPts val="800"/>
+                        </a:spcAft>
+                        <a:buNone/>
+                      </a:pPr>
+                      <a:r>
+                        <a:rPr lang="en-US" sz="1400">
+                          <a:effectLst/>
+                          <a:latin typeface="Times New Roman" panose="02020603050405020304" pitchFamily="18" charset="0"/>
+                          <a:ea typeface="Times New Roman" panose="02020603050405020304" pitchFamily="18" charset="0"/>
+                        </a:rPr>
+                        <a:t>23.00</a:t>
+                      </a:r>
+                      <a:endParaRPr lang="en-US" sz="1400">
+                        <a:effectLst/>
+                        <a:latin typeface="Calibri" panose="020F0502020204030204" pitchFamily="34" charset="0"/>
+                        <a:ea typeface="Calibri" panose="020F0502020204030204" pitchFamily="34" charset="0"/>
+                      </a:endParaRPr>
+                    </a:p>
+                  </a:txBody>
+                  <a:tcPr marL="21789" marR="21789" marT="0" marB="0">
+                    <a:lnL w="12700" cap="flat" cmpd="sng" algn="ctr">
+                      <a:solidFill>
+                        <a:srgbClr val="000000"/>
+                      </a:solidFill>
+                      <a:prstDash val="solid"/>
+                      <a:round/>
+                      <a:headEnd type="none" w="med" len="med"/>
+                      <a:tailEnd type="none" w="med" len="med"/>
+                    </a:lnL>
+                    <a:lnR w="12700" cap="flat" cmpd="sng" algn="ctr">
+                      <a:solidFill>
+                        <a:srgbClr val="000000"/>
+                      </a:solidFill>
+                      <a:prstDash val="solid"/>
+                      <a:round/>
+                      <a:headEnd type="none" w="med" len="med"/>
+                      <a:tailEnd type="none" w="med" len="med"/>
+                    </a:lnR>
+                    <a:lnT w="12700" cap="flat" cmpd="sng" algn="ctr">
+                      <a:solidFill>
+                        <a:srgbClr val="000000"/>
+                      </a:solidFill>
+                      <a:prstDash val="solid"/>
+                      <a:round/>
+                      <a:headEnd type="none" w="med" len="med"/>
+                      <a:tailEnd type="none" w="med" len="med"/>
+                    </a:lnT>
+                    <a:lnB w="12700" cap="flat" cmpd="sng" algn="ctr">
+                      <a:solidFill>
+                        <a:srgbClr val="000000"/>
+                      </a:solidFill>
+                      <a:prstDash val="solid"/>
+                      <a:round/>
+                      <a:headEnd type="none" w="med" len="med"/>
+                      <a:tailEnd type="none" w="med" len="med"/>
+                    </a:lnB>
+                    <a:noFill/>
+                  </a:tcPr>
+                </a:tc>
+                <a:tc>
+                  <a:txBody>
+                    <a:bodyPr/>
+                    <a:lstStyle/>
+                    <a:p>
+                      <a:pPr>
+                        <a:lnSpc>
+                          <a:spcPct val="200000"/>
+                        </a:lnSpc>
+                        <a:spcAft>
+                          <a:spcPts val="800"/>
+                        </a:spcAft>
+                        <a:buNone/>
+                      </a:pPr>
+                      <a:r>
+                        <a:rPr lang="en-US" sz="1400">
+                          <a:effectLst/>
+                          <a:latin typeface="Times New Roman" panose="02020603050405020304" pitchFamily="18" charset="0"/>
+                          <a:ea typeface="Times New Roman" panose="02020603050405020304" pitchFamily="18" charset="0"/>
+                        </a:rPr>
+                        <a:t>34.00</a:t>
+                      </a:r>
+                      <a:endParaRPr lang="en-US" sz="1400">
+                        <a:effectLst/>
+                        <a:latin typeface="Calibri" panose="020F0502020204030204" pitchFamily="34" charset="0"/>
+                        <a:ea typeface="Calibri" panose="020F0502020204030204" pitchFamily="34" charset="0"/>
+                      </a:endParaRPr>
+                    </a:p>
+                  </a:txBody>
+                  <a:tcPr marL="21789" marR="21789" marT="0" marB="0">
+                    <a:lnL w="12700" cap="flat" cmpd="sng" algn="ctr">
+                      <a:solidFill>
+                        <a:srgbClr val="000000"/>
+                      </a:solidFill>
+                      <a:prstDash val="solid"/>
+                      <a:round/>
+                      <a:headEnd type="none" w="med" len="med"/>
+                      <a:tailEnd type="none" w="med" len="med"/>
+                    </a:lnL>
+                    <a:lnR w="12700" cap="flat" cmpd="sng" algn="ctr">
+                      <a:solidFill>
+                        <a:srgbClr val="000000"/>
+                      </a:solidFill>
+                      <a:prstDash val="solid"/>
+                      <a:round/>
+                      <a:headEnd type="none" w="med" len="med"/>
+                      <a:tailEnd type="none" w="med" len="med"/>
+                    </a:lnR>
+                    <a:lnT w="12700" cap="flat" cmpd="sng" algn="ctr">
+                      <a:solidFill>
+                        <a:srgbClr val="000000"/>
+                      </a:solidFill>
+                      <a:prstDash val="solid"/>
+                      <a:round/>
+                      <a:headEnd type="none" w="med" len="med"/>
+                      <a:tailEnd type="none" w="med" len="med"/>
+                    </a:lnT>
+                    <a:lnB w="12700" cap="flat" cmpd="sng" algn="ctr">
+                      <a:solidFill>
+                        <a:srgbClr val="000000"/>
+                      </a:solidFill>
+                      <a:prstDash val="solid"/>
+                      <a:round/>
+                      <a:headEnd type="none" w="med" len="med"/>
+                      <a:tailEnd type="none" w="med" len="med"/>
+                    </a:lnB>
+                    <a:noFill/>
+                  </a:tcPr>
+                </a:tc>
+                <a:tc>
+                  <a:txBody>
+                    <a:bodyPr/>
+                    <a:lstStyle/>
+                    <a:p>
+                      <a:pPr>
+                        <a:lnSpc>
+                          <a:spcPct val="200000"/>
+                        </a:lnSpc>
+                        <a:spcAft>
+                          <a:spcPts val="800"/>
+                        </a:spcAft>
+                        <a:buNone/>
+                      </a:pPr>
+                      <a:r>
+                        <a:rPr lang="en-US" sz="1400">
+                          <a:effectLst/>
+                          <a:latin typeface="Times New Roman" panose="02020603050405020304" pitchFamily="18" charset="0"/>
+                          <a:ea typeface="Times New Roman" panose="02020603050405020304" pitchFamily="18" charset="0"/>
+                        </a:rPr>
+                        <a:t>46.00</a:t>
+                      </a:r>
+                      <a:endParaRPr lang="en-US" sz="1400">
+                        <a:effectLst/>
+                        <a:latin typeface="Calibri" panose="020F0502020204030204" pitchFamily="34" charset="0"/>
+                        <a:ea typeface="Calibri" panose="020F0502020204030204" pitchFamily="34" charset="0"/>
+                      </a:endParaRPr>
+                    </a:p>
+                  </a:txBody>
+                  <a:tcPr marL="21789" marR="21789" marT="0" marB="0">
+                    <a:lnL w="12700" cap="flat" cmpd="sng" algn="ctr">
+                      <a:solidFill>
+                        <a:srgbClr val="000000"/>
+                      </a:solidFill>
+                      <a:prstDash val="solid"/>
+                      <a:round/>
+                      <a:headEnd type="none" w="med" len="med"/>
+                      <a:tailEnd type="none" w="med" len="med"/>
+                    </a:lnL>
+                    <a:lnR w="12700" cap="flat" cmpd="sng" algn="ctr">
+                      <a:solidFill>
+                        <a:srgbClr val="000000"/>
+                      </a:solidFill>
+                      <a:prstDash val="solid"/>
+                      <a:round/>
+                      <a:headEnd type="none" w="med" len="med"/>
+                      <a:tailEnd type="none" w="med" len="med"/>
+                    </a:lnR>
+                    <a:lnT w="12700" cap="flat" cmpd="sng" algn="ctr">
+                      <a:solidFill>
+                        <a:srgbClr val="000000"/>
+                      </a:solidFill>
+                      <a:prstDash val="solid"/>
+                      <a:round/>
+                      <a:headEnd type="none" w="med" len="med"/>
+                      <a:tailEnd type="none" w="med" len="med"/>
+                    </a:lnT>
+                    <a:lnB w="12700" cap="flat" cmpd="sng" algn="ctr">
+                      <a:solidFill>
+                        <a:srgbClr val="000000"/>
+                      </a:solidFill>
+                      <a:prstDash val="solid"/>
+                      <a:round/>
+                      <a:headEnd type="none" w="med" len="med"/>
+                      <a:tailEnd type="none" w="med" len="med"/>
+                    </a:lnB>
+                    <a:noFill/>
+                  </a:tcPr>
+                </a:tc>
+                <a:tc>
+                  <a:txBody>
+                    <a:bodyPr/>
+                    <a:lstStyle/>
+                    <a:p>
+                      <a:pPr>
+                        <a:lnSpc>
+                          <a:spcPct val="200000"/>
+                        </a:lnSpc>
+                        <a:spcAft>
+                          <a:spcPts val="800"/>
+                        </a:spcAft>
+                        <a:buNone/>
+                      </a:pPr>
+                      <a:r>
+                        <a:rPr lang="en-US" sz="1400">
+                          <a:effectLst/>
+                          <a:latin typeface="Times New Roman" panose="02020603050405020304" pitchFamily="18" charset="0"/>
+                          <a:ea typeface="Times New Roman" panose="02020603050405020304" pitchFamily="18" charset="0"/>
+                        </a:rPr>
+                        <a:t>289.00</a:t>
+                      </a:r>
+                      <a:endParaRPr lang="en-US" sz="1400">
+                        <a:effectLst/>
+                        <a:latin typeface="Calibri" panose="020F0502020204030204" pitchFamily="34" charset="0"/>
+                        <a:ea typeface="Calibri" panose="020F0502020204030204" pitchFamily="34" charset="0"/>
+                      </a:endParaRPr>
+                    </a:p>
+                  </a:txBody>
+                  <a:tcPr marL="21789" marR="21789" marT="0" marB="0">
+                    <a:lnL w="12700" cap="flat" cmpd="sng" algn="ctr">
+                      <a:solidFill>
+                        <a:srgbClr val="000000"/>
+                      </a:solidFill>
+                      <a:prstDash val="solid"/>
+                      <a:round/>
+                      <a:headEnd type="none" w="med" len="med"/>
+                      <a:tailEnd type="none" w="med" len="med"/>
+                    </a:lnL>
+                    <a:lnR w="12700" cap="flat" cmpd="sng" algn="ctr">
+                      <a:solidFill>
+                        <a:srgbClr val="000000"/>
+                      </a:solidFill>
+                      <a:prstDash val="solid"/>
+                      <a:round/>
+                      <a:headEnd type="none" w="med" len="med"/>
+                      <a:tailEnd type="none" w="med" len="med"/>
+                    </a:lnR>
+                    <a:lnT w="12700" cap="flat" cmpd="sng" algn="ctr">
+                      <a:solidFill>
+                        <a:srgbClr val="000000"/>
+                      </a:solidFill>
+                      <a:prstDash val="solid"/>
+                      <a:round/>
+                      <a:headEnd type="none" w="med" len="med"/>
+                      <a:tailEnd type="none" w="med" len="med"/>
+                    </a:lnT>
+                    <a:lnB w="12700" cap="flat" cmpd="sng" algn="ctr">
+                      <a:solidFill>
+                        <a:srgbClr val="000000"/>
+                      </a:solidFill>
+                      <a:prstDash val="solid"/>
+                      <a:round/>
+                      <a:headEnd type="none" w="med" len="med"/>
+                      <a:tailEnd type="none" w="med" len="med"/>
+                    </a:lnB>
+                    <a:noFill/>
+                  </a:tcPr>
+                </a:tc>
+                <a:extLst>
+                  <a:ext uri="{0D108BD9-81ED-4DB2-BD59-A6C34878D82A}">
+                    <a16:rowId xmlns:a16="http://schemas.microsoft.com/office/drawing/2014/main" val="55391521"/>
+                  </a:ext>
+                </a:extLst>
+              </a:tr>
+              <a:tr h="410914">
+                <a:tc>
+                  <a:txBody>
+                    <a:bodyPr/>
+                    <a:lstStyle/>
+                    <a:p>
+                      <a:pPr>
+                        <a:lnSpc>
+                          <a:spcPct val="200000"/>
+                        </a:lnSpc>
+                        <a:spcAft>
+                          <a:spcPts val="800"/>
+                        </a:spcAft>
+                        <a:buNone/>
+                      </a:pPr>
+                      <a:r>
+                        <a:rPr lang="en-US" sz="1400">
+                          <a:effectLst/>
+                          <a:latin typeface="Times New Roman" panose="02020603050405020304" pitchFamily="18" charset="0"/>
+                          <a:ea typeface="Times New Roman" panose="02020603050405020304" pitchFamily="18" charset="0"/>
+                        </a:rPr>
+                        <a:t>Total Sulfur Dioxide</a:t>
+                      </a:r>
+                      <a:endParaRPr lang="en-US" sz="1400">
+                        <a:effectLst/>
+                        <a:latin typeface="Calibri" panose="020F0502020204030204" pitchFamily="34" charset="0"/>
+                        <a:ea typeface="Calibri" panose="020F0502020204030204" pitchFamily="34" charset="0"/>
+                      </a:endParaRPr>
+                    </a:p>
+                  </a:txBody>
+                  <a:tcPr marL="21789" marR="21789" marT="0" marB="0">
+                    <a:lnL w="12700" cap="flat" cmpd="sng" algn="ctr">
+                      <a:solidFill>
+                        <a:srgbClr val="000000"/>
+                      </a:solidFill>
+                      <a:prstDash val="solid"/>
+                      <a:round/>
+                      <a:headEnd type="none" w="med" len="med"/>
+                      <a:tailEnd type="none" w="med" len="med"/>
+                    </a:lnL>
+                    <a:lnR w="12700" cap="flat" cmpd="sng" algn="ctr">
+                      <a:solidFill>
+                        <a:srgbClr val="000000"/>
+                      </a:solidFill>
+                      <a:prstDash val="solid"/>
+                      <a:round/>
+                      <a:headEnd type="none" w="med" len="med"/>
+                      <a:tailEnd type="none" w="med" len="med"/>
+                    </a:lnR>
+                    <a:lnT w="12700" cap="flat" cmpd="sng" algn="ctr">
+                      <a:solidFill>
+                        <a:srgbClr val="000000"/>
+                      </a:solidFill>
+                      <a:prstDash val="solid"/>
+                      <a:round/>
+                      <a:headEnd type="none" w="med" len="med"/>
+                      <a:tailEnd type="none" w="med" len="med"/>
+                    </a:lnT>
+                    <a:lnB w="12700" cap="flat" cmpd="sng" algn="ctr">
+                      <a:solidFill>
+                        <a:srgbClr val="000000"/>
+                      </a:solidFill>
+                      <a:prstDash val="solid"/>
+                      <a:round/>
+                      <a:headEnd type="none" w="med" len="med"/>
+                      <a:tailEnd type="none" w="med" len="med"/>
+                    </a:lnB>
+                    <a:noFill/>
+                  </a:tcPr>
+                </a:tc>
+                <a:tc>
+                  <a:txBody>
+                    <a:bodyPr/>
+                    <a:lstStyle/>
+                    <a:p>
+                      <a:pPr>
+                        <a:lnSpc>
+                          <a:spcPct val="200000"/>
+                        </a:lnSpc>
+                        <a:spcAft>
+                          <a:spcPts val="800"/>
+                        </a:spcAft>
+                        <a:buNone/>
+                      </a:pPr>
+                      <a:r>
+                        <a:rPr lang="en-US" sz="1400">
+                          <a:effectLst/>
+                          <a:latin typeface="Times New Roman" panose="02020603050405020304" pitchFamily="18" charset="0"/>
+                          <a:ea typeface="Times New Roman" panose="02020603050405020304" pitchFamily="18" charset="0"/>
+                        </a:rPr>
+                        <a:t>138.37</a:t>
+                      </a:r>
+                      <a:endParaRPr lang="en-US" sz="1400">
+                        <a:effectLst/>
+                        <a:latin typeface="Calibri" panose="020F0502020204030204" pitchFamily="34" charset="0"/>
+                        <a:ea typeface="Calibri" panose="020F0502020204030204" pitchFamily="34" charset="0"/>
+                      </a:endParaRPr>
+                    </a:p>
+                  </a:txBody>
+                  <a:tcPr marL="21789" marR="21789" marT="0" marB="0">
+                    <a:lnL w="12700" cap="flat" cmpd="sng" algn="ctr">
+                      <a:solidFill>
+                        <a:srgbClr val="000000"/>
+                      </a:solidFill>
+                      <a:prstDash val="solid"/>
+                      <a:round/>
+                      <a:headEnd type="none" w="med" len="med"/>
+                      <a:tailEnd type="none" w="med" len="med"/>
+                    </a:lnL>
+                    <a:lnR w="12700" cap="flat" cmpd="sng" algn="ctr">
+                      <a:solidFill>
+                        <a:srgbClr val="000000"/>
+                      </a:solidFill>
+                      <a:prstDash val="solid"/>
+                      <a:round/>
+                      <a:headEnd type="none" w="med" len="med"/>
+                      <a:tailEnd type="none" w="med" len="med"/>
+                    </a:lnR>
+                    <a:lnT w="12700" cap="flat" cmpd="sng" algn="ctr">
+                      <a:solidFill>
+                        <a:srgbClr val="000000"/>
+                      </a:solidFill>
+                      <a:prstDash val="solid"/>
+                      <a:round/>
+                      <a:headEnd type="none" w="med" len="med"/>
+                      <a:tailEnd type="none" w="med" len="med"/>
+                    </a:lnT>
+                    <a:lnB w="12700" cap="flat" cmpd="sng" algn="ctr">
+                      <a:solidFill>
+                        <a:srgbClr val="000000"/>
+                      </a:solidFill>
+                      <a:prstDash val="solid"/>
+                      <a:round/>
+                      <a:headEnd type="none" w="med" len="med"/>
+                      <a:tailEnd type="none" w="med" len="med"/>
+                    </a:lnB>
+                    <a:noFill/>
+                  </a:tcPr>
+                </a:tc>
+                <a:tc>
+                  <a:txBody>
+                    <a:bodyPr/>
+                    <a:lstStyle/>
+                    <a:p>
+                      <a:pPr>
+                        <a:lnSpc>
+                          <a:spcPct val="200000"/>
+                        </a:lnSpc>
+                        <a:spcAft>
+                          <a:spcPts val="800"/>
+                        </a:spcAft>
+                        <a:buNone/>
+                      </a:pPr>
+                      <a:r>
+                        <a:rPr lang="en-US" sz="1400">
+                          <a:effectLst/>
+                          <a:latin typeface="Times New Roman" panose="02020603050405020304" pitchFamily="18" charset="0"/>
+                          <a:ea typeface="Times New Roman" panose="02020603050405020304" pitchFamily="18" charset="0"/>
+                        </a:rPr>
+                        <a:t>42.50</a:t>
+                      </a:r>
+                      <a:endParaRPr lang="en-US" sz="1400">
+                        <a:effectLst/>
+                        <a:latin typeface="Calibri" panose="020F0502020204030204" pitchFamily="34" charset="0"/>
+                        <a:ea typeface="Calibri" panose="020F0502020204030204" pitchFamily="34" charset="0"/>
+                      </a:endParaRPr>
+                    </a:p>
+                  </a:txBody>
+                  <a:tcPr marL="21789" marR="21789" marT="0" marB="0">
+                    <a:lnL w="12700" cap="flat" cmpd="sng" algn="ctr">
+                      <a:solidFill>
+                        <a:srgbClr val="000000"/>
+                      </a:solidFill>
+                      <a:prstDash val="solid"/>
+                      <a:round/>
+                      <a:headEnd type="none" w="med" len="med"/>
+                      <a:tailEnd type="none" w="med" len="med"/>
+                    </a:lnL>
+                    <a:lnR w="12700" cap="flat" cmpd="sng" algn="ctr">
+                      <a:solidFill>
+                        <a:srgbClr val="000000"/>
+                      </a:solidFill>
+                      <a:prstDash val="solid"/>
+                      <a:round/>
+                      <a:headEnd type="none" w="med" len="med"/>
+                      <a:tailEnd type="none" w="med" len="med"/>
+                    </a:lnR>
+                    <a:lnT w="12700" cap="flat" cmpd="sng" algn="ctr">
+                      <a:solidFill>
+                        <a:srgbClr val="000000"/>
+                      </a:solidFill>
+                      <a:prstDash val="solid"/>
+                      <a:round/>
+                      <a:headEnd type="none" w="med" len="med"/>
+                      <a:tailEnd type="none" w="med" len="med"/>
+                    </a:lnT>
+                    <a:lnB w="12700" cap="flat" cmpd="sng" algn="ctr">
+                      <a:solidFill>
+                        <a:srgbClr val="000000"/>
+                      </a:solidFill>
+                      <a:prstDash val="solid"/>
+                      <a:round/>
+                      <a:headEnd type="none" w="med" len="med"/>
+                      <a:tailEnd type="none" w="med" len="med"/>
+                    </a:lnB>
+                    <a:noFill/>
+                  </a:tcPr>
+                </a:tc>
+                <a:tc>
+                  <a:txBody>
+                    <a:bodyPr/>
+                    <a:lstStyle/>
+                    <a:p>
+                      <a:pPr>
+                        <a:lnSpc>
+                          <a:spcPct val="200000"/>
+                        </a:lnSpc>
+                        <a:spcAft>
+                          <a:spcPts val="800"/>
+                        </a:spcAft>
+                        <a:buNone/>
+                      </a:pPr>
+                      <a:r>
+                        <a:rPr lang="en-US" sz="1400">
+                          <a:effectLst/>
+                          <a:latin typeface="Times New Roman" panose="02020603050405020304" pitchFamily="18" charset="0"/>
+                          <a:ea typeface="Times New Roman" panose="02020603050405020304" pitchFamily="18" charset="0"/>
+                        </a:rPr>
+                        <a:t>9.00</a:t>
+                      </a:r>
+                      <a:endParaRPr lang="en-US" sz="1400">
+                        <a:effectLst/>
+                        <a:latin typeface="Calibri" panose="020F0502020204030204" pitchFamily="34" charset="0"/>
+                        <a:ea typeface="Calibri" panose="020F0502020204030204" pitchFamily="34" charset="0"/>
+                      </a:endParaRPr>
+                    </a:p>
+                  </a:txBody>
+                  <a:tcPr marL="21789" marR="21789" marT="0" marB="0">
+                    <a:lnL w="12700" cap="flat" cmpd="sng" algn="ctr">
+                      <a:solidFill>
+                        <a:srgbClr val="000000"/>
+                      </a:solidFill>
+                      <a:prstDash val="solid"/>
+                      <a:round/>
+                      <a:headEnd type="none" w="med" len="med"/>
+                      <a:tailEnd type="none" w="med" len="med"/>
+                    </a:lnL>
+                    <a:lnR w="12700" cap="flat" cmpd="sng" algn="ctr">
+                      <a:solidFill>
+                        <a:srgbClr val="000000"/>
+                      </a:solidFill>
+                      <a:prstDash val="solid"/>
+                      <a:round/>
+                      <a:headEnd type="none" w="med" len="med"/>
+                      <a:tailEnd type="none" w="med" len="med"/>
+                    </a:lnR>
+                    <a:lnT w="12700" cap="flat" cmpd="sng" algn="ctr">
+                      <a:solidFill>
+                        <a:srgbClr val="000000"/>
+                      </a:solidFill>
+                      <a:prstDash val="solid"/>
+                      <a:round/>
+                      <a:headEnd type="none" w="med" len="med"/>
+                      <a:tailEnd type="none" w="med" len="med"/>
+                    </a:lnT>
+                    <a:lnB w="12700" cap="flat" cmpd="sng" algn="ctr">
+                      <a:solidFill>
+                        <a:srgbClr val="000000"/>
+                      </a:solidFill>
+                      <a:prstDash val="solid"/>
+                      <a:round/>
+                      <a:headEnd type="none" w="med" len="med"/>
+                      <a:tailEnd type="none" w="med" len="med"/>
+                    </a:lnB>
+                    <a:noFill/>
+                  </a:tcPr>
+                </a:tc>
+                <a:tc>
+                  <a:txBody>
+                    <a:bodyPr/>
+                    <a:lstStyle/>
+                    <a:p>
+                      <a:pPr>
+                        <a:lnSpc>
+                          <a:spcPct val="200000"/>
+                        </a:lnSpc>
+                        <a:spcAft>
+                          <a:spcPts val="800"/>
+                        </a:spcAft>
+                        <a:buNone/>
+                      </a:pPr>
+                      <a:r>
+                        <a:rPr lang="en-US" sz="1400">
+                          <a:effectLst/>
+                          <a:latin typeface="Times New Roman" panose="02020603050405020304" pitchFamily="18" charset="0"/>
+                          <a:ea typeface="Times New Roman" panose="02020603050405020304" pitchFamily="18" charset="0"/>
+                        </a:rPr>
+                        <a:t>108.00</a:t>
+                      </a:r>
+                      <a:endParaRPr lang="en-US" sz="1400">
+                        <a:effectLst/>
+                        <a:latin typeface="Calibri" panose="020F0502020204030204" pitchFamily="34" charset="0"/>
+                        <a:ea typeface="Calibri" panose="020F0502020204030204" pitchFamily="34" charset="0"/>
+                      </a:endParaRPr>
+                    </a:p>
+                  </a:txBody>
+                  <a:tcPr marL="21789" marR="21789" marT="0" marB="0">
+                    <a:lnL w="12700" cap="flat" cmpd="sng" algn="ctr">
+                      <a:solidFill>
+                        <a:srgbClr val="000000"/>
+                      </a:solidFill>
+                      <a:prstDash val="solid"/>
+                      <a:round/>
+                      <a:headEnd type="none" w="med" len="med"/>
+                      <a:tailEnd type="none" w="med" len="med"/>
+                    </a:lnL>
+                    <a:lnR w="12700" cap="flat" cmpd="sng" algn="ctr">
+                      <a:solidFill>
+                        <a:srgbClr val="000000"/>
+                      </a:solidFill>
+                      <a:prstDash val="solid"/>
+                      <a:round/>
+                      <a:headEnd type="none" w="med" len="med"/>
+                      <a:tailEnd type="none" w="med" len="med"/>
+                    </a:lnR>
+                    <a:lnT w="12700" cap="flat" cmpd="sng" algn="ctr">
+                      <a:solidFill>
+                        <a:srgbClr val="000000"/>
+                      </a:solidFill>
+                      <a:prstDash val="solid"/>
+                      <a:round/>
+                      <a:headEnd type="none" w="med" len="med"/>
+                      <a:tailEnd type="none" w="med" len="med"/>
+                    </a:lnT>
+                    <a:lnB w="12700" cap="flat" cmpd="sng" algn="ctr">
+                      <a:solidFill>
+                        <a:srgbClr val="000000"/>
+                      </a:solidFill>
+                      <a:prstDash val="solid"/>
+                      <a:round/>
+                      <a:headEnd type="none" w="med" len="med"/>
+                      <a:tailEnd type="none" w="med" len="med"/>
+                    </a:lnB>
+                    <a:noFill/>
+                  </a:tcPr>
+                </a:tc>
+                <a:tc>
+                  <a:txBody>
+                    <a:bodyPr/>
+                    <a:lstStyle/>
+                    <a:p>
+                      <a:pPr>
+                        <a:lnSpc>
+                          <a:spcPct val="200000"/>
+                        </a:lnSpc>
+                        <a:spcAft>
+                          <a:spcPts val="800"/>
+                        </a:spcAft>
+                        <a:buNone/>
+                      </a:pPr>
+                      <a:r>
+                        <a:rPr lang="en-US" sz="1400">
+                          <a:effectLst/>
+                          <a:latin typeface="Times New Roman" panose="02020603050405020304" pitchFamily="18" charset="0"/>
+                          <a:ea typeface="Times New Roman" panose="02020603050405020304" pitchFamily="18" charset="0"/>
+                        </a:rPr>
+                        <a:t>134.00</a:t>
+                      </a:r>
+                      <a:endParaRPr lang="en-US" sz="1400">
+                        <a:effectLst/>
+                        <a:latin typeface="Calibri" panose="020F0502020204030204" pitchFamily="34" charset="0"/>
+                        <a:ea typeface="Calibri" panose="020F0502020204030204" pitchFamily="34" charset="0"/>
+                      </a:endParaRPr>
+                    </a:p>
+                  </a:txBody>
+                  <a:tcPr marL="21789" marR="21789" marT="0" marB="0">
+                    <a:lnL w="12700" cap="flat" cmpd="sng" algn="ctr">
+                      <a:solidFill>
+                        <a:srgbClr val="000000"/>
+                      </a:solidFill>
+                      <a:prstDash val="solid"/>
+                      <a:round/>
+                      <a:headEnd type="none" w="med" len="med"/>
+                      <a:tailEnd type="none" w="med" len="med"/>
+                    </a:lnL>
+                    <a:lnR w="12700" cap="flat" cmpd="sng" algn="ctr">
+                      <a:solidFill>
+                        <a:srgbClr val="000000"/>
+                      </a:solidFill>
+                      <a:prstDash val="solid"/>
+                      <a:round/>
+                      <a:headEnd type="none" w="med" len="med"/>
+                      <a:tailEnd type="none" w="med" len="med"/>
+                    </a:lnR>
+                    <a:lnT w="12700" cap="flat" cmpd="sng" algn="ctr">
+                      <a:solidFill>
+                        <a:srgbClr val="000000"/>
+                      </a:solidFill>
+                      <a:prstDash val="solid"/>
+                      <a:round/>
+                      <a:headEnd type="none" w="med" len="med"/>
+                      <a:tailEnd type="none" w="med" len="med"/>
+                    </a:lnT>
+                    <a:lnB w="12700" cap="flat" cmpd="sng" algn="ctr">
+                      <a:solidFill>
+                        <a:srgbClr val="000000"/>
+                      </a:solidFill>
+                      <a:prstDash val="solid"/>
+                      <a:round/>
+                      <a:headEnd type="none" w="med" len="med"/>
+                      <a:tailEnd type="none" w="med" len="med"/>
+                    </a:lnB>
+                    <a:noFill/>
+                  </a:tcPr>
+                </a:tc>
+                <a:tc>
+                  <a:txBody>
+                    <a:bodyPr/>
+                    <a:lstStyle/>
+                    <a:p>
+                      <a:pPr>
+                        <a:lnSpc>
+                          <a:spcPct val="200000"/>
+                        </a:lnSpc>
+                        <a:spcAft>
+                          <a:spcPts val="800"/>
+                        </a:spcAft>
+                        <a:buNone/>
+                      </a:pPr>
+                      <a:r>
+                        <a:rPr lang="en-US" sz="1400">
+                          <a:effectLst/>
+                          <a:latin typeface="Times New Roman" panose="02020603050405020304" pitchFamily="18" charset="0"/>
+                          <a:ea typeface="Times New Roman" panose="02020603050405020304" pitchFamily="18" charset="0"/>
+                        </a:rPr>
+                        <a:t>167.00</a:t>
+                      </a:r>
+                      <a:endParaRPr lang="en-US" sz="1400">
+                        <a:effectLst/>
+                        <a:latin typeface="Calibri" panose="020F0502020204030204" pitchFamily="34" charset="0"/>
+                        <a:ea typeface="Calibri" panose="020F0502020204030204" pitchFamily="34" charset="0"/>
+                      </a:endParaRPr>
+                    </a:p>
+                  </a:txBody>
+                  <a:tcPr marL="21789" marR="21789" marT="0" marB="0">
+                    <a:lnL w="12700" cap="flat" cmpd="sng" algn="ctr">
+                      <a:solidFill>
+                        <a:srgbClr val="000000"/>
+                      </a:solidFill>
+                      <a:prstDash val="solid"/>
+                      <a:round/>
+                      <a:headEnd type="none" w="med" len="med"/>
+                      <a:tailEnd type="none" w="med" len="med"/>
+                    </a:lnL>
+                    <a:lnR w="12700" cap="flat" cmpd="sng" algn="ctr">
+                      <a:solidFill>
+                        <a:srgbClr val="000000"/>
+                      </a:solidFill>
+                      <a:prstDash val="solid"/>
+                      <a:round/>
+                      <a:headEnd type="none" w="med" len="med"/>
+                      <a:tailEnd type="none" w="med" len="med"/>
+                    </a:lnR>
+                    <a:lnT w="12700" cap="flat" cmpd="sng" algn="ctr">
+                      <a:solidFill>
+                        <a:srgbClr val="000000"/>
+                      </a:solidFill>
+                      <a:prstDash val="solid"/>
+                      <a:round/>
+                      <a:headEnd type="none" w="med" len="med"/>
+                      <a:tailEnd type="none" w="med" len="med"/>
+                    </a:lnT>
+                    <a:lnB w="12700" cap="flat" cmpd="sng" algn="ctr">
+                      <a:solidFill>
+                        <a:srgbClr val="000000"/>
+                      </a:solidFill>
+                      <a:prstDash val="solid"/>
+                      <a:round/>
+                      <a:headEnd type="none" w="med" len="med"/>
+                      <a:tailEnd type="none" w="med" len="med"/>
+                    </a:lnB>
+                    <a:noFill/>
+                  </a:tcPr>
+                </a:tc>
+                <a:tc>
+                  <a:txBody>
+                    <a:bodyPr/>
+                    <a:lstStyle/>
+                    <a:p>
+                      <a:pPr>
+                        <a:lnSpc>
+                          <a:spcPct val="200000"/>
+                        </a:lnSpc>
+                        <a:spcAft>
+                          <a:spcPts val="800"/>
+                        </a:spcAft>
+                        <a:buNone/>
+                      </a:pPr>
+                      <a:r>
+                        <a:rPr lang="en-US" sz="1400">
+                          <a:effectLst/>
+                          <a:latin typeface="Times New Roman" panose="02020603050405020304" pitchFamily="18" charset="0"/>
+                          <a:ea typeface="Times New Roman" panose="02020603050405020304" pitchFamily="18" charset="0"/>
+                        </a:rPr>
+                        <a:t>440.00</a:t>
+                      </a:r>
+                      <a:endParaRPr lang="en-US" sz="1400">
+                        <a:effectLst/>
+                        <a:latin typeface="Calibri" panose="020F0502020204030204" pitchFamily="34" charset="0"/>
+                        <a:ea typeface="Calibri" panose="020F0502020204030204" pitchFamily="34" charset="0"/>
+                      </a:endParaRPr>
+                    </a:p>
+                  </a:txBody>
+                  <a:tcPr marL="21789" marR="21789" marT="0" marB="0">
+                    <a:lnL w="12700" cap="flat" cmpd="sng" algn="ctr">
+                      <a:solidFill>
+                        <a:srgbClr val="000000"/>
+                      </a:solidFill>
+                      <a:prstDash val="solid"/>
+                      <a:round/>
+                      <a:headEnd type="none" w="med" len="med"/>
+                      <a:tailEnd type="none" w="med" len="med"/>
+                    </a:lnL>
+                    <a:lnR w="12700" cap="flat" cmpd="sng" algn="ctr">
+                      <a:solidFill>
+                        <a:srgbClr val="000000"/>
+                      </a:solidFill>
+                      <a:prstDash val="solid"/>
+                      <a:round/>
+                      <a:headEnd type="none" w="med" len="med"/>
+                      <a:tailEnd type="none" w="med" len="med"/>
+                    </a:lnR>
+                    <a:lnT w="12700" cap="flat" cmpd="sng" algn="ctr">
+                      <a:solidFill>
+                        <a:srgbClr val="000000"/>
+                      </a:solidFill>
+                      <a:prstDash val="solid"/>
+                      <a:round/>
+                      <a:headEnd type="none" w="med" len="med"/>
+                      <a:tailEnd type="none" w="med" len="med"/>
+                    </a:lnT>
+                    <a:lnB w="12700" cap="flat" cmpd="sng" algn="ctr">
+                      <a:solidFill>
+                        <a:srgbClr val="000000"/>
+                      </a:solidFill>
+                      <a:prstDash val="solid"/>
+                      <a:round/>
+                      <a:headEnd type="none" w="med" len="med"/>
+                      <a:tailEnd type="none" w="med" len="med"/>
+                    </a:lnB>
+                    <a:noFill/>
+                  </a:tcPr>
+                </a:tc>
+                <a:extLst>
+                  <a:ext uri="{0D108BD9-81ED-4DB2-BD59-A6C34878D82A}">
+                    <a16:rowId xmlns:a16="http://schemas.microsoft.com/office/drawing/2014/main" val="2653415838"/>
+                  </a:ext>
+                </a:extLst>
+              </a:tr>
+              <a:tr h="197861">
+                <a:tc>
+                  <a:txBody>
+                    <a:bodyPr/>
+                    <a:lstStyle/>
+                    <a:p>
+                      <a:pPr>
+                        <a:lnSpc>
+                          <a:spcPct val="200000"/>
+                        </a:lnSpc>
+                        <a:spcAft>
+                          <a:spcPts val="800"/>
+                        </a:spcAft>
+                        <a:buNone/>
+                      </a:pPr>
+                      <a:r>
+                        <a:rPr lang="en-US" sz="1400">
+                          <a:effectLst/>
+                          <a:latin typeface="Times New Roman" panose="02020603050405020304" pitchFamily="18" charset="0"/>
+                          <a:ea typeface="Times New Roman" panose="02020603050405020304" pitchFamily="18" charset="0"/>
+                        </a:rPr>
+                        <a:t>Density</a:t>
+                      </a:r>
+                      <a:endParaRPr lang="en-US" sz="1400">
+                        <a:effectLst/>
+                        <a:latin typeface="Calibri" panose="020F0502020204030204" pitchFamily="34" charset="0"/>
+                        <a:ea typeface="Calibri" panose="020F0502020204030204" pitchFamily="34" charset="0"/>
+                      </a:endParaRPr>
+                    </a:p>
+                  </a:txBody>
+                  <a:tcPr marL="21789" marR="21789" marT="0" marB="0">
+                    <a:lnL w="12700" cap="flat" cmpd="sng" algn="ctr">
+                      <a:solidFill>
+                        <a:srgbClr val="000000"/>
+                      </a:solidFill>
+                      <a:prstDash val="solid"/>
+                      <a:round/>
+                      <a:headEnd type="none" w="med" len="med"/>
+                      <a:tailEnd type="none" w="med" len="med"/>
+                    </a:lnL>
+                    <a:lnR w="12700" cap="flat" cmpd="sng" algn="ctr">
+                      <a:solidFill>
+                        <a:srgbClr val="000000"/>
+                      </a:solidFill>
+                      <a:prstDash val="solid"/>
+                      <a:round/>
+                      <a:headEnd type="none" w="med" len="med"/>
+                      <a:tailEnd type="none" w="med" len="med"/>
+                    </a:lnR>
+                    <a:lnT w="12700" cap="flat" cmpd="sng" algn="ctr">
+                      <a:solidFill>
+                        <a:srgbClr val="000000"/>
+                      </a:solidFill>
+                      <a:prstDash val="solid"/>
+                      <a:round/>
+                      <a:headEnd type="none" w="med" len="med"/>
+                      <a:tailEnd type="none" w="med" len="med"/>
+                    </a:lnT>
+                    <a:lnB w="12700" cap="flat" cmpd="sng" algn="ctr">
+                      <a:solidFill>
+                        <a:srgbClr val="000000"/>
+                      </a:solidFill>
+                      <a:prstDash val="solid"/>
+                      <a:round/>
+                      <a:headEnd type="none" w="med" len="med"/>
+                      <a:tailEnd type="none" w="med" len="med"/>
+                    </a:lnB>
+                    <a:noFill/>
+                  </a:tcPr>
+                </a:tc>
+                <a:tc>
+                  <a:txBody>
+                    <a:bodyPr/>
+                    <a:lstStyle/>
+                    <a:p>
+                      <a:pPr>
+                        <a:lnSpc>
+                          <a:spcPct val="200000"/>
+                        </a:lnSpc>
+                        <a:spcAft>
+                          <a:spcPts val="800"/>
+                        </a:spcAft>
+                        <a:buNone/>
+                      </a:pPr>
+                      <a:r>
+                        <a:rPr lang="en-US" sz="1400">
+                          <a:effectLst/>
+                          <a:latin typeface="Times New Roman" panose="02020603050405020304" pitchFamily="18" charset="0"/>
+                          <a:ea typeface="Times New Roman" panose="02020603050405020304" pitchFamily="18" charset="0"/>
+                        </a:rPr>
+                        <a:t>0.99</a:t>
+                      </a:r>
+                      <a:endParaRPr lang="en-US" sz="1400">
+                        <a:effectLst/>
+                        <a:latin typeface="Calibri" panose="020F0502020204030204" pitchFamily="34" charset="0"/>
+                        <a:ea typeface="Calibri" panose="020F0502020204030204" pitchFamily="34" charset="0"/>
+                      </a:endParaRPr>
+                    </a:p>
+                  </a:txBody>
+                  <a:tcPr marL="21789" marR="21789" marT="0" marB="0">
+                    <a:lnL w="12700" cap="flat" cmpd="sng" algn="ctr">
+                      <a:solidFill>
+                        <a:srgbClr val="000000"/>
+                      </a:solidFill>
+                      <a:prstDash val="solid"/>
+                      <a:round/>
+                      <a:headEnd type="none" w="med" len="med"/>
+                      <a:tailEnd type="none" w="med" len="med"/>
+                    </a:lnL>
+                    <a:lnR w="12700" cap="flat" cmpd="sng" algn="ctr">
+                      <a:solidFill>
+                        <a:srgbClr val="000000"/>
+                      </a:solidFill>
+                      <a:prstDash val="solid"/>
+                      <a:round/>
+                      <a:headEnd type="none" w="med" len="med"/>
+                      <a:tailEnd type="none" w="med" len="med"/>
+                    </a:lnR>
+                    <a:lnT w="12700" cap="flat" cmpd="sng" algn="ctr">
+                      <a:solidFill>
+                        <a:srgbClr val="000000"/>
+                      </a:solidFill>
+                      <a:prstDash val="solid"/>
+                      <a:round/>
+                      <a:headEnd type="none" w="med" len="med"/>
+                      <a:tailEnd type="none" w="med" len="med"/>
+                    </a:lnT>
+                    <a:lnB w="12700" cap="flat" cmpd="sng" algn="ctr">
+                      <a:solidFill>
+                        <a:srgbClr val="000000"/>
+                      </a:solidFill>
+                      <a:prstDash val="solid"/>
+                      <a:round/>
+                      <a:headEnd type="none" w="med" len="med"/>
+                      <a:tailEnd type="none" w="med" len="med"/>
+                    </a:lnB>
+                    <a:noFill/>
+                  </a:tcPr>
+                </a:tc>
+                <a:tc>
+                  <a:txBody>
+                    <a:bodyPr/>
+                    <a:lstStyle/>
+                    <a:p>
+                      <a:pPr>
+                        <a:lnSpc>
+                          <a:spcPct val="200000"/>
+                        </a:lnSpc>
+                        <a:spcAft>
+                          <a:spcPts val="800"/>
+                        </a:spcAft>
+                        <a:buNone/>
+                      </a:pPr>
+                      <a:r>
+                        <a:rPr lang="en-US" sz="1400">
+                          <a:effectLst/>
+                          <a:latin typeface="Times New Roman" panose="02020603050405020304" pitchFamily="18" charset="0"/>
+                          <a:ea typeface="Times New Roman" panose="02020603050405020304" pitchFamily="18" charset="0"/>
+                        </a:rPr>
+                        <a:t>0.003</a:t>
+                      </a:r>
+                      <a:endParaRPr lang="en-US" sz="1400">
+                        <a:effectLst/>
+                        <a:latin typeface="Calibri" panose="020F0502020204030204" pitchFamily="34" charset="0"/>
+                        <a:ea typeface="Calibri" panose="020F0502020204030204" pitchFamily="34" charset="0"/>
+                      </a:endParaRPr>
+                    </a:p>
+                  </a:txBody>
+                  <a:tcPr marL="21789" marR="21789" marT="0" marB="0">
+                    <a:lnL w="12700" cap="flat" cmpd="sng" algn="ctr">
+                      <a:solidFill>
+                        <a:srgbClr val="000000"/>
+                      </a:solidFill>
+                      <a:prstDash val="solid"/>
+                      <a:round/>
+                      <a:headEnd type="none" w="med" len="med"/>
+                      <a:tailEnd type="none" w="med" len="med"/>
+                    </a:lnL>
+                    <a:lnR w="12700" cap="flat" cmpd="sng" algn="ctr">
+                      <a:solidFill>
+                        <a:srgbClr val="000000"/>
+                      </a:solidFill>
+                      <a:prstDash val="solid"/>
+                      <a:round/>
+                      <a:headEnd type="none" w="med" len="med"/>
+                      <a:tailEnd type="none" w="med" len="med"/>
+                    </a:lnR>
+                    <a:lnT w="12700" cap="flat" cmpd="sng" algn="ctr">
+                      <a:solidFill>
+                        <a:srgbClr val="000000"/>
+                      </a:solidFill>
+                      <a:prstDash val="solid"/>
+                      <a:round/>
+                      <a:headEnd type="none" w="med" len="med"/>
+                      <a:tailEnd type="none" w="med" len="med"/>
+                    </a:lnT>
+                    <a:lnB w="12700" cap="flat" cmpd="sng" algn="ctr">
+                      <a:solidFill>
+                        <a:srgbClr val="000000"/>
+                      </a:solidFill>
+                      <a:prstDash val="solid"/>
+                      <a:round/>
+                      <a:headEnd type="none" w="med" len="med"/>
+                      <a:tailEnd type="none" w="med" len="med"/>
+                    </a:lnB>
+                    <a:noFill/>
+                  </a:tcPr>
+                </a:tc>
+                <a:tc>
+                  <a:txBody>
+                    <a:bodyPr/>
+                    <a:lstStyle/>
+                    <a:p>
+                      <a:pPr>
+                        <a:lnSpc>
+                          <a:spcPct val="200000"/>
+                        </a:lnSpc>
+                        <a:spcAft>
+                          <a:spcPts val="800"/>
+                        </a:spcAft>
+                        <a:buNone/>
+                      </a:pPr>
+                      <a:r>
+                        <a:rPr lang="en-US" sz="1400">
+                          <a:effectLst/>
+                          <a:latin typeface="Times New Roman" panose="02020603050405020304" pitchFamily="18" charset="0"/>
+                          <a:ea typeface="Times New Roman" panose="02020603050405020304" pitchFamily="18" charset="0"/>
+                        </a:rPr>
+                        <a:t>0.99</a:t>
+                      </a:r>
+                      <a:endParaRPr lang="en-US" sz="1400">
+                        <a:effectLst/>
+                        <a:latin typeface="Calibri" panose="020F0502020204030204" pitchFamily="34" charset="0"/>
+                        <a:ea typeface="Calibri" panose="020F0502020204030204" pitchFamily="34" charset="0"/>
+                      </a:endParaRPr>
+                    </a:p>
+                  </a:txBody>
+                  <a:tcPr marL="21789" marR="21789" marT="0" marB="0">
+                    <a:lnL w="12700" cap="flat" cmpd="sng" algn="ctr">
+                      <a:solidFill>
+                        <a:srgbClr val="000000"/>
+                      </a:solidFill>
+                      <a:prstDash val="solid"/>
+                      <a:round/>
+                      <a:headEnd type="none" w="med" len="med"/>
+                      <a:tailEnd type="none" w="med" len="med"/>
+                    </a:lnL>
+                    <a:lnR w="12700" cap="flat" cmpd="sng" algn="ctr">
+                      <a:solidFill>
+                        <a:srgbClr val="000000"/>
+                      </a:solidFill>
+                      <a:prstDash val="solid"/>
+                      <a:round/>
+                      <a:headEnd type="none" w="med" len="med"/>
+                      <a:tailEnd type="none" w="med" len="med"/>
+                    </a:lnR>
+                    <a:lnT w="12700" cap="flat" cmpd="sng" algn="ctr">
+                      <a:solidFill>
+                        <a:srgbClr val="000000"/>
+                      </a:solidFill>
+                      <a:prstDash val="solid"/>
+                      <a:round/>
+                      <a:headEnd type="none" w="med" len="med"/>
+                      <a:tailEnd type="none" w="med" len="med"/>
+                    </a:lnT>
+                    <a:lnB w="12700" cap="flat" cmpd="sng" algn="ctr">
+                      <a:solidFill>
+                        <a:srgbClr val="000000"/>
+                      </a:solidFill>
+                      <a:prstDash val="solid"/>
+                      <a:round/>
+                      <a:headEnd type="none" w="med" len="med"/>
+                      <a:tailEnd type="none" w="med" len="med"/>
+                    </a:lnB>
+                    <a:noFill/>
+                  </a:tcPr>
+                </a:tc>
+                <a:tc>
+                  <a:txBody>
+                    <a:bodyPr/>
+                    <a:lstStyle/>
+                    <a:p>
+                      <a:pPr>
+                        <a:lnSpc>
+                          <a:spcPct val="200000"/>
+                        </a:lnSpc>
+                        <a:spcAft>
+                          <a:spcPts val="800"/>
+                        </a:spcAft>
+                        <a:buNone/>
+                      </a:pPr>
+                      <a:r>
+                        <a:rPr lang="en-US" sz="1400">
+                          <a:effectLst/>
+                          <a:latin typeface="Times New Roman" panose="02020603050405020304" pitchFamily="18" charset="0"/>
+                          <a:ea typeface="Times New Roman" panose="02020603050405020304" pitchFamily="18" charset="0"/>
+                        </a:rPr>
+                        <a:t>0.99</a:t>
+                      </a:r>
+                      <a:endParaRPr lang="en-US" sz="1400">
+                        <a:effectLst/>
+                        <a:latin typeface="Calibri" panose="020F0502020204030204" pitchFamily="34" charset="0"/>
+                        <a:ea typeface="Calibri" panose="020F0502020204030204" pitchFamily="34" charset="0"/>
+                      </a:endParaRPr>
+                    </a:p>
+                  </a:txBody>
+                  <a:tcPr marL="21789" marR="21789" marT="0" marB="0">
+                    <a:lnL w="12700" cap="flat" cmpd="sng" algn="ctr">
+                      <a:solidFill>
+                        <a:srgbClr val="000000"/>
+                      </a:solidFill>
+                      <a:prstDash val="solid"/>
+                      <a:round/>
+                      <a:headEnd type="none" w="med" len="med"/>
+                      <a:tailEnd type="none" w="med" len="med"/>
+                    </a:lnL>
+                    <a:lnR w="12700" cap="flat" cmpd="sng" algn="ctr">
+                      <a:solidFill>
+                        <a:srgbClr val="000000"/>
+                      </a:solidFill>
+                      <a:prstDash val="solid"/>
+                      <a:round/>
+                      <a:headEnd type="none" w="med" len="med"/>
+                      <a:tailEnd type="none" w="med" len="med"/>
+                    </a:lnR>
+                    <a:lnT w="12700" cap="flat" cmpd="sng" algn="ctr">
+                      <a:solidFill>
+                        <a:srgbClr val="000000"/>
+                      </a:solidFill>
+                      <a:prstDash val="solid"/>
+                      <a:round/>
+                      <a:headEnd type="none" w="med" len="med"/>
+                      <a:tailEnd type="none" w="med" len="med"/>
+                    </a:lnT>
+                    <a:lnB w="12700" cap="flat" cmpd="sng" algn="ctr">
+                      <a:solidFill>
+                        <a:srgbClr val="000000"/>
+                      </a:solidFill>
+                      <a:prstDash val="solid"/>
+                      <a:round/>
+                      <a:headEnd type="none" w="med" len="med"/>
+                      <a:tailEnd type="none" w="med" len="med"/>
+                    </a:lnB>
+                    <a:noFill/>
+                  </a:tcPr>
+                </a:tc>
+                <a:tc>
+                  <a:txBody>
+                    <a:bodyPr/>
+                    <a:lstStyle/>
+                    <a:p>
+                      <a:pPr>
+                        <a:lnSpc>
+                          <a:spcPct val="200000"/>
+                        </a:lnSpc>
+                        <a:spcAft>
+                          <a:spcPts val="800"/>
+                        </a:spcAft>
+                        <a:buNone/>
+                      </a:pPr>
+                      <a:r>
+                        <a:rPr lang="en-US" sz="1400">
+                          <a:effectLst/>
+                          <a:latin typeface="Times New Roman" panose="02020603050405020304" pitchFamily="18" charset="0"/>
+                          <a:ea typeface="Times New Roman" panose="02020603050405020304" pitchFamily="18" charset="0"/>
+                        </a:rPr>
+                        <a:t>0.99</a:t>
+                      </a:r>
+                      <a:endParaRPr lang="en-US" sz="1400">
+                        <a:effectLst/>
+                        <a:latin typeface="Calibri" panose="020F0502020204030204" pitchFamily="34" charset="0"/>
+                        <a:ea typeface="Calibri" panose="020F0502020204030204" pitchFamily="34" charset="0"/>
+                      </a:endParaRPr>
+                    </a:p>
+                  </a:txBody>
+                  <a:tcPr marL="21789" marR="21789" marT="0" marB="0">
+                    <a:lnL w="12700" cap="flat" cmpd="sng" algn="ctr">
+                      <a:solidFill>
+                        <a:srgbClr val="000000"/>
+                      </a:solidFill>
+                      <a:prstDash val="solid"/>
+                      <a:round/>
+                      <a:headEnd type="none" w="med" len="med"/>
+                      <a:tailEnd type="none" w="med" len="med"/>
+                    </a:lnL>
+                    <a:lnR w="12700" cap="flat" cmpd="sng" algn="ctr">
+                      <a:solidFill>
+                        <a:srgbClr val="000000"/>
+                      </a:solidFill>
+                      <a:prstDash val="solid"/>
+                      <a:round/>
+                      <a:headEnd type="none" w="med" len="med"/>
+                      <a:tailEnd type="none" w="med" len="med"/>
+                    </a:lnR>
+                    <a:lnT w="12700" cap="flat" cmpd="sng" algn="ctr">
+                      <a:solidFill>
+                        <a:srgbClr val="000000"/>
+                      </a:solidFill>
+                      <a:prstDash val="solid"/>
+                      <a:round/>
+                      <a:headEnd type="none" w="med" len="med"/>
+                      <a:tailEnd type="none" w="med" len="med"/>
+                    </a:lnT>
+                    <a:lnB w="12700" cap="flat" cmpd="sng" algn="ctr">
+                      <a:solidFill>
+                        <a:srgbClr val="000000"/>
+                      </a:solidFill>
+                      <a:prstDash val="solid"/>
+                      <a:round/>
+                      <a:headEnd type="none" w="med" len="med"/>
+                      <a:tailEnd type="none" w="med" len="med"/>
+                    </a:lnB>
+                    <a:noFill/>
+                  </a:tcPr>
+                </a:tc>
+                <a:tc>
+                  <a:txBody>
+                    <a:bodyPr/>
+                    <a:lstStyle/>
+                    <a:p>
+                      <a:pPr>
+                        <a:lnSpc>
+                          <a:spcPct val="200000"/>
+                        </a:lnSpc>
+                        <a:spcAft>
+                          <a:spcPts val="800"/>
+                        </a:spcAft>
+                        <a:buNone/>
+                      </a:pPr>
+                      <a:r>
+                        <a:rPr lang="en-US" sz="1400">
+                          <a:effectLst/>
+                          <a:latin typeface="Times New Roman" panose="02020603050405020304" pitchFamily="18" charset="0"/>
+                          <a:ea typeface="Times New Roman" panose="02020603050405020304" pitchFamily="18" charset="0"/>
+                        </a:rPr>
+                        <a:t>0.99</a:t>
+                      </a:r>
+                      <a:endParaRPr lang="en-US" sz="1400">
+                        <a:effectLst/>
+                        <a:latin typeface="Calibri" panose="020F0502020204030204" pitchFamily="34" charset="0"/>
+                        <a:ea typeface="Calibri" panose="020F0502020204030204" pitchFamily="34" charset="0"/>
+                      </a:endParaRPr>
+                    </a:p>
+                  </a:txBody>
+                  <a:tcPr marL="21789" marR="21789" marT="0" marB="0">
+                    <a:lnL w="12700" cap="flat" cmpd="sng" algn="ctr">
+                      <a:solidFill>
+                        <a:srgbClr val="000000"/>
+                      </a:solidFill>
+                      <a:prstDash val="solid"/>
+                      <a:round/>
+                      <a:headEnd type="none" w="med" len="med"/>
+                      <a:tailEnd type="none" w="med" len="med"/>
+                    </a:lnL>
+                    <a:lnR w="12700" cap="flat" cmpd="sng" algn="ctr">
+                      <a:solidFill>
+                        <a:srgbClr val="000000"/>
+                      </a:solidFill>
+                      <a:prstDash val="solid"/>
+                      <a:round/>
+                      <a:headEnd type="none" w="med" len="med"/>
+                      <a:tailEnd type="none" w="med" len="med"/>
+                    </a:lnR>
+                    <a:lnT w="12700" cap="flat" cmpd="sng" algn="ctr">
+                      <a:solidFill>
+                        <a:srgbClr val="000000"/>
+                      </a:solidFill>
+                      <a:prstDash val="solid"/>
+                      <a:round/>
+                      <a:headEnd type="none" w="med" len="med"/>
+                      <a:tailEnd type="none" w="med" len="med"/>
+                    </a:lnT>
+                    <a:lnB w="12700" cap="flat" cmpd="sng" algn="ctr">
+                      <a:solidFill>
+                        <a:srgbClr val="000000"/>
+                      </a:solidFill>
+                      <a:prstDash val="solid"/>
+                      <a:round/>
+                      <a:headEnd type="none" w="med" len="med"/>
+                      <a:tailEnd type="none" w="med" len="med"/>
+                    </a:lnB>
+                    <a:noFill/>
+                  </a:tcPr>
+                </a:tc>
+                <a:tc>
+                  <a:txBody>
+                    <a:bodyPr/>
+                    <a:lstStyle/>
+                    <a:p>
+                      <a:pPr>
+                        <a:lnSpc>
+                          <a:spcPct val="200000"/>
+                        </a:lnSpc>
+                        <a:spcAft>
+                          <a:spcPts val="800"/>
+                        </a:spcAft>
+                        <a:buNone/>
+                      </a:pPr>
+                      <a:r>
+                        <a:rPr lang="en-US" sz="1400">
+                          <a:effectLst/>
+                          <a:latin typeface="Times New Roman" panose="02020603050405020304" pitchFamily="18" charset="0"/>
+                          <a:ea typeface="Times New Roman" panose="02020603050405020304" pitchFamily="18" charset="0"/>
+                        </a:rPr>
+                        <a:t>1.04</a:t>
+                      </a:r>
+                      <a:endParaRPr lang="en-US" sz="1400">
+                        <a:effectLst/>
+                        <a:latin typeface="Calibri" panose="020F0502020204030204" pitchFamily="34" charset="0"/>
+                        <a:ea typeface="Calibri" panose="020F0502020204030204" pitchFamily="34" charset="0"/>
+                      </a:endParaRPr>
+                    </a:p>
+                  </a:txBody>
+                  <a:tcPr marL="21789" marR="21789" marT="0" marB="0">
+                    <a:lnL w="12700" cap="flat" cmpd="sng" algn="ctr">
+                      <a:solidFill>
+                        <a:srgbClr val="000000"/>
+                      </a:solidFill>
+                      <a:prstDash val="solid"/>
+                      <a:round/>
+                      <a:headEnd type="none" w="med" len="med"/>
+                      <a:tailEnd type="none" w="med" len="med"/>
+                    </a:lnL>
+                    <a:lnR w="12700" cap="flat" cmpd="sng" algn="ctr">
+                      <a:solidFill>
+                        <a:srgbClr val="000000"/>
+                      </a:solidFill>
+                      <a:prstDash val="solid"/>
+                      <a:round/>
+                      <a:headEnd type="none" w="med" len="med"/>
+                      <a:tailEnd type="none" w="med" len="med"/>
+                    </a:lnR>
+                    <a:lnT w="12700" cap="flat" cmpd="sng" algn="ctr">
+                      <a:solidFill>
+                        <a:srgbClr val="000000"/>
+                      </a:solidFill>
+                      <a:prstDash val="solid"/>
+                      <a:round/>
+                      <a:headEnd type="none" w="med" len="med"/>
+                      <a:tailEnd type="none" w="med" len="med"/>
+                    </a:lnT>
+                    <a:lnB w="12700" cap="flat" cmpd="sng" algn="ctr">
+                      <a:solidFill>
+                        <a:srgbClr val="000000"/>
+                      </a:solidFill>
+                      <a:prstDash val="solid"/>
+                      <a:round/>
+                      <a:headEnd type="none" w="med" len="med"/>
+                      <a:tailEnd type="none" w="med" len="med"/>
+                    </a:lnB>
+                    <a:noFill/>
+                  </a:tcPr>
+                </a:tc>
+                <a:extLst>
+                  <a:ext uri="{0D108BD9-81ED-4DB2-BD59-A6C34878D82A}">
+                    <a16:rowId xmlns:a16="http://schemas.microsoft.com/office/drawing/2014/main" val="3867989499"/>
+                  </a:ext>
+                </a:extLst>
+              </a:tr>
+              <a:tr h="91334">
+                <a:tc>
+                  <a:txBody>
+                    <a:bodyPr/>
+                    <a:lstStyle/>
+                    <a:p>
+                      <a:pPr>
+                        <a:lnSpc>
+                          <a:spcPct val="200000"/>
+                        </a:lnSpc>
+                        <a:spcAft>
+                          <a:spcPts val="800"/>
+                        </a:spcAft>
+                        <a:buNone/>
+                      </a:pPr>
+                      <a:r>
+                        <a:rPr lang="en-US" sz="1400">
+                          <a:effectLst/>
+                          <a:latin typeface="Times New Roman" panose="02020603050405020304" pitchFamily="18" charset="0"/>
+                          <a:ea typeface="Times New Roman" panose="02020603050405020304" pitchFamily="18" charset="0"/>
+                        </a:rPr>
+                        <a:t>pH</a:t>
+                      </a:r>
+                      <a:endParaRPr lang="en-US" sz="1400">
+                        <a:effectLst/>
+                        <a:latin typeface="Calibri" panose="020F0502020204030204" pitchFamily="34" charset="0"/>
+                        <a:ea typeface="Calibri" panose="020F0502020204030204" pitchFamily="34" charset="0"/>
+                      </a:endParaRPr>
+                    </a:p>
+                  </a:txBody>
+                  <a:tcPr marL="21789" marR="21789" marT="0" marB="0">
+                    <a:lnL w="12700" cap="flat" cmpd="sng" algn="ctr">
+                      <a:solidFill>
+                        <a:srgbClr val="000000"/>
+                      </a:solidFill>
+                      <a:prstDash val="solid"/>
+                      <a:round/>
+                      <a:headEnd type="none" w="med" len="med"/>
+                      <a:tailEnd type="none" w="med" len="med"/>
+                    </a:lnL>
+                    <a:lnR w="12700" cap="flat" cmpd="sng" algn="ctr">
+                      <a:solidFill>
+                        <a:srgbClr val="000000"/>
+                      </a:solidFill>
+                      <a:prstDash val="solid"/>
+                      <a:round/>
+                      <a:headEnd type="none" w="med" len="med"/>
+                      <a:tailEnd type="none" w="med" len="med"/>
+                    </a:lnR>
+                    <a:lnT w="12700" cap="flat" cmpd="sng" algn="ctr">
+                      <a:solidFill>
+                        <a:srgbClr val="000000"/>
+                      </a:solidFill>
+                      <a:prstDash val="solid"/>
+                      <a:round/>
+                      <a:headEnd type="none" w="med" len="med"/>
+                      <a:tailEnd type="none" w="med" len="med"/>
+                    </a:lnT>
+                    <a:lnB w="12700" cap="flat" cmpd="sng" algn="ctr">
+                      <a:solidFill>
+                        <a:srgbClr val="000000"/>
+                      </a:solidFill>
+                      <a:prstDash val="solid"/>
+                      <a:round/>
+                      <a:headEnd type="none" w="med" len="med"/>
+                      <a:tailEnd type="none" w="med" len="med"/>
+                    </a:lnB>
+                    <a:noFill/>
+                  </a:tcPr>
+                </a:tc>
+                <a:tc>
+                  <a:txBody>
+                    <a:bodyPr/>
+                    <a:lstStyle/>
+                    <a:p>
+                      <a:pPr>
+                        <a:lnSpc>
+                          <a:spcPct val="200000"/>
+                        </a:lnSpc>
+                        <a:spcAft>
+                          <a:spcPts val="800"/>
+                        </a:spcAft>
+                        <a:buNone/>
+                      </a:pPr>
+                      <a:r>
+                        <a:rPr lang="en-US" sz="1400">
+                          <a:effectLst/>
+                          <a:latin typeface="Times New Roman" panose="02020603050405020304" pitchFamily="18" charset="0"/>
+                          <a:ea typeface="Times New Roman" panose="02020603050405020304" pitchFamily="18" charset="0"/>
+                        </a:rPr>
+                        <a:t>3.19</a:t>
+                      </a:r>
+                      <a:endParaRPr lang="en-US" sz="1400">
+                        <a:effectLst/>
+                        <a:latin typeface="Calibri" panose="020F0502020204030204" pitchFamily="34" charset="0"/>
+                        <a:ea typeface="Calibri" panose="020F0502020204030204" pitchFamily="34" charset="0"/>
+                      </a:endParaRPr>
+                    </a:p>
+                  </a:txBody>
+                  <a:tcPr marL="21789" marR="21789" marT="0" marB="0">
+                    <a:lnL w="12700" cap="flat" cmpd="sng" algn="ctr">
+                      <a:solidFill>
+                        <a:srgbClr val="000000"/>
+                      </a:solidFill>
+                      <a:prstDash val="solid"/>
+                      <a:round/>
+                      <a:headEnd type="none" w="med" len="med"/>
+                      <a:tailEnd type="none" w="med" len="med"/>
+                    </a:lnL>
+                    <a:lnR w="12700" cap="flat" cmpd="sng" algn="ctr">
+                      <a:solidFill>
+                        <a:srgbClr val="000000"/>
+                      </a:solidFill>
+                      <a:prstDash val="solid"/>
+                      <a:round/>
+                      <a:headEnd type="none" w="med" len="med"/>
+                      <a:tailEnd type="none" w="med" len="med"/>
+                    </a:lnR>
+                    <a:lnT w="12700" cap="flat" cmpd="sng" algn="ctr">
+                      <a:solidFill>
+                        <a:srgbClr val="000000"/>
+                      </a:solidFill>
+                      <a:prstDash val="solid"/>
+                      <a:round/>
+                      <a:headEnd type="none" w="med" len="med"/>
+                      <a:tailEnd type="none" w="med" len="med"/>
+                    </a:lnT>
+                    <a:lnB w="12700" cap="flat" cmpd="sng" algn="ctr">
+                      <a:solidFill>
+                        <a:srgbClr val="000000"/>
+                      </a:solidFill>
+                      <a:prstDash val="solid"/>
+                      <a:round/>
+                      <a:headEnd type="none" w="med" len="med"/>
+                      <a:tailEnd type="none" w="med" len="med"/>
+                    </a:lnB>
+                    <a:noFill/>
+                  </a:tcPr>
+                </a:tc>
+                <a:tc>
+                  <a:txBody>
+                    <a:bodyPr/>
+                    <a:lstStyle/>
+                    <a:p>
+                      <a:pPr>
+                        <a:lnSpc>
+                          <a:spcPct val="200000"/>
+                        </a:lnSpc>
+                        <a:spcAft>
+                          <a:spcPts val="800"/>
+                        </a:spcAft>
+                        <a:buNone/>
+                      </a:pPr>
+                      <a:r>
+                        <a:rPr lang="en-US" sz="1400">
+                          <a:effectLst/>
+                          <a:latin typeface="Times New Roman" panose="02020603050405020304" pitchFamily="18" charset="0"/>
+                          <a:ea typeface="Times New Roman" panose="02020603050405020304" pitchFamily="18" charset="0"/>
+                        </a:rPr>
+                        <a:t>0.15</a:t>
+                      </a:r>
+                      <a:endParaRPr lang="en-US" sz="1400">
+                        <a:effectLst/>
+                        <a:latin typeface="Calibri" panose="020F0502020204030204" pitchFamily="34" charset="0"/>
+                        <a:ea typeface="Calibri" panose="020F0502020204030204" pitchFamily="34" charset="0"/>
+                      </a:endParaRPr>
+                    </a:p>
+                  </a:txBody>
+                  <a:tcPr marL="21789" marR="21789" marT="0" marB="0">
+                    <a:lnL w="12700" cap="flat" cmpd="sng" algn="ctr">
+                      <a:solidFill>
+                        <a:srgbClr val="000000"/>
+                      </a:solidFill>
+                      <a:prstDash val="solid"/>
+                      <a:round/>
+                      <a:headEnd type="none" w="med" len="med"/>
+                      <a:tailEnd type="none" w="med" len="med"/>
+                    </a:lnL>
+                    <a:lnR w="12700" cap="flat" cmpd="sng" algn="ctr">
+                      <a:solidFill>
+                        <a:srgbClr val="000000"/>
+                      </a:solidFill>
+                      <a:prstDash val="solid"/>
+                      <a:round/>
+                      <a:headEnd type="none" w="med" len="med"/>
+                      <a:tailEnd type="none" w="med" len="med"/>
+                    </a:lnR>
+                    <a:lnT w="12700" cap="flat" cmpd="sng" algn="ctr">
+                      <a:solidFill>
+                        <a:srgbClr val="000000"/>
+                      </a:solidFill>
+                      <a:prstDash val="solid"/>
+                      <a:round/>
+                      <a:headEnd type="none" w="med" len="med"/>
+                      <a:tailEnd type="none" w="med" len="med"/>
+                    </a:lnT>
+                    <a:lnB w="12700" cap="flat" cmpd="sng" algn="ctr">
+                      <a:solidFill>
+                        <a:srgbClr val="000000"/>
+                      </a:solidFill>
+                      <a:prstDash val="solid"/>
+                      <a:round/>
+                      <a:headEnd type="none" w="med" len="med"/>
+                      <a:tailEnd type="none" w="med" len="med"/>
+                    </a:lnB>
+                    <a:noFill/>
+                  </a:tcPr>
+                </a:tc>
+                <a:tc>
+                  <a:txBody>
+                    <a:bodyPr/>
+                    <a:lstStyle/>
+                    <a:p>
+                      <a:pPr>
+                        <a:lnSpc>
+                          <a:spcPct val="200000"/>
+                        </a:lnSpc>
+                        <a:spcAft>
+                          <a:spcPts val="800"/>
+                        </a:spcAft>
+                        <a:buNone/>
+                      </a:pPr>
+                      <a:r>
+                        <a:rPr lang="en-US" sz="1400">
+                          <a:effectLst/>
+                          <a:latin typeface="Times New Roman" panose="02020603050405020304" pitchFamily="18" charset="0"/>
+                          <a:ea typeface="Times New Roman" panose="02020603050405020304" pitchFamily="18" charset="0"/>
+                        </a:rPr>
+                        <a:t>2.90</a:t>
+                      </a:r>
+                      <a:endParaRPr lang="en-US" sz="1400">
+                        <a:effectLst/>
+                        <a:latin typeface="Calibri" panose="020F0502020204030204" pitchFamily="34" charset="0"/>
+                        <a:ea typeface="Calibri" panose="020F0502020204030204" pitchFamily="34" charset="0"/>
+                      </a:endParaRPr>
+                    </a:p>
+                  </a:txBody>
+                  <a:tcPr marL="21789" marR="21789" marT="0" marB="0">
+                    <a:lnL w="12700" cap="flat" cmpd="sng" algn="ctr">
+                      <a:solidFill>
+                        <a:srgbClr val="000000"/>
+                      </a:solidFill>
+                      <a:prstDash val="solid"/>
+                      <a:round/>
+                      <a:headEnd type="none" w="med" len="med"/>
+                      <a:tailEnd type="none" w="med" len="med"/>
+                    </a:lnL>
+                    <a:lnR w="12700" cap="flat" cmpd="sng" algn="ctr">
+                      <a:solidFill>
+                        <a:srgbClr val="000000"/>
+                      </a:solidFill>
+                      <a:prstDash val="solid"/>
+                      <a:round/>
+                      <a:headEnd type="none" w="med" len="med"/>
+                      <a:tailEnd type="none" w="med" len="med"/>
+                    </a:lnR>
+                    <a:lnT w="12700" cap="flat" cmpd="sng" algn="ctr">
+                      <a:solidFill>
+                        <a:srgbClr val="000000"/>
+                      </a:solidFill>
+                      <a:prstDash val="solid"/>
+                      <a:round/>
+                      <a:headEnd type="none" w="med" len="med"/>
+                      <a:tailEnd type="none" w="med" len="med"/>
+                    </a:lnT>
+                    <a:lnB w="12700" cap="flat" cmpd="sng" algn="ctr">
+                      <a:solidFill>
+                        <a:srgbClr val="000000"/>
+                      </a:solidFill>
+                      <a:prstDash val="solid"/>
+                      <a:round/>
+                      <a:headEnd type="none" w="med" len="med"/>
+                      <a:tailEnd type="none" w="med" len="med"/>
+                    </a:lnB>
+                    <a:noFill/>
+                  </a:tcPr>
+                </a:tc>
+                <a:tc>
+                  <a:txBody>
+                    <a:bodyPr/>
+                    <a:lstStyle/>
+                    <a:p>
+                      <a:pPr>
+                        <a:lnSpc>
+                          <a:spcPct val="200000"/>
+                        </a:lnSpc>
+                        <a:spcAft>
+                          <a:spcPts val="800"/>
+                        </a:spcAft>
+                        <a:buNone/>
+                      </a:pPr>
+                      <a:r>
+                        <a:rPr lang="en-US" sz="1400">
+                          <a:effectLst/>
+                          <a:latin typeface="Times New Roman" panose="02020603050405020304" pitchFamily="18" charset="0"/>
+                          <a:ea typeface="Times New Roman" panose="02020603050405020304" pitchFamily="18" charset="0"/>
+                        </a:rPr>
+                        <a:t>3.09</a:t>
+                      </a:r>
+                      <a:endParaRPr lang="en-US" sz="1400">
+                        <a:effectLst/>
+                        <a:latin typeface="Calibri" panose="020F0502020204030204" pitchFamily="34" charset="0"/>
+                        <a:ea typeface="Calibri" panose="020F0502020204030204" pitchFamily="34" charset="0"/>
+                      </a:endParaRPr>
+                    </a:p>
+                  </a:txBody>
+                  <a:tcPr marL="21789" marR="21789" marT="0" marB="0">
+                    <a:lnL w="12700" cap="flat" cmpd="sng" algn="ctr">
+                      <a:solidFill>
+                        <a:srgbClr val="000000"/>
+                      </a:solidFill>
+                      <a:prstDash val="solid"/>
+                      <a:round/>
+                      <a:headEnd type="none" w="med" len="med"/>
+                      <a:tailEnd type="none" w="med" len="med"/>
+                    </a:lnL>
+                    <a:lnR w="12700" cap="flat" cmpd="sng" algn="ctr">
+                      <a:solidFill>
+                        <a:srgbClr val="000000"/>
+                      </a:solidFill>
+                      <a:prstDash val="solid"/>
+                      <a:round/>
+                      <a:headEnd type="none" w="med" len="med"/>
+                      <a:tailEnd type="none" w="med" len="med"/>
+                    </a:lnR>
+                    <a:lnT w="12700" cap="flat" cmpd="sng" algn="ctr">
+                      <a:solidFill>
+                        <a:srgbClr val="000000"/>
+                      </a:solidFill>
+                      <a:prstDash val="solid"/>
+                      <a:round/>
+                      <a:headEnd type="none" w="med" len="med"/>
+                      <a:tailEnd type="none" w="med" len="med"/>
+                    </a:lnT>
+                    <a:lnB w="12700" cap="flat" cmpd="sng" algn="ctr">
+                      <a:solidFill>
+                        <a:srgbClr val="000000"/>
+                      </a:solidFill>
+                      <a:prstDash val="solid"/>
+                      <a:round/>
+                      <a:headEnd type="none" w="med" len="med"/>
+                      <a:tailEnd type="none" w="med" len="med"/>
+                    </a:lnB>
+                    <a:noFill/>
+                  </a:tcPr>
+                </a:tc>
+                <a:tc>
+                  <a:txBody>
+                    <a:bodyPr/>
+                    <a:lstStyle/>
+                    <a:p>
+                      <a:pPr>
+                        <a:lnSpc>
+                          <a:spcPct val="200000"/>
+                        </a:lnSpc>
+                        <a:spcAft>
+                          <a:spcPts val="800"/>
+                        </a:spcAft>
+                        <a:buNone/>
+                      </a:pPr>
+                      <a:r>
+                        <a:rPr lang="en-US" sz="1400">
+                          <a:effectLst/>
+                          <a:latin typeface="Times New Roman" panose="02020603050405020304" pitchFamily="18" charset="0"/>
+                          <a:ea typeface="Times New Roman" panose="02020603050405020304" pitchFamily="18" charset="0"/>
+                        </a:rPr>
+                        <a:t>3.18</a:t>
+                      </a:r>
+                      <a:endParaRPr lang="en-US" sz="1400">
+                        <a:effectLst/>
+                        <a:latin typeface="Calibri" panose="020F0502020204030204" pitchFamily="34" charset="0"/>
+                        <a:ea typeface="Calibri" panose="020F0502020204030204" pitchFamily="34" charset="0"/>
+                      </a:endParaRPr>
+                    </a:p>
+                  </a:txBody>
+                  <a:tcPr marL="21789" marR="21789" marT="0" marB="0">
+                    <a:lnL w="12700" cap="flat" cmpd="sng" algn="ctr">
+                      <a:solidFill>
+                        <a:srgbClr val="000000"/>
+                      </a:solidFill>
+                      <a:prstDash val="solid"/>
+                      <a:round/>
+                      <a:headEnd type="none" w="med" len="med"/>
+                      <a:tailEnd type="none" w="med" len="med"/>
+                    </a:lnL>
+                    <a:lnR w="12700" cap="flat" cmpd="sng" algn="ctr">
+                      <a:solidFill>
+                        <a:srgbClr val="000000"/>
+                      </a:solidFill>
+                      <a:prstDash val="solid"/>
+                      <a:round/>
+                      <a:headEnd type="none" w="med" len="med"/>
+                      <a:tailEnd type="none" w="med" len="med"/>
+                    </a:lnR>
+                    <a:lnT w="12700" cap="flat" cmpd="sng" algn="ctr">
+                      <a:solidFill>
+                        <a:srgbClr val="000000"/>
+                      </a:solidFill>
+                      <a:prstDash val="solid"/>
+                      <a:round/>
+                      <a:headEnd type="none" w="med" len="med"/>
+                      <a:tailEnd type="none" w="med" len="med"/>
+                    </a:lnT>
+                    <a:lnB w="12700" cap="flat" cmpd="sng" algn="ctr">
+                      <a:solidFill>
+                        <a:srgbClr val="000000"/>
+                      </a:solidFill>
+                      <a:prstDash val="solid"/>
+                      <a:round/>
+                      <a:headEnd type="none" w="med" len="med"/>
+                      <a:tailEnd type="none" w="med" len="med"/>
+                    </a:lnB>
+                    <a:noFill/>
+                  </a:tcPr>
+                </a:tc>
+                <a:tc>
+                  <a:txBody>
+                    <a:bodyPr/>
+                    <a:lstStyle/>
+                    <a:p>
+                      <a:pPr>
+                        <a:lnSpc>
+                          <a:spcPct val="200000"/>
+                        </a:lnSpc>
+                        <a:spcAft>
+                          <a:spcPts val="800"/>
+                        </a:spcAft>
+                        <a:buNone/>
+                      </a:pPr>
+                      <a:r>
+                        <a:rPr lang="en-US" sz="1400">
+                          <a:effectLst/>
+                          <a:latin typeface="Times New Roman" panose="02020603050405020304" pitchFamily="18" charset="0"/>
+                          <a:ea typeface="Times New Roman" panose="02020603050405020304" pitchFamily="18" charset="0"/>
+                        </a:rPr>
+                        <a:t>3.28</a:t>
+                      </a:r>
+                      <a:endParaRPr lang="en-US" sz="1400">
+                        <a:effectLst/>
+                        <a:latin typeface="Calibri" panose="020F0502020204030204" pitchFamily="34" charset="0"/>
+                        <a:ea typeface="Calibri" panose="020F0502020204030204" pitchFamily="34" charset="0"/>
+                      </a:endParaRPr>
+                    </a:p>
+                  </a:txBody>
+                  <a:tcPr marL="21789" marR="21789" marT="0" marB="0">
+                    <a:lnL w="12700" cap="flat" cmpd="sng" algn="ctr">
+                      <a:solidFill>
+                        <a:srgbClr val="000000"/>
+                      </a:solidFill>
+                      <a:prstDash val="solid"/>
+                      <a:round/>
+                      <a:headEnd type="none" w="med" len="med"/>
+                      <a:tailEnd type="none" w="med" len="med"/>
+                    </a:lnL>
+                    <a:lnR w="12700" cap="flat" cmpd="sng" algn="ctr">
+                      <a:solidFill>
+                        <a:srgbClr val="000000"/>
+                      </a:solidFill>
+                      <a:prstDash val="solid"/>
+                      <a:round/>
+                      <a:headEnd type="none" w="med" len="med"/>
+                      <a:tailEnd type="none" w="med" len="med"/>
+                    </a:lnR>
+                    <a:lnT w="12700" cap="flat" cmpd="sng" algn="ctr">
+                      <a:solidFill>
+                        <a:srgbClr val="000000"/>
+                      </a:solidFill>
+                      <a:prstDash val="solid"/>
+                      <a:round/>
+                      <a:headEnd type="none" w="med" len="med"/>
+                      <a:tailEnd type="none" w="med" len="med"/>
+                    </a:lnT>
+                    <a:lnB w="12700" cap="flat" cmpd="sng" algn="ctr">
+                      <a:solidFill>
+                        <a:srgbClr val="000000"/>
+                      </a:solidFill>
+                      <a:prstDash val="solid"/>
+                      <a:round/>
+                      <a:headEnd type="none" w="med" len="med"/>
+                      <a:tailEnd type="none" w="med" len="med"/>
+                    </a:lnB>
+                    <a:noFill/>
+                  </a:tcPr>
+                </a:tc>
+                <a:tc>
+                  <a:txBody>
+                    <a:bodyPr/>
+                    <a:lstStyle/>
+                    <a:p>
+                      <a:pPr>
+                        <a:lnSpc>
+                          <a:spcPct val="200000"/>
+                        </a:lnSpc>
+                        <a:spcAft>
+                          <a:spcPts val="800"/>
+                        </a:spcAft>
+                        <a:buNone/>
+                      </a:pPr>
+                      <a:r>
+                        <a:rPr lang="en-US" sz="1400">
+                          <a:effectLst/>
+                          <a:latin typeface="Times New Roman" panose="02020603050405020304" pitchFamily="18" charset="0"/>
+                          <a:ea typeface="Times New Roman" panose="02020603050405020304" pitchFamily="18" charset="0"/>
+                        </a:rPr>
+                        <a:t>3.82</a:t>
+                      </a:r>
+                      <a:endParaRPr lang="en-US" sz="1400">
+                        <a:effectLst/>
+                        <a:latin typeface="Calibri" panose="020F0502020204030204" pitchFamily="34" charset="0"/>
+                        <a:ea typeface="Calibri" panose="020F0502020204030204" pitchFamily="34" charset="0"/>
+                      </a:endParaRPr>
+                    </a:p>
+                  </a:txBody>
+                  <a:tcPr marL="21789" marR="21789" marT="0" marB="0">
+                    <a:lnL w="12700" cap="flat" cmpd="sng" algn="ctr">
+                      <a:solidFill>
+                        <a:srgbClr val="000000"/>
+                      </a:solidFill>
+                      <a:prstDash val="solid"/>
+                      <a:round/>
+                      <a:headEnd type="none" w="med" len="med"/>
+                      <a:tailEnd type="none" w="med" len="med"/>
+                    </a:lnL>
+                    <a:lnR w="12700" cap="flat" cmpd="sng" algn="ctr">
+                      <a:solidFill>
+                        <a:srgbClr val="000000"/>
+                      </a:solidFill>
+                      <a:prstDash val="solid"/>
+                      <a:round/>
+                      <a:headEnd type="none" w="med" len="med"/>
+                      <a:tailEnd type="none" w="med" len="med"/>
+                    </a:lnR>
+                    <a:lnT w="12700" cap="flat" cmpd="sng" algn="ctr">
+                      <a:solidFill>
+                        <a:srgbClr val="000000"/>
+                      </a:solidFill>
+                      <a:prstDash val="solid"/>
+                      <a:round/>
+                      <a:headEnd type="none" w="med" len="med"/>
+                      <a:tailEnd type="none" w="med" len="med"/>
+                    </a:lnT>
+                    <a:lnB w="12700" cap="flat" cmpd="sng" algn="ctr">
+                      <a:solidFill>
+                        <a:srgbClr val="000000"/>
+                      </a:solidFill>
+                      <a:prstDash val="solid"/>
+                      <a:round/>
+                      <a:headEnd type="none" w="med" len="med"/>
+                      <a:tailEnd type="none" w="med" len="med"/>
+                    </a:lnB>
+                    <a:noFill/>
+                  </a:tcPr>
+                </a:tc>
+                <a:extLst>
+                  <a:ext uri="{0D108BD9-81ED-4DB2-BD59-A6C34878D82A}">
+                    <a16:rowId xmlns:a16="http://schemas.microsoft.com/office/drawing/2014/main" val="3450831640"/>
+                  </a:ext>
+                </a:extLst>
+              </a:tr>
+              <a:tr h="197861">
+                <a:tc>
+                  <a:txBody>
+                    <a:bodyPr/>
+                    <a:lstStyle/>
+                    <a:p>
+                      <a:pPr>
+                        <a:lnSpc>
+                          <a:spcPct val="200000"/>
+                        </a:lnSpc>
+                        <a:spcAft>
+                          <a:spcPts val="800"/>
+                        </a:spcAft>
+                        <a:buNone/>
+                      </a:pPr>
+                      <a:r>
+                        <a:rPr lang="en-US" sz="1400">
+                          <a:effectLst/>
+                          <a:latin typeface="Times New Roman" panose="02020603050405020304" pitchFamily="18" charset="0"/>
+                          <a:ea typeface="Times New Roman" panose="02020603050405020304" pitchFamily="18" charset="0"/>
+                        </a:rPr>
+                        <a:t>Sulphates</a:t>
+                      </a:r>
+                      <a:endParaRPr lang="en-US" sz="1400">
+                        <a:effectLst/>
+                        <a:latin typeface="Calibri" panose="020F0502020204030204" pitchFamily="34" charset="0"/>
+                        <a:ea typeface="Calibri" panose="020F0502020204030204" pitchFamily="34" charset="0"/>
+                      </a:endParaRPr>
+                    </a:p>
+                  </a:txBody>
+                  <a:tcPr marL="21789" marR="21789" marT="0" marB="0">
+                    <a:lnL w="12700" cap="flat" cmpd="sng" algn="ctr">
+                      <a:solidFill>
+                        <a:srgbClr val="000000"/>
+                      </a:solidFill>
+                      <a:prstDash val="solid"/>
+                      <a:round/>
+                      <a:headEnd type="none" w="med" len="med"/>
+                      <a:tailEnd type="none" w="med" len="med"/>
+                    </a:lnL>
+                    <a:lnR w="12700" cap="flat" cmpd="sng" algn="ctr">
+                      <a:solidFill>
+                        <a:srgbClr val="000000"/>
+                      </a:solidFill>
+                      <a:prstDash val="solid"/>
+                      <a:round/>
+                      <a:headEnd type="none" w="med" len="med"/>
+                      <a:tailEnd type="none" w="med" len="med"/>
+                    </a:lnR>
+                    <a:lnT w="12700" cap="flat" cmpd="sng" algn="ctr">
+                      <a:solidFill>
+                        <a:srgbClr val="000000"/>
+                      </a:solidFill>
+                      <a:prstDash val="solid"/>
+                      <a:round/>
+                      <a:headEnd type="none" w="med" len="med"/>
+                      <a:tailEnd type="none" w="med" len="med"/>
+                    </a:lnT>
+                    <a:lnB w="12700" cap="flat" cmpd="sng" algn="ctr">
+                      <a:solidFill>
+                        <a:srgbClr val="000000"/>
+                      </a:solidFill>
+                      <a:prstDash val="solid"/>
+                      <a:round/>
+                      <a:headEnd type="none" w="med" len="med"/>
+                      <a:tailEnd type="none" w="med" len="med"/>
+                    </a:lnB>
+                    <a:noFill/>
+                  </a:tcPr>
+                </a:tc>
+                <a:tc>
+                  <a:txBody>
+                    <a:bodyPr/>
+                    <a:lstStyle/>
+                    <a:p>
+                      <a:pPr>
+                        <a:lnSpc>
+                          <a:spcPct val="200000"/>
+                        </a:lnSpc>
+                        <a:spcAft>
+                          <a:spcPts val="800"/>
+                        </a:spcAft>
+                        <a:buNone/>
+                      </a:pPr>
+                      <a:r>
+                        <a:rPr lang="en-US" sz="1400">
+                          <a:effectLst/>
+                          <a:latin typeface="Times New Roman" panose="02020603050405020304" pitchFamily="18" charset="0"/>
+                          <a:ea typeface="Times New Roman" panose="02020603050405020304" pitchFamily="18" charset="0"/>
+                        </a:rPr>
+                        <a:t>0.49</a:t>
+                      </a:r>
+                      <a:endParaRPr lang="en-US" sz="1400">
+                        <a:effectLst/>
+                        <a:latin typeface="Calibri" panose="020F0502020204030204" pitchFamily="34" charset="0"/>
+                        <a:ea typeface="Calibri" panose="020F0502020204030204" pitchFamily="34" charset="0"/>
+                      </a:endParaRPr>
+                    </a:p>
+                  </a:txBody>
+                  <a:tcPr marL="21789" marR="21789" marT="0" marB="0">
+                    <a:lnL w="12700" cap="flat" cmpd="sng" algn="ctr">
+                      <a:solidFill>
+                        <a:srgbClr val="000000"/>
+                      </a:solidFill>
+                      <a:prstDash val="solid"/>
+                      <a:round/>
+                      <a:headEnd type="none" w="med" len="med"/>
+                      <a:tailEnd type="none" w="med" len="med"/>
+                    </a:lnL>
+                    <a:lnR w="12700" cap="flat" cmpd="sng" algn="ctr">
+                      <a:solidFill>
+                        <a:srgbClr val="000000"/>
+                      </a:solidFill>
+                      <a:prstDash val="solid"/>
+                      <a:round/>
+                      <a:headEnd type="none" w="med" len="med"/>
+                      <a:tailEnd type="none" w="med" len="med"/>
+                    </a:lnR>
+                    <a:lnT w="12700" cap="flat" cmpd="sng" algn="ctr">
+                      <a:solidFill>
+                        <a:srgbClr val="000000"/>
+                      </a:solidFill>
+                      <a:prstDash val="solid"/>
+                      <a:round/>
+                      <a:headEnd type="none" w="med" len="med"/>
+                      <a:tailEnd type="none" w="med" len="med"/>
+                    </a:lnT>
+                    <a:lnB w="12700" cap="flat" cmpd="sng" algn="ctr">
+                      <a:solidFill>
+                        <a:srgbClr val="000000"/>
+                      </a:solidFill>
+                      <a:prstDash val="solid"/>
+                      <a:round/>
+                      <a:headEnd type="none" w="med" len="med"/>
+                      <a:tailEnd type="none" w="med" len="med"/>
+                    </a:lnB>
+                    <a:noFill/>
+                  </a:tcPr>
+                </a:tc>
+                <a:tc>
+                  <a:txBody>
+                    <a:bodyPr/>
+                    <a:lstStyle/>
+                    <a:p>
+                      <a:pPr>
+                        <a:lnSpc>
+                          <a:spcPct val="200000"/>
+                        </a:lnSpc>
+                        <a:spcAft>
+                          <a:spcPts val="800"/>
+                        </a:spcAft>
+                        <a:buNone/>
+                      </a:pPr>
+                      <a:r>
+                        <a:rPr lang="en-US" sz="1400">
+                          <a:effectLst/>
+                          <a:latin typeface="Times New Roman" panose="02020603050405020304" pitchFamily="18" charset="0"/>
+                          <a:ea typeface="Times New Roman" panose="02020603050405020304" pitchFamily="18" charset="0"/>
+                        </a:rPr>
+                        <a:t>0.15</a:t>
+                      </a:r>
+                      <a:endParaRPr lang="en-US" sz="1400">
+                        <a:effectLst/>
+                        <a:latin typeface="Calibri" panose="020F0502020204030204" pitchFamily="34" charset="0"/>
+                        <a:ea typeface="Calibri" panose="020F0502020204030204" pitchFamily="34" charset="0"/>
+                      </a:endParaRPr>
+                    </a:p>
+                  </a:txBody>
+                  <a:tcPr marL="21789" marR="21789" marT="0" marB="0">
+                    <a:lnL w="12700" cap="flat" cmpd="sng" algn="ctr">
+                      <a:solidFill>
+                        <a:srgbClr val="000000"/>
+                      </a:solidFill>
+                      <a:prstDash val="solid"/>
+                      <a:round/>
+                      <a:headEnd type="none" w="med" len="med"/>
+                      <a:tailEnd type="none" w="med" len="med"/>
+                    </a:lnL>
+                    <a:lnR w="12700" cap="flat" cmpd="sng" algn="ctr">
+                      <a:solidFill>
+                        <a:srgbClr val="000000"/>
+                      </a:solidFill>
+                      <a:prstDash val="solid"/>
+                      <a:round/>
+                      <a:headEnd type="none" w="med" len="med"/>
+                      <a:tailEnd type="none" w="med" len="med"/>
+                    </a:lnR>
+                    <a:lnT w="12700" cap="flat" cmpd="sng" algn="ctr">
+                      <a:solidFill>
+                        <a:srgbClr val="000000"/>
+                      </a:solidFill>
+                      <a:prstDash val="solid"/>
+                      <a:round/>
+                      <a:headEnd type="none" w="med" len="med"/>
+                      <a:tailEnd type="none" w="med" len="med"/>
+                    </a:lnT>
+                    <a:lnB w="12700" cap="flat" cmpd="sng" algn="ctr">
+                      <a:solidFill>
+                        <a:srgbClr val="000000"/>
+                      </a:solidFill>
+                      <a:prstDash val="solid"/>
+                      <a:round/>
+                      <a:headEnd type="none" w="med" len="med"/>
+                      <a:tailEnd type="none" w="med" len="med"/>
+                    </a:lnB>
+                    <a:noFill/>
+                  </a:tcPr>
+                </a:tc>
+                <a:tc>
+                  <a:txBody>
+                    <a:bodyPr/>
+                    <a:lstStyle/>
+                    <a:p>
+                      <a:pPr>
+                        <a:lnSpc>
+                          <a:spcPct val="200000"/>
+                        </a:lnSpc>
+                        <a:spcAft>
+                          <a:spcPts val="800"/>
+                        </a:spcAft>
+                        <a:buNone/>
+                      </a:pPr>
+                      <a:r>
+                        <a:rPr lang="en-US" sz="1400">
+                          <a:effectLst/>
+                          <a:latin typeface="Times New Roman" panose="02020603050405020304" pitchFamily="18" charset="0"/>
+                          <a:ea typeface="Times New Roman" panose="02020603050405020304" pitchFamily="18" charset="0"/>
+                        </a:rPr>
+                        <a:t>0.41</a:t>
+                      </a:r>
+                      <a:endParaRPr lang="en-US" sz="1400">
+                        <a:effectLst/>
+                        <a:latin typeface="Calibri" panose="020F0502020204030204" pitchFamily="34" charset="0"/>
+                        <a:ea typeface="Calibri" panose="020F0502020204030204" pitchFamily="34" charset="0"/>
+                      </a:endParaRPr>
+                    </a:p>
+                  </a:txBody>
+                  <a:tcPr marL="21789" marR="21789" marT="0" marB="0">
+                    <a:lnL w="12700" cap="flat" cmpd="sng" algn="ctr">
+                      <a:solidFill>
+                        <a:srgbClr val="000000"/>
+                      </a:solidFill>
+                      <a:prstDash val="solid"/>
+                      <a:round/>
+                      <a:headEnd type="none" w="med" len="med"/>
+                      <a:tailEnd type="none" w="med" len="med"/>
+                    </a:lnL>
+                    <a:lnR w="12700" cap="flat" cmpd="sng" algn="ctr">
+                      <a:solidFill>
+                        <a:srgbClr val="000000"/>
+                      </a:solidFill>
+                      <a:prstDash val="solid"/>
+                      <a:round/>
+                      <a:headEnd type="none" w="med" len="med"/>
+                      <a:tailEnd type="none" w="med" len="med"/>
+                    </a:lnR>
+                    <a:lnT w="12700" cap="flat" cmpd="sng" algn="ctr">
+                      <a:solidFill>
+                        <a:srgbClr val="000000"/>
+                      </a:solidFill>
+                      <a:prstDash val="solid"/>
+                      <a:round/>
+                      <a:headEnd type="none" w="med" len="med"/>
+                      <a:tailEnd type="none" w="med" len="med"/>
+                    </a:lnT>
+                    <a:lnB w="12700" cap="flat" cmpd="sng" algn="ctr">
+                      <a:solidFill>
+                        <a:srgbClr val="000000"/>
+                      </a:solidFill>
+                      <a:prstDash val="solid"/>
+                      <a:round/>
+                      <a:headEnd type="none" w="med" len="med"/>
+                      <a:tailEnd type="none" w="med" len="med"/>
+                    </a:lnB>
+                    <a:noFill/>
+                  </a:tcPr>
+                </a:tc>
+                <a:tc>
+                  <a:txBody>
+                    <a:bodyPr/>
+                    <a:lstStyle/>
+                    <a:p>
+                      <a:pPr>
+                        <a:lnSpc>
+                          <a:spcPct val="200000"/>
+                        </a:lnSpc>
+                        <a:spcAft>
+                          <a:spcPts val="800"/>
+                        </a:spcAft>
+                        <a:buNone/>
+                      </a:pPr>
+                      <a:r>
+                        <a:rPr lang="en-US" sz="1400">
+                          <a:effectLst/>
+                          <a:latin typeface="Times New Roman" panose="02020603050405020304" pitchFamily="18" charset="0"/>
+                          <a:ea typeface="Times New Roman" panose="02020603050405020304" pitchFamily="18" charset="0"/>
+                        </a:rPr>
+                        <a:t>0.41</a:t>
+                      </a:r>
+                      <a:endParaRPr lang="en-US" sz="1400">
+                        <a:effectLst/>
+                        <a:latin typeface="Calibri" panose="020F0502020204030204" pitchFamily="34" charset="0"/>
+                        <a:ea typeface="Calibri" panose="020F0502020204030204" pitchFamily="34" charset="0"/>
+                      </a:endParaRPr>
+                    </a:p>
+                  </a:txBody>
+                  <a:tcPr marL="21789" marR="21789" marT="0" marB="0">
+                    <a:lnL w="12700" cap="flat" cmpd="sng" algn="ctr">
+                      <a:solidFill>
+                        <a:srgbClr val="000000"/>
+                      </a:solidFill>
+                      <a:prstDash val="solid"/>
+                      <a:round/>
+                      <a:headEnd type="none" w="med" len="med"/>
+                      <a:tailEnd type="none" w="med" len="med"/>
+                    </a:lnL>
+                    <a:lnR w="12700" cap="flat" cmpd="sng" algn="ctr">
+                      <a:solidFill>
+                        <a:srgbClr val="000000"/>
+                      </a:solidFill>
+                      <a:prstDash val="solid"/>
+                      <a:round/>
+                      <a:headEnd type="none" w="med" len="med"/>
+                      <a:tailEnd type="none" w="med" len="med"/>
+                    </a:lnR>
+                    <a:lnT w="12700" cap="flat" cmpd="sng" algn="ctr">
+                      <a:solidFill>
+                        <a:srgbClr val="000000"/>
+                      </a:solidFill>
+                      <a:prstDash val="solid"/>
+                      <a:round/>
+                      <a:headEnd type="none" w="med" len="med"/>
+                      <a:tailEnd type="none" w="med" len="med"/>
+                    </a:lnT>
+                    <a:lnB w="12700" cap="flat" cmpd="sng" algn="ctr">
+                      <a:solidFill>
+                        <a:srgbClr val="000000"/>
+                      </a:solidFill>
+                      <a:prstDash val="solid"/>
+                      <a:round/>
+                      <a:headEnd type="none" w="med" len="med"/>
+                      <a:tailEnd type="none" w="med" len="med"/>
+                    </a:lnB>
+                    <a:noFill/>
+                  </a:tcPr>
+                </a:tc>
+                <a:tc>
+                  <a:txBody>
+                    <a:bodyPr/>
+                    <a:lstStyle/>
+                    <a:p>
+                      <a:pPr>
+                        <a:lnSpc>
+                          <a:spcPct val="200000"/>
+                        </a:lnSpc>
+                        <a:spcAft>
+                          <a:spcPts val="800"/>
+                        </a:spcAft>
+                        <a:buNone/>
+                      </a:pPr>
+                      <a:r>
+                        <a:rPr lang="en-US" sz="1400">
+                          <a:effectLst/>
+                          <a:latin typeface="Times New Roman" panose="02020603050405020304" pitchFamily="18" charset="0"/>
+                          <a:ea typeface="Times New Roman" panose="02020603050405020304" pitchFamily="18" charset="0"/>
+                        </a:rPr>
+                        <a:t>0.47</a:t>
+                      </a:r>
+                      <a:endParaRPr lang="en-US" sz="1400">
+                        <a:effectLst/>
+                        <a:latin typeface="Calibri" panose="020F0502020204030204" pitchFamily="34" charset="0"/>
+                        <a:ea typeface="Calibri" panose="020F0502020204030204" pitchFamily="34" charset="0"/>
+                      </a:endParaRPr>
+                    </a:p>
+                  </a:txBody>
+                  <a:tcPr marL="21789" marR="21789" marT="0" marB="0">
+                    <a:lnL w="12700" cap="flat" cmpd="sng" algn="ctr">
+                      <a:solidFill>
+                        <a:srgbClr val="000000"/>
+                      </a:solidFill>
+                      <a:prstDash val="solid"/>
+                      <a:round/>
+                      <a:headEnd type="none" w="med" len="med"/>
+                      <a:tailEnd type="none" w="med" len="med"/>
+                    </a:lnL>
+                    <a:lnR w="12700" cap="flat" cmpd="sng" algn="ctr">
+                      <a:solidFill>
+                        <a:srgbClr val="000000"/>
+                      </a:solidFill>
+                      <a:prstDash val="solid"/>
+                      <a:round/>
+                      <a:headEnd type="none" w="med" len="med"/>
+                      <a:tailEnd type="none" w="med" len="med"/>
+                    </a:lnR>
+                    <a:lnT w="12700" cap="flat" cmpd="sng" algn="ctr">
+                      <a:solidFill>
+                        <a:srgbClr val="000000"/>
+                      </a:solidFill>
+                      <a:prstDash val="solid"/>
+                      <a:round/>
+                      <a:headEnd type="none" w="med" len="med"/>
+                      <a:tailEnd type="none" w="med" len="med"/>
+                    </a:lnT>
+                    <a:lnB w="12700" cap="flat" cmpd="sng" algn="ctr">
+                      <a:solidFill>
+                        <a:srgbClr val="000000"/>
+                      </a:solidFill>
+                      <a:prstDash val="solid"/>
+                      <a:round/>
+                      <a:headEnd type="none" w="med" len="med"/>
+                      <a:tailEnd type="none" w="med" len="med"/>
+                    </a:lnB>
+                    <a:noFill/>
+                  </a:tcPr>
+                </a:tc>
+                <a:tc>
+                  <a:txBody>
+                    <a:bodyPr/>
+                    <a:lstStyle/>
+                    <a:p>
+                      <a:pPr>
+                        <a:lnSpc>
+                          <a:spcPct val="200000"/>
+                        </a:lnSpc>
+                        <a:spcAft>
+                          <a:spcPts val="800"/>
+                        </a:spcAft>
+                        <a:buNone/>
+                      </a:pPr>
+                      <a:r>
+                        <a:rPr lang="en-US" sz="1400">
+                          <a:effectLst/>
+                          <a:latin typeface="Times New Roman" panose="02020603050405020304" pitchFamily="18" charset="0"/>
+                          <a:ea typeface="Times New Roman" panose="02020603050405020304" pitchFamily="18" charset="0"/>
+                        </a:rPr>
+                        <a:t>0.55</a:t>
+                      </a:r>
+                      <a:endParaRPr lang="en-US" sz="1400">
+                        <a:effectLst/>
+                        <a:latin typeface="Calibri" panose="020F0502020204030204" pitchFamily="34" charset="0"/>
+                        <a:ea typeface="Calibri" panose="020F0502020204030204" pitchFamily="34" charset="0"/>
+                      </a:endParaRPr>
+                    </a:p>
+                  </a:txBody>
+                  <a:tcPr marL="21789" marR="21789" marT="0" marB="0">
+                    <a:lnL w="12700" cap="flat" cmpd="sng" algn="ctr">
+                      <a:solidFill>
+                        <a:srgbClr val="000000"/>
+                      </a:solidFill>
+                      <a:prstDash val="solid"/>
+                      <a:round/>
+                      <a:headEnd type="none" w="med" len="med"/>
+                      <a:tailEnd type="none" w="med" len="med"/>
+                    </a:lnL>
+                    <a:lnR w="12700" cap="flat" cmpd="sng" algn="ctr">
+                      <a:solidFill>
+                        <a:srgbClr val="000000"/>
+                      </a:solidFill>
+                      <a:prstDash val="solid"/>
+                      <a:round/>
+                      <a:headEnd type="none" w="med" len="med"/>
+                      <a:tailEnd type="none" w="med" len="med"/>
+                    </a:lnR>
+                    <a:lnT w="12700" cap="flat" cmpd="sng" algn="ctr">
+                      <a:solidFill>
+                        <a:srgbClr val="000000"/>
+                      </a:solidFill>
+                      <a:prstDash val="solid"/>
+                      <a:round/>
+                      <a:headEnd type="none" w="med" len="med"/>
+                      <a:tailEnd type="none" w="med" len="med"/>
+                    </a:lnT>
+                    <a:lnB w="12700" cap="flat" cmpd="sng" algn="ctr">
+                      <a:solidFill>
+                        <a:srgbClr val="000000"/>
+                      </a:solidFill>
+                      <a:prstDash val="solid"/>
+                      <a:round/>
+                      <a:headEnd type="none" w="med" len="med"/>
+                      <a:tailEnd type="none" w="med" len="med"/>
+                    </a:lnB>
+                    <a:noFill/>
+                  </a:tcPr>
+                </a:tc>
+                <a:tc>
+                  <a:txBody>
+                    <a:bodyPr/>
+                    <a:lstStyle/>
+                    <a:p>
+                      <a:pPr>
+                        <a:lnSpc>
+                          <a:spcPct val="200000"/>
+                        </a:lnSpc>
+                        <a:spcAft>
+                          <a:spcPts val="800"/>
+                        </a:spcAft>
+                        <a:buNone/>
+                      </a:pPr>
+                      <a:r>
+                        <a:rPr lang="en-US" sz="1400">
+                          <a:effectLst/>
+                          <a:latin typeface="Times New Roman" panose="02020603050405020304" pitchFamily="18" charset="0"/>
+                          <a:ea typeface="Times New Roman" panose="02020603050405020304" pitchFamily="18" charset="0"/>
+                        </a:rPr>
+                        <a:t>1.08</a:t>
+                      </a:r>
+                      <a:endParaRPr lang="en-US" sz="1400">
+                        <a:effectLst/>
+                        <a:latin typeface="Calibri" panose="020F0502020204030204" pitchFamily="34" charset="0"/>
+                        <a:ea typeface="Calibri" panose="020F0502020204030204" pitchFamily="34" charset="0"/>
+                      </a:endParaRPr>
+                    </a:p>
+                  </a:txBody>
+                  <a:tcPr marL="21789" marR="21789" marT="0" marB="0">
+                    <a:lnL w="12700" cap="flat" cmpd="sng" algn="ctr">
+                      <a:solidFill>
+                        <a:srgbClr val="000000"/>
+                      </a:solidFill>
+                      <a:prstDash val="solid"/>
+                      <a:round/>
+                      <a:headEnd type="none" w="med" len="med"/>
+                      <a:tailEnd type="none" w="med" len="med"/>
+                    </a:lnL>
+                    <a:lnR w="12700" cap="flat" cmpd="sng" algn="ctr">
+                      <a:solidFill>
+                        <a:srgbClr val="000000"/>
+                      </a:solidFill>
+                      <a:prstDash val="solid"/>
+                      <a:round/>
+                      <a:headEnd type="none" w="med" len="med"/>
+                      <a:tailEnd type="none" w="med" len="med"/>
+                    </a:lnR>
+                    <a:lnT w="12700" cap="flat" cmpd="sng" algn="ctr">
+                      <a:solidFill>
+                        <a:srgbClr val="000000"/>
+                      </a:solidFill>
+                      <a:prstDash val="solid"/>
+                      <a:round/>
+                      <a:headEnd type="none" w="med" len="med"/>
+                      <a:tailEnd type="none" w="med" len="med"/>
+                    </a:lnT>
+                    <a:lnB w="12700" cap="flat" cmpd="sng" algn="ctr">
+                      <a:solidFill>
+                        <a:srgbClr val="000000"/>
+                      </a:solidFill>
+                      <a:prstDash val="solid"/>
+                      <a:round/>
+                      <a:headEnd type="none" w="med" len="med"/>
+                      <a:tailEnd type="none" w="med" len="med"/>
+                    </a:lnB>
+                    <a:noFill/>
+                  </a:tcPr>
+                </a:tc>
+                <a:extLst>
+                  <a:ext uri="{0D108BD9-81ED-4DB2-BD59-A6C34878D82A}">
+                    <a16:rowId xmlns:a16="http://schemas.microsoft.com/office/drawing/2014/main" val="1606585299"/>
+                  </a:ext>
+                </a:extLst>
+              </a:tr>
+              <a:tr h="197861">
+                <a:tc>
+                  <a:txBody>
+                    <a:bodyPr/>
+                    <a:lstStyle/>
+                    <a:p>
+                      <a:pPr>
+                        <a:lnSpc>
+                          <a:spcPct val="200000"/>
+                        </a:lnSpc>
+                        <a:spcAft>
+                          <a:spcPts val="800"/>
+                        </a:spcAft>
+                        <a:buNone/>
+                      </a:pPr>
+                      <a:r>
+                        <a:rPr lang="en-US" sz="1400">
+                          <a:effectLst/>
+                          <a:latin typeface="Times New Roman" panose="02020603050405020304" pitchFamily="18" charset="0"/>
+                          <a:ea typeface="Times New Roman" panose="02020603050405020304" pitchFamily="18" charset="0"/>
+                        </a:rPr>
+                        <a:t>Alcohol</a:t>
+                      </a:r>
+                      <a:endParaRPr lang="en-US" sz="1400">
+                        <a:effectLst/>
+                        <a:latin typeface="Calibri" panose="020F0502020204030204" pitchFamily="34" charset="0"/>
+                        <a:ea typeface="Calibri" panose="020F0502020204030204" pitchFamily="34" charset="0"/>
+                      </a:endParaRPr>
+                    </a:p>
+                  </a:txBody>
+                  <a:tcPr marL="21789" marR="21789" marT="0" marB="0">
+                    <a:lnL w="12700" cap="flat" cmpd="sng" algn="ctr">
+                      <a:solidFill>
+                        <a:srgbClr val="000000"/>
+                      </a:solidFill>
+                      <a:prstDash val="solid"/>
+                      <a:round/>
+                      <a:headEnd type="none" w="med" len="med"/>
+                      <a:tailEnd type="none" w="med" len="med"/>
+                    </a:lnL>
+                    <a:lnR w="12700" cap="flat" cmpd="sng" algn="ctr">
+                      <a:solidFill>
+                        <a:srgbClr val="000000"/>
+                      </a:solidFill>
+                      <a:prstDash val="solid"/>
+                      <a:round/>
+                      <a:headEnd type="none" w="med" len="med"/>
+                      <a:tailEnd type="none" w="med" len="med"/>
+                    </a:lnR>
+                    <a:lnT w="12700" cap="flat" cmpd="sng" algn="ctr">
+                      <a:solidFill>
+                        <a:srgbClr val="000000"/>
+                      </a:solidFill>
+                      <a:prstDash val="solid"/>
+                      <a:round/>
+                      <a:headEnd type="none" w="med" len="med"/>
+                      <a:tailEnd type="none" w="med" len="med"/>
+                    </a:lnT>
+                    <a:lnB w="12700" cap="flat" cmpd="sng" algn="ctr">
+                      <a:solidFill>
+                        <a:srgbClr val="000000"/>
+                      </a:solidFill>
+                      <a:prstDash val="solid"/>
+                      <a:round/>
+                      <a:headEnd type="none" w="med" len="med"/>
+                      <a:tailEnd type="none" w="med" len="med"/>
+                    </a:lnB>
+                    <a:noFill/>
+                  </a:tcPr>
+                </a:tc>
+                <a:tc>
+                  <a:txBody>
+                    <a:bodyPr/>
+                    <a:lstStyle/>
+                    <a:p>
+                      <a:pPr>
+                        <a:lnSpc>
+                          <a:spcPct val="200000"/>
+                        </a:lnSpc>
+                        <a:spcAft>
+                          <a:spcPts val="800"/>
+                        </a:spcAft>
+                        <a:buNone/>
+                      </a:pPr>
+                      <a:r>
+                        <a:rPr lang="en-US" sz="1400">
+                          <a:effectLst/>
+                          <a:latin typeface="Times New Roman" panose="02020603050405020304" pitchFamily="18" charset="0"/>
+                          <a:ea typeface="Times New Roman" panose="02020603050405020304" pitchFamily="18" charset="0"/>
+                        </a:rPr>
+                        <a:t>10.51</a:t>
+                      </a:r>
+                      <a:endParaRPr lang="en-US" sz="1400">
+                        <a:effectLst/>
+                        <a:latin typeface="Calibri" panose="020F0502020204030204" pitchFamily="34" charset="0"/>
+                        <a:ea typeface="Calibri" panose="020F0502020204030204" pitchFamily="34" charset="0"/>
+                      </a:endParaRPr>
+                    </a:p>
+                  </a:txBody>
+                  <a:tcPr marL="21789" marR="21789" marT="0" marB="0">
+                    <a:lnL w="12700" cap="flat" cmpd="sng" algn="ctr">
+                      <a:solidFill>
+                        <a:srgbClr val="000000"/>
+                      </a:solidFill>
+                      <a:prstDash val="solid"/>
+                      <a:round/>
+                      <a:headEnd type="none" w="med" len="med"/>
+                      <a:tailEnd type="none" w="med" len="med"/>
+                    </a:lnL>
+                    <a:lnR w="12700" cap="flat" cmpd="sng" algn="ctr">
+                      <a:solidFill>
+                        <a:srgbClr val="000000"/>
+                      </a:solidFill>
+                      <a:prstDash val="solid"/>
+                      <a:round/>
+                      <a:headEnd type="none" w="med" len="med"/>
+                      <a:tailEnd type="none" w="med" len="med"/>
+                    </a:lnR>
+                    <a:lnT w="12700" cap="flat" cmpd="sng" algn="ctr">
+                      <a:solidFill>
+                        <a:srgbClr val="000000"/>
+                      </a:solidFill>
+                      <a:prstDash val="solid"/>
+                      <a:round/>
+                      <a:headEnd type="none" w="med" len="med"/>
+                      <a:tailEnd type="none" w="med" len="med"/>
+                    </a:lnT>
+                    <a:lnB w="12700" cap="flat" cmpd="sng" algn="ctr">
+                      <a:solidFill>
+                        <a:srgbClr val="000000"/>
+                      </a:solidFill>
+                      <a:prstDash val="solid"/>
+                      <a:round/>
+                      <a:headEnd type="none" w="med" len="med"/>
+                      <a:tailEnd type="none" w="med" len="med"/>
+                    </a:lnB>
+                    <a:noFill/>
+                  </a:tcPr>
+                </a:tc>
+                <a:tc>
+                  <a:txBody>
+                    <a:bodyPr/>
+                    <a:lstStyle/>
+                    <a:p>
+                      <a:pPr>
+                        <a:lnSpc>
+                          <a:spcPct val="200000"/>
+                        </a:lnSpc>
+                        <a:spcAft>
+                          <a:spcPts val="800"/>
+                        </a:spcAft>
+                        <a:buNone/>
+                      </a:pPr>
+                      <a:r>
+                        <a:rPr lang="en-US" sz="1400">
+                          <a:effectLst/>
+                          <a:latin typeface="Times New Roman" panose="02020603050405020304" pitchFamily="18" charset="0"/>
+                          <a:ea typeface="Times New Roman" panose="02020603050405020304" pitchFamily="18" charset="0"/>
+                        </a:rPr>
+                        <a:t>1.07</a:t>
+                      </a:r>
+                      <a:endParaRPr lang="en-US" sz="1400">
+                        <a:effectLst/>
+                        <a:latin typeface="Calibri" panose="020F0502020204030204" pitchFamily="34" charset="0"/>
+                        <a:ea typeface="Calibri" panose="020F0502020204030204" pitchFamily="34" charset="0"/>
+                      </a:endParaRPr>
+                    </a:p>
+                  </a:txBody>
+                  <a:tcPr marL="21789" marR="21789" marT="0" marB="0">
+                    <a:lnL w="12700" cap="flat" cmpd="sng" algn="ctr">
+                      <a:solidFill>
+                        <a:srgbClr val="000000"/>
+                      </a:solidFill>
+                      <a:prstDash val="solid"/>
+                      <a:round/>
+                      <a:headEnd type="none" w="med" len="med"/>
+                      <a:tailEnd type="none" w="med" len="med"/>
+                    </a:lnL>
+                    <a:lnR w="12700" cap="flat" cmpd="sng" algn="ctr">
+                      <a:solidFill>
+                        <a:srgbClr val="000000"/>
+                      </a:solidFill>
+                      <a:prstDash val="solid"/>
+                      <a:round/>
+                      <a:headEnd type="none" w="med" len="med"/>
+                      <a:tailEnd type="none" w="med" len="med"/>
+                    </a:lnR>
+                    <a:lnT w="12700" cap="flat" cmpd="sng" algn="ctr">
+                      <a:solidFill>
+                        <a:srgbClr val="000000"/>
+                      </a:solidFill>
+                      <a:prstDash val="solid"/>
+                      <a:round/>
+                      <a:headEnd type="none" w="med" len="med"/>
+                      <a:tailEnd type="none" w="med" len="med"/>
+                    </a:lnT>
+                    <a:lnB w="12700" cap="flat" cmpd="sng" algn="ctr">
+                      <a:solidFill>
+                        <a:srgbClr val="000000"/>
+                      </a:solidFill>
+                      <a:prstDash val="solid"/>
+                      <a:round/>
+                      <a:headEnd type="none" w="med" len="med"/>
+                      <a:tailEnd type="none" w="med" len="med"/>
+                    </a:lnB>
+                    <a:noFill/>
+                  </a:tcPr>
+                </a:tc>
+                <a:tc>
+                  <a:txBody>
+                    <a:bodyPr/>
+                    <a:lstStyle/>
+                    <a:p>
+                      <a:pPr>
+                        <a:lnSpc>
+                          <a:spcPct val="200000"/>
+                        </a:lnSpc>
+                        <a:spcAft>
+                          <a:spcPts val="800"/>
+                        </a:spcAft>
+                        <a:buNone/>
+                      </a:pPr>
+                      <a:r>
+                        <a:rPr lang="en-US" sz="1400">
+                          <a:effectLst/>
+                          <a:latin typeface="Times New Roman" panose="02020603050405020304" pitchFamily="18" charset="0"/>
+                          <a:ea typeface="Times New Roman" panose="02020603050405020304" pitchFamily="18" charset="0"/>
+                        </a:rPr>
+                        <a:t>8.40</a:t>
+                      </a:r>
+                      <a:endParaRPr lang="en-US" sz="1400">
+                        <a:effectLst/>
+                        <a:latin typeface="Calibri" panose="020F0502020204030204" pitchFamily="34" charset="0"/>
+                        <a:ea typeface="Calibri" panose="020F0502020204030204" pitchFamily="34" charset="0"/>
+                      </a:endParaRPr>
+                    </a:p>
+                  </a:txBody>
+                  <a:tcPr marL="21789" marR="21789" marT="0" marB="0">
+                    <a:lnL w="12700" cap="flat" cmpd="sng" algn="ctr">
+                      <a:solidFill>
+                        <a:srgbClr val="000000"/>
+                      </a:solidFill>
+                      <a:prstDash val="solid"/>
+                      <a:round/>
+                      <a:headEnd type="none" w="med" len="med"/>
+                      <a:tailEnd type="none" w="med" len="med"/>
+                    </a:lnL>
+                    <a:lnR w="12700" cap="flat" cmpd="sng" algn="ctr">
+                      <a:solidFill>
+                        <a:srgbClr val="000000"/>
+                      </a:solidFill>
+                      <a:prstDash val="solid"/>
+                      <a:round/>
+                      <a:headEnd type="none" w="med" len="med"/>
+                      <a:tailEnd type="none" w="med" len="med"/>
+                    </a:lnR>
+                    <a:lnT w="12700" cap="flat" cmpd="sng" algn="ctr">
+                      <a:solidFill>
+                        <a:srgbClr val="000000"/>
+                      </a:solidFill>
+                      <a:prstDash val="solid"/>
+                      <a:round/>
+                      <a:headEnd type="none" w="med" len="med"/>
+                      <a:tailEnd type="none" w="med" len="med"/>
+                    </a:lnT>
+                    <a:lnB w="12700" cap="flat" cmpd="sng" algn="ctr">
+                      <a:solidFill>
+                        <a:srgbClr val="000000"/>
+                      </a:solidFill>
+                      <a:prstDash val="solid"/>
+                      <a:round/>
+                      <a:headEnd type="none" w="med" len="med"/>
+                      <a:tailEnd type="none" w="med" len="med"/>
+                    </a:lnB>
+                    <a:noFill/>
+                  </a:tcPr>
+                </a:tc>
+                <a:tc>
+                  <a:txBody>
+                    <a:bodyPr/>
+                    <a:lstStyle/>
+                    <a:p>
+                      <a:pPr>
+                        <a:lnSpc>
+                          <a:spcPct val="200000"/>
+                        </a:lnSpc>
+                        <a:spcAft>
+                          <a:spcPts val="800"/>
+                        </a:spcAft>
+                        <a:buNone/>
+                      </a:pPr>
+                      <a:r>
+                        <a:rPr lang="en-US" sz="1400">
+                          <a:effectLst/>
+                          <a:latin typeface="Times New Roman" panose="02020603050405020304" pitchFamily="18" charset="0"/>
+                          <a:ea typeface="Times New Roman" panose="02020603050405020304" pitchFamily="18" charset="0"/>
+                        </a:rPr>
+                        <a:t>9.50</a:t>
+                      </a:r>
+                      <a:endParaRPr lang="en-US" sz="1400">
+                        <a:effectLst/>
+                        <a:latin typeface="Calibri" panose="020F0502020204030204" pitchFamily="34" charset="0"/>
+                        <a:ea typeface="Calibri" panose="020F0502020204030204" pitchFamily="34" charset="0"/>
+                      </a:endParaRPr>
+                    </a:p>
+                  </a:txBody>
+                  <a:tcPr marL="21789" marR="21789" marT="0" marB="0">
+                    <a:lnL w="12700" cap="flat" cmpd="sng" algn="ctr">
+                      <a:solidFill>
+                        <a:srgbClr val="000000"/>
+                      </a:solidFill>
+                      <a:prstDash val="solid"/>
+                      <a:round/>
+                      <a:headEnd type="none" w="med" len="med"/>
+                      <a:tailEnd type="none" w="med" len="med"/>
+                    </a:lnL>
+                    <a:lnR w="12700" cap="flat" cmpd="sng" algn="ctr">
+                      <a:solidFill>
+                        <a:srgbClr val="000000"/>
+                      </a:solidFill>
+                      <a:prstDash val="solid"/>
+                      <a:round/>
+                      <a:headEnd type="none" w="med" len="med"/>
+                      <a:tailEnd type="none" w="med" len="med"/>
+                    </a:lnR>
+                    <a:lnT w="12700" cap="flat" cmpd="sng" algn="ctr">
+                      <a:solidFill>
+                        <a:srgbClr val="000000"/>
+                      </a:solidFill>
+                      <a:prstDash val="solid"/>
+                      <a:round/>
+                      <a:headEnd type="none" w="med" len="med"/>
+                      <a:tailEnd type="none" w="med" len="med"/>
+                    </a:lnT>
+                    <a:lnB w="12700" cap="flat" cmpd="sng" algn="ctr">
+                      <a:solidFill>
+                        <a:srgbClr val="000000"/>
+                      </a:solidFill>
+                      <a:prstDash val="solid"/>
+                      <a:round/>
+                      <a:headEnd type="none" w="med" len="med"/>
+                      <a:tailEnd type="none" w="med" len="med"/>
+                    </a:lnB>
+                    <a:noFill/>
+                  </a:tcPr>
+                </a:tc>
+                <a:tc>
+                  <a:txBody>
+                    <a:bodyPr/>
+                    <a:lstStyle/>
+                    <a:p>
+                      <a:pPr>
+                        <a:lnSpc>
+                          <a:spcPct val="200000"/>
+                        </a:lnSpc>
+                        <a:spcAft>
+                          <a:spcPts val="800"/>
+                        </a:spcAft>
+                        <a:buNone/>
+                      </a:pPr>
+                      <a:r>
+                        <a:rPr lang="en-US" sz="1400">
+                          <a:effectLst/>
+                          <a:latin typeface="Times New Roman" panose="02020603050405020304" pitchFamily="18" charset="0"/>
+                          <a:ea typeface="Times New Roman" panose="02020603050405020304" pitchFamily="18" charset="0"/>
+                        </a:rPr>
+                        <a:t>10.40</a:t>
+                      </a:r>
+                      <a:endParaRPr lang="en-US" sz="1400">
+                        <a:effectLst/>
+                        <a:latin typeface="Calibri" panose="020F0502020204030204" pitchFamily="34" charset="0"/>
+                        <a:ea typeface="Calibri" panose="020F0502020204030204" pitchFamily="34" charset="0"/>
+                      </a:endParaRPr>
+                    </a:p>
+                  </a:txBody>
+                  <a:tcPr marL="21789" marR="21789" marT="0" marB="0">
+                    <a:lnL w="12700" cap="flat" cmpd="sng" algn="ctr">
+                      <a:solidFill>
+                        <a:srgbClr val="000000"/>
+                      </a:solidFill>
+                      <a:prstDash val="solid"/>
+                      <a:round/>
+                      <a:headEnd type="none" w="med" len="med"/>
+                      <a:tailEnd type="none" w="med" len="med"/>
+                    </a:lnL>
+                    <a:lnR w="12700" cap="flat" cmpd="sng" algn="ctr">
+                      <a:solidFill>
+                        <a:srgbClr val="000000"/>
+                      </a:solidFill>
+                      <a:prstDash val="solid"/>
+                      <a:round/>
+                      <a:headEnd type="none" w="med" len="med"/>
+                      <a:tailEnd type="none" w="med" len="med"/>
+                    </a:lnR>
+                    <a:lnT w="12700" cap="flat" cmpd="sng" algn="ctr">
+                      <a:solidFill>
+                        <a:srgbClr val="000000"/>
+                      </a:solidFill>
+                      <a:prstDash val="solid"/>
+                      <a:round/>
+                      <a:headEnd type="none" w="med" len="med"/>
+                      <a:tailEnd type="none" w="med" len="med"/>
+                    </a:lnT>
+                    <a:lnB w="12700" cap="flat" cmpd="sng" algn="ctr">
+                      <a:solidFill>
+                        <a:srgbClr val="000000"/>
+                      </a:solidFill>
+                      <a:prstDash val="solid"/>
+                      <a:round/>
+                      <a:headEnd type="none" w="med" len="med"/>
+                      <a:tailEnd type="none" w="med" len="med"/>
+                    </a:lnB>
+                    <a:noFill/>
+                  </a:tcPr>
+                </a:tc>
+                <a:tc>
+                  <a:txBody>
+                    <a:bodyPr/>
+                    <a:lstStyle/>
+                    <a:p>
+                      <a:pPr>
+                        <a:lnSpc>
+                          <a:spcPct val="200000"/>
+                        </a:lnSpc>
+                        <a:spcAft>
+                          <a:spcPts val="800"/>
+                        </a:spcAft>
+                        <a:buNone/>
+                      </a:pPr>
+                      <a:r>
+                        <a:rPr lang="en-US" sz="1400">
+                          <a:effectLst/>
+                          <a:latin typeface="Times New Roman" panose="02020603050405020304" pitchFamily="18" charset="0"/>
+                          <a:ea typeface="Times New Roman" panose="02020603050405020304" pitchFamily="18" charset="0"/>
+                        </a:rPr>
+                        <a:t>11.40</a:t>
+                      </a:r>
+                      <a:endParaRPr lang="en-US" sz="1400">
+                        <a:effectLst/>
+                        <a:latin typeface="Calibri" panose="020F0502020204030204" pitchFamily="34" charset="0"/>
+                        <a:ea typeface="Calibri" panose="020F0502020204030204" pitchFamily="34" charset="0"/>
+                      </a:endParaRPr>
+                    </a:p>
+                  </a:txBody>
+                  <a:tcPr marL="21789" marR="21789" marT="0" marB="0">
+                    <a:lnL w="12700" cap="flat" cmpd="sng" algn="ctr">
+                      <a:solidFill>
+                        <a:srgbClr val="000000"/>
+                      </a:solidFill>
+                      <a:prstDash val="solid"/>
+                      <a:round/>
+                      <a:headEnd type="none" w="med" len="med"/>
+                      <a:tailEnd type="none" w="med" len="med"/>
+                    </a:lnL>
+                    <a:lnR w="12700" cap="flat" cmpd="sng" algn="ctr">
+                      <a:solidFill>
+                        <a:srgbClr val="000000"/>
+                      </a:solidFill>
+                      <a:prstDash val="solid"/>
+                      <a:round/>
+                      <a:headEnd type="none" w="med" len="med"/>
+                      <a:tailEnd type="none" w="med" len="med"/>
+                    </a:lnR>
+                    <a:lnT w="12700" cap="flat" cmpd="sng" algn="ctr">
+                      <a:solidFill>
+                        <a:srgbClr val="000000"/>
+                      </a:solidFill>
+                      <a:prstDash val="solid"/>
+                      <a:round/>
+                      <a:headEnd type="none" w="med" len="med"/>
+                      <a:tailEnd type="none" w="med" len="med"/>
+                    </a:lnT>
+                    <a:lnB w="12700" cap="flat" cmpd="sng" algn="ctr">
+                      <a:solidFill>
+                        <a:srgbClr val="000000"/>
+                      </a:solidFill>
+                      <a:prstDash val="solid"/>
+                      <a:round/>
+                      <a:headEnd type="none" w="med" len="med"/>
+                      <a:tailEnd type="none" w="med" len="med"/>
+                    </a:lnB>
+                    <a:noFill/>
+                  </a:tcPr>
+                </a:tc>
+                <a:tc>
+                  <a:txBody>
+                    <a:bodyPr/>
+                    <a:lstStyle/>
+                    <a:p>
+                      <a:pPr>
+                        <a:lnSpc>
+                          <a:spcPct val="200000"/>
+                        </a:lnSpc>
+                        <a:spcAft>
+                          <a:spcPts val="800"/>
+                        </a:spcAft>
+                        <a:buNone/>
+                      </a:pPr>
+                      <a:r>
+                        <a:rPr lang="en-US" sz="1400">
+                          <a:effectLst/>
+                          <a:latin typeface="Times New Roman" panose="02020603050405020304" pitchFamily="18" charset="0"/>
+                          <a:ea typeface="Times New Roman" panose="02020603050405020304" pitchFamily="18" charset="0"/>
+                        </a:rPr>
+                        <a:t>14.20</a:t>
+                      </a:r>
+                      <a:endParaRPr lang="en-US" sz="1400">
+                        <a:effectLst/>
+                        <a:latin typeface="Calibri" panose="020F0502020204030204" pitchFamily="34" charset="0"/>
+                        <a:ea typeface="Calibri" panose="020F0502020204030204" pitchFamily="34" charset="0"/>
+                      </a:endParaRPr>
+                    </a:p>
+                  </a:txBody>
+                  <a:tcPr marL="21789" marR="21789" marT="0" marB="0">
+                    <a:lnL w="12700" cap="flat" cmpd="sng" algn="ctr">
+                      <a:solidFill>
+                        <a:srgbClr val="000000"/>
+                      </a:solidFill>
+                      <a:prstDash val="solid"/>
+                      <a:round/>
+                      <a:headEnd type="none" w="med" len="med"/>
+                      <a:tailEnd type="none" w="med" len="med"/>
+                    </a:lnL>
+                    <a:lnR w="12700" cap="flat" cmpd="sng" algn="ctr">
+                      <a:solidFill>
+                        <a:srgbClr val="000000"/>
+                      </a:solidFill>
+                      <a:prstDash val="solid"/>
+                      <a:round/>
+                      <a:headEnd type="none" w="med" len="med"/>
+                      <a:tailEnd type="none" w="med" len="med"/>
+                    </a:lnR>
+                    <a:lnT w="12700" cap="flat" cmpd="sng" algn="ctr">
+                      <a:solidFill>
+                        <a:srgbClr val="000000"/>
+                      </a:solidFill>
+                      <a:prstDash val="solid"/>
+                      <a:round/>
+                      <a:headEnd type="none" w="med" len="med"/>
+                      <a:tailEnd type="none" w="med" len="med"/>
+                    </a:lnT>
+                    <a:lnB w="12700" cap="flat" cmpd="sng" algn="ctr">
+                      <a:solidFill>
+                        <a:srgbClr val="000000"/>
+                      </a:solidFill>
+                      <a:prstDash val="solid"/>
+                      <a:round/>
+                      <a:headEnd type="none" w="med" len="med"/>
+                      <a:tailEnd type="none" w="med" len="med"/>
+                    </a:lnB>
+                    <a:noFill/>
+                  </a:tcPr>
+                </a:tc>
+                <a:extLst>
+                  <a:ext uri="{0D108BD9-81ED-4DB2-BD59-A6C34878D82A}">
+                    <a16:rowId xmlns:a16="http://schemas.microsoft.com/office/drawing/2014/main" val="2112761326"/>
+                  </a:ext>
+                </a:extLst>
+              </a:tr>
+              <a:tr h="197861">
+                <a:tc>
+                  <a:txBody>
+                    <a:bodyPr/>
+                    <a:lstStyle/>
+                    <a:p>
+                      <a:pPr>
+                        <a:lnSpc>
+                          <a:spcPct val="200000"/>
+                        </a:lnSpc>
+                        <a:spcAft>
+                          <a:spcPts val="800"/>
+                        </a:spcAft>
+                        <a:buNone/>
+                      </a:pPr>
+                      <a:r>
+                        <a:rPr lang="en-US" sz="1400">
+                          <a:effectLst/>
+                          <a:latin typeface="Times New Roman" panose="02020603050405020304" pitchFamily="18" charset="0"/>
+                          <a:ea typeface="Times New Roman" panose="02020603050405020304" pitchFamily="18" charset="0"/>
+                        </a:rPr>
+                        <a:t>Quality</a:t>
+                      </a:r>
+                      <a:endParaRPr lang="en-US" sz="1400">
+                        <a:effectLst/>
+                        <a:latin typeface="Calibri" panose="020F0502020204030204" pitchFamily="34" charset="0"/>
+                        <a:ea typeface="Calibri" panose="020F0502020204030204" pitchFamily="34" charset="0"/>
+                      </a:endParaRPr>
+                    </a:p>
+                  </a:txBody>
+                  <a:tcPr marL="21789" marR="21789" marT="0" marB="0">
+                    <a:lnL w="12700" cap="flat" cmpd="sng" algn="ctr">
+                      <a:solidFill>
+                        <a:srgbClr val="000000"/>
+                      </a:solidFill>
+                      <a:prstDash val="solid"/>
+                      <a:round/>
+                      <a:headEnd type="none" w="med" len="med"/>
+                      <a:tailEnd type="none" w="med" len="med"/>
+                    </a:lnL>
+                    <a:lnR w="12700" cap="flat" cmpd="sng" algn="ctr">
+                      <a:solidFill>
+                        <a:srgbClr val="000000"/>
+                      </a:solidFill>
+                      <a:prstDash val="solid"/>
+                      <a:round/>
+                      <a:headEnd type="none" w="med" len="med"/>
+                      <a:tailEnd type="none" w="med" len="med"/>
+                    </a:lnR>
+                    <a:lnT w="12700" cap="flat" cmpd="sng" algn="ctr">
+                      <a:solidFill>
+                        <a:srgbClr val="000000"/>
+                      </a:solidFill>
+                      <a:prstDash val="solid"/>
+                      <a:round/>
+                      <a:headEnd type="none" w="med" len="med"/>
+                      <a:tailEnd type="none" w="med" len="med"/>
+                    </a:lnT>
+                    <a:lnB w="12700" cap="flat" cmpd="sng" algn="ctr">
+                      <a:solidFill>
+                        <a:srgbClr val="000000"/>
+                      </a:solidFill>
+                      <a:prstDash val="solid"/>
+                      <a:round/>
+                      <a:headEnd type="none" w="med" len="med"/>
+                      <a:tailEnd type="none" w="med" len="med"/>
+                    </a:lnB>
+                    <a:noFill/>
+                  </a:tcPr>
+                </a:tc>
+                <a:tc>
+                  <a:txBody>
+                    <a:bodyPr/>
+                    <a:lstStyle/>
+                    <a:p>
+                      <a:pPr>
+                        <a:lnSpc>
+                          <a:spcPct val="200000"/>
+                        </a:lnSpc>
+                        <a:spcAft>
+                          <a:spcPts val="800"/>
+                        </a:spcAft>
+                        <a:buNone/>
+                      </a:pPr>
+                      <a:r>
+                        <a:rPr lang="en-US" sz="1400">
+                          <a:effectLst/>
+                          <a:latin typeface="Times New Roman" panose="02020603050405020304" pitchFamily="18" charset="0"/>
+                          <a:ea typeface="Times New Roman" panose="02020603050405020304" pitchFamily="18" charset="0"/>
+                        </a:rPr>
+                        <a:t>5.88</a:t>
+                      </a:r>
+                      <a:endParaRPr lang="en-US" sz="1400">
+                        <a:effectLst/>
+                        <a:latin typeface="Calibri" panose="020F0502020204030204" pitchFamily="34" charset="0"/>
+                        <a:ea typeface="Calibri" panose="020F0502020204030204" pitchFamily="34" charset="0"/>
+                      </a:endParaRPr>
+                    </a:p>
+                  </a:txBody>
+                  <a:tcPr marL="21789" marR="21789" marT="0" marB="0">
+                    <a:lnL w="12700" cap="flat" cmpd="sng" algn="ctr">
+                      <a:solidFill>
+                        <a:srgbClr val="000000"/>
+                      </a:solidFill>
+                      <a:prstDash val="solid"/>
+                      <a:round/>
+                      <a:headEnd type="none" w="med" len="med"/>
+                      <a:tailEnd type="none" w="med" len="med"/>
+                    </a:lnL>
+                    <a:lnR w="12700" cap="flat" cmpd="sng" algn="ctr">
+                      <a:solidFill>
+                        <a:srgbClr val="000000"/>
+                      </a:solidFill>
+                      <a:prstDash val="solid"/>
+                      <a:round/>
+                      <a:headEnd type="none" w="med" len="med"/>
+                      <a:tailEnd type="none" w="med" len="med"/>
+                    </a:lnR>
+                    <a:lnT w="12700" cap="flat" cmpd="sng" algn="ctr">
+                      <a:solidFill>
+                        <a:srgbClr val="000000"/>
+                      </a:solidFill>
+                      <a:prstDash val="solid"/>
+                      <a:round/>
+                      <a:headEnd type="none" w="med" len="med"/>
+                      <a:tailEnd type="none" w="med" len="med"/>
+                    </a:lnT>
+                    <a:lnB w="12700" cap="flat" cmpd="sng" algn="ctr">
+                      <a:solidFill>
+                        <a:srgbClr val="000000"/>
+                      </a:solidFill>
+                      <a:prstDash val="solid"/>
+                      <a:round/>
+                      <a:headEnd type="none" w="med" len="med"/>
+                      <a:tailEnd type="none" w="med" len="med"/>
+                    </a:lnB>
+                    <a:noFill/>
+                  </a:tcPr>
+                </a:tc>
+                <a:tc>
+                  <a:txBody>
+                    <a:bodyPr/>
+                    <a:lstStyle/>
+                    <a:p>
+                      <a:pPr>
+                        <a:lnSpc>
+                          <a:spcPct val="200000"/>
+                        </a:lnSpc>
+                        <a:spcAft>
+                          <a:spcPts val="800"/>
+                        </a:spcAft>
+                        <a:buNone/>
+                      </a:pPr>
+                      <a:r>
+                        <a:rPr lang="en-US" sz="1400">
+                          <a:effectLst/>
+                          <a:latin typeface="Times New Roman" panose="02020603050405020304" pitchFamily="18" charset="0"/>
+                          <a:ea typeface="Times New Roman" panose="02020603050405020304" pitchFamily="18" charset="0"/>
+                        </a:rPr>
+                        <a:t>0.87</a:t>
+                      </a:r>
+                      <a:endParaRPr lang="en-US" sz="1400">
+                        <a:effectLst/>
+                        <a:latin typeface="Calibri" panose="020F0502020204030204" pitchFamily="34" charset="0"/>
+                        <a:ea typeface="Calibri" panose="020F0502020204030204" pitchFamily="34" charset="0"/>
+                      </a:endParaRPr>
+                    </a:p>
+                  </a:txBody>
+                  <a:tcPr marL="21789" marR="21789" marT="0" marB="0">
+                    <a:lnL w="12700" cap="flat" cmpd="sng" algn="ctr">
+                      <a:solidFill>
+                        <a:srgbClr val="000000"/>
+                      </a:solidFill>
+                      <a:prstDash val="solid"/>
+                      <a:round/>
+                      <a:headEnd type="none" w="med" len="med"/>
+                      <a:tailEnd type="none" w="med" len="med"/>
+                    </a:lnL>
+                    <a:lnR w="12700" cap="flat" cmpd="sng" algn="ctr">
+                      <a:solidFill>
+                        <a:srgbClr val="000000"/>
+                      </a:solidFill>
+                      <a:prstDash val="solid"/>
+                      <a:round/>
+                      <a:headEnd type="none" w="med" len="med"/>
+                      <a:tailEnd type="none" w="med" len="med"/>
+                    </a:lnR>
+                    <a:lnT w="12700" cap="flat" cmpd="sng" algn="ctr">
+                      <a:solidFill>
+                        <a:srgbClr val="000000"/>
+                      </a:solidFill>
+                      <a:prstDash val="solid"/>
+                      <a:round/>
+                      <a:headEnd type="none" w="med" len="med"/>
+                      <a:tailEnd type="none" w="med" len="med"/>
+                    </a:lnT>
+                    <a:lnB w="12700" cap="flat" cmpd="sng" algn="ctr">
+                      <a:solidFill>
+                        <a:srgbClr val="000000"/>
+                      </a:solidFill>
+                      <a:prstDash val="solid"/>
+                      <a:round/>
+                      <a:headEnd type="none" w="med" len="med"/>
+                      <a:tailEnd type="none" w="med" len="med"/>
+                    </a:lnB>
+                    <a:noFill/>
+                  </a:tcPr>
+                </a:tc>
+                <a:tc>
+                  <a:txBody>
+                    <a:bodyPr/>
+                    <a:lstStyle/>
+                    <a:p>
+                      <a:pPr>
+                        <a:lnSpc>
+                          <a:spcPct val="200000"/>
+                        </a:lnSpc>
+                        <a:spcAft>
+                          <a:spcPts val="800"/>
+                        </a:spcAft>
+                        <a:buNone/>
+                      </a:pPr>
+                      <a:r>
+                        <a:rPr lang="en-US" sz="1400">
+                          <a:effectLst/>
+                          <a:latin typeface="Times New Roman" panose="02020603050405020304" pitchFamily="18" charset="0"/>
+                          <a:ea typeface="Times New Roman" panose="02020603050405020304" pitchFamily="18" charset="0"/>
+                        </a:rPr>
+                        <a:t>3.00</a:t>
+                      </a:r>
+                      <a:endParaRPr lang="en-US" sz="1400">
+                        <a:effectLst/>
+                        <a:latin typeface="Calibri" panose="020F0502020204030204" pitchFamily="34" charset="0"/>
+                        <a:ea typeface="Calibri" panose="020F0502020204030204" pitchFamily="34" charset="0"/>
+                      </a:endParaRPr>
+                    </a:p>
+                  </a:txBody>
+                  <a:tcPr marL="21789" marR="21789" marT="0" marB="0">
+                    <a:lnL w="12700" cap="flat" cmpd="sng" algn="ctr">
+                      <a:solidFill>
+                        <a:srgbClr val="000000"/>
+                      </a:solidFill>
+                      <a:prstDash val="solid"/>
+                      <a:round/>
+                      <a:headEnd type="none" w="med" len="med"/>
+                      <a:tailEnd type="none" w="med" len="med"/>
+                    </a:lnL>
+                    <a:lnR w="12700" cap="flat" cmpd="sng" algn="ctr">
+                      <a:solidFill>
+                        <a:srgbClr val="000000"/>
+                      </a:solidFill>
+                      <a:prstDash val="solid"/>
+                      <a:round/>
+                      <a:headEnd type="none" w="med" len="med"/>
+                      <a:tailEnd type="none" w="med" len="med"/>
+                    </a:lnR>
+                    <a:lnT w="12700" cap="flat" cmpd="sng" algn="ctr">
+                      <a:solidFill>
+                        <a:srgbClr val="000000"/>
+                      </a:solidFill>
+                      <a:prstDash val="solid"/>
+                      <a:round/>
+                      <a:headEnd type="none" w="med" len="med"/>
+                      <a:tailEnd type="none" w="med" len="med"/>
+                    </a:lnT>
+                    <a:lnB w="12700" cap="flat" cmpd="sng" algn="ctr">
+                      <a:solidFill>
+                        <a:srgbClr val="000000"/>
+                      </a:solidFill>
+                      <a:prstDash val="solid"/>
+                      <a:round/>
+                      <a:headEnd type="none" w="med" len="med"/>
+                      <a:tailEnd type="none" w="med" len="med"/>
+                    </a:lnB>
+                    <a:noFill/>
+                  </a:tcPr>
+                </a:tc>
+                <a:tc>
+                  <a:txBody>
+                    <a:bodyPr/>
+                    <a:lstStyle/>
+                    <a:p>
+                      <a:pPr>
+                        <a:lnSpc>
+                          <a:spcPct val="200000"/>
+                        </a:lnSpc>
+                        <a:spcAft>
+                          <a:spcPts val="800"/>
+                        </a:spcAft>
+                        <a:buNone/>
+                      </a:pPr>
+                      <a:r>
+                        <a:rPr lang="en-US" sz="1400">
+                          <a:effectLst/>
+                          <a:latin typeface="Times New Roman" panose="02020603050405020304" pitchFamily="18" charset="0"/>
+                          <a:ea typeface="Times New Roman" panose="02020603050405020304" pitchFamily="18" charset="0"/>
+                        </a:rPr>
+                        <a:t>5.00</a:t>
+                      </a:r>
+                      <a:endParaRPr lang="en-US" sz="1400">
+                        <a:effectLst/>
+                        <a:latin typeface="Calibri" panose="020F0502020204030204" pitchFamily="34" charset="0"/>
+                        <a:ea typeface="Calibri" panose="020F0502020204030204" pitchFamily="34" charset="0"/>
+                      </a:endParaRPr>
+                    </a:p>
+                  </a:txBody>
+                  <a:tcPr marL="21789" marR="21789" marT="0" marB="0">
+                    <a:lnL w="12700" cap="flat" cmpd="sng" algn="ctr">
+                      <a:solidFill>
+                        <a:srgbClr val="000000"/>
+                      </a:solidFill>
+                      <a:prstDash val="solid"/>
+                      <a:round/>
+                      <a:headEnd type="none" w="med" len="med"/>
+                      <a:tailEnd type="none" w="med" len="med"/>
+                    </a:lnL>
+                    <a:lnR w="12700" cap="flat" cmpd="sng" algn="ctr">
+                      <a:solidFill>
+                        <a:srgbClr val="000000"/>
+                      </a:solidFill>
+                      <a:prstDash val="solid"/>
+                      <a:round/>
+                      <a:headEnd type="none" w="med" len="med"/>
+                      <a:tailEnd type="none" w="med" len="med"/>
+                    </a:lnR>
+                    <a:lnT w="12700" cap="flat" cmpd="sng" algn="ctr">
+                      <a:solidFill>
+                        <a:srgbClr val="000000"/>
+                      </a:solidFill>
+                      <a:prstDash val="solid"/>
+                      <a:round/>
+                      <a:headEnd type="none" w="med" len="med"/>
+                      <a:tailEnd type="none" w="med" len="med"/>
+                    </a:lnT>
+                    <a:lnB w="12700" cap="flat" cmpd="sng" algn="ctr">
+                      <a:solidFill>
+                        <a:srgbClr val="000000"/>
+                      </a:solidFill>
+                      <a:prstDash val="solid"/>
+                      <a:round/>
+                      <a:headEnd type="none" w="med" len="med"/>
+                      <a:tailEnd type="none" w="med" len="med"/>
+                    </a:lnB>
+                    <a:noFill/>
+                  </a:tcPr>
+                </a:tc>
+                <a:tc>
+                  <a:txBody>
+                    <a:bodyPr/>
+                    <a:lstStyle/>
+                    <a:p>
+                      <a:pPr>
+                        <a:lnSpc>
+                          <a:spcPct val="200000"/>
+                        </a:lnSpc>
+                        <a:spcAft>
+                          <a:spcPts val="800"/>
+                        </a:spcAft>
+                        <a:buNone/>
+                      </a:pPr>
+                      <a:r>
+                        <a:rPr lang="en-US" sz="1400">
+                          <a:effectLst/>
+                          <a:latin typeface="Times New Roman" panose="02020603050405020304" pitchFamily="18" charset="0"/>
+                          <a:ea typeface="Times New Roman" panose="02020603050405020304" pitchFamily="18" charset="0"/>
+                        </a:rPr>
+                        <a:t>6.00</a:t>
+                      </a:r>
+                      <a:endParaRPr lang="en-US" sz="1400">
+                        <a:effectLst/>
+                        <a:latin typeface="Calibri" panose="020F0502020204030204" pitchFamily="34" charset="0"/>
+                        <a:ea typeface="Calibri" panose="020F0502020204030204" pitchFamily="34" charset="0"/>
+                      </a:endParaRPr>
+                    </a:p>
+                  </a:txBody>
+                  <a:tcPr marL="21789" marR="21789" marT="0" marB="0">
+                    <a:lnL w="12700" cap="flat" cmpd="sng" algn="ctr">
+                      <a:solidFill>
+                        <a:srgbClr val="000000"/>
+                      </a:solidFill>
+                      <a:prstDash val="solid"/>
+                      <a:round/>
+                      <a:headEnd type="none" w="med" len="med"/>
+                      <a:tailEnd type="none" w="med" len="med"/>
+                    </a:lnL>
+                    <a:lnR w="12700" cap="flat" cmpd="sng" algn="ctr">
+                      <a:solidFill>
+                        <a:srgbClr val="000000"/>
+                      </a:solidFill>
+                      <a:prstDash val="solid"/>
+                      <a:round/>
+                      <a:headEnd type="none" w="med" len="med"/>
+                      <a:tailEnd type="none" w="med" len="med"/>
+                    </a:lnR>
+                    <a:lnT w="12700" cap="flat" cmpd="sng" algn="ctr">
+                      <a:solidFill>
+                        <a:srgbClr val="000000"/>
+                      </a:solidFill>
+                      <a:prstDash val="solid"/>
+                      <a:round/>
+                      <a:headEnd type="none" w="med" len="med"/>
+                      <a:tailEnd type="none" w="med" len="med"/>
+                    </a:lnT>
+                    <a:lnB w="12700" cap="flat" cmpd="sng" algn="ctr">
+                      <a:solidFill>
+                        <a:srgbClr val="000000"/>
+                      </a:solidFill>
+                      <a:prstDash val="solid"/>
+                      <a:round/>
+                      <a:headEnd type="none" w="med" len="med"/>
+                      <a:tailEnd type="none" w="med" len="med"/>
+                    </a:lnB>
+                    <a:noFill/>
+                  </a:tcPr>
+                </a:tc>
+                <a:tc>
+                  <a:txBody>
+                    <a:bodyPr/>
+                    <a:lstStyle/>
+                    <a:p>
+                      <a:pPr>
+                        <a:lnSpc>
+                          <a:spcPct val="200000"/>
+                        </a:lnSpc>
+                        <a:spcAft>
+                          <a:spcPts val="800"/>
+                        </a:spcAft>
+                        <a:buNone/>
+                      </a:pPr>
+                      <a:r>
+                        <a:rPr lang="en-US" sz="1400">
+                          <a:effectLst/>
+                          <a:latin typeface="Times New Roman" panose="02020603050405020304" pitchFamily="18" charset="0"/>
+                          <a:ea typeface="Times New Roman" panose="02020603050405020304" pitchFamily="18" charset="0"/>
+                        </a:rPr>
+                        <a:t>6.00</a:t>
+                      </a:r>
+                      <a:endParaRPr lang="en-US" sz="1400">
+                        <a:effectLst/>
+                        <a:latin typeface="Calibri" panose="020F0502020204030204" pitchFamily="34" charset="0"/>
+                        <a:ea typeface="Calibri" panose="020F0502020204030204" pitchFamily="34" charset="0"/>
+                      </a:endParaRPr>
+                    </a:p>
+                  </a:txBody>
+                  <a:tcPr marL="21789" marR="21789" marT="0" marB="0">
+                    <a:lnL w="12700" cap="flat" cmpd="sng" algn="ctr">
+                      <a:solidFill>
+                        <a:srgbClr val="000000"/>
+                      </a:solidFill>
+                      <a:prstDash val="solid"/>
+                      <a:round/>
+                      <a:headEnd type="none" w="med" len="med"/>
+                      <a:tailEnd type="none" w="med" len="med"/>
+                    </a:lnL>
+                    <a:lnR w="12700" cap="flat" cmpd="sng" algn="ctr">
+                      <a:solidFill>
+                        <a:srgbClr val="000000"/>
+                      </a:solidFill>
+                      <a:prstDash val="solid"/>
+                      <a:round/>
+                      <a:headEnd type="none" w="med" len="med"/>
+                      <a:tailEnd type="none" w="med" len="med"/>
+                    </a:lnR>
+                    <a:lnT w="12700" cap="flat" cmpd="sng" algn="ctr">
+                      <a:solidFill>
+                        <a:srgbClr val="000000"/>
+                      </a:solidFill>
+                      <a:prstDash val="solid"/>
+                      <a:round/>
+                      <a:headEnd type="none" w="med" len="med"/>
+                      <a:tailEnd type="none" w="med" len="med"/>
+                    </a:lnT>
+                    <a:lnB w="12700" cap="flat" cmpd="sng" algn="ctr">
+                      <a:solidFill>
+                        <a:srgbClr val="000000"/>
+                      </a:solidFill>
+                      <a:prstDash val="solid"/>
+                      <a:round/>
+                      <a:headEnd type="none" w="med" len="med"/>
+                      <a:tailEnd type="none" w="med" len="med"/>
+                    </a:lnB>
+                    <a:noFill/>
+                  </a:tcPr>
+                </a:tc>
+                <a:tc>
+                  <a:txBody>
+                    <a:bodyPr/>
+                    <a:lstStyle/>
+                    <a:p>
+                      <a:pPr>
+                        <a:lnSpc>
+                          <a:spcPct val="200000"/>
+                        </a:lnSpc>
+                        <a:spcAft>
+                          <a:spcPts val="800"/>
+                        </a:spcAft>
+                        <a:buNone/>
+                      </a:pPr>
+                      <a:r>
+                        <a:rPr lang="en-US" sz="1400" dirty="0">
+                          <a:effectLst/>
+                          <a:latin typeface="Times New Roman" panose="02020603050405020304" pitchFamily="18" charset="0"/>
+                          <a:ea typeface="Times New Roman" panose="02020603050405020304" pitchFamily="18" charset="0"/>
+                        </a:rPr>
+                        <a:t>9.00</a:t>
+                      </a:r>
+                      <a:endParaRPr lang="en-US" sz="1400" dirty="0">
+                        <a:effectLst/>
+                        <a:latin typeface="Calibri" panose="020F0502020204030204" pitchFamily="34" charset="0"/>
+                        <a:ea typeface="Calibri" panose="020F0502020204030204" pitchFamily="34" charset="0"/>
+                      </a:endParaRPr>
+                    </a:p>
+                  </a:txBody>
+                  <a:tcPr marL="21789" marR="21789" marT="0" marB="0">
+                    <a:lnL w="12700" cap="flat" cmpd="sng" algn="ctr">
+                      <a:solidFill>
+                        <a:srgbClr val="000000"/>
+                      </a:solidFill>
+                      <a:prstDash val="solid"/>
+                      <a:round/>
+                      <a:headEnd type="none" w="med" len="med"/>
+                      <a:tailEnd type="none" w="med" len="med"/>
+                    </a:lnL>
+                    <a:lnR w="12700" cap="flat" cmpd="sng" algn="ctr">
+                      <a:solidFill>
+                        <a:srgbClr val="000000"/>
+                      </a:solidFill>
+                      <a:prstDash val="solid"/>
+                      <a:round/>
+                      <a:headEnd type="none" w="med" len="med"/>
+                      <a:tailEnd type="none" w="med" len="med"/>
+                    </a:lnR>
+                    <a:lnT w="12700" cap="flat" cmpd="sng" algn="ctr">
+                      <a:solidFill>
+                        <a:srgbClr val="000000"/>
+                      </a:solidFill>
+                      <a:prstDash val="solid"/>
+                      <a:round/>
+                      <a:headEnd type="none" w="med" len="med"/>
+                      <a:tailEnd type="none" w="med" len="med"/>
+                    </a:lnT>
+                    <a:lnB w="12700" cap="flat" cmpd="sng" algn="ctr">
+                      <a:solidFill>
+                        <a:srgbClr val="000000"/>
+                      </a:solidFill>
+                      <a:prstDash val="solid"/>
+                      <a:round/>
+                      <a:headEnd type="none" w="med" len="med"/>
+                      <a:tailEnd type="none" w="med" len="med"/>
+                    </a:lnB>
+                    <a:noFill/>
+                  </a:tcPr>
+                </a:tc>
+                <a:extLst>
+                  <a:ext uri="{0D108BD9-81ED-4DB2-BD59-A6C34878D82A}">
+                    <a16:rowId xmlns:a16="http://schemas.microsoft.com/office/drawing/2014/main" val="4047375100"/>
+                  </a:ext>
+                </a:extLst>
+              </a:tr>
+            </a:tbl>
+          </a:graphicData>
+        </a:graphic>
+      </p:graphicFrame>
+    </p:spTree>
+    <p:extLst>
+      <p:ext uri="{BB962C8B-B14F-4D97-AF65-F5344CB8AC3E}">
+        <p14:creationId xmlns:p14="http://schemas.microsoft.com/office/powerpoint/2010/main" val="3693986423"/>
+      </p:ext>
+    </p:extLst>
+  </p:cSld>
+  <p:clrMapOvr>
+    <a:masterClrMapping/>
+  </p:clrMapOvr>
+</p:sld>
+</file>
+
+<file path=ppt/slides/slide6.xml><?xml version="1.0" encoding="utf-8"?>
+<p:sld xmlns:a="http://schemas.openxmlformats.org/drawingml/2006/main" xmlns:r="http://schemas.openxmlformats.org/officeDocument/2006/relationships" xmlns:p="http://schemas.openxmlformats.org/presentationml/2006/main">
+  <p:cSld>
+    <p:spTree>
+      <p:nvGrpSpPr>
         <p:cNvPr id="1" name="Shape 182"/>
         <p:cNvGrpSpPr/>
         <p:nvPr/>
@@ -21374,7 +29264,7 @@
         </p:spPr>
         <p:txBody>
           <a:bodyPr spcFirstLastPara="1" wrap="square" lIns="91425" tIns="45700" rIns="91425" bIns="45700" anchor="t" anchorCtr="0">
-            <a:normAutofit fontScale="77500" lnSpcReduction="10000"/>
+            <a:normAutofit fontScale="77500" lnSpcReduction="20000"/>
           </a:bodyPr>
           <a:lstStyle/>
           <a:p>
@@ -21506,7 +29396,7 @@
 </p:sld>
 </file>
 
-<file path=ppt/slides/slide6.xml><?xml version="1.0" encoding="utf-8"?>
+<file path=ppt/slides/slide7.xml><?xml version="1.0" encoding="utf-8"?>
 <p:sld xmlns:a="http://schemas.openxmlformats.org/drawingml/2006/main" xmlns:r="http://schemas.openxmlformats.org/officeDocument/2006/relationships" xmlns:p="http://schemas.openxmlformats.org/presentationml/2006/main">
   <p:cSld>
     <p:spTree>
@@ -21771,7 +29661,7 @@
 </p:sld>
 </file>
 
-<file path=ppt/slides/slide7.xml><?xml version="1.0" encoding="utf-8"?>
+<file path=ppt/slides/slide8.xml><?xml version="1.0" encoding="utf-8"?>
 <p:sld xmlns:a="http://schemas.openxmlformats.org/drawingml/2006/main" xmlns:r="http://schemas.openxmlformats.org/officeDocument/2006/relationships" xmlns:p="http://schemas.openxmlformats.org/presentationml/2006/main">
   <p:cSld>
     <p:spTree>
@@ -22041,7 +29931,7 @@
 </p:sld>
 </file>
 
-<file path=ppt/slides/slide8.xml><?xml version="1.0" encoding="utf-8"?>
+<file path=ppt/slides/slide9.xml><?xml version="1.0" encoding="utf-8"?>
 <p:sld xmlns:a="http://schemas.openxmlformats.org/drawingml/2006/main" xmlns:r="http://schemas.openxmlformats.org/officeDocument/2006/relationships" xmlns:p="http://schemas.openxmlformats.org/presentationml/2006/main">
   <p:cSld>
     <p:bg>
@@ -22456,276 +30346,6 @@
             <a:miter lim="800000"/>
             <a:headEnd type="none" w="sm" len="sm"/>
             <a:tailEnd type="none" w="sm" len="sm"/>
-          </a:ln>
-        </p:spPr>
-      </p:pic>
-    </p:spTree>
-  </p:cSld>
-  <p:clrMapOvr>
-    <a:masterClrMapping/>
-  </p:clrMapOvr>
-</p:sld>
-</file>
-
-<file path=ppt/slides/slide9.xml><?xml version="1.0" encoding="utf-8"?>
-<p:sld xmlns:a="http://schemas.openxmlformats.org/drawingml/2006/main" xmlns:r="http://schemas.openxmlformats.org/officeDocument/2006/relationships" xmlns:p="http://schemas.openxmlformats.org/presentationml/2006/main">
-  <p:cSld>
-    <p:spTree>
-      <p:nvGrpSpPr>
-        <p:cNvPr id="1" name="Shape 219"/>
-        <p:cNvGrpSpPr/>
-        <p:nvPr/>
-      </p:nvGrpSpPr>
-      <p:grpSpPr>
-        <a:xfrm>
-          <a:off x="0" y="0"/>
-          <a:ext cx="0" cy="0"/>
-          <a:chOff x="0" y="0"/>
-          <a:chExt cx="0" cy="0"/>
-        </a:xfrm>
-      </p:grpSpPr>
-      <p:sp>
-        <p:nvSpPr>
-          <p:cNvPr id="220" name="Google Shape;220;p8"/>
-          <p:cNvSpPr txBox="1">
-            <a:spLocks noGrp="1"/>
-          </p:cNvSpPr>
-          <p:nvPr>
-            <p:ph type="title"/>
-          </p:nvPr>
-        </p:nvSpPr>
-        <p:spPr>
-          <a:xfrm>
-            <a:off x="1295402" y="982132"/>
-            <a:ext cx="9601196" cy="1303867"/>
-          </a:xfrm>
-          <a:prstGeom prst="rect">
-            <a:avLst/>
-          </a:prstGeom>
-          <a:noFill/>
-          <a:ln>
-            <a:noFill/>
-          </a:ln>
-        </p:spPr>
-        <p:txBody>
-          <a:bodyPr spcFirstLastPara="1" wrap="square" lIns="91425" tIns="45700" rIns="91425" bIns="45700" anchor="ctr" anchorCtr="0">
-            <a:normAutofit/>
-          </a:bodyPr>
-          <a:lstStyle/>
-          <a:p>
-            <a:pPr marL="0" lvl="0" indent="0" algn="ctr" rtl="0">
-              <a:spcBef>
-                <a:spcPts val="0"/>
-              </a:spcBef>
-              <a:spcAft>
-                <a:spcPts val="0"/>
-              </a:spcAft>
-              <a:buClr>
-                <a:srgbClr val="262626"/>
-              </a:buClr>
-              <a:buSzPts val="3600"/>
-              <a:buFont typeface="Times New Roman"/>
-              <a:buNone/>
-            </a:pPr>
-            <a:r>
-              <a:rPr lang="en-US" sz="3600" b="1">
-                <a:latin typeface="Times New Roman"/>
-                <a:ea typeface="Times New Roman"/>
-                <a:cs typeface="Times New Roman"/>
-                <a:sym typeface="Times New Roman"/>
-              </a:rPr>
-              <a:t>Model Selection – Regression</a:t>
-            </a:r>
-            <a:endParaRPr/>
-          </a:p>
-        </p:txBody>
-      </p:sp>
-      <p:sp>
-        <p:nvSpPr>
-          <p:cNvPr id="221" name="Google Shape;221;p8"/>
-          <p:cNvSpPr txBox="1">
-            <a:spLocks noGrp="1"/>
-          </p:cNvSpPr>
-          <p:nvPr>
-            <p:ph type="body" idx="1"/>
-          </p:nvPr>
-        </p:nvSpPr>
-        <p:spPr>
-          <a:xfrm>
-            <a:off x="1298448" y="2560320"/>
-            <a:ext cx="4718304" cy="3310128"/>
-          </a:xfrm>
-          <a:prstGeom prst="rect">
-            <a:avLst/>
-          </a:prstGeom>
-          <a:noFill/>
-          <a:ln>
-            <a:noFill/>
-          </a:ln>
-        </p:spPr>
-        <p:txBody>
-          <a:bodyPr spcFirstLastPara="1" wrap="square" lIns="91425" tIns="45700" rIns="91425" bIns="45700" anchor="t" anchorCtr="0">
-            <a:normAutofit fontScale="85000" lnSpcReduction="10000"/>
-          </a:bodyPr>
-          <a:lstStyle/>
-          <a:p>
-            <a:pPr marL="285750" lvl="0" indent="-285750" algn="l" rtl="0">
-              <a:spcBef>
-                <a:spcPts val="0"/>
-              </a:spcBef>
-              <a:spcAft>
-                <a:spcPts val="0"/>
-              </a:spcAft>
-              <a:buSzPct val="115000"/>
-              <a:buChar char="•"/>
-            </a:pPr>
-            <a:r>
-              <a:rPr lang="en-US">
-                <a:latin typeface="Times New Roman"/>
-                <a:ea typeface="Times New Roman"/>
-                <a:cs typeface="Times New Roman"/>
-                <a:sym typeface="Times New Roman"/>
-              </a:rPr>
-              <a:t>Models Tested – Linear Regression, Random Forest, and XGBoost.</a:t>
-            </a:r>
-            <a:endParaRPr/>
-          </a:p>
-          <a:p>
-            <a:pPr marL="285750" lvl="0" indent="-285750" algn="l" rtl="0">
-              <a:spcBef>
-                <a:spcPts val="1008"/>
-              </a:spcBef>
-              <a:spcAft>
-                <a:spcPts val="0"/>
-              </a:spcAft>
-              <a:buSzPct val="115000"/>
-              <a:buChar char="•"/>
-            </a:pPr>
-            <a:r>
-              <a:rPr lang="en-US">
-                <a:latin typeface="Times New Roman"/>
-                <a:ea typeface="Times New Roman"/>
-                <a:cs typeface="Times New Roman"/>
-                <a:sym typeface="Times New Roman"/>
-              </a:rPr>
-              <a:t>Linear Regression – Baseline with simple assumptions, limited complexity.</a:t>
-            </a:r>
-            <a:endParaRPr/>
-          </a:p>
-          <a:p>
-            <a:pPr marL="285750" lvl="0" indent="-285750" algn="l" rtl="0">
-              <a:spcBef>
-                <a:spcPts val="1008"/>
-              </a:spcBef>
-              <a:spcAft>
-                <a:spcPts val="0"/>
-              </a:spcAft>
-              <a:buSzPct val="115000"/>
-              <a:buChar char="•"/>
-            </a:pPr>
-            <a:r>
-              <a:rPr lang="en-US">
-                <a:latin typeface="Times New Roman"/>
-                <a:ea typeface="Times New Roman"/>
-                <a:cs typeface="Times New Roman"/>
-                <a:sym typeface="Times New Roman"/>
-              </a:rPr>
-              <a:t>Random Forest – Handles nonlinearities and feature interactions well.</a:t>
-            </a:r>
-            <a:endParaRPr/>
-          </a:p>
-          <a:p>
-            <a:pPr marL="285750" lvl="0" indent="-285750" algn="l" rtl="0">
-              <a:spcBef>
-                <a:spcPts val="1008"/>
-              </a:spcBef>
-              <a:spcAft>
-                <a:spcPts val="0"/>
-              </a:spcAft>
-              <a:buSzPct val="115000"/>
-              <a:buChar char="•"/>
-            </a:pPr>
-            <a:r>
-              <a:rPr lang="en-US">
-                <a:latin typeface="Times New Roman"/>
-                <a:ea typeface="Times New Roman"/>
-                <a:cs typeface="Times New Roman"/>
-                <a:sym typeface="Times New Roman"/>
-              </a:rPr>
-              <a:t>XGBoost – Powerful gradient boosting, strong performance on structured data.</a:t>
-            </a:r>
-            <a:endParaRPr/>
-          </a:p>
-          <a:p>
-            <a:pPr marL="285750" lvl="0" indent="-136779" algn="l" rtl="0">
-              <a:spcBef>
-                <a:spcPts val="1008"/>
-              </a:spcBef>
-              <a:spcAft>
-                <a:spcPts val="0"/>
-              </a:spcAft>
-              <a:buSzPct val="115000"/>
-              <a:buNone/>
-            </a:pPr>
-            <a:endParaRPr/>
-          </a:p>
-        </p:txBody>
-      </p:sp>
-      <p:pic>
-        <p:nvPicPr>
-          <p:cNvPr id="222" name="Google Shape;222;p8"/>
-          <p:cNvPicPr preferRelativeResize="0">
-            <a:picLocks noGrp="1"/>
-          </p:cNvPicPr>
-          <p:nvPr>
-            <p:ph type="body" idx="2"/>
-          </p:nvPr>
-        </p:nvPicPr>
-        <p:blipFill rotWithShape="1">
-          <a:blip r:embed="rId3">
-            <a:alphaModFix/>
-          </a:blip>
-          <a:srcRect/>
-          <a:stretch/>
-        </p:blipFill>
-        <p:spPr>
-          <a:xfrm>
-            <a:off x="6273635" y="2514455"/>
-            <a:ext cx="4718050" cy="1472473"/>
-          </a:xfrm>
-          <a:prstGeom prst="rect">
-            <a:avLst/>
-          </a:prstGeom>
-          <a:noFill/>
-          <a:ln>
-            <a:noFill/>
-          </a:ln>
-        </p:spPr>
-      </p:pic>
-      <p:pic>
-        <p:nvPicPr>
-          <p:cNvPr id="223" name="Google Shape;223;p8"/>
-          <p:cNvPicPr preferRelativeResize="0"/>
-          <p:nvPr/>
-        </p:nvPicPr>
-        <p:blipFill rotWithShape="1">
-          <a:blip r:embed="rId4">
-            <a:alphaModFix/>
-          </a:blip>
-          <a:srcRect/>
-          <a:stretch/>
-        </p:blipFill>
-        <p:spPr>
-          <a:xfrm>
-            <a:off x="6371773" y="4113784"/>
-            <a:ext cx="4521779" cy="1973943"/>
-          </a:xfrm>
-          <a:prstGeom prst="rect">
-            <a:avLst/>
-          </a:prstGeom>
-          <a:noFill/>
-          <a:ln>
-            <a:noFill/>
           </a:ln>
         </p:spPr>
       </p:pic>
